--- a/document-mgmt-system/technical-document/SpringMicroserviceArchitecture.pptx
+++ b/document-mgmt-system/technical-document/SpringMicroserviceArchitecture.pptx
@@ -9,15 +9,16 @@
     <p:sldId id="258" r:id="rId3"/>
     <p:sldId id="259" r:id="rId4"/>
     <p:sldId id="256" r:id="rId5"/>
-    <p:sldId id="260" r:id="rId6"/>
-    <p:sldId id="261" r:id="rId7"/>
-    <p:sldId id="265" r:id="rId8"/>
-    <p:sldId id="262" r:id="rId9"/>
-    <p:sldId id="263" r:id="rId10"/>
-    <p:sldId id="269" r:id="rId11"/>
-    <p:sldId id="268" r:id="rId12"/>
-    <p:sldId id="266" r:id="rId13"/>
-    <p:sldId id="267" r:id="rId14"/>
+    <p:sldId id="270" r:id="rId6"/>
+    <p:sldId id="260" r:id="rId7"/>
+    <p:sldId id="261" r:id="rId8"/>
+    <p:sldId id="265" r:id="rId9"/>
+    <p:sldId id="262" r:id="rId10"/>
+    <p:sldId id="263" r:id="rId11"/>
+    <p:sldId id="269" r:id="rId12"/>
+    <p:sldId id="268" r:id="rId13"/>
+    <p:sldId id="266" r:id="rId14"/>
+    <p:sldId id="267" r:id="rId15"/>
   </p:sldIdLst>
   <p:sldSz cx="12192000" cy="6858000"/>
   <p:notesSz cx="6858000" cy="9144000"/>
@@ -273,7 +274,7 @@
           <a:p>
             <a:fld id="{3287D490-2E6A-412B-8FB4-63C8E17727EE}" type="datetimeFigureOut">
               <a:rPr lang="en-IN" smtClean="0"/>
-              <a:t>28-12-2019</a:t>
+              <a:t>20-04-2020</a:t>
             </a:fld>
             <a:endParaRPr lang="en-IN"/>
           </a:p>
@@ -473,7 +474,7 @@
           <a:p>
             <a:fld id="{3287D490-2E6A-412B-8FB4-63C8E17727EE}" type="datetimeFigureOut">
               <a:rPr lang="en-IN" smtClean="0"/>
-              <a:t>28-12-2019</a:t>
+              <a:t>20-04-2020</a:t>
             </a:fld>
             <a:endParaRPr lang="en-IN"/>
           </a:p>
@@ -683,7 +684,7 @@
           <a:p>
             <a:fld id="{3287D490-2E6A-412B-8FB4-63C8E17727EE}" type="datetimeFigureOut">
               <a:rPr lang="en-IN" smtClean="0"/>
-              <a:t>28-12-2019</a:t>
+              <a:t>20-04-2020</a:t>
             </a:fld>
             <a:endParaRPr lang="en-IN"/>
           </a:p>
@@ -883,7 +884,7 @@
           <a:p>
             <a:fld id="{3287D490-2E6A-412B-8FB4-63C8E17727EE}" type="datetimeFigureOut">
               <a:rPr lang="en-IN" smtClean="0"/>
-              <a:t>28-12-2019</a:t>
+              <a:t>20-04-2020</a:t>
             </a:fld>
             <a:endParaRPr lang="en-IN"/>
           </a:p>
@@ -1159,7 +1160,7 @@
           <a:p>
             <a:fld id="{3287D490-2E6A-412B-8FB4-63C8E17727EE}" type="datetimeFigureOut">
               <a:rPr lang="en-IN" smtClean="0"/>
-              <a:t>28-12-2019</a:t>
+              <a:t>20-04-2020</a:t>
             </a:fld>
             <a:endParaRPr lang="en-IN"/>
           </a:p>
@@ -1427,7 +1428,7 @@
           <a:p>
             <a:fld id="{3287D490-2E6A-412B-8FB4-63C8E17727EE}" type="datetimeFigureOut">
               <a:rPr lang="en-IN" smtClean="0"/>
-              <a:t>28-12-2019</a:t>
+              <a:t>20-04-2020</a:t>
             </a:fld>
             <a:endParaRPr lang="en-IN"/>
           </a:p>
@@ -1842,7 +1843,7 @@
           <a:p>
             <a:fld id="{3287D490-2E6A-412B-8FB4-63C8E17727EE}" type="datetimeFigureOut">
               <a:rPr lang="en-IN" smtClean="0"/>
-              <a:t>28-12-2019</a:t>
+              <a:t>20-04-2020</a:t>
             </a:fld>
             <a:endParaRPr lang="en-IN"/>
           </a:p>
@@ -1984,7 +1985,7 @@
           <a:p>
             <a:fld id="{3287D490-2E6A-412B-8FB4-63C8E17727EE}" type="datetimeFigureOut">
               <a:rPr lang="en-IN" smtClean="0"/>
-              <a:t>28-12-2019</a:t>
+              <a:t>20-04-2020</a:t>
             </a:fld>
             <a:endParaRPr lang="en-IN"/>
           </a:p>
@@ -2097,7 +2098,7 @@
           <a:p>
             <a:fld id="{3287D490-2E6A-412B-8FB4-63C8E17727EE}" type="datetimeFigureOut">
               <a:rPr lang="en-IN" smtClean="0"/>
-              <a:t>28-12-2019</a:t>
+              <a:t>20-04-2020</a:t>
             </a:fld>
             <a:endParaRPr lang="en-IN"/>
           </a:p>
@@ -2410,7 +2411,7 @@
           <a:p>
             <a:fld id="{3287D490-2E6A-412B-8FB4-63C8E17727EE}" type="datetimeFigureOut">
               <a:rPr lang="en-IN" smtClean="0"/>
-              <a:t>28-12-2019</a:t>
+              <a:t>20-04-2020</a:t>
             </a:fld>
             <a:endParaRPr lang="en-IN"/>
           </a:p>
@@ -2699,7 +2700,7 @@
           <a:p>
             <a:fld id="{3287D490-2E6A-412B-8FB4-63C8E17727EE}" type="datetimeFigureOut">
               <a:rPr lang="en-IN" smtClean="0"/>
-              <a:t>28-12-2019</a:t>
+              <a:t>20-04-2020</a:t>
             </a:fld>
             <a:endParaRPr lang="en-IN"/>
           </a:p>
@@ -2942,7 +2943,7 @@
           <a:p>
             <a:fld id="{3287D490-2E6A-412B-8FB4-63C8E17727EE}" type="datetimeFigureOut">
               <a:rPr lang="en-IN" smtClean="0"/>
-              <a:t>28-12-2019</a:t>
+              <a:t>20-04-2020</a:t>
             </a:fld>
             <a:endParaRPr lang="en-IN"/>
           </a:p>
@@ -3476,7 +3477,7 @@
         </p:nvSpPr>
         <p:spPr>
           <a:xfrm>
-            <a:off x="435748" y="166509"/>
+            <a:off x="435748" y="124564"/>
             <a:ext cx="9810659" cy="523220"/>
           </a:xfrm>
           <a:prstGeom prst="rect">
@@ -3511,7 +3512,51 @@
                   </a:outerShdw>
                 </a:effectLst>
               </a:rPr>
-              <a:t>Authentication Service – Spring Cloud Security, OAuth2, JWT</a:t>
+              <a:t>Gateway to client applications - </a:t>
+            </a:r>
+            <a:r>
+              <a:rPr lang="en-IN" sz="2800" b="1" dirty="0" err="1">
+                <a:ln w="6600">
+                  <a:solidFill>
+                    <a:schemeClr val="accent2"/>
+                  </a:solidFill>
+                  <a:prstDash val="solid"/>
+                </a:ln>
+                <a:solidFill>
+                  <a:schemeClr val="accent2">
+                    <a:lumMod val="40000"/>
+                    <a:lumOff val="60000"/>
+                  </a:schemeClr>
+                </a:solidFill>
+                <a:effectLst>
+                  <a:outerShdw dist="38100" dir="2700000" algn="tl" rotWithShape="0">
+                    <a:schemeClr val="accent2"/>
+                  </a:outerShdw>
+                </a:effectLst>
+              </a:rPr>
+              <a:t>Zuul</a:t>
+            </a:r>
+            <a:r>
+              <a:rPr lang="en-IN" sz="2800" b="1" dirty="0">
+                <a:ln w="6600">
+                  <a:solidFill>
+                    <a:schemeClr val="accent2"/>
+                  </a:solidFill>
+                  <a:prstDash val="solid"/>
+                </a:ln>
+                <a:solidFill>
+                  <a:schemeClr val="accent2">
+                    <a:lumMod val="40000"/>
+                    <a:lumOff val="60000"/>
+                  </a:schemeClr>
+                </a:solidFill>
+                <a:effectLst>
+                  <a:outerShdw dist="38100" dir="2700000" algn="tl" rotWithShape="0">
+                    <a:schemeClr val="accent2"/>
+                  </a:outerShdw>
+                </a:effectLst>
+              </a:rPr>
+              <a:t> Gateway (Netflix)</a:t>
             </a:r>
           </a:p>
         </p:txBody>
@@ -3531,7 +3576,7 @@
         <p:spPr>
           <a:xfrm>
             <a:off x="199219" y="961755"/>
-            <a:ext cx="10970134" cy="3970318"/>
+            <a:ext cx="10970134" cy="369332"/>
           </a:xfrm>
           <a:prstGeom prst="rect">
             <a:avLst/>
@@ -3544,149 +3589,451 @@
           </a:bodyPr>
           <a:lstStyle/>
           <a:p>
-            <a:pPr marL="285750" indent="-285750" algn="just">
+            <a:pPr algn="just"/>
+            <a:r>
+              <a:rPr lang="en-IN" dirty="0">
+                <a:latin typeface="Times New Roman" panose="02020603050405020304" pitchFamily="18" charset="0"/>
+                <a:cs typeface="Times New Roman" panose="02020603050405020304" pitchFamily="18" charset="0"/>
+              </a:rPr>
+              <a:t>	</a:t>
+            </a:r>
+          </a:p>
+        </p:txBody>
+      </p:sp>
+      <p:sp>
+        <p:nvSpPr>
+          <p:cNvPr id="7" name="Rectangle 6">
+            <a:extLst>
+              <a:ext uri="{FF2B5EF4-FFF2-40B4-BE49-F238E27FC236}">
+                <a16:creationId xmlns:a16="http://schemas.microsoft.com/office/drawing/2014/main" id="{3BE0231D-C36B-4791-A720-8A6656CDB526}"/>
+              </a:ext>
+            </a:extLst>
+          </p:cNvPr>
+          <p:cNvSpPr/>
+          <p:nvPr/>
+        </p:nvSpPr>
+        <p:spPr>
+          <a:xfrm>
+            <a:off x="293134" y="961755"/>
+            <a:ext cx="11459841" cy="4962897"/>
+          </a:xfrm>
+          <a:prstGeom prst="rect">
+            <a:avLst/>
+          </a:prstGeom>
+        </p:spPr>
+        <p:txBody>
+          <a:bodyPr wrap="square">
+            <a:spAutoFit/>
+          </a:bodyPr>
+          <a:lstStyle/>
+          <a:p>
+            <a:pPr marL="400050" indent="-171450" algn="just">
               <a:buFont typeface="Arial" panose="020B0604020202020204" pitchFamily="34" charset="0"/>
               <a:buChar char="•"/>
             </a:pPr>
             <a:r>
-              <a:rPr lang="en-IN" dirty="0"/>
-              <a:t>Authentication Service is used for validating user credentials, and issuing tokens.</a:t>
-            </a:r>
-          </a:p>
-          <a:p>
-            <a:pPr marL="285750" indent="-285750">
+              <a:rPr lang="en-IN" sz="1050" spc="-5" dirty="0">
+                <a:solidFill>
+                  <a:srgbClr val="000000"/>
+                </a:solidFill>
+                <a:latin typeface="Georgia" panose="02040502050405020303" pitchFamily="18" charset="0"/>
+                <a:ea typeface="Calibri" panose="020F0502020204030204" pitchFamily="34" charset="0"/>
+                <a:cs typeface="Times New Roman" panose="02020603050405020304" pitchFamily="18" charset="0"/>
+              </a:rPr>
+              <a:t>A gateway is a single-entry point into the system, used to handle requests by routing them to the corresponding microservice. It can also be used for authentication, monitoring, and more.</a:t>
+            </a:r>
+            <a:endParaRPr lang="en-IN" sz="1050" dirty="0">
+              <a:latin typeface="Georgia" panose="02040502050405020303" pitchFamily="18" charset="0"/>
+              <a:ea typeface="Calibri" panose="020F0502020204030204" pitchFamily="34" charset="0"/>
+              <a:cs typeface="Times New Roman" panose="02020603050405020304" pitchFamily="18" charset="0"/>
+            </a:endParaRPr>
+          </a:p>
+          <a:p>
+            <a:pPr marL="228600" algn="just"/>
+            <a:endParaRPr lang="en-IN" sz="1050" b="1" i="1" spc="-5" dirty="0">
+              <a:solidFill>
+                <a:srgbClr val="000000"/>
+              </a:solidFill>
+              <a:latin typeface="Georgia" panose="02040502050405020303" pitchFamily="18" charset="0"/>
+              <a:ea typeface="Times New Roman" panose="02020603050405020304" pitchFamily="18" charset="0"/>
+              <a:cs typeface="Times New Roman" panose="02020603050405020304" pitchFamily="18" charset="0"/>
+            </a:endParaRPr>
+          </a:p>
+          <a:p>
+            <a:pPr marL="400050" indent="-171450" algn="just">
               <a:buFont typeface="Arial" panose="020B0604020202020204" pitchFamily="34" charset="0"/>
               <a:buChar char="•"/>
             </a:pPr>
             <a:r>
-              <a:rPr lang="en-IN" dirty="0"/>
-              <a:t>The authentication flow is simple as:</a:t>
-            </a:r>
-          </a:p>
-          <a:p>
-            <a:pPr marL="800100" lvl="1" indent="-342900">
-              <a:buFont typeface="+mj-lt"/>
-              <a:buAutoNum type="alphaLcParenR"/>
-            </a:pPr>
-            <a:r>
-              <a:rPr lang="en-IN" dirty="0"/>
-              <a:t>The user sends a request to get a token passing his credentials.</a:t>
-            </a:r>
-          </a:p>
-          <a:p>
-            <a:pPr marL="800100" lvl="1" indent="-342900">
-              <a:buFont typeface="+mj-lt"/>
-              <a:buAutoNum type="alphaLcParenR"/>
-            </a:pPr>
-            <a:r>
-              <a:rPr lang="en-IN" dirty="0"/>
-              <a:t>The server validates the credentials and sends back a token.</a:t>
-            </a:r>
-          </a:p>
-          <a:p>
-            <a:pPr marL="800100" lvl="1" indent="-342900">
-              <a:buFont typeface="+mj-lt"/>
-              <a:buAutoNum type="alphaLcParenR"/>
-            </a:pPr>
-            <a:r>
-              <a:rPr lang="en-IN" dirty="0"/>
-              <a:t>With every request, the user has to provide the token, and server will validate that token.</a:t>
-            </a:r>
-          </a:p>
-          <a:p>
-            <a:pPr marL="342900" indent="-342900">
+              <a:rPr lang="en-IN" sz="1050" b="1" i="1" spc="-5" dirty="0">
+                <a:solidFill>
+                  <a:srgbClr val="000000"/>
+                </a:solidFill>
+                <a:latin typeface="Georgia" panose="02040502050405020303" pitchFamily="18" charset="0"/>
+                <a:ea typeface="Times New Roman" panose="02020603050405020304" pitchFamily="18" charset="0"/>
+                <a:cs typeface="Times New Roman" panose="02020603050405020304" pitchFamily="18" charset="0"/>
+              </a:rPr>
+              <a:t>Why it is required</a:t>
+            </a:r>
+            <a:r>
+              <a:rPr lang="en-IN" sz="1050" b="1" spc="-5" dirty="0">
+                <a:solidFill>
+                  <a:srgbClr val="000000"/>
+                </a:solidFill>
+                <a:latin typeface="Georgia" panose="02040502050405020303" pitchFamily="18" charset="0"/>
+                <a:ea typeface="Times New Roman" panose="02020603050405020304" pitchFamily="18" charset="0"/>
+                <a:cs typeface="Times New Roman" panose="02020603050405020304" pitchFamily="18" charset="0"/>
+              </a:rPr>
+              <a:t>: </a:t>
+            </a:r>
+            <a:r>
+              <a:rPr lang="en-IN" sz="1050" spc="-5" dirty="0">
+                <a:solidFill>
+                  <a:srgbClr val="000000"/>
+                </a:solidFill>
+                <a:latin typeface="Georgia" panose="02040502050405020303" pitchFamily="18" charset="0"/>
+                <a:ea typeface="Times New Roman" panose="02020603050405020304" pitchFamily="18" charset="0"/>
+                <a:cs typeface="Times New Roman" panose="02020603050405020304" pitchFamily="18" charset="0"/>
+              </a:rPr>
+              <a:t>And as we spin more instances of services, each with a different port numbers, So, now the question is: </a:t>
+            </a:r>
+            <a:r>
+              <a:rPr lang="en-IN" sz="1050" i="1" spc="-5" dirty="0">
+                <a:solidFill>
+                  <a:srgbClr val="000000"/>
+                </a:solidFill>
+                <a:latin typeface="Georgia" panose="02040502050405020303" pitchFamily="18" charset="0"/>
+                <a:ea typeface="Times New Roman" panose="02020603050405020304" pitchFamily="18" charset="0"/>
+                <a:cs typeface="Times New Roman" panose="02020603050405020304" pitchFamily="18" charset="0"/>
+              </a:rPr>
+              <a:t>How can we call the services from the browser and distribute the requests among their instances running at different ports?</a:t>
+            </a:r>
+            <a:endParaRPr lang="en-IN" sz="1050" dirty="0">
+              <a:latin typeface="Georgia" panose="02040502050405020303" pitchFamily="18" charset="0"/>
+              <a:ea typeface="Calibri" panose="020F0502020204030204" pitchFamily="34" charset="0"/>
+              <a:cs typeface="Times New Roman" panose="02020603050405020304" pitchFamily="18" charset="0"/>
+            </a:endParaRPr>
+          </a:p>
+          <a:p>
+            <a:pPr indent="228600" algn="just"/>
+            <a:endParaRPr lang="en-IN" sz="1050" spc="-5" dirty="0">
+              <a:solidFill>
+                <a:srgbClr val="000000"/>
+              </a:solidFill>
+              <a:latin typeface="Georgia" panose="02040502050405020303" pitchFamily="18" charset="0"/>
+              <a:ea typeface="Times New Roman" panose="02020603050405020304" pitchFamily="18" charset="0"/>
+              <a:cs typeface="Times New Roman" panose="02020603050405020304" pitchFamily="18" charset="0"/>
+            </a:endParaRPr>
+          </a:p>
+          <a:p>
+            <a:pPr indent="228600" algn="just"/>
+            <a:r>
+              <a:rPr lang="en-IN" sz="1050" spc="-5" dirty="0">
+                <a:solidFill>
+                  <a:srgbClr val="000000"/>
+                </a:solidFill>
+                <a:latin typeface="Georgia" panose="02040502050405020303" pitchFamily="18" charset="0"/>
+                <a:ea typeface="Times New Roman" panose="02020603050405020304" pitchFamily="18" charset="0"/>
+                <a:cs typeface="Times New Roman" panose="02020603050405020304" pitchFamily="18" charset="0"/>
+              </a:rPr>
+              <a:t>    Well, a common solution is to use a Gateway.</a:t>
+            </a:r>
+          </a:p>
+          <a:p>
+            <a:pPr indent="228600" algn="just"/>
+            <a:endParaRPr lang="en-IN" sz="1050" spc="-5" dirty="0">
+              <a:solidFill>
+                <a:srgbClr val="000000"/>
+              </a:solidFill>
+              <a:latin typeface="Georgia" panose="02040502050405020303" pitchFamily="18" charset="0"/>
+              <a:ea typeface="Times New Roman" panose="02020603050405020304" pitchFamily="18" charset="0"/>
+              <a:cs typeface="Times New Roman" panose="02020603050405020304" pitchFamily="18" charset="0"/>
+            </a:endParaRPr>
+          </a:p>
+          <a:p>
+            <a:pPr marL="171450" indent="-171450" algn="just">
               <a:buFont typeface="Arial" panose="020B0604020202020204" pitchFamily="34" charset="0"/>
               <a:buChar char="•"/>
             </a:pPr>
             <a:r>
-              <a:rPr lang="en-IN" dirty="0">
-                <a:solidFill>
-                  <a:schemeClr val="accent1">
-                    <a:lumMod val="75000"/>
-                  </a:schemeClr>
-                </a:solidFill>
-              </a:rPr>
-              <a:t>Validating the token in Authentication service for every request:</a:t>
-            </a:r>
-            <a:r>
-              <a:rPr lang="en-IN" dirty="0"/>
-              <a:t> Gateway Service has to call the auth service to validate user credentials and the issued token before allowing the requests to go to any service.</a:t>
-            </a:r>
-          </a:p>
-          <a:p>
-            <a:pPr marL="342900" indent="-342900">
+              <a:rPr lang="en-IN" sz="1050" dirty="0">
+                <a:latin typeface="Georgia" panose="02040502050405020303" pitchFamily="18" charset="0"/>
+                <a:ea typeface="Calibri" panose="020F0502020204030204" pitchFamily="34" charset="0"/>
+                <a:cs typeface="Times New Roman" panose="02020603050405020304" pitchFamily="18" charset="0"/>
+              </a:rPr>
+              <a:t>What’s </a:t>
+            </a:r>
+            <a:r>
+              <a:rPr lang="en-IN" sz="1050" dirty="0" err="1">
+                <a:latin typeface="Georgia" panose="02040502050405020303" pitchFamily="18" charset="0"/>
+                <a:ea typeface="Calibri" panose="020F0502020204030204" pitchFamily="34" charset="0"/>
+                <a:cs typeface="Times New Roman" panose="02020603050405020304" pitchFamily="18" charset="0"/>
+              </a:rPr>
+              <a:t>Zuul</a:t>
+            </a:r>
+            <a:r>
+              <a:rPr lang="en-IN" sz="1050" dirty="0">
+                <a:latin typeface="Georgia" panose="02040502050405020303" pitchFamily="18" charset="0"/>
+                <a:ea typeface="Calibri" panose="020F0502020204030204" pitchFamily="34" charset="0"/>
+                <a:cs typeface="Times New Roman" panose="02020603050405020304" pitchFamily="18" charset="0"/>
+              </a:rPr>
+              <a:t>?</a:t>
+            </a:r>
+          </a:p>
+          <a:p>
+            <a:pPr indent="228600" algn="just"/>
+            <a:r>
+              <a:rPr lang="en-IN" sz="1050" dirty="0">
+                <a:latin typeface="Georgia" panose="02040502050405020303" pitchFamily="18" charset="0"/>
+                <a:ea typeface="Calibri" panose="020F0502020204030204" pitchFamily="34" charset="0"/>
+                <a:cs typeface="Times New Roman" panose="02020603050405020304" pitchFamily="18" charset="0"/>
+              </a:rPr>
+              <a:t>It’s a proxy, gateway, an intermediate layer between the users and your services.</a:t>
+            </a:r>
+          </a:p>
+          <a:p>
+            <a:pPr indent="228600" algn="just"/>
+            <a:r>
+              <a:rPr lang="en-IN" sz="1050" dirty="0">
+                <a:latin typeface="Georgia" panose="02040502050405020303" pitchFamily="18" charset="0"/>
+                <a:ea typeface="Calibri" panose="020F0502020204030204" pitchFamily="34" charset="0"/>
+                <a:cs typeface="Times New Roman" panose="02020603050405020304" pitchFamily="18" charset="0"/>
+              </a:rPr>
+              <a:t>Eureka server solved the problem of giving names to services instead of hardcoding their IP addresses.</a:t>
+            </a:r>
+          </a:p>
+          <a:p>
+            <a:pPr indent="228600" algn="just"/>
+            <a:r>
+              <a:rPr lang="en-IN" sz="1050" dirty="0">
+                <a:latin typeface="Georgia" panose="02040502050405020303" pitchFamily="18" charset="0"/>
+                <a:ea typeface="Calibri" panose="020F0502020204030204" pitchFamily="34" charset="0"/>
+                <a:cs typeface="Times New Roman" panose="02020603050405020304" pitchFamily="18" charset="0"/>
+              </a:rPr>
+              <a:t>But, still, we may have more than one service (instances) running on different ports. So, </a:t>
+            </a:r>
+            <a:r>
+              <a:rPr lang="en-IN" sz="1050" dirty="0" err="1">
+                <a:latin typeface="Georgia" panose="02040502050405020303" pitchFamily="18" charset="0"/>
+                <a:ea typeface="Calibri" panose="020F0502020204030204" pitchFamily="34" charset="0"/>
+                <a:cs typeface="Times New Roman" panose="02020603050405020304" pitchFamily="18" charset="0"/>
+              </a:rPr>
+              <a:t>Zuul</a:t>
+            </a:r>
+            <a:r>
+              <a:rPr lang="en-IN" sz="1050" dirty="0">
+                <a:latin typeface="Georgia" panose="02040502050405020303" pitchFamily="18" charset="0"/>
+                <a:ea typeface="Calibri" panose="020F0502020204030204" pitchFamily="34" charset="0"/>
+                <a:cs typeface="Times New Roman" panose="02020603050405020304" pitchFamily="18" charset="0"/>
+              </a:rPr>
+              <a:t> …</a:t>
+            </a:r>
+          </a:p>
+          <a:p>
+            <a:pPr marL="171450" indent="-171450" algn="just">
               <a:buFont typeface="Arial" panose="020B0604020202020204" pitchFamily="34" charset="0"/>
               <a:buChar char="•"/>
             </a:pPr>
             <a:r>
-              <a:rPr lang="en-IN" dirty="0"/>
-              <a:t>Authentication Service Tools</a:t>
-            </a:r>
-          </a:p>
-          <a:p>
-            <a:pPr marL="800100" lvl="1" indent="-342900">
+              <a:rPr lang="en-IN" sz="1050" dirty="0">
+                <a:latin typeface="Georgia" panose="02040502050405020303" pitchFamily="18" charset="0"/>
+                <a:ea typeface="Calibri" panose="020F0502020204030204" pitchFamily="34" charset="0"/>
+                <a:cs typeface="Times New Roman" panose="02020603050405020304" pitchFamily="18" charset="0"/>
+              </a:rPr>
+              <a:t>Maps between a prefix path, say/gallery/** and a service gallery-service. It uses Eureka server to route the requested service.</a:t>
+            </a:r>
+          </a:p>
+          <a:p>
+            <a:pPr marL="285750" lvl="0" indent="-285750">
               <a:buFont typeface="Arial" panose="020B0604020202020204" pitchFamily="34" charset="0"/>
               <a:buChar char="•"/>
             </a:pPr>
             <a:r>
+              <a:rPr lang="en-IN" b="1" dirty="0"/>
+              <a:t>It’s worth mentioning that </a:t>
+            </a:r>
+            <a:r>
+              <a:rPr lang="en-IN" b="1" dirty="0" err="1"/>
+              <a:t>Zuul</a:t>
+            </a:r>
+            <a:r>
+              <a:rPr lang="en-IN" b="1" dirty="0"/>
+              <a:t> acts as a Eureka client. So, we give it a name, port, and link to Eureka server (same as we did with image service).</a:t>
+            </a:r>
+            <a:endParaRPr lang="en-IN" dirty="0"/>
+          </a:p>
+          <a:p>
+            <a:r>
               <a:rPr lang="en-IN" dirty="0"/>
-              <a:t>Spring Cloud Security</a:t>
-            </a:r>
-          </a:p>
-          <a:p>
-            <a:pPr marL="800100" lvl="1" indent="-342900">
+              <a:t> </a:t>
+            </a:r>
+          </a:p>
+          <a:p>
+            <a:pPr marL="171450" indent="-171450" algn="just">
               <a:buFont typeface="Arial" panose="020B0604020202020204" pitchFamily="34" charset="0"/>
               <a:buChar char="•"/>
             </a:pPr>
-            <a:r>
-              <a:rPr lang="en-IN" dirty="0"/>
-              <a:t>OAuth2</a:t>
-            </a:r>
-          </a:p>
-          <a:p>
-            <a:pPr marL="800100" lvl="1" indent="-342900">
+            <a:endParaRPr lang="en-IN" sz="1050" dirty="0">
+              <a:latin typeface="Georgia" panose="02040502050405020303" pitchFamily="18" charset="0"/>
+              <a:ea typeface="Calibri" panose="020F0502020204030204" pitchFamily="34" charset="0"/>
+              <a:cs typeface="Times New Roman" panose="02020603050405020304" pitchFamily="18" charset="0"/>
+            </a:endParaRPr>
+          </a:p>
+          <a:p>
+            <a:pPr marL="171450" indent="-171450" algn="just">
               <a:buFont typeface="Arial" panose="020B0604020202020204" pitchFamily="34" charset="0"/>
               <a:buChar char="•"/>
             </a:pPr>
             <a:r>
-              <a:rPr lang="en-IN" dirty="0"/>
-              <a:t>JWT</a:t>
-            </a:r>
-          </a:p>
-          <a:p>
-            <a:pPr marL="342900" indent="-342900">
+              <a:rPr lang="en-IN" sz="1050" dirty="0">
+                <a:latin typeface="Georgia" panose="02040502050405020303" pitchFamily="18" charset="0"/>
+                <a:ea typeface="Calibri" panose="020F0502020204030204" pitchFamily="34" charset="0"/>
+                <a:cs typeface="Times New Roman" panose="02020603050405020304" pitchFamily="18" charset="0"/>
+              </a:rPr>
+              <a:t>It loads balances (using Ribbon) between instances of a service running on different ports.</a:t>
+            </a:r>
+          </a:p>
+          <a:p>
+            <a:pPr marL="171450" indent="-171450" algn="just">
               <a:buFont typeface="Arial" panose="020B0604020202020204" pitchFamily="34" charset="0"/>
               <a:buChar char="•"/>
             </a:pPr>
             <a:r>
-              <a:rPr lang="en-IN" dirty="0"/>
-              <a:t>Authentication service can call any user-</a:t>
-            </a:r>
-            <a:r>
-              <a:rPr lang="en-IN" dirty="0" err="1"/>
-              <a:t>mgmt</a:t>
-            </a:r>
-            <a:r>
-              <a:rPr lang="en-IN" dirty="0"/>
-              <a:t>-service to validate the user credentials with the DB or any other source.</a:t>
-            </a:r>
-          </a:p>
-          <a:p>
-            <a:pPr marL="285750" indent="-285750" algn="just">
+              <a:rPr lang="en-IN" sz="1050" dirty="0">
+                <a:latin typeface="Georgia" panose="02040502050405020303" pitchFamily="18" charset="0"/>
+                <a:ea typeface="Calibri" panose="020F0502020204030204" pitchFamily="34" charset="0"/>
+                <a:cs typeface="Times New Roman" panose="02020603050405020304" pitchFamily="18" charset="0"/>
+              </a:rPr>
+              <a:t>What else? We can filter requests, add authentication, etc.</a:t>
+            </a:r>
+          </a:p>
+          <a:p>
+            <a:pPr marL="171450" indent="-171450" algn="just">
               <a:buFont typeface="Arial" panose="020B0604020202020204" pitchFamily="34" charset="0"/>
               <a:buChar char="•"/>
             </a:pPr>
-            <a:endParaRPr lang="en-IN" dirty="0">
-              <a:latin typeface="Times New Roman" panose="02020603050405020304" pitchFamily="18" charset="0"/>
+            <a:endParaRPr lang="en-IN" sz="1050" dirty="0">
+              <a:latin typeface="Georgia" panose="02040502050405020303" pitchFamily="18" charset="0"/>
+              <a:ea typeface="Calibri" panose="020F0502020204030204" pitchFamily="34" charset="0"/>
               <a:cs typeface="Times New Roman" panose="02020603050405020304" pitchFamily="18" charset="0"/>
             </a:endParaRPr>
           </a:p>
-        </p:txBody>
-      </p:sp>
+          <a:p>
+            <a:r>
+              <a:rPr lang="en-IN" sz="1400" dirty="0"/>
+              <a:t>NOTE: When calling any microservice from the browser, we can’t call it by its name as we do when we call one microservice from another microservice —</a:t>
+            </a:r>
+            <a:r>
+              <a:rPr lang="en-IN" sz="1400" i="1" dirty="0"/>
+              <a:t> This is used internally between services.</a:t>
+            </a:r>
+            <a:endParaRPr lang="en-IN" sz="1400" dirty="0"/>
+          </a:p>
+          <a:p>
+            <a:r>
+              <a:rPr lang="en-IN" sz="1400" b="1" dirty="0"/>
+              <a:t>Where </a:t>
+            </a:r>
+            <a:r>
+              <a:rPr lang="en-IN" sz="1400" b="1" dirty="0" err="1"/>
+              <a:t>Zuul</a:t>
+            </a:r>
+            <a:r>
+              <a:rPr lang="en-IN" sz="1400" b="1" dirty="0"/>
+              <a:t> fits in microservices ecosystem?</a:t>
+            </a:r>
+            <a:endParaRPr lang="en-IN" sz="1400" dirty="0"/>
+          </a:p>
+          <a:p>
+            <a:r>
+              <a:rPr lang="en-IN" sz="1400" dirty="0"/>
+              <a:t>A common problem, when building microservices, is to provide a unique gateway to the client applications of your system. And to solve this problem, Netflix (a major adopter of microservices) created and open-sourced its </a:t>
+            </a:r>
+            <a:r>
+              <a:rPr lang="en-IN" sz="1400" b="1" dirty="0" err="1"/>
+              <a:t>Zuul</a:t>
+            </a:r>
+            <a:r>
+              <a:rPr lang="en-IN" sz="1400" b="1" dirty="0"/>
+              <a:t> proxy server</a:t>
+            </a:r>
+            <a:r>
+              <a:rPr lang="en-IN" sz="1400" dirty="0"/>
+              <a:t> and later Spring under Pivotal has adapted this in its </a:t>
+            </a:r>
+            <a:r>
+              <a:rPr lang="en-IN" sz="1400" b="1" dirty="0"/>
+              <a:t>spring cloud stack</a:t>
+            </a:r>
+            <a:r>
+              <a:rPr lang="en-IN" sz="1400" dirty="0"/>
+              <a:t> and enabled us to use </a:t>
+            </a:r>
+            <a:r>
+              <a:rPr lang="en-IN" sz="1400" dirty="0" err="1"/>
+              <a:t>zuul</a:t>
+            </a:r>
+            <a:r>
+              <a:rPr lang="en-IN" sz="1400" dirty="0"/>
+              <a:t> easily and effectively with just few simple steps.</a:t>
+            </a:r>
+          </a:p>
+          <a:p>
+            <a:pPr marL="171450" indent="-171450" algn="just">
+              <a:buFont typeface="Arial" panose="020B0604020202020204" pitchFamily="34" charset="0"/>
+              <a:buChar char="•"/>
+            </a:pPr>
+            <a:endParaRPr lang="en-IN" sz="1050" dirty="0">
+              <a:latin typeface="Georgia" panose="02040502050405020303" pitchFamily="18" charset="0"/>
+              <a:ea typeface="Calibri" panose="020F0502020204030204" pitchFamily="34" charset="0"/>
+              <a:cs typeface="Times New Roman" panose="02020603050405020304" pitchFamily="18" charset="0"/>
+            </a:endParaRPr>
+          </a:p>
+        </p:txBody>
+      </p:sp>
+      <p:pic>
+        <p:nvPicPr>
+          <p:cNvPr id="9" name="Picture 8">
+            <a:extLst>
+              <a:ext uri="{FF2B5EF4-FFF2-40B4-BE49-F238E27FC236}">
+                <a16:creationId xmlns:a16="http://schemas.microsoft.com/office/drawing/2014/main" id="{541DE9BA-1328-425E-8932-F7E4593A3C03}"/>
+              </a:ext>
+            </a:extLst>
+          </p:cNvPr>
+          <p:cNvPicPr/>
+          <p:nvPr/>
+        </p:nvPicPr>
+        <p:blipFill>
+          <a:blip r:embed="rId2">
+            <a:extLst>
+              <a:ext uri="{28A0092B-C50C-407E-A947-70E740481C1C}">
+                <a14:useLocalDpi xmlns:a14="http://schemas.microsoft.com/office/drawing/2010/main" val="0"/>
+              </a:ext>
+            </a:extLst>
+          </a:blip>
+          <a:srcRect/>
+          <a:stretch>
+            <a:fillRect/>
+          </a:stretch>
+        </p:blipFill>
+        <p:spPr bwMode="auto">
+          <a:xfrm>
+            <a:off x="2894686" y="3701748"/>
+            <a:ext cx="5731510" cy="2765425"/>
+          </a:xfrm>
+          <a:prstGeom prst="rect">
+            <a:avLst/>
+          </a:prstGeom>
+          <a:noFill/>
+          <a:ln>
+            <a:noFill/>
+          </a:ln>
+        </p:spPr>
+      </p:pic>
     </p:spTree>
     <p:extLst>
       <p:ext uri="{BB962C8B-B14F-4D97-AF65-F5344CB8AC3E}">
-        <p14:creationId xmlns:p14="http://schemas.microsoft.com/office/powerpoint/2010/main" val="3804969775"/>
+        <p14:creationId xmlns:p14="http://schemas.microsoft.com/office/powerpoint/2010/main" val="3438759566"/>
       </p:ext>
     </p:extLst>
   </p:cSld>
@@ -3727,8 +4074,8 @@
         </p:nvSpPr>
         <p:spPr>
           <a:xfrm>
-            <a:off x="239318" y="243421"/>
-            <a:ext cx="6862904" cy="523220"/>
+            <a:off x="435748" y="166509"/>
+            <a:ext cx="9810659" cy="523220"/>
           </a:xfrm>
           <a:prstGeom prst="rect">
             <a:avLst/>
@@ -3736,14 +4083,14 @@
           <a:noFill/>
         </p:spPr>
         <p:txBody>
-          <a:bodyPr wrap="none" lIns="91440" tIns="45720" rIns="91440" bIns="45720">
+          <a:bodyPr wrap="square" lIns="91440" tIns="45720" rIns="91440" bIns="45720">
             <a:spAutoFit/>
           </a:bodyPr>
           <a:lstStyle/>
           <a:p>
             <a:pPr algn="ctr"/>
             <a:r>
-              <a:rPr lang="en-US" sz="2800" b="1" cap="none" spc="0" dirty="0">
+              <a:rPr lang="en-IN" sz="2800" b="1" dirty="0">
                 <a:ln w="6600">
                   <a:solidFill>
                     <a:schemeClr val="accent2"/>
@@ -3762,71 +4109,8 @@
                   </a:outerShdw>
                 </a:effectLst>
               </a:rPr>
-              <a:t>Rest Client – Rest Template and </a:t>
-            </a:r>
-            <a:r>
-              <a:rPr lang="en-US" sz="2800" b="1" cap="none" spc="0" dirty="0" err="1">
-                <a:ln w="6600">
-                  <a:solidFill>
-                    <a:schemeClr val="accent2"/>
-                  </a:solidFill>
-                  <a:prstDash val="solid"/>
-                </a:ln>
-                <a:solidFill>
-                  <a:schemeClr val="accent2">
-                    <a:lumMod val="40000"/>
-                    <a:lumOff val="60000"/>
-                  </a:schemeClr>
-                </a:solidFill>
-                <a:effectLst>
-                  <a:outerShdw dist="38100" dir="2700000" algn="tl" rotWithShape="0">
-                    <a:schemeClr val="accent2"/>
-                  </a:outerShdw>
-                </a:effectLst>
-              </a:rPr>
-              <a:t>Fiegn</a:t>
-            </a:r>
-            <a:r>
-              <a:rPr lang="en-US" sz="2800" b="1" cap="none" spc="0" dirty="0">
-                <a:ln w="6600">
-                  <a:solidFill>
-                    <a:schemeClr val="accent2"/>
-                  </a:solidFill>
-                  <a:prstDash val="solid"/>
-                </a:ln>
-                <a:solidFill>
-                  <a:schemeClr val="accent2">
-                    <a:lumMod val="40000"/>
-                    <a:lumOff val="60000"/>
-                  </a:schemeClr>
-                </a:solidFill>
-                <a:effectLst>
-                  <a:outerShdw dist="38100" dir="2700000" algn="tl" rotWithShape="0">
-                    <a:schemeClr val="accent2"/>
-                  </a:outerShdw>
-                </a:effectLst>
-              </a:rPr>
-              <a:t> Client</a:t>
-            </a:r>
-            <a:endParaRPr lang="en-IN" sz="3200" b="1" cap="none" spc="0" dirty="0">
-              <a:ln w="6600">
-                <a:solidFill>
-                  <a:schemeClr val="accent2"/>
-                </a:solidFill>
-                <a:prstDash val="solid"/>
-              </a:ln>
-              <a:solidFill>
-                <a:schemeClr val="accent2">
-                  <a:lumMod val="40000"/>
-                  <a:lumOff val="60000"/>
-                </a:schemeClr>
-              </a:solidFill>
-              <a:effectLst>
-                <a:outerShdw dist="38100" dir="2700000" algn="tl" rotWithShape="0">
-                  <a:schemeClr val="accent2"/>
-                </a:outerShdw>
-              </a:effectLst>
-            </a:endParaRPr>
+              <a:t>Authentication Service – Spring Cloud Security, OAuth2, JWT</a:t>
+            </a:r>
           </a:p>
         </p:txBody>
       </p:sp>
@@ -3844,8 +4128,8 @@
         </p:nvSpPr>
         <p:spPr>
           <a:xfrm>
-            <a:off x="199218" y="927572"/>
-            <a:ext cx="11840381" cy="5970865"/>
+            <a:off x="199219" y="961755"/>
+            <a:ext cx="10970134" cy="3970318"/>
           </a:xfrm>
           <a:prstGeom prst="rect">
             <a:avLst/>
@@ -3858,214 +4142,149 @@
           </a:bodyPr>
           <a:lstStyle/>
           <a:p>
-            <a:pPr lvl="0"/>
-            <a:r>
-              <a:rPr lang="en-IN" dirty="0">
-                <a:latin typeface="Times New Roman" panose="02020603050405020304" pitchFamily="18" charset="0"/>
-                <a:cs typeface="Times New Roman" panose="02020603050405020304" pitchFamily="18" charset="0"/>
-              </a:rPr>
-              <a:t>The calls from one microservice (Rest Client) to the other microservices can be done using:</a:t>
-            </a:r>
-          </a:p>
-          <a:p>
-            <a:pPr marL="285750" lvl="0" indent="-285750">
+            <a:pPr marL="285750" indent="-285750" algn="just">
               <a:buFont typeface="Arial" panose="020B0604020202020204" pitchFamily="34" charset="0"/>
               <a:buChar char="•"/>
             </a:pPr>
             <a:r>
-              <a:rPr lang="en-IN" b="1" dirty="0">
-                <a:latin typeface="Times New Roman" panose="02020603050405020304" pitchFamily="18" charset="0"/>
-                <a:cs typeface="Times New Roman" panose="02020603050405020304" pitchFamily="18" charset="0"/>
-              </a:rPr>
-              <a:t>RestTemplate</a:t>
-            </a:r>
-            <a:r>
-              <a:rPr lang="en-IN" dirty="0">
-                <a:latin typeface="Times New Roman" panose="02020603050405020304" pitchFamily="18" charset="0"/>
-                <a:cs typeface="Times New Roman" panose="02020603050405020304" pitchFamily="18" charset="0"/>
-              </a:rPr>
-              <a:t>. An object that’s capable of sending requests to REST API services.</a:t>
-            </a:r>
-          </a:p>
-          <a:p>
-            <a:pPr marL="285750" lvl="0" indent="-285750">
+              <a:rPr lang="en-IN" dirty="0"/>
+              <a:t>Authentication Service is used for validating user credentials, and issuing tokens.</a:t>
+            </a:r>
+          </a:p>
+          <a:p>
+            <a:pPr marL="285750" indent="-285750">
               <a:buFont typeface="Arial" panose="020B0604020202020204" pitchFamily="34" charset="0"/>
               <a:buChar char="•"/>
             </a:pPr>
             <a:r>
-              <a:rPr lang="en-IN" b="1" dirty="0">
-                <a:latin typeface="Times New Roman" panose="02020603050405020304" pitchFamily="18" charset="0"/>
-                <a:cs typeface="Times New Roman" panose="02020603050405020304" pitchFamily="18" charset="0"/>
-              </a:rPr>
-              <a:t>FeignClient</a:t>
-            </a:r>
+              <a:rPr lang="en-IN" dirty="0"/>
+              <a:t>The authentication flow is simple as:</a:t>
+            </a:r>
+          </a:p>
+          <a:p>
+            <a:pPr marL="800100" lvl="1" indent="-342900">
+              <a:buFont typeface="+mj-lt"/>
+              <a:buAutoNum type="alphaLcParenR"/>
+            </a:pPr>
+            <a:r>
+              <a:rPr lang="en-IN" dirty="0"/>
+              <a:t>The user sends a request to get a token passing his credentials.</a:t>
+            </a:r>
+          </a:p>
+          <a:p>
+            <a:pPr marL="800100" lvl="1" indent="-342900">
+              <a:buFont typeface="+mj-lt"/>
+              <a:buAutoNum type="alphaLcParenR"/>
+            </a:pPr>
+            <a:r>
+              <a:rPr lang="en-IN" dirty="0"/>
+              <a:t>The server validates the credentials and sends back a token.</a:t>
+            </a:r>
+          </a:p>
+          <a:p>
+            <a:pPr marL="800100" lvl="1" indent="-342900">
+              <a:buFont typeface="+mj-lt"/>
+              <a:buAutoNum type="alphaLcParenR"/>
+            </a:pPr>
+            <a:r>
+              <a:rPr lang="en-IN" dirty="0"/>
+              <a:t>With every request, the user has to provide the token, and server will validate that token.</a:t>
+            </a:r>
+          </a:p>
+          <a:p>
+            <a:pPr marL="342900" indent="-342900">
+              <a:buFont typeface="Arial" panose="020B0604020202020204" pitchFamily="34" charset="0"/>
+              <a:buChar char="•"/>
+            </a:pPr>
             <a:r>
               <a:rPr lang="en-IN" dirty="0">
-                <a:latin typeface="Times New Roman" panose="02020603050405020304" pitchFamily="18" charset="0"/>
-                <a:cs typeface="Times New Roman" panose="02020603050405020304" pitchFamily="18" charset="0"/>
-              </a:rPr>
-              <a:t> (acts like a proxy), and provides another approach to RestTemplate.</a:t>
-            </a:r>
-          </a:p>
-          <a:p>
-            <a:r>
-              <a:rPr lang="en-IN" dirty="0">
-                <a:latin typeface="Times New Roman" panose="02020603050405020304" pitchFamily="18" charset="0"/>
-                <a:cs typeface="Times New Roman" panose="02020603050405020304" pitchFamily="18" charset="0"/>
-              </a:rPr>
-              <a:t>Both, load balance requests across the services.</a:t>
-            </a:r>
-          </a:p>
-          <a:p>
-            <a:pPr lvl="0"/>
-            <a:endParaRPr lang="en-IN" b="1" dirty="0">
-              <a:latin typeface="Times New Roman" panose="02020603050405020304" pitchFamily="18" charset="0"/>
-              <a:cs typeface="Times New Roman" panose="02020603050405020304" pitchFamily="18" charset="0"/>
-            </a:endParaRPr>
-          </a:p>
-          <a:p>
-            <a:pPr lvl="0"/>
-            <a:r>
-              <a:rPr lang="en-IN" b="1" dirty="0">
-                <a:latin typeface="Times New Roman" panose="02020603050405020304" pitchFamily="18" charset="0"/>
-                <a:cs typeface="Times New Roman" panose="02020603050405020304" pitchFamily="18" charset="0"/>
-              </a:rPr>
-              <a:t>What Is a Feign Client?</a:t>
-            </a:r>
-          </a:p>
-          <a:p>
-            <a:pPr algn="just"/>
-            <a:r>
-              <a:rPr lang="en-IN" dirty="0">
-                <a:latin typeface="Times New Roman" panose="02020603050405020304" pitchFamily="18" charset="0"/>
-                <a:cs typeface="Times New Roman" panose="02020603050405020304" pitchFamily="18" charset="0"/>
-              </a:rPr>
-              <a:t>Netflix provides Feign as an abstraction over REST-based calls, by which microservices can communicate with each other, but developers don't have to bother about REST internal details.</a:t>
-            </a:r>
-          </a:p>
-          <a:p>
-            <a:pPr algn="just"/>
-            <a:r>
-              <a:rPr lang="en-IN" u="sng" dirty="0">
-                <a:latin typeface="Times New Roman" panose="02020603050405020304" pitchFamily="18" charset="0"/>
-                <a:cs typeface="Times New Roman" panose="02020603050405020304" pitchFamily="18" charset="0"/>
-                <a:hlinkClick r:id="rId2"/>
-              </a:rPr>
-              <a:t>Feign</a:t>
-            </a:r>
-            <a:r>
-              <a:rPr lang="en-IN" dirty="0">
-                <a:latin typeface="Times New Roman" panose="02020603050405020304" pitchFamily="18" charset="0"/>
-                <a:cs typeface="Times New Roman" panose="02020603050405020304" pitchFamily="18" charset="0"/>
-              </a:rPr>
-              <a:t> is a declarative web service client. It makes writing web service clients easier. To use Feign create an interface and annotate it. It has pluggable annotation support including Feign annotations and JAX-RS annotations. Feign also supports pluggable encoders and decoders. Spring Cloud integrates Ribbon and Eureka to provide a load balanced http client when using Feign.</a:t>
-            </a:r>
-          </a:p>
-          <a:p>
+                <a:solidFill>
+                  <a:schemeClr val="accent1">
+                    <a:lumMod val="75000"/>
+                  </a:schemeClr>
+                </a:solidFill>
+              </a:rPr>
+              <a:t>Validating the token in Authentication service for every request:</a:t>
+            </a:r>
+            <a:r>
+              <a:rPr lang="en-IN" dirty="0"/>
+              <a:t> Gateway Service has to call the auth service to validate user credentials and the issued token before allowing the requests to go to any service.</a:t>
+            </a:r>
+          </a:p>
+          <a:p>
+            <a:pPr marL="342900" indent="-342900">
+              <a:buFont typeface="Arial" panose="020B0604020202020204" pitchFamily="34" charset="0"/>
+              <a:buChar char="•"/>
+            </a:pPr>
+            <a:r>
+              <a:rPr lang="en-IN" dirty="0"/>
+              <a:t>Authentication Service Tools</a:t>
+            </a:r>
+          </a:p>
+          <a:p>
+            <a:pPr marL="800100" lvl="1" indent="-342900">
+              <a:buFont typeface="Arial" panose="020B0604020202020204" pitchFamily="34" charset="0"/>
+              <a:buChar char="•"/>
+            </a:pPr>
+            <a:r>
+              <a:rPr lang="en-IN" dirty="0"/>
+              <a:t>Spring Cloud Security</a:t>
+            </a:r>
+          </a:p>
+          <a:p>
+            <a:pPr marL="800100" lvl="1" indent="-342900">
+              <a:buFont typeface="Arial" panose="020B0604020202020204" pitchFamily="34" charset="0"/>
+              <a:buChar char="•"/>
+            </a:pPr>
+            <a:r>
+              <a:rPr lang="en-IN" dirty="0"/>
+              <a:t>OAuth2</a:t>
+            </a:r>
+          </a:p>
+          <a:p>
+            <a:pPr marL="800100" lvl="1" indent="-342900">
+              <a:buFont typeface="Arial" panose="020B0604020202020204" pitchFamily="34" charset="0"/>
+              <a:buChar char="•"/>
+            </a:pPr>
+            <a:r>
+              <a:rPr lang="en-IN" dirty="0"/>
+              <a:t>JWT</a:t>
+            </a:r>
+          </a:p>
+          <a:p>
+            <a:pPr marL="342900" indent="-342900">
+              <a:buFont typeface="Arial" panose="020B0604020202020204" pitchFamily="34" charset="0"/>
+              <a:buChar char="•"/>
+            </a:pPr>
+            <a:r>
+              <a:rPr lang="en-IN" dirty="0"/>
+              <a:t>Authentication service can call any user-</a:t>
+            </a:r>
+            <a:r>
+              <a:rPr lang="en-IN" dirty="0" err="1"/>
+              <a:t>mgmt</a:t>
+            </a:r>
+            <a:r>
+              <a:rPr lang="en-IN" dirty="0"/>
+              <a:t>-service to validate the user credentials with the DB or any other source.</a:t>
+            </a:r>
+          </a:p>
+          <a:p>
+            <a:pPr marL="285750" indent="-285750" algn="just">
+              <a:buFont typeface="Arial" panose="020B0604020202020204" pitchFamily="34" charset="0"/>
+              <a:buChar char="•"/>
+            </a:pPr>
             <a:endParaRPr lang="en-IN" dirty="0">
               <a:latin typeface="Times New Roman" panose="02020603050405020304" pitchFamily="18" charset="0"/>
               <a:cs typeface="Times New Roman" panose="02020603050405020304" pitchFamily="18" charset="0"/>
             </a:endParaRPr>
           </a:p>
-          <a:p>
-            <a:pPr lvl="0"/>
-            <a:r>
-              <a:rPr lang="en-IN" b="1" dirty="0">
-                <a:latin typeface="Times New Roman" panose="02020603050405020304" pitchFamily="18" charset="0"/>
-                <a:cs typeface="Times New Roman" panose="02020603050405020304" pitchFamily="18" charset="0"/>
-              </a:rPr>
-              <a:t>Why We Use Feign Client</a:t>
-            </a:r>
-          </a:p>
-          <a:p>
-            <a:pPr algn="just"/>
-            <a:r>
-              <a:rPr lang="en-IN" sz="1600" dirty="0">
-                <a:latin typeface="Times New Roman" panose="02020603050405020304" pitchFamily="18" charset="0"/>
-                <a:cs typeface="Times New Roman" panose="02020603050405020304" pitchFamily="18" charset="0"/>
-              </a:rPr>
-              <a:t>For example, </a:t>
-            </a:r>
-            <a:r>
-              <a:rPr lang="en-IN" sz="1600" dirty="0" err="1">
-                <a:latin typeface="Times New Roman" panose="02020603050405020304" pitchFamily="18" charset="0"/>
-                <a:cs typeface="Times New Roman" panose="02020603050405020304" pitchFamily="18" charset="0"/>
-              </a:rPr>
-              <a:t>EmployeeDashBoard</a:t>
-            </a:r>
-            <a:r>
-              <a:rPr lang="en-IN" sz="1600" dirty="0">
-                <a:latin typeface="Times New Roman" panose="02020603050405020304" pitchFamily="18" charset="0"/>
-                <a:cs typeface="Times New Roman" panose="02020603050405020304" pitchFamily="18" charset="0"/>
-              </a:rPr>
-              <a:t> service has to communicate with </a:t>
-            </a:r>
-            <a:r>
-              <a:rPr lang="en-IN" sz="1600" dirty="0" err="1">
-                <a:latin typeface="Times New Roman" panose="02020603050405020304" pitchFamily="18" charset="0"/>
-                <a:cs typeface="Times New Roman" panose="02020603050405020304" pitchFamily="18" charset="0"/>
-              </a:rPr>
-              <a:t>EmployeeService</a:t>
-            </a:r>
-            <a:r>
-              <a:rPr lang="en-IN" sz="1600" dirty="0">
-                <a:latin typeface="Times New Roman" panose="02020603050405020304" pitchFamily="18" charset="0"/>
-                <a:cs typeface="Times New Roman" panose="02020603050405020304" pitchFamily="18" charset="0"/>
-              </a:rPr>
-              <a:t>, we programmatically construct the URL of the dependent microservice, then called the service using </a:t>
-            </a:r>
-            <a:r>
-              <a:rPr lang="en-IN" sz="1600" dirty="0" err="1">
-                <a:latin typeface="Times New Roman" panose="02020603050405020304" pitchFamily="18" charset="0"/>
-                <a:cs typeface="Times New Roman" panose="02020603050405020304" pitchFamily="18" charset="0"/>
-              </a:rPr>
-              <a:t>RestTemplate</a:t>
-            </a:r>
-            <a:r>
-              <a:rPr lang="en-IN" sz="1600" dirty="0">
-                <a:latin typeface="Times New Roman" panose="02020603050405020304" pitchFamily="18" charset="0"/>
-                <a:cs typeface="Times New Roman" panose="02020603050405020304" pitchFamily="18" charset="0"/>
-              </a:rPr>
-              <a:t>, so we need to be aware of the </a:t>
-            </a:r>
-            <a:r>
-              <a:rPr lang="en-IN" sz="1600" dirty="0" err="1">
-                <a:latin typeface="Times New Roman" panose="02020603050405020304" pitchFamily="18" charset="0"/>
-                <a:cs typeface="Times New Roman" panose="02020603050405020304" pitchFamily="18" charset="0"/>
-              </a:rPr>
-              <a:t>RestTemplate</a:t>
-            </a:r>
-            <a:r>
-              <a:rPr lang="en-IN" sz="1600" dirty="0">
-                <a:latin typeface="Times New Roman" panose="02020603050405020304" pitchFamily="18" charset="0"/>
-                <a:cs typeface="Times New Roman" panose="02020603050405020304" pitchFamily="18" charset="0"/>
-              </a:rPr>
-              <a:t> API to communicate with other microservices, which is certainly not part of our business logic.</a:t>
-            </a:r>
-          </a:p>
-          <a:p>
-            <a:pPr algn="just"/>
-            <a:r>
-              <a:rPr lang="en-IN" sz="1600" dirty="0">
-                <a:latin typeface="Times New Roman" panose="02020603050405020304" pitchFamily="18" charset="0"/>
-                <a:cs typeface="Times New Roman" panose="02020603050405020304" pitchFamily="18" charset="0"/>
-              </a:rPr>
-              <a:t>The question is, why should a developer have to know the details of a REST API? Microservice developers only concentrate on business logic, so Spring addresses this issues and comes with Feign Client, which works on the declarative principle. We have to create an interface/contract, then Spring creates the original implementation on the fly, so a REST-based service call is abstracted from developers. Not only that — if you want to customize the call, like encoding your request or decoding the response in a Custom Object, you can do it with Feign in a declarative way. Feign, as a client, is an important tool for microservice developers to communicate with other microservices via Rest API.</a:t>
-            </a:r>
-            <a:r>
-              <a:rPr lang="en-IN" dirty="0">
-                <a:latin typeface="Times New Roman" panose="02020603050405020304" pitchFamily="18" charset="0"/>
-                <a:cs typeface="Times New Roman" panose="02020603050405020304" pitchFamily="18" charset="0"/>
-              </a:rPr>
-              <a:t>	</a:t>
-            </a:r>
-          </a:p>
         </p:txBody>
       </p:sp>
     </p:spTree>
     <p:extLst>
       <p:ext uri="{BB962C8B-B14F-4D97-AF65-F5344CB8AC3E}">
-        <p14:creationId xmlns:p14="http://schemas.microsoft.com/office/powerpoint/2010/main" val="3160107668"/>
+        <p14:creationId xmlns:p14="http://schemas.microsoft.com/office/powerpoint/2010/main" val="3804969775"/>
       </p:ext>
     </p:extLst>
   </p:cSld>
@@ -4106,8 +4325,8 @@
         </p:nvSpPr>
         <p:spPr>
           <a:xfrm>
-            <a:off x="332265" y="3358"/>
-            <a:ext cx="6390532" cy="523220"/>
+            <a:off x="239318" y="243421"/>
+            <a:ext cx="6862904" cy="523220"/>
           </a:xfrm>
           <a:prstGeom prst="rect">
             <a:avLst/>
@@ -4141,7 +4360,51 @@
                   </a:outerShdw>
                 </a:effectLst>
               </a:rPr>
-              <a:t>Client side Load Balancer – Netflix Ribbon</a:t>
+              <a:t>Rest Client – Rest Template and </a:t>
+            </a:r>
+            <a:r>
+              <a:rPr lang="en-US" sz="2800" b="1" cap="none" spc="0" dirty="0" err="1">
+                <a:ln w="6600">
+                  <a:solidFill>
+                    <a:schemeClr val="accent2"/>
+                  </a:solidFill>
+                  <a:prstDash val="solid"/>
+                </a:ln>
+                <a:solidFill>
+                  <a:schemeClr val="accent2">
+                    <a:lumMod val="40000"/>
+                    <a:lumOff val="60000"/>
+                  </a:schemeClr>
+                </a:solidFill>
+                <a:effectLst>
+                  <a:outerShdw dist="38100" dir="2700000" algn="tl" rotWithShape="0">
+                    <a:schemeClr val="accent2"/>
+                  </a:outerShdw>
+                </a:effectLst>
+              </a:rPr>
+              <a:t>Fiegn</a:t>
+            </a:r>
+            <a:r>
+              <a:rPr lang="en-US" sz="2800" b="1" cap="none" spc="0" dirty="0">
+                <a:ln w="6600">
+                  <a:solidFill>
+                    <a:schemeClr val="accent2"/>
+                  </a:solidFill>
+                  <a:prstDash val="solid"/>
+                </a:ln>
+                <a:solidFill>
+                  <a:schemeClr val="accent2">
+                    <a:lumMod val="40000"/>
+                    <a:lumOff val="60000"/>
+                  </a:schemeClr>
+                </a:solidFill>
+                <a:effectLst>
+                  <a:outerShdw dist="38100" dir="2700000" algn="tl" rotWithShape="0">
+                    <a:schemeClr val="accent2"/>
+                  </a:outerShdw>
+                </a:effectLst>
+              </a:rPr>
+              <a:t> Client</a:t>
             </a:r>
             <a:endParaRPr lang="en-IN" sz="3200" b="1" cap="none" spc="0" dirty="0">
               <a:ln w="6600">
@@ -4167,6 +4430,341 @@
       </p:sp>
       <p:sp>
         <p:nvSpPr>
+          <p:cNvPr id="2" name="TextBox 1">
+            <a:extLst>
+              <a:ext uri="{FF2B5EF4-FFF2-40B4-BE49-F238E27FC236}">
+                <a16:creationId xmlns:a16="http://schemas.microsoft.com/office/drawing/2014/main" id="{C3E6357B-B580-4325-BFC6-32B0427496C1}"/>
+              </a:ext>
+            </a:extLst>
+          </p:cNvPr>
+          <p:cNvSpPr txBox="1"/>
+          <p:nvPr/>
+        </p:nvSpPr>
+        <p:spPr>
+          <a:xfrm>
+            <a:off x="199218" y="927572"/>
+            <a:ext cx="11840381" cy="5970865"/>
+          </a:xfrm>
+          <a:prstGeom prst="rect">
+            <a:avLst/>
+          </a:prstGeom>
+          <a:noFill/>
+        </p:spPr>
+        <p:txBody>
+          <a:bodyPr wrap="square" rtlCol="0">
+            <a:spAutoFit/>
+          </a:bodyPr>
+          <a:lstStyle/>
+          <a:p>
+            <a:pPr lvl="0"/>
+            <a:r>
+              <a:rPr lang="en-IN" dirty="0">
+                <a:latin typeface="Times New Roman" panose="02020603050405020304" pitchFamily="18" charset="0"/>
+                <a:cs typeface="Times New Roman" panose="02020603050405020304" pitchFamily="18" charset="0"/>
+              </a:rPr>
+              <a:t>The calls from one microservice (Rest Client) to the other microservices can be done using:</a:t>
+            </a:r>
+          </a:p>
+          <a:p>
+            <a:pPr marL="285750" lvl="0" indent="-285750">
+              <a:buFont typeface="Arial" panose="020B0604020202020204" pitchFamily="34" charset="0"/>
+              <a:buChar char="•"/>
+            </a:pPr>
+            <a:r>
+              <a:rPr lang="en-IN" b="1" dirty="0">
+                <a:latin typeface="Times New Roman" panose="02020603050405020304" pitchFamily="18" charset="0"/>
+                <a:cs typeface="Times New Roman" panose="02020603050405020304" pitchFamily="18" charset="0"/>
+              </a:rPr>
+              <a:t>RestTemplate</a:t>
+            </a:r>
+            <a:r>
+              <a:rPr lang="en-IN" dirty="0">
+                <a:latin typeface="Times New Roman" panose="02020603050405020304" pitchFamily="18" charset="0"/>
+                <a:cs typeface="Times New Roman" panose="02020603050405020304" pitchFamily="18" charset="0"/>
+              </a:rPr>
+              <a:t>. An object that’s capable of sending requests to REST API services.</a:t>
+            </a:r>
+          </a:p>
+          <a:p>
+            <a:pPr marL="285750" lvl="0" indent="-285750">
+              <a:buFont typeface="Arial" panose="020B0604020202020204" pitchFamily="34" charset="0"/>
+              <a:buChar char="•"/>
+            </a:pPr>
+            <a:r>
+              <a:rPr lang="en-IN" b="1" dirty="0">
+                <a:latin typeface="Times New Roman" panose="02020603050405020304" pitchFamily="18" charset="0"/>
+                <a:cs typeface="Times New Roman" panose="02020603050405020304" pitchFamily="18" charset="0"/>
+              </a:rPr>
+              <a:t>FeignClient</a:t>
+            </a:r>
+            <a:r>
+              <a:rPr lang="en-IN" dirty="0">
+                <a:latin typeface="Times New Roman" panose="02020603050405020304" pitchFamily="18" charset="0"/>
+                <a:cs typeface="Times New Roman" panose="02020603050405020304" pitchFamily="18" charset="0"/>
+              </a:rPr>
+              <a:t> (acts like a proxy), and provides another approach to RestTemplate.</a:t>
+            </a:r>
+          </a:p>
+          <a:p>
+            <a:r>
+              <a:rPr lang="en-IN" dirty="0">
+                <a:latin typeface="Times New Roman" panose="02020603050405020304" pitchFamily="18" charset="0"/>
+                <a:cs typeface="Times New Roman" panose="02020603050405020304" pitchFamily="18" charset="0"/>
+              </a:rPr>
+              <a:t>Both, load balance requests across the services.</a:t>
+            </a:r>
+          </a:p>
+          <a:p>
+            <a:pPr lvl="0"/>
+            <a:endParaRPr lang="en-IN" b="1" dirty="0">
+              <a:latin typeface="Times New Roman" panose="02020603050405020304" pitchFamily="18" charset="0"/>
+              <a:cs typeface="Times New Roman" panose="02020603050405020304" pitchFamily="18" charset="0"/>
+            </a:endParaRPr>
+          </a:p>
+          <a:p>
+            <a:pPr lvl="0"/>
+            <a:r>
+              <a:rPr lang="en-IN" b="1" dirty="0">
+                <a:latin typeface="Times New Roman" panose="02020603050405020304" pitchFamily="18" charset="0"/>
+                <a:cs typeface="Times New Roman" panose="02020603050405020304" pitchFamily="18" charset="0"/>
+              </a:rPr>
+              <a:t>What Is a Feign Client?</a:t>
+            </a:r>
+          </a:p>
+          <a:p>
+            <a:pPr algn="just"/>
+            <a:r>
+              <a:rPr lang="en-IN" dirty="0">
+                <a:latin typeface="Times New Roman" panose="02020603050405020304" pitchFamily="18" charset="0"/>
+                <a:cs typeface="Times New Roman" panose="02020603050405020304" pitchFamily="18" charset="0"/>
+              </a:rPr>
+              <a:t>Netflix provides Feign as an abstraction over REST-based calls, by which microservices can communicate with each other, but developers don't have to bother about REST internal details.</a:t>
+            </a:r>
+          </a:p>
+          <a:p>
+            <a:pPr algn="just"/>
+            <a:r>
+              <a:rPr lang="en-IN" u="sng" dirty="0">
+                <a:latin typeface="Times New Roman" panose="02020603050405020304" pitchFamily="18" charset="0"/>
+                <a:cs typeface="Times New Roman" panose="02020603050405020304" pitchFamily="18" charset="0"/>
+                <a:hlinkClick r:id="rId2"/>
+              </a:rPr>
+              <a:t>Feign</a:t>
+            </a:r>
+            <a:r>
+              <a:rPr lang="en-IN" dirty="0">
+                <a:latin typeface="Times New Roman" panose="02020603050405020304" pitchFamily="18" charset="0"/>
+                <a:cs typeface="Times New Roman" panose="02020603050405020304" pitchFamily="18" charset="0"/>
+              </a:rPr>
+              <a:t> is a declarative web service client. It makes writing web service clients easier. To use Feign create an interface and annotate it. It has pluggable annotation support including Feign annotations and JAX-RS annotations. Feign also supports pluggable encoders and decoders. Spring Cloud integrates Ribbon and Eureka to provide a load balanced http client when using Feign.</a:t>
+            </a:r>
+          </a:p>
+          <a:p>
+            <a:endParaRPr lang="en-IN" dirty="0">
+              <a:latin typeface="Times New Roman" panose="02020603050405020304" pitchFamily="18" charset="0"/>
+              <a:cs typeface="Times New Roman" panose="02020603050405020304" pitchFamily="18" charset="0"/>
+            </a:endParaRPr>
+          </a:p>
+          <a:p>
+            <a:pPr lvl="0"/>
+            <a:r>
+              <a:rPr lang="en-IN" b="1" dirty="0">
+                <a:latin typeface="Times New Roman" panose="02020603050405020304" pitchFamily="18" charset="0"/>
+                <a:cs typeface="Times New Roman" panose="02020603050405020304" pitchFamily="18" charset="0"/>
+              </a:rPr>
+              <a:t>Why We Use Feign Client</a:t>
+            </a:r>
+          </a:p>
+          <a:p>
+            <a:pPr algn="just"/>
+            <a:r>
+              <a:rPr lang="en-IN" sz="1600" dirty="0">
+                <a:latin typeface="Times New Roman" panose="02020603050405020304" pitchFamily="18" charset="0"/>
+                <a:cs typeface="Times New Roman" panose="02020603050405020304" pitchFamily="18" charset="0"/>
+              </a:rPr>
+              <a:t>For example, </a:t>
+            </a:r>
+            <a:r>
+              <a:rPr lang="en-IN" sz="1600" dirty="0" err="1">
+                <a:latin typeface="Times New Roman" panose="02020603050405020304" pitchFamily="18" charset="0"/>
+                <a:cs typeface="Times New Roman" panose="02020603050405020304" pitchFamily="18" charset="0"/>
+              </a:rPr>
+              <a:t>EmployeeDashBoard</a:t>
+            </a:r>
+            <a:r>
+              <a:rPr lang="en-IN" sz="1600" dirty="0">
+                <a:latin typeface="Times New Roman" panose="02020603050405020304" pitchFamily="18" charset="0"/>
+                <a:cs typeface="Times New Roman" panose="02020603050405020304" pitchFamily="18" charset="0"/>
+              </a:rPr>
+              <a:t> service has to communicate with </a:t>
+            </a:r>
+            <a:r>
+              <a:rPr lang="en-IN" sz="1600" dirty="0" err="1">
+                <a:latin typeface="Times New Roman" panose="02020603050405020304" pitchFamily="18" charset="0"/>
+                <a:cs typeface="Times New Roman" panose="02020603050405020304" pitchFamily="18" charset="0"/>
+              </a:rPr>
+              <a:t>EmployeeService</a:t>
+            </a:r>
+            <a:r>
+              <a:rPr lang="en-IN" sz="1600" dirty="0">
+                <a:latin typeface="Times New Roman" panose="02020603050405020304" pitchFamily="18" charset="0"/>
+                <a:cs typeface="Times New Roman" panose="02020603050405020304" pitchFamily="18" charset="0"/>
+              </a:rPr>
+              <a:t>, we programmatically construct the URL of the dependent microservice, then called the service using </a:t>
+            </a:r>
+            <a:r>
+              <a:rPr lang="en-IN" sz="1600" dirty="0" err="1">
+                <a:latin typeface="Times New Roman" panose="02020603050405020304" pitchFamily="18" charset="0"/>
+                <a:cs typeface="Times New Roman" panose="02020603050405020304" pitchFamily="18" charset="0"/>
+              </a:rPr>
+              <a:t>RestTemplate</a:t>
+            </a:r>
+            <a:r>
+              <a:rPr lang="en-IN" sz="1600" dirty="0">
+                <a:latin typeface="Times New Roman" panose="02020603050405020304" pitchFamily="18" charset="0"/>
+                <a:cs typeface="Times New Roman" panose="02020603050405020304" pitchFamily="18" charset="0"/>
+              </a:rPr>
+              <a:t>, so we need to be aware of the </a:t>
+            </a:r>
+            <a:r>
+              <a:rPr lang="en-IN" sz="1600" dirty="0" err="1">
+                <a:latin typeface="Times New Roman" panose="02020603050405020304" pitchFamily="18" charset="0"/>
+                <a:cs typeface="Times New Roman" panose="02020603050405020304" pitchFamily="18" charset="0"/>
+              </a:rPr>
+              <a:t>RestTemplate</a:t>
+            </a:r>
+            <a:r>
+              <a:rPr lang="en-IN" sz="1600" dirty="0">
+                <a:latin typeface="Times New Roman" panose="02020603050405020304" pitchFamily="18" charset="0"/>
+                <a:cs typeface="Times New Roman" panose="02020603050405020304" pitchFamily="18" charset="0"/>
+              </a:rPr>
+              <a:t> API to communicate with other microservices, which is certainly not part of our business logic.</a:t>
+            </a:r>
+          </a:p>
+          <a:p>
+            <a:pPr algn="just"/>
+            <a:r>
+              <a:rPr lang="en-IN" sz="1600" dirty="0">
+                <a:latin typeface="Times New Roman" panose="02020603050405020304" pitchFamily="18" charset="0"/>
+                <a:cs typeface="Times New Roman" panose="02020603050405020304" pitchFamily="18" charset="0"/>
+              </a:rPr>
+              <a:t>The question is, why should a developer have to know the details of a REST API? Microservice developers only concentrate on business logic, so Spring addresses this issues and comes with Feign Client, which works on the declarative principle. We have to create an interface/contract, then Spring creates the original implementation on the fly, so a REST-based service call is abstracted from developers. Not only that — if you want to customize the call, like encoding your request or decoding the response in a Custom Object, you can do it with Feign in a declarative way. Feign, as a client, is an important tool for microservice developers to communicate with other microservices via Rest API.</a:t>
+            </a:r>
+            <a:r>
+              <a:rPr lang="en-IN" dirty="0">
+                <a:latin typeface="Times New Roman" panose="02020603050405020304" pitchFamily="18" charset="0"/>
+                <a:cs typeface="Times New Roman" panose="02020603050405020304" pitchFamily="18" charset="0"/>
+              </a:rPr>
+              <a:t>	</a:t>
+            </a:r>
+          </a:p>
+        </p:txBody>
+      </p:sp>
+    </p:spTree>
+    <p:extLst>
+      <p:ext uri="{BB962C8B-B14F-4D97-AF65-F5344CB8AC3E}">
+        <p14:creationId xmlns:p14="http://schemas.microsoft.com/office/powerpoint/2010/main" val="3160107668"/>
+      </p:ext>
+    </p:extLst>
+  </p:cSld>
+  <p:clrMapOvr>
+    <a:masterClrMapping/>
+  </p:clrMapOvr>
+</p:sld>
+</file>
+
+<file path=ppt/slides/slide13.xml><?xml version="1.0" encoding="utf-8"?>
+<p:sld xmlns:a="http://schemas.openxmlformats.org/drawingml/2006/main" xmlns:r="http://schemas.openxmlformats.org/officeDocument/2006/relationships" xmlns:p="http://schemas.openxmlformats.org/presentationml/2006/main">
+  <p:cSld>
+    <p:spTree>
+      <p:nvGrpSpPr>
+        <p:cNvPr id="1" name=""/>
+        <p:cNvGrpSpPr/>
+        <p:nvPr/>
+      </p:nvGrpSpPr>
+      <p:grpSpPr>
+        <a:xfrm>
+          <a:off x="0" y="0"/>
+          <a:ext cx="0" cy="0"/>
+          <a:chOff x="0" y="0"/>
+          <a:chExt cx="0" cy="0"/>
+        </a:xfrm>
+      </p:grpSpPr>
+      <p:sp>
+        <p:nvSpPr>
+          <p:cNvPr id="4" name="Rectangle 3">
+            <a:extLst>
+              <a:ext uri="{FF2B5EF4-FFF2-40B4-BE49-F238E27FC236}">
+                <a16:creationId xmlns:a16="http://schemas.microsoft.com/office/drawing/2014/main" id="{B7FDAD40-0183-426E-8E7D-3DE7448A42D6}"/>
+              </a:ext>
+            </a:extLst>
+          </p:cNvPr>
+          <p:cNvSpPr/>
+          <p:nvPr/>
+        </p:nvSpPr>
+        <p:spPr>
+          <a:xfrm>
+            <a:off x="332265" y="3358"/>
+            <a:ext cx="6390532" cy="523220"/>
+          </a:xfrm>
+          <a:prstGeom prst="rect">
+            <a:avLst/>
+          </a:prstGeom>
+          <a:noFill/>
+        </p:spPr>
+        <p:txBody>
+          <a:bodyPr wrap="none" lIns="91440" tIns="45720" rIns="91440" bIns="45720">
+            <a:spAutoFit/>
+          </a:bodyPr>
+          <a:lstStyle/>
+          <a:p>
+            <a:pPr algn="ctr"/>
+            <a:r>
+              <a:rPr lang="en-US" sz="2800" b="1" cap="none" spc="0" dirty="0">
+                <a:ln w="6600">
+                  <a:solidFill>
+                    <a:schemeClr val="accent2"/>
+                  </a:solidFill>
+                  <a:prstDash val="solid"/>
+                </a:ln>
+                <a:solidFill>
+                  <a:schemeClr val="accent2">
+                    <a:lumMod val="40000"/>
+                    <a:lumOff val="60000"/>
+                  </a:schemeClr>
+                </a:solidFill>
+                <a:effectLst>
+                  <a:outerShdw dist="38100" dir="2700000" algn="tl" rotWithShape="0">
+                    <a:schemeClr val="accent2"/>
+                  </a:outerShdw>
+                </a:effectLst>
+              </a:rPr>
+              <a:t>Client side Load Balancer – Netflix Ribbon</a:t>
+            </a:r>
+            <a:endParaRPr lang="en-IN" sz="3200" b="1" cap="none" spc="0" dirty="0">
+              <a:ln w="6600">
+                <a:solidFill>
+                  <a:schemeClr val="accent2"/>
+                </a:solidFill>
+                <a:prstDash val="solid"/>
+              </a:ln>
+              <a:solidFill>
+                <a:schemeClr val="accent2">
+                  <a:lumMod val="40000"/>
+                  <a:lumOff val="60000"/>
+                </a:schemeClr>
+              </a:solidFill>
+              <a:effectLst>
+                <a:outerShdw dist="38100" dir="2700000" algn="tl" rotWithShape="0">
+                  <a:schemeClr val="accent2"/>
+                </a:outerShdw>
+              </a:effectLst>
+            </a:endParaRPr>
+          </a:p>
+        </p:txBody>
+      </p:sp>
+      <p:sp>
+        <p:nvSpPr>
           <p:cNvPr id="5" name="Rectangle 4">
             <a:extLst>
               <a:ext uri="{FF2B5EF4-FFF2-40B4-BE49-F238E27FC236}">
@@ -4608,7 +5206,7 @@
 </p:sld>
 </file>
 
-<file path=ppt/slides/slide13.xml><?xml version="1.0" encoding="utf-8"?>
+<file path=ppt/slides/slide14.xml><?xml version="1.0" encoding="utf-8"?>
 <p:sld xmlns:a="http://schemas.openxmlformats.org/drawingml/2006/main" xmlns:r="http://schemas.openxmlformats.org/officeDocument/2006/relationships" xmlns:p="http://schemas.openxmlformats.org/presentationml/2006/main">
   <p:cSld>
     <p:spTree>
@@ -5402,6 +6000,1597 @@
       </p:grpSpPr>
       <p:sp>
         <p:nvSpPr>
+          <p:cNvPr id="5" name="TextBox 4">
+            <a:extLst>
+              <a:ext uri="{FF2B5EF4-FFF2-40B4-BE49-F238E27FC236}">
+                <a16:creationId xmlns:a16="http://schemas.microsoft.com/office/drawing/2014/main" id="{8DB5272B-8B10-4105-9BBF-298A2DC02178}"/>
+              </a:ext>
+            </a:extLst>
+          </p:cNvPr>
+          <p:cNvSpPr txBox="1"/>
+          <p:nvPr/>
+        </p:nvSpPr>
+        <p:spPr>
+          <a:xfrm>
+            <a:off x="3959603" y="6459523"/>
+            <a:ext cx="4018327" cy="338554"/>
+          </a:xfrm>
+          <a:prstGeom prst="rect">
+            <a:avLst/>
+          </a:prstGeom>
+          <a:noFill/>
+        </p:spPr>
+        <p:txBody>
+          <a:bodyPr wrap="square" rtlCol="0">
+            <a:spAutoFit/>
+          </a:bodyPr>
+          <a:lstStyle/>
+          <a:p>
+            <a:r>
+              <a:rPr lang="en-US" sz="1600" b="1" dirty="0">
+                <a:solidFill>
+                  <a:srgbClr val="FF0000"/>
+                </a:solidFill>
+              </a:rPr>
+              <a:t>DETAILED MICROSERVICE ARCHITECTURE</a:t>
+            </a:r>
+            <a:endParaRPr lang="en-IN" sz="1600" b="1" dirty="0">
+              <a:solidFill>
+                <a:srgbClr val="FF0000"/>
+              </a:solidFill>
+            </a:endParaRPr>
+          </a:p>
+        </p:txBody>
+      </p:sp>
+      <p:sp>
+        <p:nvSpPr>
+          <p:cNvPr id="2" name="Oval 1">
+            <a:extLst>
+              <a:ext uri="{FF2B5EF4-FFF2-40B4-BE49-F238E27FC236}">
+                <a16:creationId xmlns:a16="http://schemas.microsoft.com/office/drawing/2014/main" id="{EA488BF4-58BE-4CFA-AD1C-E90846D5677C}"/>
+              </a:ext>
+            </a:extLst>
+          </p:cNvPr>
+          <p:cNvSpPr/>
+          <p:nvPr/>
+        </p:nvSpPr>
+        <p:spPr>
+          <a:xfrm>
+            <a:off x="180975" y="3048000"/>
+            <a:ext cx="1000125" cy="923925"/>
+          </a:xfrm>
+          <a:prstGeom prst="ellipse">
+            <a:avLst/>
+          </a:prstGeom>
+          <a:solidFill>
+            <a:schemeClr val="accent2">
+              <a:lumMod val="20000"/>
+              <a:lumOff val="80000"/>
+            </a:schemeClr>
+          </a:solidFill>
+        </p:spPr>
+        <p:style>
+          <a:lnRef idx="2">
+            <a:schemeClr val="accent1">
+              <a:shade val="50000"/>
+            </a:schemeClr>
+          </a:lnRef>
+          <a:fillRef idx="1">
+            <a:schemeClr val="accent1"/>
+          </a:fillRef>
+          <a:effectRef idx="0">
+            <a:schemeClr val="accent1"/>
+          </a:effectRef>
+          <a:fontRef idx="minor">
+            <a:schemeClr val="lt1"/>
+          </a:fontRef>
+        </p:style>
+        <p:txBody>
+          <a:bodyPr rtlCol="0" anchor="ctr"/>
+          <a:lstStyle/>
+          <a:p>
+            <a:pPr algn="ctr"/>
+            <a:r>
+              <a:rPr lang="en-US" sz="1400" dirty="0">
+                <a:ln w="0"/>
+                <a:solidFill>
+                  <a:schemeClr val="tx1"/>
+                </a:solidFill>
+                <a:effectLst>
+                  <a:outerShdw blurRad="38100" dist="19050" dir="2700000" algn="tl" rotWithShape="0">
+                    <a:schemeClr val="dk1">
+                      <a:alpha val="40000"/>
+                    </a:schemeClr>
+                  </a:outerShdw>
+                </a:effectLst>
+              </a:rPr>
+              <a:t>Client</a:t>
+            </a:r>
+            <a:endParaRPr lang="en-IN" b="1" dirty="0"/>
+          </a:p>
+        </p:txBody>
+      </p:sp>
+      <p:sp>
+        <p:nvSpPr>
+          <p:cNvPr id="3" name="Rectangle: Rounded Corners 2">
+            <a:extLst>
+              <a:ext uri="{FF2B5EF4-FFF2-40B4-BE49-F238E27FC236}">
+                <a16:creationId xmlns:a16="http://schemas.microsoft.com/office/drawing/2014/main" id="{009AF733-A4CC-4032-B123-AF001DD08D09}"/>
+              </a:ext>
+            </a:extLst>
+          </p:cNvPr>
+          <p:cNvSpPr/>
+          <p:nvPr/>
+        </p:nvSpPr>
+        <p:spPr>
+          <a:xfrm>
+            <a:off x="1866900" y="3209925"/>
+            <a:ext cx="1876425" cy="600075"/>
+          </a:xfrm>
+          <a:prstGeom prst="roundRect">
+            <a:avLst/>
+          </a:prstGeom>
+        </p:spPr>
+        <p:style>
+          <a:lnRef idx="2">
+            <a:schemeClr val="accent5">
+              <a:shade val="50000"/>
+            </a:schemeClr>
+          </a:lnRef>
+          <a:fillRef idx="1">
+            <a:schemeClr val="accent5"/>
+          </a:fillRef>
+          <a:effectRef idx="0">
+            <a:schemeClr val="accent5"/>
+          </a:effectRef>
+          <a:fontRef idx="minor">
+            <a:schemeClr val="lt1"/>
+          </a:fontRef>
+        </p:style>
+        <p:txBody>
+          <a:bodyPr rtlCol="0" anchor="ctr"/>
+          <a:lstStyle/>
+          <a:p>
+            <a:pPr algn="ctr"/>
+            <a:r>
+              <a:rPr lang="en-US" sz="1400" dirty="0">
+                <a:ln w="0"/>
+                <a:solidFill>
+                  <a:schemeClr val="tx1"/>
+                </a:solidFill>
+                <a:effectLst>
+                  <a:outerShdw blurRad="38100" dist="19050" dir="2700000" algn="tl" rotWithShape="0">
+                    <a:schemeClr val="dk1">
+                      <a:alpha val="40000"/>
+                    </a:schemeClr>
+                  </a:outerShdw>
+                </a:effectLst>
+              </a:rPr>
+              <a:t>Gateway Service</a:t>
+            </a:r>
+          </a:p>
+          <a:p>
+            <a:pPr algn="ctr"/>
+            <a:r>
+              <a:rPr lang="en-US" sz="1050" dirty="0"/>
+              <a:t>(Netflix Zuul)</a:t>
+            </a:r>
+            <a:endParaRPr lang="en-IN" sz="1400" dirty="0"/>
+          </a:p>
+        </p:txBody>
+      </p:sp>
+      <p:cxnSp>
+        <p:nvCxnSpPr>
+          <p:cNvPr id="7" name="Straight Arrow Connector 6">
+            <a:extLst>
+              <a:ext uri="{FF2B5EF4-FFF2-40B4-BE49-F238E27FC236}">
+                <a16:creationId xmlns:a16="http://schemas.microsoft.com/office/drawing/2014/main" id="{50D57948-C057-45B5-BB3D-7D5D45C3F500}"/>
+              </a:ext>
+            </a:extLst>
+          </p:cNvPr>
+          <p:cNvCxnSpPr>
+            <a:cxnSpLocks/>
+            <a:endCxn id="3" idx="1"/>
+          </p:cNvCxnSpPr>
+          <p:nvPr/>
+        </p:nvCxnSpPr>
+        <p:spPr>
+          <a:xfrm>
+            <a:off x="1190625" y="3509963"/>
+            <a:ext cx="676275" cy="0"/>
+          </a:xfrm>
+          <a:prstGeom prst="straightConnector1">
+            <a:avLst/>
+          </a:prstGeom>
+          <a:ln>
+            <a:tailEnd type="triangle"/>
+          </a:ln>
+        </p:spPr>
+        <p:style>
+          <a:lnRef idx="1">
+            <a:schemeClr val="accent1"/>
+          </a:lnRef>
+          <a:fillRef idx="0">
+            <a:schemeClr val="accent1"/>
+          </a:fillRef>
+          <a:effectRef idx="0">
+            <a:schemeClr val="accent1"/>
+          </a:effectRef>
+          <a:fontRef idx="minor">
+            <a:schemeClr val="tx1"/>
+          </a:fontRef>
+        </p:style>
+      </p:cxnSp>
+      <p:sp>
+        <p:nvSpPr>
+          <p:cNvPr id="11" name="Rectangle: Rounded Corners 10">
+            <a:extLst>
+              <a:ext uri="{FF2B5EF4-FFF2-40B4-BE49-F238E27FC236}">
+                <a16:creationId xmlns:a16="http://schemas.microsoft.com/office/drawing/2014/main" id="{EC385245-F925-47A0-9D00-8B82B864AE39}"/>
+              </a:ext>
+            </a:extLst>
+          </p:cNvPr>
+          <p:cNvSpPr/>
+          <p:nvPr/>
+        </p:nvSpPr>
+        <p:spPr>
+          <a:xfrm>
+            <a:off x="4505324" y="3209925"/>
+            <a:ext cx="2152650" cy="600075"/>
+          </a:xfrm>
+          <a:prstGeom prst="roundRect">
+            <a:avLst/>
+          </a:prstGeom>
+        </p:spPr>
+        <p:style>
+          <a:lnRef idx="2">
+            <a:schemeClr val="accent5">
+              <a:shade val="50000"/>
+            </a:schemeClr>
+          </a:lnRef>
+          <a:fillRef idx="1">
+            <a:schemeClr val="accent5"/>
+          </a:fillRef>
+          <a:effectRef idx="0">
+            <a:schemeClr val="accent5"/>
+          </a:effectRef>
+          <a:fontRef idx="minor">
+            <a:schemeClr val="lt1"/>
+          </a:fontRef>
+        </p:style>
+        <p:txBody>
+          <a:bodyPr rtlCol="0" anchor="ctr"/>
+          <a:lstStyle/>
+          <a:p>
+            <a:pPr algn="ctr"/>
+            <a:r>
+              <a:rPr lang="en-US" sz="1400" dirty="0">
+                <a:ln w="0"/>
+                <a:solidFill>
+                  <a:schemeClr val="tx1"/>
+                </a:solidFill>
+                <a:effectLst>
+                  <a:outerShdw blurRad="38100" dist="19050" dir="2700000" algn="tl" rotWithShape="0">
+                    <a:schemeClr val="dk1">
+                      <a:alpha val="40000"/>
+                    </a:schemeClr>
+                  </a:outerShdw>
+                </a:effectLst>
+              </a:rPr>
+              <a:t>Discovery Eureka Server</a:t>
+            </a:r>
+          </a:p>
+          <a:p>
+            <a:pPr algn="ctr"/>
+            <a:r>
+              <a:rPr lang="en-US" sz="1050" dirty="0"/>
+              <a:t>(Netflix Eureka)</a:t>
+            </a:r>
+            <a:endParaRPr lang="en-IN" sz="1050" dirty="0"/>
+          </a:p>
+        </p:txBody>
+      </p:sp>
+      <p:sp>
+        <p:nvSpPr>
+          <p:cNvPr id="12" name="Rectangle: Rounded Corners 11">
+            <a:extLst>
+              <a:ext uri="{FF2B5EF4-FFF2-40B4-BE49-F238E27FC236}">
+                <a16:creationId xmlns:a16="http://schemas.microsoft.com/office/drawing/2014/main" id="{67DA8016-DCAC-49CE-B532-277F95E86F5A}"/>
+              </a:ext>
+            </a:extLst>
+          </p:cNvPr>
+          <p:cNvSpPr/>
+          <p:nvPr/>
+        </p:nvSpPr>
+        <p:spPr>
+          <a:xfrm>
+            <a:off x="4419599" y="1285088"/>
+            <a:ext cx="2238375" cy="600075"/>
+          </a:xfrm>
+          <a:prstGeom prst="roundRect">
+            <a:avLst/>
+          </a:prstGeom>
+        </p:spPr>
+        <p:style>
+          <a:lnRef idx="2">
+            <a:schemeClr val="accent5">
+              <a:shade val="50000"/>
+            </a:schemeClr>
+          </a:lnRef>
+          <a:fillRef idx="1">
+            <a:schemeClr val="accent5"/>
+          </a:fillRef>
+          <a:effectRef idx="0">
+            <a:schemeClr val="accent5"/>
+          </a:effectRef>
+          <a:fontRef idx="minor">
+            <a:schemeClr val="lt1"/>
+          </a:fontRef>
+        </p:style>
+        <p:txBody>
+          <a:bodyPr rtlCol="0" anchor="ctr"/>
+          <a:lstStyle/>
+          <a:p>
+            <a:pPr algn="ctr"/>
+            <a:r>
+              <a:rPr lang="en-US" sz="1400" dirty="0">
+                <a:ln w="0"/>
+                <a:solidFill>
+                  <a:schemeClr val="tx1"/>
+                </a:solidFill>
+                <a:effectLst>
+                  <a:outerShdw blurRad="38100" dist="19050" dir="2700000" algn="tl" rotWithShape="0">
+                    <a:schemeClr val="dk1">
+                      <a:alpha val="40000"/>
+                    </a:schemeClr>
+                  </a:outerShdw>
+                </a:effectLst>
+              </a:rPr>
+              <a:t>Authorization Service</a:t>
+            </a:r>
+          </a:p>
+          <a:p>
+            <a:pPr algn="ctr"/>
+            <a:r>
+              <a:rPr lang="en-US" sz="1050" dirty="0"/>
+              <a:t>(Spring Cloud Security/OAuth2/JWT)</a:t>
+            </a:r>
+            <a:endParaRPr lang="en-IN" sz="1050" dirty="0"/>
+          </a:p>
+        </p:txBody>
+      </p:sp>
+      <p:sp>
+        <p:nvSpPr>
+          <p:cNvPr id="13" name="Rectangle: Rounded Corners 12">
+            <a:extLst>
+              <a:ext uri="{FF2B5EF4-FFF2-40B4-BE49-F238E27FC236}">
+                <a16:creationId xmlns:a16="http://schemas.microsoft.com/office/drawing/2014/main" id="{1EDF2DD0-632B-4C84-BDB2-A66058062546}"/>
+              </a:ext>
+            </a:extLst>
+          </p:cNvPr>
+          <p:cNvSpPr/>
+          <p:nvPr/>
+        </p:nvSpPr>
+        <p:spPr>
+          <a:xfrm>
+            <a:off x="7562850" y="819150"/>
+            <a:ext cx="2762250" cy="5448300"/>
+          </a:xfrm>
+          <a:prstGeom prst="roundRect">
+            <a:avLst/>
+          </a:prstGeom>
+          <a:noFill/>
+        </p:spPr>
+        <p:style>
+          <a:lnRef idx="2">
+            <a:schemeClr val="accent1">
+              <a:shade val="50000"/>
+            </a:schemeClr>
+          </a:lnRef>
+          <a:fillRef idx="1">
+            <a:schemeClr val="accent1"/>
+          </a:fillRef>
+          <a:effectRef idx="0">
+            <a:schemeClr val="accent1"/>
+          </a:effectRef>
+          <a:fontRef idx="minor">
+            <a:schemeClr val="lt1"/>
+          </a:fontRef>
+        </p:style>
+        <p:txBody>
+          <a:bodyPr rtlCol="0" anchor="ctr"/>
+          <a:lstStyle/>
+          <a:p>
+            <a:pPr algn="ctr"/>
+            <a:endParaRPr lang="en-IN"/>
+          </a:p>
+        </p:txBody>
+      </p:sp>
+      <p:sp>
+        <p:nvSpPr>
+          <p:cNvPr id="15" name="Rectangle: Rounded Corners 14">
+            <a:extLst>
+              <a:ext uri="{FF2B5EF4-FFF2-40B4-BE49-F238E27FC236}">
+                <a16:creationId xmlns:a16="http://schemas.microsoft.com/office/drawing/2014/main" id="{18855DD7-C045-454D-9B5A-2F7E9E67DF6A}"/>
+              </a:ext>
+            </a:extLst>
+          </p:cNvPr>
+          <p:cNvSpPr/>
+          <p:nvPr/>
+        </p:nvSpPr>
+        <p:spPr>
+          <a:xfrm>
+            <a:off x="7867650" y="1285088"/>
+            <a:ext cx="2152650" cy="400837"/>
+          </a:xfrm>
+          <a:prstGeom prst="roundRect">
+            <a:avLst/>
+          </a:prstGeom>
+        </p:spPr>
+        <p:style>
+          <a:lnRef idx="2">
+            <a:schemeClr val="accent4">
+              <a:shade val="50000"/>
+            </a:schemeClr>
+          </a:lnRef>
+          <a:fillRef idx="1">
+            <a:schemeClr val="accent4"/>
+          </a:fillRef>
+          <a:effectRef idx="0">
+            <a:schemeClr val="accent4"/>
+          </a:effectRef>
+          <a:fontRef idx="minor">
+            <a:schemeClr val="lt1"/>
+          </a:fontRef>
+        </p:style>
+        <p:txBody>
+          <a:bodyPr rtlCol="0" anchor="ctr"/>
+          <a:lstStyle/>
+          <a:p>
+            <a:pPr algn="ctr"/>
+            <a:r>
+              <a:rPr lang="en-US" sz="1400" dirty="0">
+                <a:ln w="0"/>
+                <a:solidFill>
+                  <a:schemeClr val="tx1"/>
+                </a:solidFill>
+                <a:effectLst>
+                  <a:outerShdw blurRad="38100" dist="19050" dir="2700000" algn="tl" rotWithShape="0">
+                    <a:schemeClr val="dk1">
+                      <a:alpha val="40000"/>
+                    </a:schemeClr>
+                  </a:outerShdw>
+                </a:effectLst>
+              </a:rPr>
+              <a:t>User Mgmt Service</a:t>
+            </a:r>
+            <a:endParaRPr lang="en-IN" sz="1050" dirty="0"/>
+          </a:p>
+        </p:txBody>
+      </p:sp>
+      <p:sp>
+        <p:nvSpPr>
+          <p:cNvPr id="16" name="Rectangle: Rounded Corners 15">
+            <a:extLst>
+              <a:ext uri="{FF2B5EF4-FFF2-40B4-BE49-F238E27FC236}">
+                <a16:creationId xmlns:a16="http://schemas.microsoft.com/office/drawing/2014/main" id="{CC430AD3-C2B4-4A42-9C8D-DD37D3E039EF}"/>
+              </a:ext>
+            </a:extLst>
+          </p:cNvPr>
+          <p:cNvSpPr/>
+          <p:nvPr/>
+        </p:nvSpPr>
+        <p:spPr>
+          <a:xfrm>
+            <a:off x="7867650" y="1951444"/>
+            <a:ext cx="2152650" cy="400837"/>
+          </a:xfrm>
+          <a:prstGeom prst="roundRect">
+            <a:avLst/>
+          </a:prstGeom>
+          <a:solidFill>
+            <a:schemeClr val="accent2">
+              <a:lumMod val="60000"/>
+              <a:lumOff val="40000"/>
+            </a:schemeClr>
+          </a:solidFill>
+        </p:spPr>
+        <p:style>
+          <a:lnRef idx="2">
+            <a:schemeClr val="accent3">
+              <a:shade val="50000"/>
+            </a:schemeClr>
+          </a:lnRef>
+          <a:fillRef idx="1">
+            <a:schemeClr val="accent3"/>
+          </a:fillRef>
+          <a:effectRef idx="0">
+            <a:schemeClr val="accent3"/>
+          </a:effectRef>
+          <a:fontRef idx="minor">
+            <a:schemeClr val="lt1"/>
+          </a:fontRef>
+        </p:style>
+        <p:txBody>
+          <a:bodyPr rtlCol="0" anchor="ctr"/>
+          <a:lstStyle/>
+          <a:p>
+            <a:pPr algn="ctr"/>
+            <a:r>
+              <a:rPr lang="en-US" sz="1400" dirty="0">
+                <a:ln w="0"/>
+                <a:solidFill>
+                  <a:schemeClr val="tx1"/>
+                </a:solidFill>
+                <a:effectLst>
+                  <a:outerShdw blurRad="38100" dist="19050" dir="2700000" algn="tl" rotWithShape="0">
+                    <a:schemeClr val="dk1">
+                      <a:alpha val="40000"/>
+                    </a:schemeClr>
+                  </a:outerShdw>
+                </a:effectLst>
+              </a:rPr>
+              <a:t>People Mgmt Service</a:t>
+            </a:r>
+            <a:endParaRPr lang="en-IN" sz="1050" dirty="0"/>
+          </a:p>
+        </p:txBody>
+      </p:sp>
+      <p:sp>
+        <p:nvSpPr>
+          <p:cNvPr id="17" name="Rectangle: Rounded Corners 16">
+            <a:extLst>
+              <a:ext uri="{FF2B5EF4-FFF2-40B4-BE49-F238E27FC236}">
+                <a16:creationId xmlns:a16="http://schemas.microsoft.com/office/drawing/2014/main" id="{EF6D3A87-3280-48B5-B755-B8CA82535E21}"/>
+              </a:ext>
+            </a:extLst>
+          </p:cNvPr>
+          <p:cNvSpPr/>
+          <p:nvPr/>
+        </p:nvSpPr>
+        <p:spPr>
+          <a:xfrm>
+            <a:off x="7867650" y="2647163"/>
+            <a:ext cx="2152650" cy="400837"/>
+          </a:xfrm>
+          <a:prstGeom prst="roundRect">
+            <a:avLst/>
+          </a:prstGeom>
+        </p:spPr>
+        <p:style>
+          <a:lnRef idx="2">
+            <a:schemeClr val="accent2">
+              <a:shade val="50000"/>
+            </a:schemeClr>
+          </a:lnRef>
+          <a:fillRef idx="1">
+            <a:schemeClr val="accent2"/>
+          </a:fillRef>
+          <a:effectRef idx="0">
+            <a:schemeClr val="accent2"/>
+          </a:effectRef>
+          <a:fontRef idx="minor">
+            <a:schemeClr val="lt1"/>
+          </a:fontRef>
+        </p:style>
+        <p:txBody>
+          <a:bodyPr rtlCol="0" anchor="ctr"/>
+          <a:lstStyle/>
+          <a:p>
+            <a:pPr algn="ctr"/>
+            <a:r>
+              <a:rPr lang="en-US" sz="1400" dirty="0">
+                <a:ln w="0"/>
+                <a:solidFill>
+                  <a:schemeClr val="tx1"/>
+                </a:solidFill>
+                <a:effectLst>
+                  <a:outerShdw blurRad="38100" dist="19050" dir="2700000" algn="tl" rotWithShape="0">
+                    <a:schemeClr val="dk1">
+                      <a:alpha val="40000"/>
+                    </a:schemeClr>
+                  </a:outerShdw>
+                </a:effectLst>
+              </a:rPr>
+              <a:t>Project Mgmt Service</a:t>
+            </a:r>
+            <a:endParaRPr lang="en-IN" sz="1050" dirty="0"/>
+          </a:p>
+        </p:txBody>
+      </p:sp>
+      <p:sp>
+        <p:nvSpPr>
+          <p:cNvPr id="18" name="Rectangle: Rounded Corners 17">
+            <a:extLst>
+              <a:ext uri="{FF2B5EF4-FFF2-40B4-BE49-F238E27FC236}">
+                <a16:creationId xmlns:a16="http://schemas.microsoft.com/office/drawing/2014/main" id="{40A11A40-D504-4743-AEAC-5A844B3C1067}"/>
+              </a:ext>
+            </a:extLst>
+          </p:cNvPr>
+          <p:cNvSpPr/>
+          <p:nvPr/>
+        </p:nvSpPr>
+        <p:spPr>
+          <a:xfrm>
+            <a:off x="7867650" y="3421048"/>
+            <a:ext cx="2152650" cy="400837"/>
+          </a:xfrm>
+          <a:prstGeom prst="roundRect">
+            <a:avLst/>
+          </a:prstGeom>
+        </p:spPr>
+        <p:style>
+          <a:lnRef idx="2">
+            <a:schemeClr val="accent6">
+              <a:shade val="50000"/>
+            </a:schemeClr>
+          </a:lnRef>
+          <a:fillRef idx="1">
+            <a:schemeClr val="accent6"/>
+          </a:fillRef>
+          <a:effectRef idx="0">
+            <a:schemeClr val="accent6"/>
+          </a:effectRef>
+          <a:fontRef idx="minor">
+            <a:schemeClr val="lt1"/>
+          </a:fontRef>
+        </p:style>
+        <p:txBody>
+          <a:bodyPr rtlCol="0" anchor="ctr"/>
+          <a:lstStyle/>
+          <a:p>
+            <a:pPr algn="ctr"/>
+            <a:r>
+              <a:rPr lang="en-US" sz="1400" dirty="0">
+                <a:ln w="0"/>
+                <a:solidFill>
+                  <a:schemeClr val="tx1"/>
+                </a:solidFill>
+                <a:effectLst>
+                  <a:outerShdw blurRad="38100" dist="19050" dir="2700000" algn="tl" rotWithShape="0">
+                    <a:schemeClr val="dk1">
+                      <a:alpha val="40000"/>
+                    </a:schemeClr>
+                  </a:outerShdw>
+                </a:effectLst>
+              </a:rPr>
+              <a:t>Account Mgmt Service</a:t>
+            </a:r>
+            <a:endParaRPr lang="en-IN" sz="1050" dirty="0"/>
+          </a:p>
+        </p:txBody>
+      </p:sp>
+      <p:sp>
+        <p:nvSpPr>
+          <p:cNvPr id="19" name="Rectangle: Rounded Corners 18">
+            <a:extLst>
+              <a:ext uri="{FF2B5EF4-FFF2-40B4-BE49-F238E27FC236}">
+                <a16:creationId xmlns:a16="http://schemas.microsoft.com/office/drawing/2014/main" id="{4C281DD0-373C-4075-B54B-49C0E27D3754}"/>
+              </a:ext>
+            </a:extLst>
+          </p:cNvPr>
+          <p:cNvSpPr/>
+          <p:nvPr/>
+        </p:nvSpPr>
+        <p:spPr>
+          <a:xfrm>
+            <a:off x="7867650" y="4135029"/>
+            <a:ext cx="2152650" cy="400837"/>
+          </a:xfrm>
+          <a:prstGeom prst="roundRect">
+            <a:avLst/>
+          </a:prstGeom>
+          <a:solidFill>
+            <a:schemeClr val="accent6">
+              <a:lumMod val="60000"/>
+              <a:lumOff val="40000"/>
+            </a:schemeClr>
+          </a:solidFill>
+        </p:spPr>
+        <p:style>
+          <a:lnRef idx="2">
+            <a:schemeClr val="accent5">
+              <a:shade val="50000"/>
+            </a:schemeClr>
+          </a:lnRef>
+          <a:fillRef idx="1">
+            <a:schemeClr val="accent5"/>
+          </a:fillRef>
+          <a:effectRef idx="0">
+            <a:schemeClr val="accent5"/>
+          </a:effectRef>
+          <a:fontRef idx="minor">
+            <a:schemeClr val="lt1"/>
+          </a:fontRef>
+        </p:style>
+        <p:txBody>
+          <a:bodyPr rtlCol="0" anchor="ctr"/>
+          <a:lstStyle/>
+          <a:p>
+            <a:pPr algn="ctr"/>
+            <a:r>
+              <a:rPr lang="en-US" sz="1400" dirty="0">
+                <a:ln w="0"/>
+                <a:solidFill>
+                  <a:schemeClr val="tx1"/>
+                </a:solidFill>
+                <a:effectLst>
+                  <a:outerShdw blurRad="38100" dist="19050" dir="2700000" algn="tl" rotWithShape="0">
+                    <a:schemeClr val="dk1">
+                      <a:alpha val="40000"/>
+                    </a:schemeClr>
+                  </a:outerShdw>
+                </a:effectLst>
+              </a:rPr>
+              <a:t>Darshan Mgmt Service</a:t>
+            </a:r>
+            <a:endParaRPr lang="en-IN" sz="1050" dirty="0"/>
+          </a:p>
+        </p:txBody>
+      </p:sp>
+      <p:sp>
+        <p:nvSpPr>
+          <p:cNvPr id="20" name="Rectangle: Rounded Corners 19">
+            <a:extLst>
+              <a:ext uri="{FF2B5EF4-FFF2-40B4-BE49-F238E27FC236}">
+                <a16:creationId xmlns:a16="http://schemas.microsoft.com/office/drawing/2014/main" id="{79A01BD8-EDF0-424E-A7C1-35FA8AEF9566}"/>
+              </a:ext>
+            </a:extLst>
+          </p:cNvPr>
+          <p:cNvSpPr/>
+          <p:nvPr/>
+        </p:nvSpPr>
+        <p:spPr>
+          <a:xfrm>
+            <a:off x="7867650" y="4849010"/>
+            <a:ext cx="2152650" cy="400837"/>
+          </a:xfrm>
+          <a:prstGeom prst="roundRect">
+            <a:avLst/>
+          </a:prstGeom>
+          <a:solidFill>
+            <a:schemeClr val="accent2">
+              <a:lumMod val="75000"/>
+            </a:schemeClr>
+          </a:solidFill>
+        </p:spPr>
+        <p:style>
+          <a:lnRef idx="2">
+            <a:schemeClr val="accent5">
+              <a:shade val="50000"/>
+            </a:schemeClr>
+          </a:lnRef>
+          <a:fillRef idx="1">
+            <a:schemeClr val="accent5"/>
+          </a:fillRef>
+          <a:effectRef idx="0">
+            <a:schemeClr val="accent5"/>
+          </a:effectRef>
+          <a:fontRef idx="minor">
+            <a:schemeClr val="lt1"/>
+          </a:fontRef>
+        </p:style>
+        <p:txBody>
+          <a:bodyPr rtlCol="0" anchor="ctr"/>
+          <a:lstStyle/>
+          <a:p>
+            <a:pPr algn="ctr"/>
+            <a:r>
+              <a:rPr lang="en-US" sz="1400" dirty="0">
+                <a:ln w="0"/>
+                <a:solidFill>
+                  <a:schemeClr val="tx1"/>
+                </a:solidFill>
+                <a:effectLst>
+                  <a:outerShdw blurRad="38100" dist="19050" dir="2700000" algn="tl" rotWithShape="0">
+                    <a:schemeClr val="dk1">
+                      <a:alpha val="40000"/>
+                    </a:schemeClr>
+                  </a:outerShdw>
+                </a:effectLst>
+              </a:rPr>
+              <a:t>Data Upload Service</a:t>
+            </a:r>
+            <a:endParaRPr lang="en-IN" sz="1050" dirty="0"/>
+          </a:p>
+        </p:txBody>
+      </p:sp>
+      <p:sp>
+        <p:nvSpPr>
+          <p:cNvPr id="21" name="Rectangle: Rounded Corners 20">
+            <a:extLst>
+              <a:ext uri="{FF2B5EF4-FFF2-40B4-BE49-F238E27FC236}">
+                <a16:creationId xmlns:a16="http://schemas.microsoft.com/office/drawing/2014/main" id="{07F5D8E1-BD6E-4260-A47A-19A70A784B80}"/>
+              </a:ext>
+            </a:extLst>
+          </p:cNvPr>
+          <p:cNvSpPr/>
+          <p:nvPr/>
+        </p:nvSpPr>
+        <p:spPr>
+          <a:xfrm>
+            <a:off x="7867650" y="5558230"/>
+            <a:ext cx="2152650" cy="400837"/>
+          </a:xfrm>
+          <a:prstGeom prst="roundRect">
+            <a:avLst/>
+          </a:prstGeom>
+          <a:solidFill>
+            <a:schemeClr val="accent4">
+              <a:lumMod val="40000"/>
+              <a:lumOff val="60000"/>
+            </a:schemeClr>
+          </a:solidFill>
+        </p:spPr>
+        <p:style>
+          <a:lnRef idx="2">
+            <a:schemeClr val="accent5">
+              <a:shade val="50000"/>
+            </a:schemeClr>
+          </a:lnRef>
+          <a:fillRef idx="1">
+            <a:schemeClr val="accent5"/>
+          </a:fillRef>
+          <a:effectRef idx="0">
+            <a:schemeClr val="accent5"/>
+          </a:effectRef>
+          <a:fontRef idx="minor">
+            <a:schemeClr val="lt1"/>
+          </a:fontRef>
+        </p:style>
+        <p:txBody>
+          <a:bodyPr rtlCol="0" anchor="ctr"/>
+          <a:lstStyle/>
+          <a:p>
+            <a:pPr algn="ctr"/>
+            <a:r>
+              <a:rPr lang="en-US" sz="1400" dirty="0">
+                <a:ln w="0"/>
+                <a:solidFill>
+                  <a:schemeClr val="tx1"/>
+                </a:solidFill>
+                <a:effectLst>
+                  <a:outerShdw blurRad="38100" dist="19050" dir="2700000" algn="tl" rotWithShape="0">
+                    <a:schemeClr val="dk1">
+                      <a:alpha val="40000"/>
+                    </a:schemeClr>
+                  </a:outerShdw>
+                </a:effectLst>
+              </a:rPr>
+              <a:t>Messaging Service</a:t>
+            </a:r>
+            <a:endParaRPr lang="en-IN" sz="1050" dirty="0"/>
+          </a:p>
+        </p:txBody>
+      </p:sp>
+      <p:sp>
+        <p:nvSpPr>
+          <p:cNvPr id="14" name="Cylinder 13">
+            <a:extLst>
+              <a:ext uri="{FF2B5EF4-FFF2-40B4-BE49-F238E27FC236}">
+                <a16:creationId xmlns:a16="http://schemas.microsoft.com/office/drawing/2014/main" id="{E3CAC70F-E352-4944-BBED-00B54248AE91}"/>
+              </a:ext>
+            </a:extLst>
+          </p:cNvPr>
+          <p:cNvSpPr/>
+          <p:nvPr/>
+        </p:nvSpPr>
+        <p:spPr>
+          <a:xfrm>
+            <a:off x="10782300" y="1114425"/>
+            <a:ext cx="542925" cy="657225"/>
+          </a:xfrm>
+          <a:prstGeom prst="can">
+            <a:avLst/>
+          </a:prstGeom>
+        </p:spPr>
+        <p:style>
+          <a:lnRef idx="2">
+            <a:schemeClr val="accent4">
+              <a:shade val="50000"/>
+            </a:schemeClr>
+          </a:lnRef>
+          <a:fillRef idx="1">
+            <a:schemeClr val="accent4"/>
+          </a:fillRef>
+          <a:effectRef idx="0">
+            <a:schemeClr val="accent4"/>
+          </a:effectRef>
+          <a:fontRef idx="minor">
+            <a:schemeClr val="lt1"/>
+          </a:fontRef>
+        </p:style>
+        <p:txBody>
+          <a:bodyPr rtlCol="0" anchor="ctr"/>
+          <a:lstStyle/>
+          <a:p>
+            <a:pPr algn="ctr"/>
+            <a:r>
+              <a:rPr lang="en-US" dirty="0"/>
+              <a:t>DB</a:t>
+            </a:r>
+            <a:endParaRPr lang="en-IN" dirty="0"/>
+          </a:p>
+        </p:txBody>
+      </p:sp>
+      <p:sp>
+        <p:nvSpPr>
+          <p:cNvPr id="23" name="Cylinder 22">
+            <a:extLst>
+              <a:ext uri="{FF2B5EF4-FFF2-40B4-BE49-F238E27FC236}">
+                <a16:creationId xmlns:a16="http://schemas.microsoft.com/office/drawing/2014/main" id="{BD992211-7424-45CD-BA85-62B9E934A409}"/>
+              </a:ext>
+            </a:extLst>
+          </p:cNvPr>
+          <p:cNvSpPr/>
+          <p:nvPr/>
+        </p:nvSpPr>
+        <p:spPr>
+          <a:xfrm>
+            <a:off x="10782300" y="1819275"/>
+            <a:ext cx="542925" cy="657225"/>
+          </a:xfrm>
+          <a:prstGeom prst="can">
+            <a:avLst/>
+          </a:prstGeom>
+          <a:solidFill>
+            <a:schemeClr val="accent2">
+              <a:lumMod val="40000"/>
+              <a:lumOff val="60000"/>
+            </a:schemeClr>
+          </a:solidFill>
+        </p:spPr>
+        <p:style>
+          <a:lnRef idx="2">
+            <a:schemeClr val="accent1">
+              <a:shade val="50000"/>
+            </a:schemeClr>
+          </a:lnRef>
+          <a:fillRef idx="1">
+            <a:schemeClr val="accent1"/>
+          </a:fillRef>
+          <a:effectRef idx="0">
+            <a:schemeClr val="accent1"/>
+          </a:effectRef>
+          <a:fontRef idx="minor">
+            <a:schemeClr val="lt1"/>
+          </a:fontRef>
+        </p:style>
+        <p:txBody>
+          <a:bodyPr rtlCol="0" anchor="ctr"/>
+          <a:lstStyle/>
+          <a:p>
+            <a:pPr algn="ctr"/>
+            <a:r>
+              <a:rPr lang="en-US" dirty="0"/>
+              <a:t>DB</a:t>
+            </a:r>
+            <a:endParaRPr lang="en-IN" dirty="0"/>
+          </a:p>
+        </p:txBody>
+      </p:sp>
+      <p:sp>
+        <p:nvSpPr>
+          <p:cNvPr id="24" name="Cylinder 23">
+            <a:extLst>
+              <a:ext uri="{FF2B5EF4-FFF2-40B4-BE49-F238E27FC236}">
+                <a16:creationId xmlns:a16="http://schemas.microsoft.com/office/drawing/2014/main" id="{DF974CB2-4306-410F-9F38-923CBB9E7001}"/>
+              </a:ext>
+            </a:extLst>
+          </p:cNvPr>
+          <p:cNvSpPr/>
+          <p:nvPr/>
+        </p:nvSpPr>
+        <p:spPr>
+          <a:xfrm>
+            <a:off x="10782300" y="2552701"/>
+            <a:ext cx="542925" cy="581024"/>
+          </a:xfrm>
+          <a:prstGeom prst="can">
+            <a:avLst/>
+          </a:prstGeom>
+        </p:spPr>
+        <p:style>
+          <a:lnRef idx="2">
+            <a:schemeClr val="accent2">
+              <a:shade val="50000"/>
+            </a:schemeClr>
+          </a:lnRef>
+          <a:fillRef idx="1">
+            <a:schemeClr val="accent2"/>
+          </a:fillRef>
+          <a:effectRef idx="0">
+            <a:schemeClr val="accent2"/>
+          </a:effectRef>
+          <a:fontRef idx="minor">
+            <a:schemeClr val="lt1"/>
+          </a:fontRef>
+        </p:style>
+        <p:txBody>
+          <a:bodyPr rtlCol="0" anchor="ctr"/>
+          <a:lstStyle/>
+          <a:p>
+            <a:pPr algn="ctr"/>
+            <a:r>
+              <a:rPr lang="en-US" dirty="0"/>
+              <a:t>DB</a:t>
+            </a:r>
+            <a:endParaRPr lang="en-IN" dirty="0"/>
+          </a:p>
+        </p:txBody>
+      </p:sp>
+      <p:sp>
+        <p:nvSpPr>
+          <p:cNvPr id="25" name="Cylinder 24">
+            <a:extLst>
+              <a:ext uri="{FF2B5EF4-FFF2-40B4-BE49-F238E27FC236}">
+                <a16:creationId xmlns:a16="http://schemas.microsoft.com/office/drawing/2014/main" id="{AFA41F79-A2F9-4C19-9345-E12F03462F3D}"/>
+              </a:ext>
+            </a:extLst>
+          </p:cNvPr>
+          <p:cNvSpPr/>
+          <p:nvPr/>
+        </p:nvSpPr>
+        <p:spPr>
+          <a:xfrm>
+            <a:off x="10782300" y="3292853"/>
+            <a:ext cx="542925" cy="657225"/>
+          </a:xfrm>
+          <a:prstGeom prst="can">
+            <a:avLst/>
+          </a:prstGeom>
+        </p:spPr>
+        <p:style>
+          <a:lnRef idx="2">
+            <a:schemeClr val="accent6">
+              <a:shade val="50000"/>
+            </a:schemeClr>
+          </a:lnRef>
+          <a:fillRef idx="1">
+            <a:schemeClr val="accent6"/>
+          </a:fillRef>
+          <a:effectRef idx="0">
+            <a:schemeClr val="accent6"/>
+          </a:effectRef>
+          <a:fontRef idx="minor">
+            <a:schemeClr val="lt1"/>
+          </a:fontRef>
+        </p:style>
+        <p:txBody>
+          <a:bodyPr rtlCol="0" anchor="ctr"/>
+          <a:lstStyle/>
+          <a:p>
+            <a:pPr algn="ctr"/>
+            <a:r>
+              <a:rPr lang="en-US" dirty="0"/>
+              <a:t>DB</a:t>
+            </a:r>
+            <a:endParaRPr lang="en-IN" dirty="0"/>
+          </a:p>
+        </p:txBody>
+      </p:sp>
+      <p:sp>
+        <p:nvSpPr>
+          <p:cNvPr id="26" name="Cylinder 25">
+            <a:extLst>
+              <a:ext uri="{FF2B5EF4-FFF2-40B4-BE49-F238E27FC236}">
+                <a16:creationId xmlns:a16="http://schemas.microsoft.com/office/drawing/2014/main" id="{7D4A09D0-A10D-471D-BF79-E45924D90B11}"/>
+              </a:ext>
+            </a:extLst>
+          </p:cNvPr>
+          <p:cNvSpPr/>
+          <p:nvPr/>
+        </p:nvSpPr>
+        <p:spPr>
+          <a:xfrm>
+            <a:off x="10782300" y="4033007"/>
+            <a:ext cx="542925" cy="574296"/>
+          </a:xfrm>
+          <a:prstGeom prst="can">
+            <a:avLst/>
+          </a:prstGeom>
+          <a:solidFill>
+            <a:schemeClr val="accent6">
+              <a:lumMod val="60000"/>
+              <a:lumOff val="40000"/>
+            </a:schemeClr>
+          </a:solidFill>
+        </p:spPr>
+        <p:style>
+          <a:lnRef idx="2">
+            <a:schemeClr val="accent1">
+              <a:shade val="50000"/>
+            </a:schemeClr>
+          </a:lnRef>
+          <a:fillRef idx="1">
+            <a:schemeClr val="accent1"/>
+          </a:fillRef>
+          <a:effectRef idx="0">
+            <a:schemeClr val="accent1"/>
+          </a:effectRef>
+          <a:fontRef idx="minor">
+            <a:schemeClr val="lt1"/>
+          </a:fontRef>
+        </p:style>
+        <p:txBody>
+          <a:bodyPr rtlCol="0" anchor="ctr"/>
+          <a:lstStyle/>
+          <a:p>
+            <a:pPr algn="ctr"/>
+            <a:r>
+              <a:rPr lang="en-US" dirty="0"/>
+              <a:t>DB</a:t>
+            </a:r>
+            <a:endParaRPr lang="en-IN" dirty="0"/>
+          </a:p>
+        </p:txBody>
+      </p:sp>
+      <p:sp>
+        <p:nvSpPr>
+          <p:cNvPr id="27" name="Cylinder 26">
+            <a:extLst>
+              <a:ext uri="{FF2B5EF4-FFF2-40B4-BE49-F238E27FC236}">
+                <a16:creationId xmlns:a16="http://schemas.microsoft.com/office/drawing/2014/main" id="{4908E4D6-648F-4A9E-B324-A561242A31B7}"/>
+              </a:ext>
+            </a:extLst>
+          </p:cNvPr>
+          <p:cNvSpPr/>
+          <p:nvPr/>
+        </p:nvSpPr>
+        <p:spPr>
+          <a:xfrm>
+            <a:off x="10782299" y="4773160"/>
+            <a:ext cx="542925" cy="574296"/>
+          </a:xfrm>
+          <a:prstGeom prst="can">
+            <a:avLst/>
+          </a:prstGeom>
+          <a:solidFill>
+            <a:schemeClr val="accent2">
+              <a:lumMod val="75000"/>
+            </a:schemeClr>
+          </a:solidFill>
+        </p:spPr>
+        <p:style>
+          <a:lnRef idx="2">
+            <a:schemeClr val="accent1">
+              <a:shade val="50000"/>
+            </a:schemeClr>
+          </a:lnRef>
+          <a:fillRef idx="1">
+            <a:schemeClr val="accent1"/>
+          </a:fillRef>
+          <a:effectRef idx="0">
+            <a:schemeClr val="accent1"/>
+          </a:effectRef>
+          <a:fontRef idx="minor">
+            <a:schemeClr val="lt1"/>
+          </a:fontRef>
+        </p:style>
+        <p:txBody>
+          <a:bodyPr rtlCol="0" anchor="ctr"/>
+          <a:lstStyle/>
+          <a:p>
+            <a:pPr algn="ctr"/>
+            <a:r>
+              <a:rPr lang="en-US" dirty="0"/>
+              <a:t>DB</a:t>
+            </a:r>
+            <a:endParaRPr lang="en-IN" dirty="0"/>
+          </a:p>
+        </p:txBody>
+      </p:sp>
+      <p:sp>
+        <p:nvSpPr>
+          <p:cNvPr id="28" name="Cylinder 27">
+            <a:extLst>
+              <a:ext uri="{FF2B5EF4-FFF2-40B4-BE49-F238E27FC236}">
+                <a16:creationId xmlns:a16="http://schemas.microsoft.com/office/drawing/2014/main" id="{9698F933-FE44-4828-8C79-24AC08ABA7B5}"/>
+              </a:ext>
+            </a:extLst>
+          </p:cNvPr>
+          <p:cNvSpPr/>
+          <p:nvPr/>
+        </p:nvSpPr>
+        <p:spPr>
+          <a:xfrm>
+            <a:off x="10782299" y="5455722"/>
+            <a:ext cx="542924" cy="657225"/>
+          </a:xfrm>
+          <a:prstGeom prst="can">
+            <a:avLst>
+              <a:gd name="adj" fmla="val 39473"/>
+            </a:avLst>
+          </a:prstGeom>
+          <a:solidFill>
+            <a:schemeClr val="accent4">
+              <a:lumMod val="40000"/>
+              <a:lumOff val="60000"/>
+            </a:schemeClr>
+          </a:solidFill>
+        </p:spPr>
+        <p:style>
+          <a:lnRef idx="2">
+            <a:schemeClr val="accent1">
+              <a:shade val="50000"/>
+            </a:schemeClr>
+          </a:lnRef>
+          <a:fillRef idx="1">
+            <a:schemeClr val="accent1"/>
+          </a:fillRef>
+          <a:effectRef idx="0">
+            <a:schemeClr val="accent1"/>
+          </a:effectRef>
+          <a:fontRef idx="minor">
+            <a:schemeClr val="lt1"/>
+          </a:fontRef>
+        </p:style>
+        <p:txBody>
+          <a:bodyPr rtlCol="0" anchor="ctr"/>
+          <a:lstStyle/>
+          <a:p>
+            <a:pPr algn="ctr"/>
+            <a:r>
+              <a:rPr lang="en-US" dirty="0"/>
+              <a:t>DB</a:t>
+            </a:r>
+            <a:endParaRPr lang="en-IN" dirty="0"/>
+          </a:p>
+        </p:txBody>
+      </p:sp>
+      <p:cxnSp>
+        <p:nvCxnSpPr>
+          <p:cNvPr id="29" name="Straight Arrow Connector 28">
+            <a:extLst>
+              <a:ext uri="{FF2B5EF4-FFF2-40B4-BE49-F238E27FC236}">
+                <a16:creationId xmlns:a16="http://schemas.microsoft.com/office/drawing/2014/main" id="{38EBAB4B-BEF7-4573-96B8-92AD2D26EC69}"/>
+              </a:ext>
+            </a:extLst>
+          </p:cNvPr>
+          <p:cNvCxnSpPr>
+            <a:stCxn id="15" idx="3"/>
+          </p:cNvCxnSpPr>
+          <p:nvPr/>
+        </p:nvCxnSpPr>
+        <p:spPr>
+          <a:xfrm flipV="1">
+            <a:off x="10020300" y="1485506"/>
+            <a:ext cx="761999" cy="1"/>
+          </a:xfrm>
+          <a:prstGeom prst="straightConnector1">
+            <a:avLst/>
+          </a:prstGeom>
+          <a:ln>
+            <a:headEnd type="triangle"/>
+            <a:tailEnd type="triangle"/>
+          </a:ln>
+        </p:spPr>
+        <p:style>
+          <a:lnRef idx="1">
+            <a:schemeClr val="accent4"/>
+          </a:lnRef>
+          <a:fillRef idx="0">
+            <a:schemeClr val="accent4"/>
+          </a:fillRef>
+          <a:effectRef idx="0">
+            <a:schemeClr val="accent4"/>
+          </a:effectRef>
+          <a:fontRef idx="minor">
+            <a:schemeClr val="tx1"/>
+          </a:fontRef>
+        </p:style>
+      </p:cxnSp>
+      <p:cxnSp>
+        <p:nvCxnSpPr>
+          <p:cNvPr id="31" name="Straight Arrow Connector 30">
+            <a:extLst>
+              <a:ext uri="{FF2B5EF4-FFF2-40B4-BE49-F238E27FC236}">
+                <a16:creationId xmlns:a16="http://schemas.microsoft.com/office/drawing/2014/main" id="{02502409-3EE5-4297-8338-D132B493D8D1}"/>
+              </a:ext>
+            </a:extLst>
+          </p:cNvPr>
+          <p:cNvCxnSpPr/>
+          <p:nvPr/>
+        </p:nvCxnSpPr>
+        <p:spPr>
+          <a:xfrm flipV="1">
+            <a:off x="10039350" y="5762231"/>
+            <a:ext cx="761999" cy="1"/>
+          </a:xfrm>
+          <a:prstGeom prst="straightConnector1">
+            <a:avLst/>
+          </a:prstGeom>
+          <a:ln>
+            <a:headEnd type="triangle"/>
+            <a:tailEnd type="triangle"/>
+          </a:ln>
+        </p:spPr>
+        <p:style>
+          <a:lnRef idx="1">
+            <a:schemeClr val="accent4"/>
+          </a:lnRef>
+          <a:fillRef idx="0">
+            <a:schemeClr val="accent4"/>
+          </a:fillRef>
+          <a:effectRef idx="0">
+            <a:schemeClr val="accent4"/>
+          </a:effectRef>
+          <a:fontRef idx="minor">
+            <a:schemeClr val="tx1"/>
+          </a:fontRef>
+        </p:style>
+      </p:cxnSp>
+      <p:cxnSp>
+        <p:nvCxnSpPr>
+          <p:cNvPr id="33" name="Straight Arrow Connector 32">
+            <a:extLst>
+              <a:ext uri="{FF2B5EF4-FFF2-40B4-BE49-F238E27FC236}">
+                <a16:creationId xmlns:a16="http://schemas.microsoft.com/office/drawing/2014/main" id="{B2267CE3-7D37-4B49-9807-A151BBEFE250}"/>
+              </a:ext>
+            </a:extLst>
+          </p:cNvPr>
+          <p:cNvCxnSpPr/>
+          <p:nvPr/>
+        </p:nvCxnSpPr>
+        <p:spPr>
+          <a:xfrm flipV="1">
+            <a:off x="10048875" y="2142731"/>
+            <a:ext cx="761999" cy="1"/>
+          </a:xfrm>
+          <a:prstGeom prst="straightConnector1">
+            <a:avLst/>
+          </a:prstGeom>
+          <a:ln>
+            <a:headEnd type="triangle"/>
+            <a:tailEnd type="triangle"/>
+          </a:ln>
+        </p:spPr>
+        <p:style>
+          <a:lnRef idx="1">
+            <a:schemeClr val="accent4"/>
+          </a:lnRef>
+          <a:fillRef idx="0">
+            <a:schemeClr val="accent4"/>
+          </a:fillRef>
+          <a:effectRef idx="0">
+            <a:schemeClr val="accent4"/>
+          </a:effectRef>
+          <a:fontRef idx="minor">
+            <a:schemeClr val="tx1"/>
+          </a:fontRef>
+        </p:style>
+      </p:cxnSp>
+      <p:cxnSp>
+        <p:nvCxnSpPr>
+          <p:cNvPr id="34" name="Straight Arrow Connector 33">
+            <a:extLst>
+              <a:ext uri="{FF2B5EF4-FFF2-40B4-BE49-F238E27FC236}">
+                <a16:creationId xmlns:a16="http://schemas.microsoft.com/office/drawing/2014/main" id="{09D99593-37D0-4CAE-9E04-37999DE32F7F}"/>
+              </a:ext>
+            </a:extLst>
+          </p:cNvPr>
+          <p:cNvCxnSpPr/>
+          <p:nvPr/>
+        </p:nvCxnSpPr>
+        <p:spPr>
+          <a:xfrm flipV="1">
+            <a:off x="10029825" y="2847581"/>
+            <a:ext cx="761999" cy="1"/>
+          </a:xfrm>
+          <a:prstGeom prst="straightConnector1">
+            <a:avLst/>
+          </a:prstGeom>
+          <a:ln>
+            <a:headEnd type="triangle"/>
+            <a:tailEnd type="triangle"/>
+          </a:ln>
+        </p:spPr>
+        <p:style>
+          <a:lnRef idx="1">
+            <a:schemeClr val="accent4"/>
+          </a:lnRef>
+          <a:fillRef idx="0">
+            <a:schemeClr val="accent4"/>
+          </a:fillRef>
+          <a:effectRef idx="0">
+            <a:schemeClr val="accent4"/>
+          </a:effectRef>
+          <a:fontRef idx="minor">
+            <a:schemeClr val="tx1"/>
+          </a:fontRef>
+        </p:style>
+      </p:cxnSp>
+      <p:cxnSp>
+        <p:nvCxnSpPr>
+          <p:cNvPr id="35" name="Straight Arrow Connector 34">
+            <a:extLst>
+              <a:ext uri="{FF2B5EF4-FFF2-40B4-BE49-F238E27FC236}">
+                <a16:creationId xmlns:a16="http://schemas.microsoft.com/office/drawing/2014/main" id="{668E3A19-2DBB-4BD5-B0B5-78F370312F9F}"/>
+              </a:ext>
+            </a:extLst>
+          </p:cNvPr>
+          <p:cNvCxnSpPr/>
+          <p:nvPr/>
+        </p:nvCxnSpPr>
+        <p:spPr>
+          <a:xfrm flipV="1">
+            <a:off x="10029825" y="3639820"/>
+            <a:ext cx="761999" cy="1"/>
+          </a:xfrm>
+          <a:prstGeom prst="straightConnector1">
+            <a:avLst/>
+          </a:prstGeom>
+          <a:ln>
+            <a:headEnd type="triangle"/>
+            <a:tailEnd type="triangle"/>
+          </a:ln>
+        </p:spPr>
+        <p:style>
+          <a:lnRef idx="1">
+            <a:schemeClr val="accent4"/>
+          </a:lnRef>
+          <a:fillRef idx="0">
+            <a:schemeClr val="accent4"/>
+          </a:fillRef>
+          <a:effectRef idx="0">
+            <a:schemeClr val="accent4"/>
+          </a:effectRef>
+          <a:fontRef idx="minor">
+            <a:schemeClr val="tx1"/>
+          </a:fontRef>
+        </p:style>
+      </p:cxnSp>
+      <p:cxnSp>
+        <p:nvCxnSpPr>
+          <p:cNvPr id="36" name="Straight Arrow Connector 35">
+            <a:extLst>
+              <a:ext uri="{FF2B5EF4-FFF2-40B4-BE49-F238E27FC236}">
+                <a16:creationId xmlns:a16="http://schemas.microsoft.com/office/drawing/2014/main" id="{ABB91EBE-2B5D-46B5-AF7E-C501EFA6882E}"/>
+              </a:ext>
+            </a:extLst>
+          </p:cNvPr>
+          <p:cNvCxnSpPr/>
+          <p:nvPr/>
+        </p:nvCxnSpPr>
+        <p:spPr>
+          <a:xfrm flipV="1">
+            <a:off x="10039350" y="4336278"/>
+            <a:ext cx="761999" cy="1"/>
+          </a:xfrm>
+          <a:prstGeom prst="straightConnector1">
+            <a:avLst/>
+          </a:prstGeom>
+          <a:ln>
+            <a:headEnd type="triangle"/>
+            <a:tailEnd type="triangle"/>
+          </a:ln>
+        </p:spPr>
+        <p:style>
+          <a:lnRef idx="1">
+            <a:schemeClr val="accent4"/>
+          </a:lnRef>
+          <a:fillRef idx="0">
+            <a:schemeClr val="accent4"/>
+          </a:fillRef>
+          <a:effectRef idx="0">
+            <a:schemeClr val="accent4"/>
+          </a:effectRef>
+          <a:fontRef idx="minor">
+            <a:schemeClr val="tx1"/>
+          </a:fontRef>
+        </p:style>
+      </p:cxnSp>
+      <p:cxnSp>
+        <p:nvCxnSpPr>
+          <p:cNvPr id="37" name="Straight Arrow Connector 36">
+            <a:extLst>
+              <a:ext uri="{FF2B5EF4-FFF2-40B4-BE49-F238E27FC236}">
+                <a16:creationId xmlns:a16="http://schemas.microsoft.com/office/drawing/2014/main" id="{724469BF-7441-4A0D-B22F-FE601CF3F7EC}"/>
+              </a:ext>
+            </a:extLst>
+          </p:cNvPr>
+          <p:cNvCxnSpPr/>
+          <p:nvPr/>
+        </p:nvCxnSpPr>
+        <p:spPr>
+          <a:xfrm flipV="1">
+            <a:off x="10020300" y="5044182"/>
+            <a:ext cx="761999" cy="1"/>
+          </a:xfrm>
+          <a:prstGeom prst="straightConnector1">
+            <a:avLst/>
+          </a:prstGeom>
+          <a:ln>
+            <a:headEnd type="triangle"/>
+            <a:tailEnd type="triangle"/>
+          </a:ln>
+        </p:spPr>
+        <p:style>
+          <a:lnRef idx="1">
+            <a:schemeClr val="accent4"/>
+          </a:lnRef>
+          <a:fillRef idx="0">
+            <a:schemeClr val="accent4"/>
+          </a:fillRef>
+          <a:effectRef idx="0">
+            <a:schemeClr val="accent4"/>
+          </a:effectRef>
+          <a:fontRef idx="minor">
+            <a:schemeClr val="tx1"/>
+          </a:fontRef>
+        </p:style>
+      </p:cxnSp>
+      <p:cxnSp>
+        <p:nvCxnSpPr>
+          <p:cNvPr id="38" name="Connector: Elbow 37">
+            <a:extLst>
+              <a:ext uri="{FF2B5EF4-FFF2-40B4-BE49-F238E27FC236}">
+                <a16:creationId xmlns:a16="http://schemas.microsoft.com/office/drawing/2014/main" id="{29D23DD3-727C-43ED-A619-1E2943E94FD2}"/>
+              </a:ext>
+            </a:extLst>
+          </p:cNvPr>
+          <p:cNvCxnSpPr/>
+          <p:nvPr/>
+        </p:nvCxnSpPr>
+        <p:spPr>
+          <a:xfrm rot="16200000" flipV="1">
+            <a:off x="4457307" y="2514206"/>
+            <a:ext cx="1324762" cy="66675"/>
+          </a:xfrm>
+          <a:prstGeom prst="bentConnector3">
+            <a:avLst/>
+          </a:prstGeom>
+          <a:ln>
+            <a:tailEnd type="triangle"/>
+          </a:ln>
+        </p:spPr>
+        <p:style>
+          <a:lnRef idx="1">
+            <a:schemeClr val="accent1"/>
+          </a:lnRef>
+          <a:fillRef idx="0">
+            <a:schemeClr val="accent1"/>
+          </a:fillRef>
+          <a:effectRef idx="0">
+            <a:schemeClr val="accent1"/>
+          </a:effectRef>
+          <a:fontRef idx="minor">
+            <a:schemeClr val="tx1"/>
+          </a:fontRef>
+        </p:style>
+      </p:cxnSp>
+    </p:spTree>
+    <p:extLst>
+      <p:ext uri="{BB962C8B-B14F-4D97-AF65-F5344CB8AC3E}">
+        <p14:creationId xmlns:p14="http://schemas.microsoft.com/office/powerpoint/2010/main" val="905346847"/>
+      </p:ext>
+    </p:extLst>
+  </p:cSld>
+  <p:clrMapOvr>
+    <a:masterClrMapping/>
+  </p:clrMapOvr>
+</p:sld>
+</file>
+
+<file path=ppt/slides/slide6.xml><?xml version="1.0" encoding="utf-8"?>
+<p:sld xmlns:a="http://schemas.openxmlformats.org/drawingml/2006/main" xmlns:r="http://schemas.openxmlformats.org/officeDocument/2006/relationships" xmlns:p="http://schemas.openxmlformats.org/presentationml/2006/main">
+  <p:cSld>
+    <p:spTree>
+      <p:nvGrpSpPr>
+        <p:cNvPr id="1" name=""/>
+        <p:cNvGrpSpPr/>
+        <p:nvPr/>
+      </p:nvGrpSpPr>
+      <p:grpSpPr>
+        <a:xfrm>
+          <a:off x="0" y="0"/>
+          <a:ext cx="0" cy="0"/>
+          <a:chOff x="0" y="0"/>
+          <a:chExt cx="0" cy="0"/>
+        </a:xfrm>
+      </p:grpSpPr>
+      <p:sp>
+        <p:nvSpPr>
           <p:cNvPr id="4" name="Rectangle 3">
             <a:extLst>
               <a:ext uri="{FF2B5EF4-FFF2-40B4-BE49-F238E27FC236}">
@@ -5983,7 +8172,7 @@
 </p:sld>
 </file>
 
-<file path=ppt/slides/slide6.xml><?xml version="1.0" encoding="utf-8"?>
+<file path=ppt/slides/slide7.xml><?xml version="1.0" encoding="utf-8"?>
 <p:sld xmlns:a="http://schemas.openxmlformats.org/drawingml/2006/main" xmlns:r="http://schemas.openxmlformats.org/officeDocument/2006/relationships" xmlns:p="http://schemas.openxmlformats.org/presentationml/2006/main">
   <p:cSld>
     <p:spTree>
@@ -6294,7 +8483,7 @@
 </p:sld>
 </file>
 
-<file path=ppt/slides/slide7.xml><?xml version="1.0" encoding="utf-8"?>
+<file path=ppt/slides/slide8.xml><?xml version="1.0" encoding="utf-8"?>
 <p:sld xmlns:a="http://schemas.openxmlformats.org/drawingml/2006/main" xmlns:r="http://schemas.openxmlformats.org/officeDocument/2006/relationships" xmlns:p="http://schemas.openxmlformats.org/presentationml/2006/main">
   <p:cSld>
     <p:spTree>
@@ -6749,258 +8938,6 @@
     <p:extLst>
       <p:ext uri="{BB962C8B-B14F-4D97-AF65-F5344CB8AC3E}">
         <p14:creationId xmlns:p14="http://schemas.microsoft.com/office/powerpoint/2010/main" val="3876517674"/>
-      </p:ext>
-    </p:extLst>
-  </p:cSld>
-  <p:clrMapOvr>
-    <a:masterClrMapping/>
-  </p:clrMapOvr>
-</p:sld>
-</file>
-
-<file path=ppt/slides/slide8.xml><?xml version="1.0" encoding="utf-8"?>
-<p:sld xmlns:a="http://schemas.openxmlformats.org/drawingml/2006/main" xmlns:r="http://schemas.openxmlformats.org/officeDocument/2006/relationships" xmlns:p="http://schemas.openxmlformats.org/presentationml/2006/main">
-  <p:cSld>
-    <p:spTree>
-      <p:nvGrpSpPr>
-        <p:cNvPr id="1" name=""/>
-        <p:cNvGrpSpPr/>
-        <p:nvPr/>
-      </p:nvGrpSpPr>
-      <p:grpSpPr>
-        <a:xfrm>
-          <a:off x="0" y="0"/>
-          <a:ext cx="0" cy="0"/>
-          <a:chOff x="0" y="0"/>
-          <a:chExt cx="0" cy="0"/>
-        </a:xfrm>
-      </p:grpSpPr>
-      <p:sp>
-        <p:nvSpPr>
-          <p:cNvPr id="4" name="Rectangle 3">
-            <a:extLst>
-              <a:ext uri="{FF2B5EF4-FFF2-40B4-BE49-F238E27FC236}">
-                <a16:creationId xmlns:a16="http://schemas.microsoft.com/office/drawing/2014/main" id="{B7FDAD40-0183-426E-8E7D-3DE7448A42D6}"/>
-              </a:ext>
-            </a:extLst>
-          </p:cNvPr>
-          <p:cNvSpPr/>
-          <p:nvPr/>
-        </p:nvSpPr>
-        <p:spPr>
-          <a:xfrm>
-            <a:off x="123346" y="226330"/>
-            <a:ext cx="10684080" cy="523220"/>
-          </a:xfrm>
-          <a:prstGeom prst="rect">
-            <a:avLst/>
-          </a:prstGeom>
-          <a:noFill/>
-        </p:spPr>
-        <p:txBody>
-          <a:bodyPr wrap="none" lIns="91440" tIns="45720" rIns="91440" bIns="45720">
-            <a:spAutoFit/>
-          </a:bodyPr>
-          <a:lstStyle/>
-          <a:p>
-            <a:pPr algn="ctr"/>
-            <a:r>
-              <a:rPr lang="en-US" sz="2800" b="1" cap="none" spc="0" dirty="0">
-                <a:ln w="6600">
-                  <a:solidFill>
-                    <a:schemeClr val="accent2"/>
-                  </a:solidFill>
-                  <a:prstDash val="solid"/>
-                </a:ln>
-                <a:solidFill>
-                  <a:schemeClr val="accent2">
-                    <a:lumMod val="40000"/>
-                    <a:lumOff val="60000"/>
-                  </a:schemeClr>
-                </a:solidFill>
-                <a:effectLst>
-                  <a:outerShdw dist="38100" dir="2700000" algn="tl" rotWithShape="0">
-                    <a:schemeClr val="accent2"/>
-                  </a:outerShdw>
-                </a:effectLst>
-              </a:rPr>
-              <a:t>Service Registration and Discovery - Eureka Server (owned by Netflix)</a:t>
-            </a:r>
-            <a:endParaRPr lang="en-IN" sz="3200" b="1" cap="none" spc="0" dirty="0">
-              <a:ln w="6600">
-                <a:solidFill>
-                  <a:schemeClr val="accent2"/>
-                </a:solidFill>
-                <a:prstDash val="solid"/>
-              </a:ln>
-              <a:solidFill>
-                <a:schemeClr val="accent2">
-                  <a:lumMod val="40000"/>
-                  <a:lumOff val="60000"/>
-                </a:schemeClr>
-              </a:solidFill>
-              <a:effectLst>
-                <a:outerShdw dist="38100" dir="2700000" algn="tl" rotWithShape="0">
-                  <a:schemeClr val="accent2"/>
-                </a:outerShdw>
-              </a:effectLst>
-            </a:endParaRPr>
-          </a:p>
-        </p:txBody>
-      </p:sp>
-      <p:sp>
-        <p:nvSpPr>
-          <p:cNvPr id="2" name="TextBox 1">
-            <a:extLst>
-              <a:ext uri="{FF2B5EF4-FFF2-40B4-BE49-F238E27FC236}">
-                <a16:creationId xmlns:a16="http://schemas.microsoft.com/office/drawing/2014/main" id="{C3E6357B-B580-4325-BFC6-32B0427496C1}"/>
-              </a:ext>
-            </a:extLst>
-          </p:cNvPr>
-          <p:cNvSpPr txBox="1"/>
-          <p:nvPr/>
-        </p:nvSpPr>
-        <p:spPr>
-          <a:xfrm>
-            <a:off x="199219" y="927572"/>
-            <a:ext cx="10970134" cy="3323987"/>
-          </a:xfrm>
-          <a:prstGeom prst="rect">
-            <a:avLst/>
-          </a:prstGeom>
-          <a:noFill/>
-        </p:spPr>
-        <p:txBody>
-          <a:bodyPr wrap="square" rtlCol="0">
-            <a:spAutoFit/>
-          </a:bodyPr>
-          <a:lstStyle/>
-          <a:p>
-            <a:pPr marL="285750" lvl="0" indent="-285750" algn="just">
-              <a:buFont typeface="Arial" panose="020B0604020202020204" pitchFamily="34" charset="0"/>
-              <a:buChar char="•"/>
-            </a:pPr>
-            <a:r>
-              <a:rPr lang="en-IN" sz="1600" dirty="0">
-                <a:latin typeface="Times New Roman" panose="02020603050405020304" pitchFamily="18" charset="0"/>
-                <a:cs typeface="Times New Roman" panose="02020603050405020304" pitchFamily="18" charset="0"/>
-              </a:rPr>
-              <a:t>Eureka Server or service will register every microservice and then the client microservice will look up the Eureka server to get a dependent microservice to get the job done without knowing the IP address of dependent microservice. </a:t>
-            </a:r>
-          </a:p>
-          <a:p>
-            <a:pPr algn="just"/>
-            <a:endParaRPr lang="en-IN" sz="1600" dirty="0">
-              <a:latin typeface="Times New Roman" panose="02020603050405020304" pitchFamily="18" charset="0"/>
-              <a:cs typeface="Times New Roman" panose="02020603050405020304" pitchFamily="18" charset="0"/>
-            </a:endParaRPr>
-          </a:p>
-          <a:p>
-            <a:pPr marL="285750" indent="-285750" algn="just">
-              <a:buFont typeface="Arial" panose="020B0604020202020204" pitchFamily="34" charset="0"/>
-              <a:buChar char="•"/>
-            </a:pPr>
-            <a:r>
-              <a:rPr lang="en-IN" sz="1600" dirty="0">
-                <a:latin typeface="Times New Roman" panose="02020603050405020304" pitchFamily="18" charset="0"/>
-                <a:cs typeface="Times New Roman" panose="02020603050405020304" pitchFamily="18" charset="0"/>
-              </a:rPr>
-              <a:t>Eureka Server is owned by Netflix and in this, Spring Cloud offers a declarative way to register and invoke services by Java annotation.</a:t>
-            </a:r>
-          </a:p>
-          <a:p>
-            <a:pPr algn="just"/>
-            <a:endParaRPr lang="en-IN" sz="1600" dirty="0">
-              <a:latin typeface="Times New Roman" panose="02020603050405020304" pitchFamily="18" charset="0"/>
-              <a:cs typeface="Times New Roman" panose="02020603050405020304" pitchFamily="18" charset="0"/>
-            </a:endParaRPr>
-          </a:p>
-          <a:p>
-            <a:pPr marL="285750" indent="-285750" algn="just">
-              <a:buFont typeface="Arial" panose="020B0604020202020204" pitchFamily="34" charset="0"/>
-              <a:buChar char="•"/>
-            </a:pPr>
-            <a:r>
-              <a:rPr lang="en-IN" sz="1600" dirty="0">
-                <a:latin typeface="Times New Roman" panose="02020603050405020304" pitchFamily="18" charset="0"/>
-                <a:cs typeface="Times New Roman" panose="02020603050405020304" pitchFamily="18" charset="0"/>
-              </a:rPr>
-              <a:t>It’s duty to give names to each microservice. Why?</a:t>
-            </a:r>
-          </a:p>
-          <a:p>
-            <a:pPr marL="742950" lvl="1" indent="-285750" algn="just">
-              <a:buFont typeface="Arial" panose="020B0604020202020204" pitchFamily="34" charset="0"/>
-              <a:buChar char="•"/>
-            </a:pPr>
-            <a:r>
-              <a:rPr lang="en-IN" sz="1600" dirty="0">
-                <a:latin typeface="Times New Roman" panose="02020603050405020304" pitchFamily="18" charset="0"/>
-                <a:cs typeface="Times New Roman" panose="02020603050405020304" pitchFamily="18" charset="0"/>
-              </a:rPr>
-              <a:t>No need to hardcode the IP addresses of microservices.</a:t>
-            </a:r>
-          </a:p>
-          <a:p>
-            <a:pPr marL="742950" lvl="1" indent="-285750" algn="just">
-              <a:buFont typeface="Arial" panose="020B0604020202020204" pitchFamily="34" charset="0"/>
-              <a:buChar char="•"/>
-            </a:pPr>
-            <a:r>
-              <a:rPr lang="en-IN" sz="1600" dirty="0">
-                <a:latin typeface="Times New Roman" panose="02020603050405020304" pitchFamily="18" charset="0"/>
-                <a:cs typeface="Times New Roman" panose="02020603050405020304" pitchFamily="18" charset="0"/>
-              </a:rPr>
-              <a:t>What if services use dynamic IP addresses; when autoscaling.</a:t>
-            </a:r>
-          </a:p>
-          <a:p>
-            <a:pPr lvl="1" algn="just"/>
-            <a:endParaRPr lang="en-IN" sz="1600" dirty="0">
-              <a:latin typeface="Times New Roman" panose="02020603050405020304" pitchFamily="18" charset="0"/>
-              <a:cs typeface="Times New Roman" panose="02020603050405020304" pitchFamily="18" charset="0"/>
-            </a:endParaRPr>
-          </a:p>
-          <a:p>
-            <a:pPr marL="285750" indent="-285750" algn="just">
-              <a:buFont typeface="Arial" panose="020B0604020202020204" pitchFamily="34" charset="0"/>
-              <a:buChar char="•"/>
-            </a:pPr>
-            <a:r>
-              <a:rPr lang="en-IN" sz="1600" dirty="0">
-                <a:latin typeface="Times New Roman" panose="02020603050405020304" pitchFamily="18" charset="0"/>
-                <a:cs typeface="Times New Roman" panose="02020603050405020304" pitchFamily="18" charset="0"/>
-              </a:rPr>
-              <a:t>Every service register itself with Eureka, and pings Eureka server to notify that it’s alive. If Eureka server didn’t receive any notification from a service. This service is </a:t>
-            </a:r>
-            <a:r>
-              <a:rPr lang="en-IN" sz="1600" b="1" dirty="0">
-                <a:latin typeface="Times New Roman" panose="02020603050405020304" pitchFamily="18" charset="0"/>
-                <a:cs typeface="Times New Roman" panose="02020603050405020304" pitchFamily="18" charset="0"/>
-              </a:rPr>
-              <a:t>unregistered from the Eureka server automatically.</a:t>
-            </a:r>
-            <a:endParaRPr lang="en-IN" sz="1600" dirty="0">
-              <a:latin typeface="Times New Roman" panose="02020603050405020304" pitchFamily="18" charset="0"/>
-              <a:cs typeface="Times New Roman" panose="02020603050405020304" pitchFamily="18" charset="0"/>
-            </a:endParaRPr>
-          </a:p>
-          <a:p>
-            <a:pPr algn="just"/>
-            <a:r>
-              <a:rPr lang="en-IN" dirty="0">
-                <a:latin typeface="Times New Roman" panose="02020603050405020304" pitchFamily="18" charset="0"/>
-                <a:cs typeface="Times New Roman" panose="02020603050405020304" pitchFamily="18" charset="0"/>
-              </a:rPr>
-              <a:t>	</a:t>
-            </a:r>
-          </a:p>
-        </p:txBody>
-      </p:sp>
-    </p:spTree>
-    <p:extLst>
-      <p:ext uri="{BB962C8B-B14F-4D97-AF65-F5344CB8AC3E}">
-        <p14:creationId xmlns:p14="http://schemas.microsoft.com/office/powerpoint/2010/main" val="2736960844"/>
       </p:ext>
     </p:extLst>
   </p:cSld>
@@ -7041,8 +8978,8 @@
         </p:nvSpPr>
         <p:spPr>
           <a:xfrm>
-            <a:off x="435748" y="124564"/>
-            <a:ext cx="9810659" cy="523220"/>
+            <a:off x="123346" y="226330"/>
+            <a:ext cx="10684080" cy="523220"/>
           </a:xfrm>
           <a:prstGeom prst="rect">
             <a:avLst/>
@@ -7050,14 +8987,14 @@
           <a:noFill/>
         </p:spPr>
         <p:txBody>
-          <a:bodyPr wrap="square" lIns="91440" tIns="45720" rIns="91440" bIns="45720">
+          <a:bodyPr wrap="none" lIns="91440" tIns="45720" rIns="91440" bIns="45720">
             <a:spAutoFit/>
           </a:bodyPr>
           <a:lstStyle/>
           <a:p>
             <a:pPr algn="ctr"/>
             <a:r>
-              <a:rPr lang="en-IN" sz="2800" b="1" dirty="0">
+              <a:rPr lang="en-US" sz="2800" b="1" cap="none" spc="0" dirty="0">
                 <a:ln w="6600">
                   <a:solidFill>
                     <a:schemeClr val="accent2"/>
@@ -7076,52 +9013,27 @@
                   </a:outerShdw>
                 </a:effectLst>
               </a:rPr>
-              <a:t>Gateway to client applications - </a:t>
-            </a:r>
-            <a:r>
-              <a:rPr lang="en-IN" sz="2800" b="1" dirty="0" err="1">
-                <a:ln w="6600">
-                  <a:solidFill>
-                    <a:schemeClr val="accent2"/>
-                  </a:solidFill>
-                  <a:prstDash val="solid"/>
-                </a:ln>
-                <a:solidFill>
-                  <a:schemeClr val="accent2">
-                    <a:lumMod val="40000"/>
-                    <a:lumOff val="60000"/>
-                  </a:schemeClr>
-                </a:solidFill>
-                <a:effectLst>
-                  <a:outerShdw dist="38100" dir="2700000" algn="tl" rotWithShape="0">
-                    <a:schemeClr val="accent2"/>
-                  </a:outerShdw>
-                </a:effectLst>
-              </a:rPr>
-              <a:t>Zuul</a:t>
-            </a:r>
-            <a:r>
-              <a:rPr lang="en-IN" sz="2800" b="1" dirty="0">
-                <a:ln w="6600">
-                  <a:solidFill>
-                    <a:schemeClr val="accent2"/>
-                  </a:solidFill>
-                  <a:prstDash val="solid"/>
-                </a:ln>
-                <a:solidFill>
-                  <a:schemeClr val="accent2">
-                    <a:lumMod val="40000"/>
-                    <a:lumOff val="60000"/>
-                  </a:schemeClr>
-                </a:solidFill>
-                <a:effectLst>
-                  <a:outerShdw dist="38100" dir="2700000" algn="tl" rotWithShape="0">
-                    <a:schemeClr val="accent2"/>
-                  </a:outerShdw>
-                </a:effectLst>
-              </a:rPr>
-              <a:t> Gateway (Netflix)</a:t>
-            </a:r>
+              <a:t>Service Registration and Discovery - Eureka Server (owned by Netflix)</a:t>
+            </a:r>
+            <a:endParaRPr lang="en-IN" sz="3200" b="1" cap="none" spc="0" dirty="0">
+              <a:ln w="6600">
+                <a:solidFill>
+                  <a:schemeClr val="accent2"/>
+                </a:solidFill>
+                <a:prstDash val="solid"/>
+              </a:ln>
+              <a:solidFill>
+                <a:schemeClr val="accent2">
+                  <a:lumMod val="40000"/>
+                  <a:lumOff val="60000"/>
+                </a:schemeClr>
+              </a:solidFill>
+              <a:effectLst>
+                <a:outerShdw dist="38100" dir="2700000" algn="tl" rotWithShape="0">
+                  <a:schemeClr val="accent2"/>
+                </a:outerShdw>
+              </a:effectLst>
+            </a:endParaRPr>
           </a:p>
         </p:txBody>
       </p:sp>
@@ -7139,8 +9051,8 @@
         </p:nvSpPr>
         <p:spPr>
           <a:xfrm>
-            <a:off x="199219" y="961755"/>
-            <a:ext cx="10970134" cy="369332"/>
+            <a:off x="199219" y="927572"/>
+            <a:ext cx="10970134" cy="3323987"/>
           </a:xfrm>
           <a:prstGeom prst="rect">
             <a:avLst/>
@@ -7153,6 +9065,116 @@
           </a:bodyPr>
           <a:lstStyle/>
           <a:p>
+            <a:pPr marL="285750" lvl="0" indent="-285750" algn="just">
+              <a:buFont typeface="Arial" panose="020B0604020202020204" pitchFamily="34" charset="0"/>
+              <a:buChar char="•"/>
+            </a:pPr>
+            <a:r>
+              <a:rPr lang="en-IN" sz="1600" dirty="0">
+                <a:latin typeface="Times New Roman" panose="02020603050405020304" pitchFamily="18" charset="0"/>
+                <a:cs typeface="Times New Roman" panose="02020603050405020304" pitchFamily="18" charset="0"/>
+              </a:rPr>
+              <a:t>Eureka Server or service will register every microservice and then the client microservice will look up the Eureka server to get a dependent microservice to get the job done without knowing the IP address of dependent microservice. </a:t>
+            </a:r>
+          </a:p>
+          <a:p>
+            <a:pPr algn="just"/>
+            <a:endParaRPr lang="en-IN" sz="1600" dirty="0">
+              <a:latin typeface="Times New Roman" panose="02020603050405020304" pitchFamily="18" charset="0"/>
+              <a:cs typeface="Times New Roman" panose="02020603050405020304" pitchFamily="18" charset="0"/>
+            </a:endParaRPr>
+          </a:p>
+          <a:p>
+            <a:pPr marL="285750" indent="-285750" algn="just">
+              <a:buFont typeface="Arial" panose="020B0604020202020204" pitchFamily="34" charset="0"/>
+              <a:buChar char="•"/>
+            </a:pPr>
+            <a:r>
+              <a:rPr lang="en-IN" sz="1600" dirty="0">
+                <a:latin typeface="Times New Roman" panose="02020603050405020304" pitchFamily="18" charset="0"/>
+                <a:cs typeface="Times New Roman" panose="02020603050405020304" pitchFamily="18" charset="0"/>
+              </a:rPr>
+              <a:t>Eureka Server is owned by Netflix and in this, Spring Cloud offers a declarative way to register and invoke services by Java annotation.</a:t>
+            </a:r>
+          </a:p>
+          <a:p>
+            <a:pPr algn="just"/>
+            <a:endParaRPr lang="en-IN" sz="1600" dirty="0">
+              <a:latin typeface="Times New Roman" panose="02020603050405020304" pitchFamily="18" charset="0"/>
+              <a:cs typeface="Times New Roman" panose="02020603050405020304" pitchFamily="18" charset="0"/>
+            </a:endParaRPr>
+          </a:p>
+          <a:p>
+            <a:pPr marL="285750" indent="-285750" algn="just">
+              <a:buFont typeface="Arial" panose="020B0604020202020204" pitchFamily="34" charset="0"/>
+              <a:buChar char="•"/>
+            </a:pPr>
+            <a:r>
+              <a:rPr lang="en-IN" sz="1600" dirty="0">
+                <a:latin typeface="Times New Roman" panose="02020603050405020304" pitchFamily="18" charset="0"/>
+                <a:cs typeface="Times New Roman" panose="02020603050405020304" pitchFamily="18" charset="0"/>
+              </a:rPr>
+              <a:t>It’s duty to give names to each microservice. Why?</a:t>
+            </a:r>
+          </a:p>
+          <a:p>
+            <a:pPr marL="742950" lvl="1" indent="-285750" algn="just">
+              <a:buFont typeface="Arial" panose="020B0604020202020204" pitchFamily="34" charset="0"/>
+              <a:buChar char="•"/>
+            </a:pPr>
+            <a:r>
+              <a:rPr lang="en-IN" sz="1600" dirty="0">
+                <a:latin typeface="Times New Roman" panose="02020603050405020304" pitchFamily="18" charset="0"/>
+                <a:cs typeface="Times New Roman" panose="02020603050405020304" pitchFamily="18" charset="0"/>
+              </a:rPr>
+              <a:t>No need to hardcode the IP addresses of microservices.</a:t>
+            </a:r>
+          </a:p>
+          <a:p>
+            <a:pPr marL="742950" lvl="1" indent="-285750" algn="just">
+              <a:buFont typeface="Arial" panose="020B0604020202020204" pitchFamily="34" charset="0"/>
+              <a:buChar char="•"/>
+            </a:pPr>
+            <a:r>
+              <a:rPr lang="en-IN" sz="1600" dirty="0">
+                <a:latin typeface="Times New Roman" panose="02020603050405020304" pitchFamily="18" charset="0"/>
+                <a:cs typeface="Times New Roman" panose="02020603050405020304" pitchFamily="18" charset="0"/>
+              </a:rPr>
+              <a:t>What if services use dynamic IP addresses; when autoscaling.</a:t>
+            </a:r>
+          </a:p>
+          <a:p>
+            <a:pPr lvl="1" algn="just"/>
+            <a:endParaRPr lang="en-IN" sz="1600" dirty="0">
+              <a:latin typeface="Times New Roman" panose="02020603050405020304" pitchFamily="18" charset="0"/>
+              <a:cs typeface="Times New Roman" panose="02020603050405020304" pitchFamily="18" charset="0"/>
+            </a:endParaRPr>
+          </a:p>
+          <a:p>
+            <a:pPr marL="285750" indent="-285750" algn="just">
+              <a:buFont typeface="Arial" panose="020B0604020202020204" pitchFamily="34" charset="0"/>
+              <a:buChar char="•"/>
+            </a:pPr>
+            <a:r>
+              <a:rPr lang="en-IN" sz="1600" dirty="0">
+                <a:latin typeface="Times New Roman" panose="02020603050405020304" pitchFamily="18" charset="0"/>
+                <a:cs typeface="Times New Roman" panose="02020603050405020304" pitchFamily="18" charset="0"/>
+              </a:rPr>
+              <a:t>Every service register itself with Eureka, and pings Eureka server to notify that it’s alive. If Eureka server didn’t receive any notification from a service. This service is </a:t>
+            </a:r>
+            <a:r>
+              <a:rPr lang="en-IN" sz="1600" b="1" dirty="0">
+                <a:latin typeface="Times New Roman" panose="02020603050405020304" pitchFamily="18" charset="0"/>
+                <a:cs typeface="Times New Roman" panose="02020603050405020304" pitchFamily="18" charset="0"/>
+              </a:rPr>
+              <a:t>unregistered from the Eureka server automatically.</a:t>
+            </a:r>
+            <a:endParaRPr lang="en-IN" sz="1600" dirty="0">
+              <a:latin typeface="Times New Roman" panose="02020603050405020304" pitchFamily="18" charset="0"/>
+              <a:cs typeface="Times New Roman" panose="02020603050405020304" pitchFamily="18" charset="0"/>
+            </a:endParaRPr>
+          </a:p>
+          <a:p>
             <a:pPr algn="just"/>
             <a:r>
               <a:rPr lang="en-IN" dirty="0">
@@ -7164,440 +9186,10 @@
           </a:p>
         </p:txBody>
       </p:sp>
-      <p:sp>
-        <p:nvSpPr>
-          <p:cNvPr id="7" name="Rectangle 6">
-            <a:extLst>
-              <a:ext uri="{FF2B5EF4-FFF2-40B4-BE49-F238E27FC236}">
-                <a16:creationId xmlns:a16="http://schemas.microsoft.com/office/drawing/2014/main" id="{3BE0231D-C36B-4791-A720-8A6656CDB526}"/>
-              </a:ext>
-            </a:extLst>
-          </p:cNvPr>
-          <p:cNvSpPr/>
-          <p:nvPr/>
-        </p:nvSpPr>
-        <p:spPr>
-          <a:xfrm>
-            <a:off x="293134" y="961755"/>
-            <a:ext cx="11459841" cy="4962897"/>
-          </a:xfrm>
-          <a:prstGeom prst="rect">
-            <a:avLst/>
-          </a:prstGeom>
-        </p:spPr>
-        <p:txBody>
-          <a:bodyPr wrap="square">
-            <a:spAutoFit/>
-          </a:bodyPr>
-          <a:lstStyle/>
-          <a:p>
-            <a:pPr marL="400050" indent="-171450" algn="just">
-              <a:buFont typeface="Arial" panose="020B0604020202020204" pitchFamily="34" charset="0"/>
-              <a:buChar char="•"/>
-            </a:pPr>
-            <a:r>
-              <a:rPr lang="en-IN" sz="1050" spc="-5" dirty="0">
-                <a:solidFill>
-                  <a:srgbClr val="000000"/>
-                </a:solidFill>
-                <a:latin typeface="Georgia" panose="02040502050405020303" pitchFamily="18" charset="0"/>
-                <a:ea typeface="Calibri" panose="020F0502020204030204" pitchFamily="34" charset="0"/>
-                <a:cs typeface="Times New Roman" panose="02020603050405020304" pitchFamily="18" charset="0"/>
-              </a:rPr>
-              <a:t>A gateway is a single-entry point into the system, used to handle requests by routing them to the corresponding microservice. It can also be used for authentication, monitoring, and more.</a:t>
-            </a:r>
-            <a:endParaRPr lang="en-IN" sz="1050" dirty="0">
-              <a:latin typeface="Georgia" panose="02040502050405020303" pitchFamily="18" charset="0"/>
-              <a:ea typeface="Calibri" panose="020F0502020204030204" pitchFamily="34" charset="0"/>
-              <a:cs typeface="Times New Roman" panose="02020603050405020304" pitchFamily="18" charset="0"/>
-            </a:endParaRPr>
-          </a:p>
-          <a:p>
-            <a:pPr marL="228600" algn="just"/>
-            <a:endParaRPr lang="en-IN" sz="1050" b="1" i="1" spc="-5" dirty="0">
-              <a:solidFill>
-                <a:srgbClr val="000000"/>
-              </a:solidFill>
-              <a:latin typeface="Georgia" panose="02040502050405020303" pitchFamily="18" charset="0"/>
-              <a:ea typeface="Times New Roman" panose="02020603050405020304" pitchFamily="18" charset="0"/>
-              <a:cs typeface="Times New Roman" panose="02020603050405020304" pitchFamily="18" charset="0"/>
-            </a:endParaRPr>
-          </a:p>
-          <a:p>
-            <a:pPr marL="400050" indent="-171450" algn="just">
-              <a:buFont typeface="Arial" panose="020B0604020202020204" pitchFamily="34" charset="0"/>
-              <a:buChar char="•"/>
-            </a:pPr>
-            <a:r>
-              <a:rPr lang="en-IN" sz="1050" b="1" i="1" spc="-5" dirty="0">
-                <a:solidFill>
-                  <a:srgbClr val="000000"/>
-                </a:solidFill>
-                <a:latin typeface="Georgia" panose="02040502050405020303" pitchFamily="18" charset="0"/>
-                <a:ea typeface="Times New Roman" panose="02020603050405020304" pitchFamily="18" charset="0"/>
-                <a:cs typeface="Times New Roman" panose="02020603050405020304" pitchFamily="18" charset="0"/>
-              </a:rPr>
-              <a:t>Why it is required</a:t>
-            </a:r>
-            <a:r>
-              <a:rPr lang="en-IN" sz="1050" b="1" spc="-5" dirty="0">
-                <a:solidFill>
-                  <a:srgbClr val="000000"/>
-                </a:solidFill>
-                <a:latin typeface="Georgia" panose="02040502050405020303" pitchFamily="18" charset="0"/>
-                <a:ea typeface="Times New Roman" panose="02020603050405020304" pitchFamily="18" charset="0"/>
-                <a:cs typeface="Times New Roman" panose="02020603050405020304" pitchFamily="18" charset="0"/>
-              </a:rPr>
-              <a:t>: </a:t>
-            </a:r>
-            <a:r>
-              <a:rPr lang="en-IN" sz="1050" spc="-5" dirty="0">
-                <a:solidFill>
-                  <a:srgbClr val="000000"/>
-                </a:solidFill>
-                <a:latin typeface="Georgia" panose="02040502050405020303" pitchFamily="18" charset="0"/>
-                <a:ea typeface="Times New Roman" panose="02020603050405020304" pitchFamily="18" charset="0"/>
-                <a:cs typeface="Times New Roman" panose="02020603050405020304" pitchFamily="18" charset="0"/>
-              </a:rPr>
-              <a:t>And as we spin more instances of services, each with a different port numbers, So, now the question is: </a:t>
-            </a:r>
-            <a:r>
-              <a:rPr lang="en-IN" sz="1050" i="1" spc="-5" dirty="0">
-                <a:solidFill>
-                  <a:srgbClr val="000000"/>
-                </a:solidFill>
-                <a:latin typeface="Georgia" panose="02040502050405020303" pitchFamily="18" charset="0"/>
-                <a:ea typeface="Times New Roman" panose="02020603050405020304" pitchFamily="18" charset="0"/>
-                <a:cs typeface="Times New Roman" panose="02020603050405020304" pitchFamily="18" charset="0"/>
-              </a:rPr>
-              <a:t>How can we call the services from the browser and distribute the requests among their instances running at different ports?</a:t>
-            </a:r>
-            <a:endParaRPr lang="en-IN" sz="1050" dirty="0">
-              <a:latin typeface="Georgia" panose="02040502050405020303" pitchFamily="18" charset="0"/>
-              <a:ea typeface="Calibri" panose="020F0502020204030204" pitchFamily="34" charset="0"/>
-              <a:cs typeface="Times New Roman" panose="02020603050405020304" pitchFamily="18" charset="0"/>
-            </a:endParaRPr>
-          </a:p>
-          <a:p>
-            <a:pPr indent="228600" algn="just"/>
-            <a:endParaRPr lang="en-IN" sz="1050" spc="-5" dirty="0">
-              <a:solidFill>
-                <a:srgbClr val="000000"/>
-              </a:solidFill>
-              <a:latin typeface="Georgia" panose="02040502050405020303" pitchFamily="18" charset="0"/>
-              <a:ea typeface="Times New Roman" panose="02020603050405020304" pitchFamily="18" charset="0"/>
-              <a:cs typeface="Times New Roman" panose="02020603050405020304" pitchFamily="18" charset="0"/>
-            </a:endParaRPr>
-          </a:p>
-          <a:p>
-            <a:pPr indent="228600" algn="just"/>
-            <a:r>
-              <a:rPr lang="en-IN" sz="1050" spc="-5" dirty="0">
-                <a:solidFill>
-                  <a:srgbClr val="000000"/>
-                </a:solidFill>
-                <a:latin typeface="Georgia" panose="02040502050405020303" pitchFamily="18" charset="0"/>
-                <a:ea typeface="Times New Roman" panose="02020603050405020304" pitchFamily="18" charset="0"/>
-                <a:cs typeface="Times New Roman" panose="02020603050405020304" pitchFamily="18" charset="0"/>
-              </a:rPr>
-              <a:t>    Well, a common solution is to use a Gateway.</a:t>
-            </a:r>
-          </a:p>
-          <a:p>
-            <a:pPr indent="228600" algn="just"/>
-            <a:endParaRPr lang="en-IN" sz="1050" spc="-5" dirty="0">
-              <a:solidFill>
-                <a:srgbClr val="000000"/>
-              </a:solidFill>
-              <a:latin typeface="Georgia" panose="02040502050405020303" pitchFamily="18" charset="0"/>
-              <a:ea typeface="Times New Roman" panose="02020603050405020304" pitchFamily="18" charset="0"/>
-              <a:cs typeface="Times New Roman" panose="02020603050405020304" pitchFamily="18" charset="0"/>
-            </a:endParaRPr>
-          </a:p>
-          <a:p>
-            <a:pPr marL="171450" indent="-171450" algn="just">
-              <a:buFont typeface="Arial" panose="020B0604020202020204" pitchFamily="34" charset="0"/>
-              <a:buChar char="•"/>
-            </a:pPr>
-            <a:r>
-              <a:rPr lang="en-IN" sz="1050" dirty="0">
-                <a:latin typeface="Georgia" panose="02040502050405020303" pitchFamily="18" charset="0"/>
-                <a:ea typeface="Calibri" panose="020F0502020204030204" pitchFamily="34" charset="0"/>
-                <a:cs typeface="Times New Roman" panose="02020603050405020304" pitchFamily="18" charset="0"/>
-              </a:rPr>
-              <a:t>What’s </a:t>
-            </a:r>
-            <a:r>
-              <a:rPr lang="en-IN" sz="1050" dirty="0" err="1">
-                <a:latin typeface="Georgia" panose="02040502050405020303" pitchFamily="18" charset="0"/>
-                <a:ea typeface="Calibri" panose="020F0502020204030204" pitchFamily="34" charset="0"/>
-                <a:cs typeface="Times New Roman" panose="02020603050405020304" pitchFamily="18" charset="0"/>
-              </a:rPr>
-              <a:t>Zuul</a:t>
-            </a:r>
-            <a:r>
-              <a:rPr lang="en-IN" sz="1050" dirty="0">
-                <a:latin typeface="Georgia" panose="02040502050405020303" pitchFamily="18" charset="0"/>
-                <a:ea typeface="Calibri" panose="020F0502020204030204" pitchFamily="34" charset="0"/>
-                <a:cs typeface="Times New Roman" panose="02020603050405020304" pitchFamily="18" charset="0"/>
-              </a:rPr>
-              <a:t>?</a:t>
-            </a:r>
-          </a:p>
-          <a:p>
-            <a:pPr indent="228600" algn="just"/>
-            <a:r>
-              <a:rPr lang="en-IN" sz="1050" dirty="0">
-                <a:latin typeface="Georgia" panose="02040502050405020303" pitchFamily="18" charset="0"/>
-                <a:ea typeface="Calibri" panose="020F0502020204030204" pitchFamily="34" charset="0"/>
-                <a:cs typeface="Times New Roman" panose="02020603050405020304" pitchFamily="18" charset="0"/>
-              </a:rPr>
-              <a:t>It’s a proxy, gateway, an intermediate layer between the users and your services.</a:t>
-            </a:r>
-          </a:p>
-          <a:p>
-            <a:pPr indent="228600" algn="just"/>
-            <a:r>
-              <a:rPr lang="en-IN" sz="1050" dirty="0">
-                <a:latin typeface="Georgia" panose="02040502050405020303" pitchFamily="18" charset="0"/>
-                <a:ea typeface="Calibri" panose="020F0502020204030204" pitchFamily="34" charset="0"/>
-                <a:cs typeface="Times New Roman" panose="02020603050405020304" pitchFamily="18" charset="0"/>
-              </a:rPr>
-              <a:t>Eureka server solved the problem of giving names to services instead of hardcoding their IP addresses.</a:t>
-            </a:r>
-          </a:p>
-          <a:p>
-            <a:pPr indent="228600" algn="just"/>
-            <a:r>
-              <a:rPr lang="en-IN" sz="1050" dirty="0">
-                <a:latin typeface="Georgia" panose="02040502050405020303" pitchFamily="18" charset="0"/>
-                <a:ea typeface="Calibri" panose="020F0502020204030204" pitchFamily="34" charset="0"/>
-                <a:cs typeface="Times New Roman" panose="02020603050405020304" pitchFamily="18" charset="0"/>
-              </a:rPr>
-              <a:t>But, still, we may have more than one service (instances) running on different ports. So, </a:t>
-            </a:r>
-            <a:r>
-              <a:rPr lang="en-IN" sz="1050" dirty="0" err="1">
-                <a:latin typeface="Georgia" panose="02040502050405020303" pitchFamily="18" charset="0"/>
-                <a:ea typeface="Calibri" panose="020F0502020204030204" pitchFamily="34" charset="0"/>
-                <a:cs typeface="Times New Roman" panose="02020603050405020304" pitchFamily="18" charset="0"/>
-              </a:rPr>
-              <a:t>Zuul</a:t>
-            </a:r>
-            <a:r>
-              <a:rPr lang="en-IN" sz="1050" dirty="0">
-                <a:latin typeface="Georgia" panose="02040502050405020303" pitchFamily="18" charset="0"/>
-                <a:ea typeface="Calibri" panose="020F0502020204030204" pitchFamily="34" charset="0"/>
-                <a:cs typeface="Times New Roman" panose="02020603050405020304" pitchFamily="18" charset="0"/>
-              </a:rPr>
-              <a:t> …</a:t>
-            </a:r>
-          </a:p>
-          <a:p>
-            <a:pPr marL="171450" indent="-171450" algn="just">
-              <a:buFont typeface="Arial" panose="020B0604020202020204" pitchFamily="34" charset="0"/>
-              <a:buChar char="•"/>
-            </a:pPr>
-            <a:r>
-              <a:rPr lang="en-IN" sz="1050" dirty="0">
-                <a:latin typeface="Georgia" panose="02040502050405020303" pitchFamily="18" charset="0"/>
-                <a:ea typeface="Calibri" panose="020F0502020204030204" pitchFamily="34" charset="0"/>
-                <a:cs typeface="Times New Roman" panose="02020603050405020304" pitchFamily="18" charset="0"/>
-              </a:rPr>
-              <a:t>Maps between a prefix path, say/gallery/** and a service gallery-service. It uses Eureka server to route the requested service.</a:t>
-            </a:r>
-          </a:p>
-          <a:p>
-            <a:pPr marL="285750" lvl="0" indent="-285750">
-              <a:buFont typeface="Arial" panose="020B0604020202020204" pitchFamily="34" charset="0"/>
-              <a:buChar char="•"/>
-            </a:pPr>
-            <a:r>
-              <a:rPr lang="en-IN" b="1" dirty="0"/>
-              <a:t>It’s worth mentioning that </a:t>
-            </a:r>
-            <a:r>
-              <a:rPr lang="en-IN" b="1" dirty="0" err="1"/>
-              <a:t>Zuul</a:t>
-            </a:r>
-            <a:r>
-              <a:rPr lang="en-IN" b="1" dirty="0"/>
-              <a:t> acts as a Eureka client. So, we give it a name, port, and link to Eureka server (same as we did with image service).</a:t>
-            </a:r>
-            <a:endParaRPr lang="en-IN" dirty="0"/>
-          </a:p>
-          <a:p>
-            <a:r>
-              <a:rPr lang="en-IN" dirty="0"/>
-              <a:t> </a:t>
-            </a:r>
-          </a:p>
-          <a:p>
-            <a:pPr marL="171450" indent="-171450" algn="just">
-              <a:buFont typeface="Arial" panose="020B0604020202020204" pitchFamily="34" charset="0"/>
-              <a:buChar char="•"/>
-            </a:pPr>
-            <a:endParaRPr lang="en-IN" sz="1050" dirty="0">
-              <a:latin typeface="Georgia" panose="02040502050405020303" pitchFamily="18" charset="0"/>
-              <a:ea typeface="Calibri" panose="020F0502020204030204" pitchFamily="34" charset="0"/>
-              <a:cs typeface="Times New Roman" panose="02020603050405020304" pitchFamily="18" charset="0"/>
-            </a:endParaRPr>
-          </a:p>
-          <a:p>
-            <a:pPr marL="171450" indent="-171450" algn="just">
-              <a:buFont typeface="Arial" panose="020B0604020202020204" pitchFamily="34" charset="0"/>
-              <a:buChar char="•"/>
-            </a:pPr>
-            <a:r>
-              <a:rPr lang="en-IN" sz="1050" dirty="0">
-                <a:latin typeface="Georgia" panose="02040502050405020303" pitchFamily="18" charset="0"/>
-                <a:ea typeface="Calibri" panose="020F0502020204030204" pitchFamily="34" charset="0"/>
-                <a:cs typeface="Times New Roman" panose="02020603050405020304" pitchFamily="18" charset="0"/>
-              </a:rPr>
-              <a:t>It loads balances (using Ribbon) between instances of a service running on different ports.</a:t>
-            </a:r>
-          </a:p>
-          <a:p>
-            <a:pPr marL="171450" indent="-171450" algn="just">
-              <a:buFont typeface="Arial" panose="020B0604020202020204" pitchFamily="34" charset="0"/>
-              <a:buChar char="•"/>
-            </a:pPr>
-            <a:r>
-              <a:rPr lang="en-IN" sz="1050" dirty="0">
-                <a:latin typeface="Georgia" panose="02040502050405020303" pitchFamily="18" charset="0"/>
-                <a:ea typeface="Calibri" panose="020F0502020204030204" pitchFamily="34" charset="0"/>
-                <a:cs typeface="Times New Roman" panose="02020603050405020304" pitchFamily="18" charset="0"/>
-              </a:rPr>
-              <a:t>What else? We can filter requests, add authentication, etc.</a:t>
-            </a:r>
-          </a:p>
-          <a:p>
-            <a:pPr marL="171450" indent="-171450" algn="just">
-              <a:buFont typeface="Arial" panose="020B0604020202020204" pitchFamily="34" charset="0"/>
-              <a:buChar char="•"/>
-            </a:pPr>
-            <a:endParaRPr lang="en-IN" sz="1050" dirty="0">
-              <a:latin typeface="Georgia" panose="02040502050405020303" pitchFamily="18" charset="0"/>
-              <a:ea typeface="Calibri" panose="020F0502020204030204" pitchFamily="34" charset="0"/>
-              <a:cs typeface="Times New Roman" panose="02020603050405020304" pitchFamily="18" charset="0"/>
-            </a:endParaRPr>
-          </a:p>
-          <a:p>
-            <a:r>
-              <a:rPr lang="en-IN" sz="1400" dirty="0"/>
-              <a:t>NOTE: When calling any microservice from the browser, we can’t call it by its name as we do when we call one microservice from another microservice —</a:t>
-            </a:r>
-            <a:r>
-              <a:rPr lang="en-IN" sz="1400" i="1" dirty="0"/>
-              <a:t> This is used internally between services.</a:t>
-            </a:r>
-            <a:endParaRPr lang="en-IN" sz="1400" dirty="0"/>
-          </a:p>
-          <a:p>
-            <a:r>
-              <a:rPr lang="en-IN" sz="1400" b="1" dirty="0"/>
-              <a:t>Where </a:t>
-            </a:r>
-            <a:r>
-              <a:rPr lang="en-IN" sz="1400" b="1" dirty="0" err="1"/>
-              <a:t>Zuul</a:t>
-            </a:r>
-            <a:r>
-              <a:rPr lang="en-IN" sz="1400" b="1" dirty="0"/>
-              <a:t> fits in microservices ecosystem?</a:t>
-            </a:r>
-            <a:endParaRPr lang="en-IN" sz="1400" dirty="0"/>
-          </a:p>
-          <a:p>
-            <a:r>
-              <a:rPr lang="en-IN" sz="1400" dirty="0"/>
-              <a:t>A common problem, when building microservices, is to provide a unique gateway to the client applications of your system. And to solve this problem, Netflix (a major adopter of microservices) created and open-sourced its </a:t>
-            </a:r>
-            <a:r>
-              <a:rPr lang="en-IN" sz="1400" b="1" dirty="0" err="1"/>
-              <a:t>Zuul</a:t>
-            </a:r>
-            <a:r>
-              <a:rPr lang="en-IN" sz="1400" b="1" dirty="0"/>
-              <a:t> proxy server</a:t>
-            </a:r>
-            <a:r>
-              <a:rPr lang="en-IN" sz="1400" dirty="0"/>
-              <a:t> and later Spring under Pivotal has adapted this in its </a:t>
-            </a:r>
-            <a:r>
-              <a:rPr lang="en-IN" sz="1400" b="1" dirty="0"/>
-              <a:t>spring cloud stack</a:t>
-            </a:r>
-            <a:r>
-              <a:rPr lang="en-IN" sz="1400" dirty="0"/>
-              <a:t> and enabled us to use </a:t>
-            </a:r>
-            <a:r>
-              <a:rPr lang="en-IN" sz="1400" dirty="0" err="1"/>
-              <a:t>zuul</a:t>
-            </a:r>
-            <a:r>
-              <a:rPr lang="en-IN" sz="1400" dirty="0"/>
-              <a:t> easily and effectively with just few simple steps.</a:t>
-            </a:r>
-          </a:p>
-          <a:p>
-            <a:pPr marL="171450" indent="-171450" algn="just">
-              <a:buFont typeface="Arial" panose="020B0604020202020204" pitchFamily="34" charset="0"/>
-              <a:buChar char="•"/>
-            </a:pPr>
-            <a:endParaRPr lang="en-IN" sz="1050" dirty="0">
-              <a:latin typeface="Georgia" panose="02040502050405020303" pitchFamily="18" charset="0"/>
-              <a:ea typeface="Calibri" panose="020F0502020204030204" pitchFamily="34" charset="0"/>
-              <a:cs typeface="Times New Roman" panose="02020603050405020304" pitchFamily="18" charset="0"/>
-            </a:endParaRPr>
-          </a:p>
-        </p:txBody>
-      </p:sp>
-      <p:pic>
-        <p:nvPicPr>
-          <p:cNvPr id="9" name="Picture 8">
-            <a:extLst>
-              <a:ext uri="{FF2B5EF4-FFF2-40B4-BE49-F238E27FC236}">
-                <a16:creationId xmlns:a16="http://schemas.microsoft.com/office/drawing/2014/main" id="{541DE9BA-1328-425E-8932-F7E4593A3C03}"/>
-              </a:ext>
-            </a:extLst>
-          </p:cNvPr>
-          <p:cNvPicPr/>
-          <p:nvPr/>
-        </p:nvPicPr>
-        <p:blipFill>
-          <a:blip r:embed="rId2">
-            <a:extLst>
-              <a:ext uri="{28A0092B-C50C-407E-A947-70E740481C1C}">
-                <a14:useLocalDpi xmlns:a14="http://schemas.microsoft.com/office/drawing/2010/main" val="0"/>
-              </a:ext>
-            </a:extLst>
-          </a:blip>
-          <a:srcRect/>
-          <a:stretch>
-            <a:fillRect/>
-          </a:stretch>
-        </p:blipFill>
-        <p:spPr bwMode="auto">
-          <a:xfrm>
-            <a:off x="2894686" y="3701748"/>
-            <a:ext cx="5731510" cy="2765425"/>
-          </a:xfrm>
-          <a:prstGeom prst="rect">
-            <a:avLst/>
-          </a:prstGeom>
-          <a:noFill/>
-          <a:ln>
-            <a:noFill/>
-          </a:ln>
-        </p:spPr>
-      </p:pic>
     </p:spTree>
     <p:extLst>
       <p:ext uri="{BB962C8B-B14F-4D97-AF65-F5344CB8AC3E}">
-        <p14:creationId xmlns:p14="http://schemas.microsoft.com/office/powerpoint/2010/main" val="3438759566"/>
+        <p14:creationId xmlns:p14="http://schemas.microsoft.com/office/powerpoint/2010/main" val="2736960844"/>
       </p:ext>
     </p:extLst>
   </p:cSld>

--- a/document-mgmt-system/technical-document/SpringMicroserviceArchitecture.pptx
+++ b/document-mgmt-system/technical-document/SpringMicroserviceArchitecture.pptx
@@ -274,7 +274,7 @@
           <a:p>
             <a:fld id="{3287D490-2E6A-412B-8FB4-63C8E17727EE}" type="datetimeFigureOut">
               <a:rPr lang="en-IN" smtClean="0"/>
-              <a:t>20-04-2020</a:t>
+              <a:t>26-04-2020</a:t>
             </a:fld>
             <a:endParaRPr lang="en-IN"/>
           </a:p>
@@ -474,7 +474,7 @@
           <a:p>
             <a:fld id="{3287D490-2E6A-412B-8FB4-63C8E17727EE}" type="datetimeFigureOut">
               <a:rPr lang="en-IN" smtClean="0"/>
-              <a:t>20-04-2020</a:t>
+              <a:t>26-04-2020</a:t>
             </a:fld>
             <a:endParaRPr lang="en-IN"/>
           </a:p>
@@ -684,7 +684,7 @@
           <a:p>
             <a:fld id="{3287D490-2E6A-412B-8FB4-63C8E17727EE}" type="datetimeFigureOut">
               <a:rPr lang="en-IN" smtClean="0"/>
-              <a:t>20-04-2020</a:t>
+              <a:t>26-04-2020</a:t>
             </a:fld>
             <a:endParaRPr lang="en-IN"/>
           </a:p>
@@ -884,7 +884,7 @@
           <a:p>
             <a:fld id="{3287D490-2E6A-412B-8FB4-63C8E17727EE}" type="datetimeFigureOut">
               <a:rPr lang="en-IN" smtClean="0"/>
-              <a:t>20-04-2020</a:t>
+              <a:t>26-04-2020</a:t>
             </a:fld>
             <a:endParaRPr lang="en-IN"/>
           </a:p>
@@ -1160,7 +1160,7 @@
           <a:p>
             <a:fld id="{3287D490-2E6A-412B-8FB4-63C8E17727EE}" type="datetimeFigureOut">
               <a:rPr lang="en-IN" smtClean="0"/>
-              <a:t>20-04-2020</a:t>
+              <a:t>26-04-2020</a:t>
             </a:fld>
             <a:endParaRPr lang="en-IN"/>
           </a:p>
@@ -1428,7 +1428,7 @@
           <a:p>
             <a:fld id="{3287D490-2E6A-412B-8FB4-63C8E17727EE}" type="datetimeFigureOut">
               <a:rPr lang="en-IN" smtClean="0"/>
-              <a:t>20-04-2020</a:t>
+              <a:t>26-04-2020</a:t>
             </a:fld>
             <a:endParaRPr lang="en-IN"/>
           </a:p>
@@ -1843,7 +1843,7 @@
           <a:p>
             <a:fld id="{3287D490-2E6A-412B-8FB4-63C8E17727EE}" type="datetimeFigureOut">
               <a:rPr lang="en-IN" smtClean="0"/>
-              <a:t>20-04-2020</a:t>
+              <a:t>26-04-2020</a:t>
             </a:fld>
             <a:endParaRPr lang="en-IN"/>
           </a:p>
@@ -1985,7 +1985,7 @@
           <a:p>
             <a:fld id="{3287D490-2E6A-412B-8FB4-63C8E17727EE}" type="datetimeFigureOut">
               <a:rPr lang="en-IN" smtClean="0"/>
-              <a:t>20-04-2020</a:t>
+              <a:t>26-04-2020</a:t>
             </a:fld>
             <a:endParaRPr lang="en-IN"/>
           </a:p>
@@ -2098,7 +2098,7 @@
           <a:p>
             <a:fld id="{3287D490-2E6A-412B-8FB4-63C8E17727EE}" type="datetimeFigureOut">
               <a:rPr lang="en-IN" smtClean="0"/>
-              <a:t>20-04-2020</a:t>
+              <a:t>26-04-2020</a:t>
             </a:fld>
             <a:endParaRPr lang="en-IN"/>
           </a:p>
@@ -2411,7 +2411,7 @@
           <a:p>
             <a:fld id="{3287D490-2E6A-412B-8FB4-63C8E17727EE}" type="datetimeFigureOut">
               <a:rPr lang="en-IN" smtClean="0"/>
-              <a:t>20-04-2020</a:t>
+              <a:t>26-04-2020</a:t>
             </a:fld>
             <a:endParaRPr lang="en-IN"/>
           </a:p>
@@ -2700,7 +2700,7 @@
           <a:p>
             <a:fld id="{3287D490-2E6A-412B-8FB4-63C8E17727EE}" type="datetimeFigureOut">
               <a:rPr lang="en-IN" smtClean="0"/>
-              <a:t>20-04-2020</a:t>
+              <a:t>26-04-2020</a:t>
             </a:fld>
             <a:endParaRPr lang="en-IN"/>
           </a:p>
@@ -2943,7 +2943,7 @@
           <a:p>
             <a:fld id="{3287D490-2E6A-412B-8FB4-63C8E17727EE}" type="datetimeFigureOut">
               <a:rPr lang="en-IN" smtClean="0"/>
-              <a:t>20-04-2020</a:t>
+              <a:t>26-04-2020</a:t>
             </a:fld>
             <a:endParaRPr lang="en-IN"/>
           </a:p>
@@ -6056,8 +6056,8 @@
         </p:nvSpPr>
         <p:spPr>
           <a:xfrm>
-            <a:off x="180975" y="3048000"/>
-            <a:ext cx="1000125" cy="923925"/>
+            <a:off x="180975" y="3117672"/>
+            <a:ext cx="955211" cy="923925"/>
           </a:xfrm>
           <a:prstGeom prst="ellipse">
             <a:avLst/>
@@ -6125,7 +6125,7 @@
         <p:spPr>
           <a:xfrm>
             <a:off x="1866900" y="3209925"/>
-            <a:ext cx="1876425" cy="600075"/>
+            <a:ext cx="1876425" cy="761992"/>
           </a:xfrm>
           <a:prstGeom prst="roundRect">
             <a:avLst/>
@@ -6190,14 +6190,13 @@
           </p:cNvPr>
           <p:cNvCxnSpPr>
             <a:cxnSpLocks/>
-            <a:endCxn id="3" idx="1"/>
           </p:cNvCxnSpPr>
           <p:nvPr/>
         </p:nvCxnSpPr>
         <p:spPr>
           <a:xfrm>
-            <a:off x="1190625" y="3509963"/>
-            <a:ext cx="676275" cy="0"/>
+            <a:off x="1136186" y="3518672"/>
+            <a:ext cx="730714" cy="11286"/>
           </a:xfrm>
           <a:prstGeom prst="straightConnector1">
             <a:avLst/>
@@ -6236,7 +6235,7 @@
         <p:spPr>
           <a:xfrm>
             <a:off x="4505324" y="3209925"/>
-            <a:ext cx="2152650" cy="600075"/>
+            <a:ext cx="2152650" cy="812148"/>
           </a:xfrm>
           <a:prstGeom prst="roundRect">
             <a:avLst/>
@@ -6373,7 +6372,7 @@
         </p:nvSpPr>
         <p:spPr>
           <a:xfrm>
-            <a:off x="7562850" y="819150"/>
+            <a:off x="8259137" y="819150"/>
             <a:ext cx="2762250" cy="5448300"/>
           </a:xfrm>
           <a:prstGeom prst="roundRect">
@@ -6420,7 +6419,7 @@
         </p:nvSpPr>
         <p:spPr>
           <a:xfrm>
-            <a:off x="7867650" y="1285088"/>
+            <a:off x="8563937" y="1285088"/>
             <a:ext cx="2152650" cy="400837"/>
           </a:xfrm>
           <a:prstGeom prst="roundRect">
@@ -6482,7 +6481,7 @@
         </p:nvSpPr>
         <p:spPr>
           <a:xfrm>
-            <a:off x="7867650" y="1951444"/>
+            <a:off x="8563937" y="1951444"/>
             <a:ext cx="2152650" cy="400837"/>
           </a:xfrm>
           <a:prstGeom prst="roundRect">
@@ -6550,7 +6549,7 @@
         </p:nvSpPr>
         <p:spPr>
           <a:xfrm>
-            <a:off x="7867650" y="2647163"/>
+            <a:off x="8563937" y="2647163"/>
             <a:ext cx="2152650" cy="400837"/>
           </a:xfrm>
           <a:prstGeom prst="roundRect">
@@ -6612,7 +6611,7 @@
         </p:nvSpPr>
         <p:spPr>
           <a:xfrm>
-            <a:off x="7867650" y="3421048"/>
+            <a:off x="8563937" y="3320380"/>
             <a:ext cx="2152650" cy="400837"/>
           </a:xfrm>
           <a:prstGeom prst="roundRect">
@@ -6674,7 +6673,7 @@
         </p:nvSpPr>
         <p:spPr>
           <a:xfrm>
-            <a:off x="7867650" y="4135029"/>
+            <a:off x="8563937" y="4135029"/>
             <a:ext cx="2152650" cy="400837"/>
           </a:xfrm>
           <a:prstGeom prst="roundRect">
@@ -6742,7 +6741,7 @@
         </p:nvSpPr>
         <p:spPr>
           <a:xfrm>
-            <a:off x="7867650" y="4849010"/>
+            <a:off x="8563937" y="4849010"/>
             <a:ext cx="2152650" cy="400837"/>
           </a:xfrm>
           <a:prstGeom prst="roundRect">
@@ -6809,7 +6808,7 @@
         </p:nvSpPr>
         <p:spPr>
           <a:xfrm>
-            <a:off x="7867650" y="5558230"/>
+            <a:off x="8563937" y="5558230"/>
             <a:ext cx="2152650" cy="400837"/>
           </a:xfrm>
           <a:prstGeom prst="roundRect">
@@ -6877,7 +6876,7 @@
         </p:nvSpPr>
         <p:spPr>
           <a:xfrm>
-            <a:off x="10782300" y="1114425"/>
+            <a:off x="11478587" y="1114425"/>
             <a:ext cx="542925" cy="657225"/>
           </a:xfrm>
           <a:prstGeom prst="can">
@@ -6927,7 +6926,7 @@
         </p:nvSpPr>
         <p:spPr>
           <a:xfrm>
-            <a:off x="10782300" y="1819275"/>
+            <a:off x="11478587" y="1819275"/>
             <a:ext cx="542925" cy="657225"/>
           </a:xfrm>
           <a:prstGeom prst="can">
@@ -6983,7 +6982,7 @@
         </p:nvSpPr>
         <p:spPr>
           <a:xfrm>
-            <a:off x="10782300" y="2552701"/>
+            <a:off x="11478587" y="2552701"/>
             <a:ext cx="542925" cy="581024"/>
           </a:xfrm>
           <a:prstGeom prst="can">
@@ -7033,7 +7032,7 @@
         </p:nvSpPr>
         <p:spPr>
           <a:xfrm>
-            <a:off x="10782300" y="3292853"/>
+            <a:off x="11478587" y="3192185"/>
             <a:ext cx="542925" cy="657225"/>
           </a:xfrm>
           <a:prstGeom prst="can">
@@ -7083,7 +7082,7 @@
         </p:nvSpPr>
         <p:spPr>
           <a:xfrm>
-            <a:off x="10782300" y="4033007"/>
+            <a:off x="11478587" y="4033007"/>
             <a:ext cx="542925" cy="574296"/>
           </a:xfrm>
           <a:prstGeom prst="can">
@@ -7139,7 +7138,7 @@
         </p:nvSpPr>
         <p:spPr>
           <a:xfrm>
-            <a:off x="10782299" y="4773160"/>
+            <a:off x="11478586" y="4773160"/>
             <a:ext cx="542925" cy="574296"/>
           </a:xfrm>
           <a:prstGeom prst="can">
@@ -7194,7 +7193,7 @@
         </p:nvSpPr>
         <p:spPr>
           <a:xfrm>
-            <a:off x="10782299" y="5455722"/>
+            <a:off x="11478586" y="5455722"/>
             <a:ext cx="542924" cy="657225"/>
           </a:xfrm>
           <a:prstGeom prst="can">
@@ -7254,7 +7253,7 @@
         </p:nvCxnSpPr>
         <p:spPr>
           <a:xfrm flipV="1">
-            <a:off x="10020300" y="1485506"/>
+            <a:off x="10716587" y="1485506"/>
             <a:ext cx="761999" cy="1"/>
           </a:xfrm>
           <a:prstGeom prst="straightConnector1">
@@ -7294,7 +7293,7 @@
         </p:nvCxnSpPr>
         <p:spPr>
           <a:xfrm flipV="1">
-            <a:off x="10039350" y="5762231"/>
+            <a:off x="10735637" y="5762231"/>
             <a:ext cx="761999" cy="1"/>
           </a:xfrm>
           <a:prstGeom prst="straightConnector1">
@@ -7334,7 +7333,7 @@
         </p:nvCxnSpPr>
         <p:spPr>
           <a:xfrm flipV="1">
-            <a:off x="10048875" y="2142731"/>
+            <a:off x="10745162" y="2142731"/>
             <a:ext cx="761999" cy="1"/>
           </a:xfrm>
           <a:prstGeom prst="straightConnector1">
@@ -7374,7 +7373,7 @@
         </p:nvCxnSpPr>
         <p:spPr>
           <a:xfrm flipV="1">
-            <a:off x="10029825" y="2847581"/>
+            <a:off x="10726112" y="2847581"/>
             <a:ext cx="761999" cy="1"/>
           </a:xfrm>
           <a:prstGeom prst="straightConnector1">
@@ -7414,7 +7413,7 @@
         </p:nvCxnSpPr>
         <p:spPr>
           <a:xfrm flipV="1">
-            <a:off x="10029825" y="3639820"/>
+            <a:off x="10726112" y="3539152"/>
             <a:ext cx="761999" cy="1"/>
           </a:xfrm>
           <a:prstGeom prst="straightConnector1">
@@ -7454,7 +7453,7 @@
         </p:nvCxnSpPr>
         <p:spPr>
           <a:xfrm flipV="1">
-            <a:off x="10039350" y="4336278"/>
+            <a:off x="10735637" y="4336278"/>
             <a:ext cx="761999" cy="1"/>
           </a:xfrm>
           <a:prstGeom prst="straightConnector1">
@@ -7494,7 +7493,7 @@
         </p:nvCxnSpPr>
         <p:spPr>
           <a:xfrm flipV="1">
-            <a:off x="10020300" y="5044182"/>
+            <a:off x="10716587" y="5044182"/>
             <a:ext cx="761999" cy="1"/>
           </a:xfrm>
           <a:prstGeom prst="straightConnector1">
@@ -7529,15 +7528,1554 @@
               </a:ext>
             </a:extLst>
           </p:cNvPr>
-          <p:cNvCxnSpPr/>
+          <p:cNvCxnSpPr>
+            <a:cxnSpLocks/>
+          </p:cNvCxnSpPr>
           <p:nvPr/>
         </p:nvCxnSpPr>
         <p:spPr>
-          <a:xfrm rot="16200000" flipV="1">
-            <a:off x="4457307" y="2514206"/>
-            <a:ext cx="1324762" cy="66675"/>
+          <a:xfrm rot="5400000" flipH="1" flipV="1">
+            <a:off x="4490646" y="2547543"/>
+            <a:ext cx="1324762" cy="2"/>
           </a:xfrm>
           <a:prstGeom prst="bentConnector3">
+            <a:avLst/>
+          </a:prstGeom>
+          <a:ln>
+            <a:tailEnd type="triangle"/>
+          </a:ln>
+        </p:spPr>
+        <p:style>
+          <a:lnRef idx="1">
+            <a:schemeClr val="accent1"/>
+          </a:lnRef>
+          <a:fillRef idx="0">
+            <a:schemeClr val="accent1"/>
+          </a:fillRef>
+          <a:effectRef idx="0">
+            <a:schemeClr val="accent1"/>
+          </a:effectRef>
+          <a:fontRef idx="minor">
+            <a:schemeClr val="tx1"/>
+          </a:fontRef>
+        </p:style>
+      </p:cxnSp>
+      <p:cxnSp>
+        <p:nvCxnSpPr>
+          <p:cNvPr id="32" name="Connector: Elbow 31">
+            <a:extLst>
+              <a:ext uri="{FF2B5EF4-FFF2-40B4-BE49-F238E27FC236}">
+                <a16:creationId xmlns:a16="http://schemas.microsoft.com/office/drawing/2014/main" id="{B75B209F-335A-4CBC-9C10-19F22A80393E}"/>
+              </a:ext>
+            </a:extLst>
+          </p:cNvPr>
+          <p:cNvCxnSpPr>
+            <a:cxnSpLocks/>
+          </p:cNvCxnSpPr>
+          <p:nvPr/>
+        </p:nvCxnSpPr>
+        <p:spPr>
+          <a:xfrm rot="5400000" flipH="1" flipV="1">
+            <a:off x="5303446" y="2547543"/>
+            <a:ext cx="1324762" cy="2"/>
+          </a:xfrm>
+          <a:prstGeom prst="bentConnector3">
+            <a:avLst/>
+          </a:prstGeom>
+          <a:ln>
+            <a:headEnd type="triangle" w="med" len="med"/>
+            <a:tailEnd type="none" w="med" len="med"/>
+          </a:ln>
+        </p:spPr>
+        <p:style>
+          <a:lnRef idx="1">
+            <a:schemeClr val="accent1"/>
+          </a:lnRef>
+          <a:fillRef idx="0">
+            <a:schemeClr val="accent1"/>
+          </a:fillRef>
+          <a:effectRef idx="0">
+            <a:schemeClr val="accent1"/>
+          </a:effectRef>
+          <a:fontRef idx="minor">
+            <a:schemeClr val="tx1"/>
+          </a:fontRef>
+        </p:style>
+      </p:cxnSp>
+      <p:cxnSp>
+        <p:nvCxnSpPr>
+          <p:cNvPr id="39" name="Straight Arrow Connector 38">
+            <a:extLst>
+              <a:ext uri="{FF2B5EF4-FFF2-40B4-BE49-F238E27FC236}">
+                <a16:creationId xmlns:a16="http://schemas.microsoft.com/office/drawing/2014/main" id="{7CF4980B-E7AD-46BA-AC10-9A1B9C45F64E}"/>
+              </a:ext>
+            </a:extLst>
+          </p:cNvPr>
+          <p:cNvCxnSpPr>
+            <a:cxnSpLocks/>
+          </p:cNvCxnSpPr>
+          <p:nvPr/>
+        </p:nvCxnSpPr>
+        <p:spPr>
+          <a:xfrm flipV="1">
+            <a:off x="3743325" y="3404087"/>
+            <a:ext cx="762000" cy="7952"/>
+          </a:xfrm>
+          <a:prstGeom prst="straightConnector1">
+            <a:avLst/>
+          </a:prstGeom>
+          <a:ln>
+            <a:tailEnd type="triangle"/>
+          </a:ln>
+        </p:spPr>
+        <p:style>
+          <a:lnRef idx="1">
+            <a:schemeClr val="accent1"/>
+          </a:lnRef>
+          <a:fillRef idx="0">
+            <a:schemeClr val="accent1"/>
+          </a:fillRef>
+          <a:effectRef idx="0">
+            <a:schemeClr val="accent1"/>
+          </a:effectRef>
+          <a:fontRef idx="minor">
+            <a:schemeClr val="tx1"/>
+          </a:fontRef>
+        </p:style>
+      </p:cxnSp>
+      <p:sp>
+        <p:nvSpPr>
+          <p:cNvPr id="8" name="Rectangle: Rounded Corners 7">
+            <a:extLst>
+              <a:ext uri="{FF2B5EF4-FFF2-40B4-BE49-F238E27FC236}">
+                <a16:creationId xmlns:a16="http://schemas.microsoft.com/office/drawing/2014/main" id="{EDA75606-723C-413D-A2F8-B0D1BC6C72E2}"/>
+              </a:ext>
+            </a:extLst>
+          </p:cNvPr>
+          <p:cNvSpPr/>
+          <p:nvPr/>
+        </p:nvSpPr>
+        <p:spPr>
+          <a:xfrm>
+            <a:off x="1190625" y="3142434"/>
+            <a:ext cx="571051" cy="214310"/>
+          </a:xfrm>
+          <a:prstGeom prst="roundRect">
+            <a:avLst/>
+          </a:prstGeom>
+        </p:spPr>
+        <p:style>
+          <a:lnRef idx="2">
+            <a:schemeClr val="accent1">
+              <a:shade val="50000"/>
+            </a:schemeClr>
+          </a:lnRef>
+          <a:fillRef idx="1">
+            <a:schemeClr val="accent1"/>
+          </a:fillRef>
+          <a:effectRef idx="0">
+            <a:schemeClr val="accent1"/>
+          </a:effectRef>
+          <a:fontRef idx="minor">
+            <a:schemeClr val="lt1"/>
+          </a:fontRef>
+        </p:style>
+        <p:txBody>
+          <a:bodyPr rtlCol="0" anchor="ctr"/>
+          <a:lstStyle/>
+          <a:p>
+            <a:pPr algn="ctr"/>
+            <a:r>
+              <a:rPr lang="en-US" sz="700" dirty="0"/>
+              <a:t>Access Token</a:t>
+            </a:r>
+            <a:endParaRPr lang="en-IN" dirty="0"/>
+          </a:p>
+        </p:txBody>
+      </p:sp>
+      <p:sp>
+        <p:nvSpPr>
+          <p:cNvPr id="40" name="Rectangle: Rounded Corners 39">
+            <a:extLst>
+              <a:ext uri="{FF2B5EF4-FFF2-40B4-BE49-F238E27FC236}">
+                <a16:creationId xmlns:a16="http://schemas.microsoft.com/office/drawing/2014/main" id="{E20D8885-A67A-4BF9-976A-AB8FB4482E00}"/>
+              </a:ext>
+            </a:extLst>
+          </p:cNvPr>
+          <p:cNvSpPr/>
+          <p:nvPr/>
+        </p:nvSpPr>
+        <p:spPr>
+          <a:xfrm>
+            <a:off x="3797753" y="3096149"/>
+            <a:ext cx="571051" cy="214310"/>
+          </a:xfrm>
+          <a:prstGeom prst="roundRect">
+            <a:avLst/>
+          </a:prstGeom>
+        </p:spPr>
+        <p:style>
+          <a:lnRef idx="2">
+            <a:schemeClr val="accent1">
+              <a:shade val="50000"/>
+            </a:schemeClr>
+          </a:lnRef>
+          <a:fillRef idx="1">
+            <a:schemeClr val="accent1"/>
+          </a:fillRef>
+          <a:effectRef idx="0">
+            <a:schemeClr val="accent1"/>
+          </a:effectRef>
+          <a:fontRef idx="minor">
+            <a:schemeClr val="lt1"/>
+          </a:fontRef>
+        </p:style>
+        <p:txBody>
+          <a:bodyPr rtlCol="0" anchor="ctr"/>
+          <a:lstStyle/>
+          <a:p>
+            <a:pPr algn="ctr"/>
+            <a:r>
+              <a:rPr lang="en-US" sz="700" dirty="0"/>
+              <a:t>Access Token</a:t>
+            </a:r>
+            <a:endParaRPr lang="en-IN" dirty="0"/>
+          </a:p>
+        </p:txBody>
+      </p:sp>
+      <p:sp>
+        <p:nvSpPr>
+          <p:cNvPr id="41" name="Rectangle: Rounded Corners 40">
+            <a:extLst>
+              <a:ext uri="{FF2B5EF4-FFF2-40B4-BE49-F238E27FC236}">
+                <a16:creationId xmlns:a16="http://schemas.microsoft.com/office/drawing/2014/main" id="{D6EF726F-4D51-4DEB-9FA8-3D30E19BF146}"/>
+              </a:ext>
+            </a:extLst>
+          </p:cNvPr>
+          <p:cNvSpPr/>
+          <p:nvPr/>
+        </p:nvSpPr>
+        <p:spPr>
+          <a:xfrm>
+            <a:off x="4500787" y="2418730"/>
+            <a:ext cx="571051" cy="214310"/>
+          </a:xfrm>
+          <a:prstGeom prst="roundRect">
+            <a:avLst/>
+          </a:prstGeom>
+        </p:spPr>
+        <p:style>
+          <a:lnRef idx="2">
+            <a:schemeClr val="accent1">
+              <a:shade val="50000"/>
+            </a:schemeClr>
+          </a:lnRef>
+          <a:fillRef idx="1">
+            <a:schemeClr val="accent1"/>
+          </a:fillRef>
+          <a:effectRef idx="0">
+            <a:schemeClr val="accent1"/>
+          </a:effectRef>
+          <a:fontRef idx="minor">
+            <a:schemeClr val="lt1"/>
+          </a:fontRef>
+        </p:style>
+        <p:txBody>
+          <a:bodyPr rtlCol="0" anchor="ctr"/>
+          <a:lstStyle/>
+          <a:p>
+            <a:pPr algn="ctr"/>
+            <a:r>
+              <a:rPr lang="en-US" sz="700" dirty="0"/>
+              <a:t>Access Token</a:t>
+            </a:r>
+            <a:endParaRPr lang="en-IN" dirty="0"/>
+          </a:p>
+        </p:txBody>
+      </p:sp>
+      <p:sp>
+        <p:nvSpPr>
+          <p:cNvPr id="42" name="Rectangle: Rounded Corners 41">
+            <a:extLst>
+              <a:ext uri="{FF2B5EF4-FFF2-40B4-BE49-F238E27FC236}">
+                <a16:creationId xmlns:a16="http://schemas.microsoft.com/office/drawing/2014/main" id="{D975626F-DAC3-4B60-9224-3D1085741F90}"/>
+              </a:ext>
+            </a:extLst>
+          </p:cNvPr>
+          <p:cNvSpPr/>
+          <p:nvPr/>
+        </p:nvSpPr>
+        <p:spPr>
+          <a:xfrm>
+            <a:off x="6037625" y="2465943"/>
+            <a:ext cx="571051" cy="214310"/>
+          </a:xfrm>
+          <a:prstGeom prst="roundRect">
+            <a:avLst/>
+          </a:prstGeom>
+        </p:spPr>
+        <p:style>
+          <a:lnRef idx="2">
+            <a:schemeClr val="accent1">
+              <a:shade val="50000"/>
+            </a:schemeClr>
+          </a:lnRef>
+          <a:fillRef idx="1">
+            <a:schemeClr val="accent1"/>
+          </a:fillRef>
+          <a:effectRef idx="0">
+            <a:schemeClr val="accent1"/>
+          </a:effectRef>
+          <a:fontRef idx="minor">
+            <a:schemeClr val="lt1"/>
+          </a:fontRef>
+        </p:style>
+        <p:txBody>
+          <a:bodyPr rtlCol="0" anchor="ctr"/>
+          <a:lstStyle/>
+          <a:p>
+            <a:pPr algn="ctr"/>
+            <a:r>
+              <a:rPr lang="en-US" sz="700" dirty="0"/>
+              <a:t>JWT</a:t>
+            </a:r>
+            <a:endParaRPr lang="en-IN" dirty="0"/>
+          </a:p>
+        </p:txBody>
+      </p:sp>
+      <p:sp>
+        <p:nvSpPr>
+          <p:cNvPr id="43" name="Rectangle: Rounded Corners 42">
+            <a:extLst>
+              <a:ext uri="{FF2B5EF4-FFF2-40B4-BE49-F238E27FC236}">
+                <a16:creationId xmlns:a16="http://schemas.microsoft.com/office/drawing/2014/main" id="{804151B6-77FE-46B9-B440-587C798CB268}"/>
+              </a:ext>
+            </a:extLst>
+          </p:cNvPr>
+          <p:cNvSpPr/>
+          <p:nvPr/>
+        </p:nvSpPr>
+        <p:spPr>
+          <a:xfrm>
+            <a:off x="7992885" y="1378351"/>
+            <a:ext cx="571051" cy="214310"/>
+          </a:xfrm>
+          <a:prstGeom prst="roundRect">
+            <a:avLst>
+              <a:gd name="adj" fmla="val 50000"/>
+            </a:avLst>
+          </a:prstGeom>
+          <a:solidFill>
+            <a:schemeClr val="accent4">
+              <a:lumMod val="75000"/>
+            </a:schemeClr>
+          </a:solidFill>
+        </p:spPr>
+        <p:style>
+          <a:lnRef idx="2">
+            <a:schemeClr val="accent1">
+              <a:shade val="50000"/>
+            </a:schemeClr>
+          </a:lnRef>
+          <a:fillRef idx="1">
+            <a:schemeClr val="accent1"/>
+          </a:fillRef>
+          <a:effectRef idx="0">
+            <a:schemeClr val="accent1"/>
+          </a:effectRef>
+          <a:fontRef idx="minor">
+            <a:schemeClr val="lt1"/>
+          </a:fontRef>
+        </p:style>
+        <p:txBody>
+          <a:bodyPr rtlCol="0" anchor="ctr"/>
+          <a:lstStyle/>
+          <a:p>
+            <a:pPr algn="ctr"/>
+            <a:r>
+              <a:rPr lang="en-US" sz="700" dirty="0"/>
+              <a:t>Rest API</a:t>
+            </a:r>
+          </a:p>
+        </p:txBody>
+      </p:sp>
+      <p:sp>
+        <p:nvSpPr>
+          <p:cNvPr id="44" name="Rectangle: Rounded Corners 43">
+            <a:extLst>
+              <a:ext uri="{FF2B5EF4-FFF2-40B4-BE49-F238E27FC236}">
+                <a16:creationId xmlns:a16="http://schemas.microsoft.com/office/drawing/2014/main" id="{F40950CC-8D13-4F4D-90F4-B335BEB8B9AC}"/>
+              </a:ext>
+            </a:extLst>
+          </p:cNvPr>
+          <p:cNvSpPr/>
+          <p:nvPr/>
+        </p:nvSpPr>
+        <p:spPr>
+          <a:xfrm>
+            <a:off x="7994283" y="2034091"/>
+            <a:ext cx="571051" cy="214310"/>
+          </a:xfrm>
+          <a:prstGeom prst="roundRect">
+            <a:avLst>
+              <a:gd name="adj" fmla="val 50000"/>
+            </a:avLst>
+          </a:prstGeom>
+          <a:solidFill>
+            <a:schemeClr val="accent4">
+              <a:lumMod val="75000"/>
+            </a:schemeClr>
+          </a:solidFill>
+        </p:spPr>
+        <p:style>
+          <a:lnRef idx="2">
+            <a:schemeClr val="accent1">
+              <a:shade val="50000"/>
+            </a:schemeClr>
+          </a:lnRef>
+          <a:fillRef idx="1">
+            <a:schemeClr val="accent1"/>
+          </a:fillRef>
+          <a:effectRef idx="0">
+            <a:schemeClr val="accent1"/>
+          </a:effectRef>
+          <a:fontRef idx="minor">
+            <a:schemeClr val="lt1"/>
+          </a:fontRef>
+        </p:style>
+        <p:txBody>
+          <a:bodyPr rtlCol="0" anchor="ctr"/>
+          <a:lstStyle/>
+          <a:p>
+            <a:pPr algn="ctr"/>
+            <a:r>
+              <a:rPr lang="en-US" sz="700" dirty="0"/>
+              <a:t>Rest API</a:t>
+            </a:r>
+          </a:p>
+        </p:txBody>
+      </p:sp>
+      <p:sp>
+        <p:nvSpPr>
+          <p:cNvPr id="45" name="Rectangle: Rounded Corners 44">
+            <a:extLst>
+              <a:ext uri="{FF2B5EF4-FFF2-40B4-BE49-F238E27FC236}">
+                <a16:creationId xmlns:a16="http://schemas.microsoft.com/office/drawing/2014/main" id="{AD93EA81-F8F8-488D-A70F-34F059D12A1A}"/>
+              </a:ext>
+            </a:extLst>
+          </p:cNvPr>
+          <p:cNvSpPr/>
+          <p:nvPr/>
+        </p:nvSpPr>
+        <p:spPr>
+          <a:xfrm>
+            <a:off x="7987292" y="2756943"/>
+            <a:ext cx="571051" cy="214310"/>
+          </a:xfrm>
+          <a:prstGeom prst="roundRect">
+            <a:avLst>
+              <a:gd name="adj" fmla="val 50000"/>
+            </a:avLst>
+          </a:prstGeom>
+          <a:solidFill>
+            <a:schemeClr val="accent4">
+              <a:lumMod val="75000"/>
+            </a:schemeClr>
+          </a:solidFill>
+        </p:spPr>
+        <p:style>
+          <a:lnRef idx="2">
+            <a:schemeClr val="accent1">
+              <a:shade val="50000"/>
+            </a:schemeClr>
+          </a:lnRef>
+          <a:fillRef idx="1">
+            <a:schemeClr val="accent1"/>
+          </a:fillRef>
+          <a:effectRef idx="0">
+            <a:schemeClr val="accent1"/>
+          </a:effectRef>
+          <a:fontRef idx="minor">
+            <a:schemeClr val="lt1"/>
+          </a:fontRef>
+        </p:style>
+        <p:txBody>
+          <a:bodyPr rtlCol="0" anchor="ctr"/>
+          <a:lstStyle/>
+          <a:p>
+            <a:pPr algn="ctr"/>
+            <a:r>
+              <a:rPr lang="en-US" sz="700" dirty="0"/>
+              <a:t>Rest API</a:t>
+            </a:r>
+          </a:p>
+        </p:txBody>
+      </p:sp>
+      <p:sp>
+        <p:nvSpPr>
+          <p:cNvPr id="46" name="Rectangle: Rounded Corners 45">
+            <a:extLst>
+              <a:ext uri="{FF2B5EF4-FFF2-40B4-BE49-F238E27FC236}">
+                <a16:creationId xmlns:a16="http://schemas.microsoft.com/office/drawing/2014/main" id="{EF7BB8F3-8B3D-4EC7-AE20-351DCECBEE13}"/>
+              </a:ext>
+            </a:extLst>
+          </p:cNvPr>
+          <p:cNvSpPr/>
+          <p:nvPr/>
+        </p:nvSpPr>
+        <p:spPr>
+          <a:xfrm>
+            <a:off x="7994283" y="3435647"/>
+            <a:ext cx="571051" cy="214310"/>
+          </a:xfrm>
+          <a:prstGeom prst="roundRect">
+            <a:avLst>
+              <a:gd name="adj" fmla="val 50000"/>
+            </a:avLst>
+          </a:prstGeom>
+          <a:solidFill>
+            <a:schemeClr val="accent4">
+              <a:lumMod val="75000"/>
+            </a:schemeClr>
+          </a:solidFill>
+        </p:spPr>
+        <p:style>
+          <a:lnRef idx="2">
+            <a:schemeClr val="accent1">
+              <a:shade val="50000"/>
+            </a:schemeClr>
+          </a:lnRef>
+          <a:fillRef idx="1">
+            <a:schemeClr val="accent1"/>
+          </a:fillRef>
+          <a:effectRef idx="0">
+            <a:schemeClr val="accent1"/>
+          </a:effectRef>
+          <a:fontRef idx="minor">
+            <a:schemeClr val="lt1"/>
+          </a:fontRef>
+        </p:style>
+        <p:txBody>
+          <a:bodyPr rtlCol="0" anchor="ctr"/>
+          <a:lstStyle/>
+          <a:p>
+            <a:pPr algn="ctr"/>
+            <a:r>
+              <a:rPr lang="en-US" sz="700" dirty="0"/>
+              <a:t>Rest API</a:t>
+            </a:r>
+          </a:p>
+        </p:txBody>
+      </p:sp>
+      <p:sp>
+        <p:nvSpPr>
+          <p:cNvPr id="47" name="Rectangle: Rounded Corners 46">
+            <a:extLst>
+              <a:ext uri="{FF2B5EF4-FFF2-40B4-BE49-F238E27FC236}">
+                <a16:creationId xmlns:a16="http://schemas.microsoft.com/office/drawing/2014/main" id="{E9155DF2-615E-4109-8162-51014A9D8FB7}"/>
+              </a:ext>
+            </a:extLst>
+          </p:cNvPr>
+          <p:cNvSpPr/>
+          <p:nvPr/>
+        </p:nvSpPr>
+        <p:spPr>
+          <a:xfrm>
+            <a:off x="7983361" y="4217553"/>
+            <a:ext cx="571051" cy="214310"/>
+          </a:xfrm>
+          <a:prstGeom prst="roundRect">
+            <a:avLst>
+              <a:gd name="adj" fmla="val 50000"/>
+            </a:avLst>
+          </a:prstGeom>
+          <a:solidFill>
+            <a:schemeClr val="accent4">
+              <a:lumMod val="75000"/>
+            </a:schemeClr>
+          </a:solidFill>
+        </p:spPr>
+        <p:style>
+          <a:lnRef idx="2">
+            <a:schemeClr val="accent1">
+              <a:shade val="50000"/>
+            </a:schemeClr>
+          </a:lnRef>
+          <a:fillRef idx="1">
+            <a:schemeClr val="accent1"/>
+          </a:fillRef>
+          <a:effectRef idx="0">
+            <a:schemeClr val="accent1"/>
+          </a:effectRef>
+          <a:fontRef idx="minor">
+            <a:schemeClr val="lt1"/>
+          </a:fontRef>
+        </p:style>
+        <p:txBody>
+          <a:bodyPr rtlCol="0" anchor="ctr"/>
+          <a:lstStyle/>
+          <a:p>
+            <a:pPr algn="ctr"/>
+            <a:r>
+              <a:rPr lang="en-US" sz="700" dirty="0"/>
+              <a:t>Rest API</a:t>
+            </a:r>
+          </a:p>
+        </p:txBody>
+      </p:sp>
+      <p:sp>
+        <p:nvSpPr>
+          <p:cNvPr id="48" name="Rectangle: Rounded Corners 47">
+            <a:extLst>
+              <a:ext uri="{FF2B5EF4-FFF2-40B4-BE49-F238E27FC236}">
+                <a16:creationId xmlns:a16="http://schemas.microsoft.com/office/drawing/2014/main" id="{0C34F4F4-3B75-4E2E-BC29-34FE98EDEAAA}"/>
+              </a:ext>
+            </a:extLst>
+          </p:cNvPr>
+          <p:cNvSpPr/>
+          <p:nvPr/>
+        </p:nvSpPr>
+        <p:spPr>
+          <a:xfrm>
+            <a:off x="7992885" y="4973142"/>
+            <a:ext cx="571051" cy="214310"/>
+          </a:xfrm>
+          <a:prstGeom prst="roundRect">
+            <a:avLst>
+              <a:gd name="adj" fmla="val 50000"/>
+            </a:avLst>
+          </a:prstGeom>
+          <a:solidFill>
+            <a:schemeClr val="accent4">
+              <a:lumMod val="75000"/>
+            </a:schemeClr>
+          </a:solidFill>
+        </p:spPr>
+        <p:style>
+          <a:lnRef idx="2">
+            <a:schemeClr val="accent1">
+              <a:shade val="50000"/>
+            </a:schemeClr>
+          </a:lnRef>
+          <a:fillRef idx="1">
+            <a:schemeClr val="accent1"/>
+          </a:fillRef>
+          <a:effectRef idx="0">
+            <a:schemeClr val="accent1"/>
+          </a:effectRef>
+          <a:fontRef idx="minor">
+            <a:schemeClr val="lt1"/>
+          </a:fontRef>
+        </p:style>
+        <p:txBody>
+          <a:bodyPr rtlCol="0" anchor="ctr"/>
+          <a:lstStyle/>
+          <a:p>
+            <a:pPr algn="ctr"/>
+            <a:r>
+              <a:rPr lang="en-US" sz="700" dirty="0"/>
+              <a:t>Rest API</a:t>
+            </a:r>
+          </a:p>
+        </p:txBody>
+      </p:sp>
+      <p:sp>
+        <p:nvSpPr>
+          <p:cNvPr id="49" name="Rectangle: Rounded Corners 48">
+            <a:extLst>
+              <a:ext uri="{FF2B5EF4-FFF2-40B4-BE49-F238E27FC236}">
+                <a16:creationId xmlns:a16="http://schemas.microsoft.com/office/drawing/2014/main" id="{2181C3B6-A231-4557-A768-F16F4C4F2A76}"/>
+              </a:ext>
+            </a:extLst>
+          </p:cNvPr>
+          <p:cNvSpPr/>
+          <p:nvPr/>
+        </p:nvSpPr>
+        <p:spPr>
+          <a:xfrm>
+            <a:off x="7983361" y="5654380"/>
+            <a:ext cx="571051" cy="214310"/>
+          </a:xfrm>
+          <a:prstGeom prst="roundRect">
+            <a:avLst>
+              <a:gd name="adj" fmla="val 50000"/>
+            </a:avLst>
+          </a:prstGeom>
+          <a:solidFill>
+            <a:schemeClr val="accent4">
+              <a:lumMod val="75000"/>
+            </a:schemeClr>
+          </a:solidFill>
+        </p:spPr>
+        <p:style>
+          <a:lnRef idx="2">
+            <a:schemeClr val="accent1">
+              <a:shade val="50000"/>
+            </a:schemeClr>
+          </a:lnRef>
+          <a:fillRef idx="1">
+            <a:schemeClr val="accent1"/>
+          </a:fillRef>
+          <a:effectRef idx="0">
+            <a:schemeClr val="accent1"/>
+          </a:effectRef>
+          <a:fontRef idx="minor">
+            <a:schemeClr val="lt1"/>
+          </a:fontRef>
+        </p:style>
+        <p:txBody>
+          <a:bodyPr rtlCol="0" anchor="ctr"/>
+          <a:lstStyle/>
+          <a:p>
+            <a:pPr algn="ctr"/>
+            <a:r>
+              <a:rPr lang="en-US" sz="700" dirty="0"/>
+              <a:t>Rest API</a:t>
+            </a:r>
+          </a:p>
+        </p:txBody>
+      </p:sp>
+      <p:cxnSp>
+        <p:nvCxnSpPr>
+          <p:cNvPr id="50" name="Straight Arrow Connector 49">
+            <a:extLst>
+              <a:ext uri="{FF2B5EF4-FFF2-40B4-BE49-F238E27FC236}">
+                <a16:creationId xmlns:a16="http://schemas.microsoft.com/office/drawing/2014/main" id="{3E67FB6C-4082-4542-A033-C72F288B2944}"/>
+              </a:ext>
+            </a:extLst>
+          </p:cNvPr>
+          <p:cNvCxnSpPr>
+            <a:cxnSpLocks/>
+            <a:endCxn id="43" idx="1"/>
+          </p:cNvCxnSpPr>
+          <p:nvPr/>
+        </p:nvCxnSpPr>
+        <p:spPr>
+          <a:xfrm>
+            <a:off x="6655129" y="1476068"/>
+            <a:ext cx="1337756" cy="9438"/>
+          </a:xfrm>
+          <a:prstGeom prst="straightConnector1">
+            <a:avLst/>
+          </a:prstGeom>
+          <a:ln w="12700">
+            <a:solidFill>
+              <a:schemeClr val="accent1">
+                <a:lumMod val="75000"/>
+              </a:schemeClr>
+            </a:solidFill>
+            <a:tailEnd type="triangle"/>
+          </a:ln>
+        </p:spPr>
+        <p:style>
+          <a:lnRef idx="1">
+            <a:schemeClr val="accent1"/>
+          </a:lnRef>
+          <a:fillRef idx="0">
+            <a:schemeClr val="accent1"/>
+          </a:fillRef>
+          <a:effectRef idx="0">
+            <a:schemeClr val="accent1"/>
+          </a:effectRef>
+          <a:fontRef idx="minor">
+            <a:schemeClr val="tx1"/>
+          </a:fontRef>
+        </p:style>
+      </p:cxnSp>
+      <p:cxnSp>
+        <p:nvCxnSpPr>
+          <p:cNvPr id="51" name="Straight Arrow Connector 50">
+            <a:extLst>
+              <a:ext uri="{FF2B5EF4-FFF2-40B4-BE49-F238E27FC236}">
+                <a16:creationId xmlns:a16="http://schemas.microsoft.com/office/drawing/2014/main" id="{6CEC8965-654E-4D72-9C15-CAACAE92B1BA}"/>
+              </a:ext>
+            </a:extLst>
+          </p:cNvPr>
+          <p:cNvCxnSpPr>
+            <a:cxnSpLocks/>
+            <a:stCxn id="11" idx="3"/>
+          </p:cNvCxnSpPr>
+          <p:nvPr/>
+        </p:nvCxnSpPr>
+        <p:spPr>
+          <a:xfrm flipV="1">
+            <a:off x="6657974" y="3535029"/>
+            <a:ext cx="1346514" cy="80970"/>
+          </a:xfrm>
+          <a:prstGeom prst="straightConnector1">
+            <a:avLst/>
+          </a:prstGeom>
+          <a:ln w="12700">
+            <a:solidFill>
+              <a:schemeClr val="accent1">
+                <a:lumMod val="75000"/>
+              </a:schemeClr>
+            </a:solidFill>
+            <a:tailEnd type="triangle"/>
+          </a:ln>
+        </p:spPr>
+        <p:style>
+          <a:lnRef idx="1">
+            <a:schemeClr val="accent1"/>
+          </a:lnRef>
+          <a:fillRef idx="0">
+            <a:schemeClr val="accent1"/>
+          </a:fillRef>
+          <a:effectRef idx="0">
+            <a:schemeClr val="accent1"/>
+          </a:effectRef>
+          <a:fontRef idx="minor">
+            <a:schemeClr val="tx1"/>
+          </a:fontRef>
+        </p:style>
+      </p:cxnSp>
+      <p:cxnSp>
+        <p:nvCxnSpPr>
+          <p:cNvPr id="52" name="Straight Arrow Connector 51">
+            <a:extLst>
+              <a:ext uri="{FF2B5EF4-FFF2-40B4-BE49-F238E27FC236}">
+                <a16:creationId xmlns:a16="http://schemas.microsoft.com/office/drawing/2014/main" id="{60B1F375-9F30-40CA-9398-71C7DE75CBA6}"/>
+              </a:ext>
+            </a:extLst>
+          </p:cNvPr>
+          <p:cNvCxnSpPr>
+            <a:cxnSpLocks/>
+            <a:stCxn id="11" idx="3"/>
+            <a:endCxn id="44" idx="1"/>
+          </p:cNvCxnSpPr>
+          <p:nvPr/>
+        </p:nvCxnSpPr>
+        <p:spPr>
+          <a:xfrm flipV="1">
+            <a:off x="6657974" y="2141246"/>
+            <a:ext cx="1336309" cy="1474753"/>
+          </a:xfrm>
+          <a:prstGeom prst="straightConnector1">
+            <a:avLst/>
+          </a:prstGeom>
+          <a:ln w="12700">
+            <a:solidFill>
+              <a:schemeClr val="accent1">
+                <a:lumMod val="75000"/>
+              </a:schemeClr>
+            </a:solidFill>
+            <a:tailEnd type="triangle"/>
+          </a:ln>
+        </p:spPr>
+        <p:style>
+          <a:lnRef idx="1">
+            <a:schemeClr val="accent1"/>
+          </a:lnRef>
+          <a:fillRef idx="0">
+            <a:schemeClr val="accent1"/>
+          </a:fillRef>
+          <a:effectRef idx="0">
+            <a:schemeClr val="accent1"/>
+          </a:effectRef>
+          <a:fontRef idx="minor">
+            <a:schemeClr val="tx1"/>
+          </a:fontRef>
+        </p:style>
+      </p:cxnSp>
+      <p:cxnSp>
+        <p:nvCxnSpPr>
+          <p:cNvPr id="53" name="Straight Arrow Connector 52">
+            <a:extLst>
+              <a:ext uri="{FF2B5EF4-FFF2-40B4-BE49-F238E27FC236}">
+                <a16:creationId xmlns:a16="http://schemas.microsoft.com/office/drawing/2014/main" id="{41490427-8408-4851-9D1B-DD6E84B32D1C}"/>
+              </a:ext>
+            </a:extLst>
+          </p:cNvPr>
+          <p:cNvCxnSpPr>
+            <a:cxnSpLocks/>
+            <a:stCxn id="11" idx="3"/>
+            <a:endCxn id="45" idx="1"/>
+          </p:cNvCxnSpPr>
+          <p:nvPr/>
+        </p:nvCxnSpPr>
+        <p:spPr>
+          <a:xfrm flipV="1">
+            <a:off x="6657974" y="2864098"/>
+            <a:ext cx="1329318" cy="751901"/>
+          </a:xfrm>
+          <a:prstGeom prst="straightConnector1">
+            <a:avLst/>
+          </a:prstGeom>
+          <a:ln w="12700">
+            <a:solidFill>
+              <a:schemeClr val="accent1">
+                <a:lumMod val="75000"/>
+              </a:schemeClr>
+            </a:solidFill>
+            <a:tailEnd type="triangle"/>
+          </a:ln>
+        </p:spPr>
+        <p:style>
+          <a:lnRef idx="1">
+            <a:schemeClr val="accent1"/>
+          </a:lnRef>
+          <a:fillRef idx="0">
+            <a:schemeClr val="accent1"/>
+          </a:fillRef>
+          <a:effectRef idx="0">
+            <a:schemeClr val="accent1"/>
+          </a:effectRef>
+          <a:fontRef idx="minor">
+            <a:schemeClr val="tx1"/>
+          </a:fontRef>
+        </p:style>
+      </p:cxnSp>
+      <p:cxnSp>
+        <p:nvCxnSpPr>
+          <p:cNvPr id="57" name="Straight Arrow Connector 56">
+            <a:extLst>
+              <a:ext uri="{FF2B5EF4-FFF2-40B4-BE49-F238E27FC236}">
+                <a16:creationId xmlns:a16="http://schemas.microsoft.com/office/drawing/2014/main" id="{AFDBC4F5-DF9B-4F80-B62F-C4934325CCE2}"/>
+              </a:ext>
+            </a:extLst>
+          </p:cNvPr>
+          <p:cNvCxnSpPr>
+            <a:cxnSpLocks/>
+            <a:stCxn id="11" idx="3"/>
+            <a:endCxn id="47" idx="1"/>
+          </p:cNvCxnSpPr>
+          <p:nvPr/>
+        </p:nvCxnSpPr>
+        <p:spPr>
+          <a:xfrm>
+            <a:off x="6657974" y="3615999"/>
+            <a:ext cx="1325387" cy="708709"/>
+          </a:xfrm>
+          <a:prstGeom prst="straightConnector1">
+            <a:avLst/>
+          </a:prstGeom>
+          <a:ln w="12700">
+            <a:solidFill>
+              <a:schemeClr val="accent1">
+                <a:lumMod val="75000"/>
+              </a:schemeClr>
+            </a:solidFill>
+            <a:tailEnd type="triangle"/>
+          </a:ln>
+        </p:spPr>
+        <p:style>
+          <a:lnRef idx="1">
+            <a:schemeClr val="accent1"/>
+          </a:lnRef>
+          <a:fillRef idx="0">
+            <a:schemeClr val="accent1"/>
+          </a:fillRef>
+          <a:effectRef idx="0">
+            <a:schemeClr val="accent1"/>
+          </a:effectRef>
+          <a:fontRef idx="minor">
+            <a:schemeClr val="tx1"/>
+          </a:fontRef>
+        </p:style>
+      </p:cxnSp>
+      <p:cxnSp>
+        <p:nvCxnSpPr>
+          <p:cNvPr id="60" name="Straight Arrow Connector 59">
+            <a:extLst>
+              <a:ext uri="{FF2B5EF4-FFF2-40B4-BE49-F238E27FC236}">
+                <a16:creationId xmlns:a16="http://schemas.microsoft.com/office/drawing/2014/main" id="{3EB9F3A3-ACA4-4FB5-B08D-4FFF7FFE6526}"/>
+              </a:ext>
+            </a:extLst>
+          </p:cNvPr>
+          <p:cNvCxnSpPr>
+            <a:cxnSpLocks/>
+            <a:stCxn id="11" idx="3"/>
+            <a:endCxn id="48" idx="1"/>
+          </p:cNvCxnSpPr>
+          <p:nvPr/>
+        </p:nvCxnSpPr>
+        <p:spPr>
+          <a:xfrm>
+            <a:off x="6657974" y="3615999"/>
+            <a:ext cx="1334911" cy="1464298"/>
+          </a:xfrm>
+          <a:prstGeom prst="straightConnector1">
+            <a:avLst/>
+          </a:prstGeom>
+          <a:ln w="12700">
+            <a:solidFill>
+              <a:schemeClr val="accent1">
+                <a:lumMod val="75000"/>
+              </a:schemeClr>
+            </a:solidFill>
+            <a:tailEnd type="triangle"/>
+          </a:ln>
+        </p:spPr>
+        <p:style>
+          <a:lnRef idx="1">
+            <a:schemeClr val="accent1"/>
+          </a:lnRef>
+          <a:fillRef idx="0">
+            <a:schemeClr val="accent1"/>
+          </a:fillRef>
+          <a:effectRef idx="0">
+            <a:schemeClr val="accent1"/>
+          </a:effectRef>
+          <a:fontRef idx="minor">
+            <a:schemeClr val="tx1"/>
+          </a:fontRef>
+        </p:style>
+      </p:cxnSp>
+      <p:cxnSp>
+        <p:nvCxnSpPr>
+          <p:cNvPr id="66" name="Straight Arrow Connector 65">
+            <a:extLst>
+              <a:ext uri="{FF2B5EF4-FFF2-40B4-BE49-F238E27FC236}">
+                <a16:creationId xmlns:a16="http://schemas.microsoft.com/office/drawing/2014/main" id="{31B44149-B591-43EF-9649-2235EDF5398D}"/>
+              </a:ext>
+            </a:extLst>
+          </p:cNvPr>
+          <p:cNvCxnSpPr>
+            <a:cxnSpLocks/>
+          </p:cNvCxnSpPr>
+          <p:nvPr/>
+        </p:nvCxnSpPr>
+        <p:spPr>
+          <a:xfrm flipV="1">
+            <a:off x="6657974" y="1483891"/>
+            <a:ext cx="1334911" cy="2130493"/>
+          </a:xfrm>
+          <a:prstGeom prst="straightConnector1">
+            <a:avLst/>
+          </a:prstGeom>
+          <a:ln w="12700">
+            <a:solidFill>
+              <a:schemeClr val="accent1">
+                <a:lumMod val="75000"/>
+              </a:schemeClr>
+            </a:solidFill>
+            <a:tailEnd type="triangle"/>
+          </a:ln>
+        </p:spPr>
+        <p:style>
+          <a:lnRef idx="1">
+            <a:schemeClr val="accent1"/>
+          </a:lnRef>
+          <a:fillRef idx="0">
+            <a:schemeClr val="accent1"/>
+          </a:fillRef>
+          <a:effectRef idx="0">
+            <a:schemeClr val="accent1"/>
+          </a:effectRef>
+          <a:fontRef idx="minor">
+            <a:schemeClr val="tx1"/>
+          </a:fontRef>
+        </p:style>
+      </p:cxnSp>
+      <p:cxnSp>
+        <p:nvCxnSpPr>
+          <p:cNvPr id="69" name="Straight Arrow Connector 68">
+            <a:extLst>
+              <a:ext uri="{FF2B5EF4-FFF2-40B4-BE49-F238E27FC236}">
+                <a16:creationId xmlns:a16="http://schemas.microsoft.com/office/drawing/2014/main" id="{18D130C5-26CF-470A-87F0-3F8B4BBC3808}"/>
+              </a:ext>
+            </a:extLst>
+          </p:cNvPr>
+          <p:cNvCxnSpPr>
+            <a:cxnSpLocks/>
+            <a:stCxn id="11" idx="3"/>
+            <a:endCxn id="49" idx="1"/>
+          </p:cNvCxnSpPr>
+          <p:nvPr/>
+        </p:nvCxnSpPr>
+        <p:spPr>
+          <a:xfrm>
+            <a:off x="6657974" y="3615999"/>
+            <a:ext cx="1325387" cy="2145536"/>
+          </a:xfrm>
+          <a:prstGeom prst="straightConnector1">
+            <a:avLst/>
+          </a:prstGeom>
+          <a:ln w="12700">
+            <a:solidFill>
+              <a:schemeClr val="accent1">
+                <a:lumMod val="75000"/>
+              </a:schemeClr>
+            </a:solidFill>
+            <a:tailEnd type="triangle"/>
+          </a:ln>
+        </p:spPr>
+        <p:style>
+          <a:lnRef idx="1">
+            <a:schemeClr val="accent1"/>
+          </a:lnRef>
+          <a:fillRef idx="0">
+            <a:schemeClr val="accent1"/>
+          </a:fillRef>
+          <a:effectRef idx="0">
+            <a:schemeClr val="accent1"/>
+          </a:effectRef>
+          <a:fontRef idx="minor">
+            <a:schemeClr val="tx1"/>
+          </a:fontRef>
+        </p:style>
+      </p:cxnSp>
+      <p:sp>
+        <p:nvSpPr>
+          <p:cNvPr id="72" name="Rectangle: Rounded Corners 71">
+            <a:extLst>
+              <a:ext uri="{FF2B5EF4-FFF2-40B4-BE49-F238E27FC236}">
+                <a16:creationId xmlns:a16="http://schemas.microsoft.com/office/drawing/2014/main" id="{4775F5EA-AAD6-4D8D-B815-3641C4E4537E}"/>
+              </a:ext>
+            </a:extLst>
+          </p:cNvPr>
+          <p:cNvSpPr/>
+          <p:nvPr/>
+        </p:nvSpPr>
+        <p:spPr>
+          <a:xfrm>
+            <a:off x="7185248" y="2706911"/>
+            <a:ext cx="571051" cy="214310"/>
+          </a:xfrm>
+          <a:prstGeom prst="roundRect">
+            <a:avLst/>
+          </a:prstGeom>
+        </p:spPr>
+        <p:style>
+          <a:lnRef idx="2">
+            <a:schemeClr val="accent1">
+              <a:shade val="50000"/>
+            </a:schemeClr>
+          </a:lnRef>
+          <a:fillRef idx="1">
+            <a:schemeClr val="accent1"/>
+          </a:fillRef>
+          <a:effectRef idx="0">
+            <a:schemeClr val="accent1"/>
+          </a:effectRef>
+          <a:fontRef idx="minor">
+            <a:schemeClr val="lt1"/>
+          </a:fontRef>
+        </p:style>
+        <p:txBody>
+          <a:bodyPr rtlCol="0" anchor="ctr"/>
+          <a:lstStyle/>
+          <a:p>
+            <a:pPr algn="ctr"/>
+            <a:r>
+              <a:rPr lang="en-US" sz="700" dirty="0"/>
+              <a:t>JWT</a:t>
+            </a:r>
+            <a:endParaRPr lang="en-IN" dirty="0"/>
+          </a:p>
+        </p:txBody>
+      </p:sp>
+      <p:sp>
+        <p:nvSpPr>
+          <p:cNvPr id="73" name="Rectangle: Rounded Corners 72">
+            <a:extLst>
+              <a:ext uri="{FF2B5EF4-FFF2-40B4-BE49-F238E27FC236}">
+                <a16:creationId xmlns:a16="http://schemas.microsoft.com/office/drawing/2014/main" id="{F9DE0DA4-5C60-45D6-93A3-93A2EF6D587D}"/>
+              </a:ext>
+            </a:extLst>
+          </p:cNvPr>
+          <p:cNvSpPr/>
+          <p:nvPr/>
+        </p:nvSpPr>
+        <p:spPr>
+          <a:xfrm>
+            <a:off x="7165305" y="2097572"/>
+            <a:ext cx="571051" cy="214310"/>
+          </a:xfrm>
+          <a:prstGeom prst="roundRect">
+            <a:avLst/>
+          </a:prstGeom>
+        </p:spPr>
+        <p:style>
+          <a:lnRef idx="2">
+            <a:schemeClr val="accent1">
+              <a:shade val="50000"/>
+            </a:schemeClr>
+          </a:lnRef>
+          <a:fillRef idx="1">
+            <a:schemeClr val="accent1"/>
+          </a:fillRef>
+          <a:effectRef idx="0">
+            <a:schemeClr val="accent1"/>
+          </a:effectRef>
+          <a:fontRef idx="minor">
+            <a:schemeClr val="lt1"/>
+          </a:fontRef>
+        </p:style>
+        <p:txBody>
+          <a:bodyPr rtlCol="0" anchor="ctr"/>
+          <a:lstStyle/>
+          <a:p>
+            <a:pPr algn="ctr"/>
+            <a:r>
+              <a:rPr lang="en-US" sz="700" dirty="0"/>
+              <a:t>JWT</a:t>
+            </a:r>
+            <a:endParaRPr lang="en-IN" dirty="0"/>
+          </a:p>
+        </p:txBody>
+      </p:sp>
+      <p:sp>
+        <p:nvSpPr>
+          <p:cNvPr id="74" name="Rectangle: Rounded Corners 73">
+            <a:extLst>
+              <a:ext uri="{FF2B5EF4-FFF2-40B4-BE49-F238E27FC236}">
+                <a16:creationId xmlns:a16="http://schemas.microsoft.com/office/drawing/2014/main" id="{CFFDA6DD-731E-4393-8E46-F33EDC0DCAF9}"/>
+              </a:ext>
+            </a:extLst>
+          </p:cNvPr>
+          <p:cNvSpPr/>
+          <p:nvPr/>
+        </p:nvSpPr>
+        <p:spPr>
+          <a:xfrm>
+            <a:off x="7201727" y="3101561"/>
+            <a:ext cx="571051" cy="214310"/>
+          </a:xfrm>
+          <a:prstGeom prst="roundRect">
+            <a:avLst/>
+          </a:prstGeom>
+        </p:spPr>
+        <p:style>
+          <a:lnRef idx="2">
+            <a:schemeClr val="accent1">
+              <a:shade val="50000"/>
+            </a:schemeClr>
+          </a:lnRef>
+          <a:fillRef idx="1">
+            <a:schemeClr val="accent1"/>
+          </a:fillRef>
+          <a:effectRef idx="0">
+            <a:schemeClr val="accent1"/>
+          </a:effectRef>
+          <a:fontRef idx="minor">
+            <a:schemeClr val="lt1"/>
+          </a:fontRef>
+        </p:style>
+        <p:txBody>
+          <a:bodyPr rtlCol="0" anchor="ctr"/>
+          <a:lstStyle/>
+          <a:p>
+            <a:pPr algn="ctr"/>
+            <a:r>
+              <a:rPr lang="en-US" sz="700" dirty="0"/>
+              <a:t>JWT</a:t>
+            </a:r>
+            <a:endParaRPr lang="en-IN" dirty="0"/>
+          </a:p>
+        </p:txBody>
+      </p:sp>
+      <p:sp>
+        <p:nvSpPr>
+          <p:cNvPr id="75" name="Rectangle: Rounded Corners 74">
+            <a:extLst>
+              <a:ext uri="{FF2B5EF4-FFF2-40B4-BE49-F238E27FC236}">
+                <a16:creationId xmlns:a16="http://schemas.microsoft.com/office/drawing/2014/main" id="{968C19F6-43E0-40E3-B340-21A124760230}"/>
+              </a:ext>
+            </a:extLst>
+          </p:cNvPr>
+          <p:cNvSpPr/>
+          <p:nvPr/>
+        </p:nvSpPr>
+        <p:spPr>
+          <a:xfrm>
+            <a:off x="7201727" y="3395698"/>
+            <a:ext cx="571051" cy="214310"/>
+          </a:xfrm>
+          <a:prstGeom prst="roundRect">
+            <a:avLst/>
+          </a:prstGeom>
+        </p:spPr>
+        <p:style>
+          <a:lnRef idx="2">
+            <a:schemeClr val="accent1">
+              <a:shade val="50000"/>
+            </a:schemeClr>
+          </a:lnRef>
+          <a:fillRef idx="1">
+            <a:schemeClr val="accent1"/>
+          </a:fillRef>
+          <a:effectRef idx="0">
+            <a:schemeClr val="accent1"/>
+          </a:effectRef>
+          <a:fontRef idx="minor">
+            <a:schemeClr val="lt1"/>
+          </a:fontRef>
+        </p:style>
+        <p:txBody>
+          <a:bodyPr rtlCol="0" anchor="ctr"/>
+          <a:lstStyle/>
+          <a:p>
+            <a:pPr algn="ctr"/>
+            <a:r>
+              <a:rPr lang="en-US" sz="700" dirty="0"/>
+              <a:t>JWT</a:t>
+            </a:r>
+            <a:endParaRPr lang="en-IN" dirty="0"/>
+          </a:p>
+        </p:txBody>
+      </p:sp>
+      <p:sp>
+        <p:nvSpPr>
+          <p:cNvPr id="76" name="Rectangle: Rounded Corners 75">
+            <a:extLst>
+              <a:ext uri="{FF2B5EF4-FFF2-40B4-BE49-F238E27FC236}">
+                <a16:creationId xmlns:a16="http://schemas.microsoft.com/office/drawing/2014/main" id="{B2FD4CE0-AA13-4753-A5D0-89AB63C8F372}"/>
+              </a:ext>
+            </a:extLst>
+          </p:cNvPr>
+          <p:cNvSpPr/>
+          <p:nvPr/>
+        </p:nvSpPr>
+        <p:spPr>
+          <a:xfrm>
+            <a:off x="7237152" y="3810180"/>
+            <a:ext cx="571051" cy="214310"/>
+          </a:xfrm>
+          <a:prstGeom prst="roundRect">
+            <a:avLst/>
+          </a:prstGeom>
+        </p:spPr>
+        <p:style>
+          <a:lnRef idx="2">
+            <a:schemeClr val="accent1">
+              <a:shade val="50000"/>
+            </a:schemeClr>
+          </a:lnRef>
+          <a:fillRef idx="1">
+            <a:schemeClr val="accent1"/>
+          </a:fillRef>
+          <a:effectRef idx="0">
+            <a:schemeClr val="accent1"/>
+          </a:effectRef>
+          <a:fontRef idx="minor">
+            <a:schemeClr val="lt1"/>
+          </a:fontRef>
+        </p:style>
+        <p:txBody>
+          <a:bodyPr rtlCol="0" anchor="ctr"/>
+          <a:lstStyle/>
+          <a:p>
+            <a:pPr algn="ctr"/>
+            <a:r>
+              <a:rPr lang="en-US" sz="700" dirty="0"/>
+              <a:t>JWT</a:t>
+            </a:r>
+            <a:endParaRPr lang="en-IN" dirty="0"/>
+          </a:p>
+        </p:txBody>
+      </p:sp>
+      <p:sp>
+        <p:nvSpPr>
+          <p:cNvPr id="77" name="Rectangle: Rounded Corners 76">
+            <a:extLst>
+              <a:ext uri="{FF2B5EF4-FFF2-40B4-BE49-F238E27FC236}">
+                <a16:creationId xmlns:a16="http://schemas.microsoft.com/office/drawing/2014/main" id="{D745C5DE-6F0A-46E9-999C-9FE4F415C781}"/>
+              </a:ext>
+            </a:extLst>
+          </p:cNvPr>
+          <p:cNvSpPr/>
+          <p:nvPr/>
+        </p:nvSpPr>
+        <p:spPr>
+          <a:xfrm>
+            <a:off x="7279209" y="4296250"/>
+            <a:ext cx="571051" cy="214310"/>
+          </a:xfrm>
+          <a:prstGeom prst="roundRect">
+            <a:avLst/>
+          </a:prstGeom>
+        </p:spPr>
+        <p:style>
+          <a:lnRef idx="2">
+            <a:schemeClr val="accent1">
+              <a:shade val="50000"/>
+            </a:schemeClr>
+          </a:lnRef>
+          <a:fillRef idx="1">
+            <a:schemeClr val="accent1"/>
+          </a:fillRef>
+          <a:effectRef idx="0">
+            <a:schemeClr val="accent1"/>
+          </a:effectRef>
+          <a:fontRef idx="minor">
+            <a:schemeClr val="lt1"/>
+          </a:fontRef>
+        </p:style>
+        <p:txBody>
+          <a:bodyPr rtlCol="0" anchor="ctr"/>
+          <a:lstStyle/>
+          <a:p>
+            <a:pPr algn="ctr"/>
+            <a:r>
+              <a:rPr lang="en-US" sz="700" dirty="0"/>
+              <a:t>JWT</a:t>
+            </a:r>
+            <a:endParaRPr lang="en-IN" dirty="0"/>
+          </a:p>
+        </p:txBody>
+      </p:sp>
+      <p:sp>
+        <p:nvSpPr>
+          <p:cNvPr id="78" name="Rectangle: Rounded Corners 77">
+            <a:extLst>
+              <a:ext uri="{FF2B5EF4-FFF2-40B4-BE49-F238E27FC236}">
+                <a16:creationId xmlns:a16="http://schemas.microsoft.com/office/drawing/2014/main" id="{F844E64D-31ED-4C65-8C99-425A48A2EBAC}"/>
+              </a:ext>
+            </a:extLst>
+          </p:cNvPr>
+          <p:cNvSpPr/>
+          <p:nvPr/>
+        </p:nvSpPr>
+        <p:spPr>
+          <a:xfrm>
+            <a:off x="7355384" y="5143614"/>
+            <a:ext cx="571051" cy="214310"/>
+          </a:xfrm>
+          <a:prstGeom prst="roundRect">
+            <a:avLst/>
+          </a:prstGeom>
+        </p:spPr>
+        <p:style>
+          <a:lnRef idx="2">
+            <a:schemeClr val="accent1">
+              <a:shade val="50000"/>
+            </a:schemeClr>
+          </a:lnRef>
+          <a:fillRef idx="1">
+            <a:schemeClr val="accent1"/>
+          </a:fillRef>
+          <a:effectRef idx="0">
+            <a:schemeClr val="accent1"/>
+          </a:effectRef>
+          <a:fontRef idx="minor">
+            <a:schemeClr val="lt1"/>
+          </a:fontRef>
+        </p:style>
+        <p:txBody>
+          <a:bodyPr rtlCol="0" anchor="ctr"/>
+          <a:lstStyle/>
+          <a:p>
+            <a:pPr algn="ctr"/>
+            <a:r>
+              <a:rPr lang="en-US" sz="700" dirty="0"/>
+              <a:t>JWT</a:t>
+            </a:r>
+            <a:endParaRPr lang="en-IN" dirty="0"/>
+          </a:p>
+        </p:txBody>
+      </p:sp>
+      <p:cxnSp>
+        <p:nvCxnSpPr>
+          <p:cNvPr id="79" name="Straight Arrow Connector 78">
+            <a:extLst>
+              <a:ext uri="{FF2B5EF4-FFF2-40B4-BE49-F238E27FC236}">
+                <a16:creationId xmlns:a16="http://schemas.microsoft.com/office/drawing/2014/main" id="{2EC88458-2F26-4AC3-9628-FFCD3060913E}"/>
+              </a:ext>
+            </a:extLst>
+          </p:cNvPr>
+          <p:cNvCxnSpPr>
+            <a:cxnSpLocks/>
+          </p:cNvCxnSpPr>
+          <p:nvPr/>
+        </p:nvCxnSpPr>
+        <p:spPr>
+          <a:xfrm flipH="1">
+            <a:off x="3719696" y="3537872"/>
+            <a:ext cx="761999" cy="0"/>
+          </a:xfrm>
+          <a:prstGeom prst="straightConnector1">
+            <a:avLst/>
+          </a:prstGeom>
+          <a:ln>
+            <a:tailEnd type="triangle"/>
+          </a:ln>
+        </p:spPr>
+        <p:style>
+          <a:lnRef idx="1">
+            <a:schemeClr val="accent1"/>
+          </a:lnRef>
+          <a:fillRef idx="0">
+            <a:schemeClr val="accent1"/>
+          </a:fillRef>
+          <a:effectRef idx="0">
+            <a:schemeClr val="accent1"/>
+          </a:effectRef>
+          <a:fontRef idx="minor">
+            <a:schemeClr val="tx1"/>
+          </a:fontRef>
+        </p:style>
+      </p:cxnSp>
+      <p:sp>
+        <p:nvSpPr>
+          <p:cNvPr id="82" name="Rectangle: Rounded Corners 81">
+            <a:extLst>
+              <a:ext uri="{FF2B5EF4-FFF2-40B4-BE49-F238E27FC236}">
+                <a16:creationId xmlns:a16="http://schemas.microsoft.com/office/drawing/2014/main" id="{612F6B14-946D-4DEB-9976-27AE886D94EC}"/>
+              </a:ext>
+            </a:extLst>
+          </p:cNvPr>
+          <p:cNvSpPr/>
+          <p:nvPr/>
+        </p:nvSpPr>
+        <p:spPr>
+          <a:xfrm>
+            <a:off x="3806948" y="3590921"/>
+            <a:ext cx="571051" cy="178651"/>
+          </a:xfrm>
+          <a:prstGeom prst="roundRect">
+            <a:avLst/>
+          </a:prstGeom>
+        </p:spPr>
+        <p:style>
+          <a:lnRef idx="2">
+            <a:schemeClr val="accent1">
+              <a:shade val="50000"/>
+            </a:schemeClr>
+          </a:lnRef>
+          <a:fillRef idx="1">
+            <a:schemeClr val="accent1"/>
+          </a:fillRef>
+          <a:effectRef idx="0">
+            <a:schemeClr val="accent1"/>
+          </a:effectRef>
+          <a:fontRef idx="minor">
+            <a:schemeClr val="lt1"/>
+          </a:fontRef>
+        </p:style>
+        <p:txBody>
+          <a:bodyPr rtlCol="0" anchor="ctr"/>
+          <a:lstStyle/>
+          <a:p>
+            <a:pPr algn="ctr"/>
+            <a:r>
+              <a:rPr lang="en-US" sz="700" dirty="0"/>
+              <a:t>JWT</a:t>
+            </a:r>
+            <a:endParaRPr lang="en-IN" dirty="0"/>
+          </a:p>
+        </p:txBody>
+      </p:sp>
+      <p:cxnSp>
+        <p:nvCxnSpPr>
+          <p:cNvPr id="92" name="Straight Arrow Connector 91">
+            <a:extLst>
+              <a:ext uri="{FF2B5EF4-FFF2-40B4-BE49-F238E27FC236}">
+                <a16:creationId xmlns:a16="http://schemas.microsoft.com/office/drawing/2014/main" id="{EFF6382D-4083-47BF-BFF1-E19D1F909C51}"/>
+              </a:ext>
+            </a:extLst>
+          </p:cNvPr>
+          <p:cNvCxnSpPr>
+            <a:cxnSpLocks/>
+          </p:cNvCxnSpPr>
+          <p:nvPr/>
+        </p:nvCxnSpPr>
+        <p:spPr>
+          <a:xfrm flipV="1">
+            <a:off x="3721559" y="3849410"/>
+            <a:ext cx="782367" cy="11120"/>
+          </a:xfrm>
+          <a:prstGeom prst="straightConnector1">
             <a:avLst/>
           </a:prstGeom>
           <a:ln>

--- a/document-mgmt-system/technical-document/SpringMicroserviceArchitecture.pptx
+++ b/document-mgmt-system/technical-document/SpringMicroserviceArchitecture.pptx
@@ -10,16 +10,17 @@
     <p:sldId id="259" r:id="rId4"/>
     <p:sldId id="256" r:id="rId5"/>
     <p:sldId id="270" r:id="rId6"/>
-    <p:sldId id="271" r:id="rId7"/>
-    <p:sldId id="260" r:id="rId8"/>
-    <p:sldId id="261" r:id="rId9"/>
-    <p:sldId id="265" r:id="rId10"/>
-    <p:sldId id="262" r:id="rId11"/>
-    <p:sldId id="263" r:id="rId12"/>
-    <p:sldId id="269" r:id="rId13"/>
-    <p:sldId id="268" r:id="rId14"/>
-    <p:sldId id="266" r:id="rId15"/>
-    <p:sldId id="267" r:id="rId16"/>
+    <p:sldId id="272" r:id="rId7"/>
+    <p:sldId id="271" r:id="rId8"/>
+    <p:sldId id="260" r:id="rId9"/>
+    <p:sldId id="261" r:id="rId10"/>
+    <p:sldId id="265" r:id="rId11"/>
+    <p:sldId id="262" r:id="rId12"/>
+    <p:sldId id="263" r:id="rId13"/>
+    <p:sldId id="269" r:id="rId14"/>
+    <p:sldId id="268" r:id="rId15"/>
+    <p:sldId id="266" r:id="rId16"/>
+    <p:sldId id="267" r:id="rId17"/>
   </p:sldIdLst>
   <p:sldSz cx="12192000" cy="6858000"/>
   <p:notesSz cx="6858000" cy="9144000"/>
@@ -275,7 +276,7 @@
           <a:p>
             <a:fld id="{3287D490-2E6A-412B-8FB4-63C8E17727EE}" type="datetimeFigureOut">
               <a:rPr lang="en-IN" smtClean="0"/>
-              <a:t>20-06-2021</a:t>
+              <a:t>04-08-2021</a:t>
             </a:fld>
             <a:endParaRPr lang="en-IN"/>
           </a:p>
@@ -475,7 +476,7 @@
           <a:p>
             <a:fld id="{3287D490-2E6A-412B-8FB4-63C8E17727EE}" type="datetimeFigureOut">
               <a:rPr lang="en-IN" smtClean="0"/>
-              <a:t>20-06-2021</a:t>
+              <a:t>04-08-2021</a:t>
             </a:fld>
             <a:endParaRPr lang="en-IN"/>
           </a:p>
@@ -685,7 +686,7 @@
           <a:p>
             <a:fld id="{3287D490-2E6A-412B-8FB4-63C8E17727EE}" type="datetimeFigureOut">
               <a:rPr lang="en-IN" smtClean="0"/>
-              <a:t>20-06-2021</a:t>
+              <a:t>04-08-2021</a:t>
             </a:fld>
             <a:endParaRPr lang="en-IN"/>
           </a:p>
@@ -885,7 +886,7 @@
           <a:p>
             <a:fld id="{3287D490-2E6A-412B-8FB4-63C8E17727EE}" type="datetimeFigureOut">
               <a:rPr lang="en-IN" smtClean="0"/>
-              <a:t>20-06-2021</a:t>
+              <a:t>04-08-2021</a:t>
             </a:fld>
             <a:endParaRPr lang="en-IN"/>
           </a:p>
@@ -1161,7 +1162,7 @@
           <a:p>
             <a:fld id="{3287D490-2E6A-412B-8FB4-63C8E17727EE}" type="datetimeFigureOut">
               <a:rPr lang="en-IN" smtClean="0"/>
-              <a:t>20-06-2021</a:t>
+              <a:t>04-08-2021</a:t>
             </a:fld>
             <a:endParaRPr lang="en-IN"/>
           </a:p>
@@ -1429,7 +1430,7 @@
           <a:p>
             <a:fld id="{3287D490-2E6A-412B-8FB4-63C8E17727EE}" type="datetimeFigureOut">
               <a:rPr lang="en-IN" smtClean="0"/>
-              <a:t>20-06-2021</a:t>
+              <a:t>04-08-2021</a:t>
             </a:fld>
             <a:endParaRPr lang="en-IN"/>
           </a:p>
@@ -1844,7 +1845,7 @@
           <a:p>
             <a:fld id="{3287D490-2E6A-412B-8FB4-63C8E17727EE}" type="datetimeFigureOut">
               <a:rPr lang="en-IN" smtClean="0"/>
-              <a:t>20-06-2021</a:t>
+              <a:t>04-08-2021</a:t>
             </a:fld>
             <a:endParaRPr lang="en-IN"/>
           </a:p>
@@ -1986,7 +1987,7 @@
           <a:p>
             <a:fld id="{3287D490-2E6A-412B-8FB4-63C8E17727EE}" type="datetimeFigureOut">
               <a:rPr lang="en-IN" smtClean="0"/>
-              <a:t>20-06-2021</a:t>
+              <a:t>04-08-2021</a:t>
             </a:fld>
             <a:endParaRPr lang="en-IN"/>
           </a:p>
@@ -2099,7 +2100,7 @@
           <a:p>
             <a:fld id="{3287D490-2E6A-412B-8FB4-63C8E17727EE}" type="datetimeFigureOut">
               <a:rPr lang="en-IN" smtClean="0"/>
-              <a:t>20-06-2021</a:t>
+              <a:t>04-08-2021</a:t>
             </a:fld>
             <a:endParaRPr lang="en-IN"/>
           </a:p>
@@ -2412,7 +2413,7 @@
           <a:p>
             <a:fld id="{3287D490-2E6A-412B-8FB4-63C8E17727EE}" type="datetimeFigureOut">
               <a:rPr lang="en-IN" smtClean="0"/>
-              <a:t>20-06-2021</a:t>
+              <a:t>04-08-2021</a:t>
             </a:fld>
             <a:endParaRPr lang="en-IN"/>
           </a:p>
@@ -2701,7 +2702,7 @@
           <a:p>
             <a:fld id="{3287D490-2E6A-412B-8FB4-63C8E17727EE}" type="datetimeFigureOut">
               <a:rPr lang="en-IN" smtClean="0"/>
-              <a:t>20-06-2021</a:t>
+              <a:t>04-08-2021</a:t>
             </a:fld>
             <a:endParaRPr lang="en-IN"/>
           </a:p>
@@ -2944,7 +2945,7 @@
           <a:p>
             <a:fld id="{3287D490-2E6A-412B-8FB4-63C8E17727EE}" type="datetimeFigureOut">
               <a:rPr lang="en-IN" smtClean="0"/>
-              <a:t>20-06-2021</a:t>
+              <a:t>04-08-2021</a:t>
             </a:fld>
             <a:endParaRPr lang="en-IN"/>
           </a:p>
@@ -3478,6 +3479,470 @@
         </p:nvSpPr>
         <p:spPr>
           <a:xfrm>
+            <a:off x="3224795" y="106689"/>
+            <a:ext cx="5440400" cy="923330"/>
+          </a:xfrm>
+          <a:prstGeom prst="rect">
+            <a:avLst/>
+          </a:prstGeom>
+          <a:noFill/>
+        </p:spPr>
+        <p:txBody>
+          <a:bodyPr wrap="none" lIns="91440" tIns="45720" rIns="91440" bIns="45720">
+            <a:spAutoFit/>
+          </a:bodyPr>
+          <a:lstStyle/>
+          <a:p>
+            <a:pPr algn="ctr"/>
+            <a:r>
+              <a:rPr lang="en-US" sz="5400" b="1" cap="none" spc="0" dirty="0">
+                <a:ln w="6600">
+                  <a:solidFill>
+                    <a:schemeClr val="accent2"/>
+                  </a:solidFill>
+                  <a:prstDash val="solid"/>
+                </a:ln>
+                <a:solidFill>
+                  <a:schemeClr val="accent2">
+                    <a:lumMod val="40000"/>
+                    <a:lumOff val="60000"/>
+                  </a:schemeClr>
+                </a:solidFill>
+                <a:effectLst>
+                  <a:outerShdw dist="38100" dir="2700000" algn="tl" rotWithShape="0">
+                    <a:schemeClr val="accent2"/>
+                  </a:outerShdw>
+                </a:effectLst>
+              </a:rPr>
+              <a:t>Spring Cloud Tools</a:t>
+            </a:r>
+            <a:endParaRPr lang="en-IN" sz="5400" b="1" cap="none" spc="0" dirty="0">
+              <a:ln w="6600">
+                <a:solidFill>
+                  <a:schemeClr val="accent2"/>
+                </a:solidFill>
+                <a:prstDash val="solid"/>
+              </a:ln>
+              <a:solidFill>
+                <a:schemeClr val="accent2">
+                  <a:lumMod val="40000"/>
+                  <a:lumOff val="60000"/>
+                </a:schemeClr>
+              </a:solidFill>
+              <a:effectLst>
+                <a:outerShdw dist="38100" dir="2700000" algn="tl" rotWithShape="0">
+                  <a:schemeClr val="accent2"/>
+                </a:outerShdw>
+              </a:effectLst>
+            </a:endParaRPr>
+          </a:p>
+        </p:txBody>
+      </p:sp>
+      <p:sp>
+        <p:nvSpPr>
+          <p:cNvPr id="5" name="TextBox 4">
+            <a:extLst>
+              <a:ext uri="{FF2B5EF4-FFF2-40B4-BE49-F238E27FC236}">
+                <a16:creationId xmlns:a16="http://schemas.microsoft.com/office/drawing/2014/main" id="{15DC33B4-06A1-41FB-B98E-8C51A1DC0EAC}"/>
+              </a:ext>
+            </a:extLst>
+          </p:cNvPr>
+          <p:cNvSpPr txBox="1"/>
+          <p:nvPr/>
+        </p:nvSpPr>
+        <p:spPr>
+          <a:xfrm>
+            <a:off x="276837" y="5914239"/>
+            <a:ext cx="11660697" cy="523220"/>
+          </a:xfrm>
+          <a:prstGeom prst="rect">
+            <a:avLst/>
+          </a:prstGeom>
+          <a:noFill/>
+          <a:ln>
+            <a:solidFill>
+              <a:schemeClr val="accent2">
+                <a:lumMod val="60000"/>
+                <a:lumOff val="40000"/>
+              </a:schemeClr>
+            </a:solidFill>
+          </a:ln>
+        </p:spPr>
+        <p:txBody>
+          <a:bodyPr wrap="square" rtlCol="0">
+            <a:spAutoFit/>
+          </a:bodyPr>
+          <a:lstStyle/>
+          <a:p>
+            <a:r>
+              <a:rPr lang="en-IN" sz="1400" i="1" dirty="0">
+                <a:solidFill>
+                  <a:schemeClr val="accent1">
+                    <a:lumMod val="75000"/>
+                  </a:schemeClr>
+                </a:solidFill>
+              </a:rPr>
+              <a:t>*Spring Boot is an efficient framework for creating a Spring-based application. Anyone with basic Java programming skills can quickly create and run a Spring Boot microservice.</a:t>
+            </a:r>
+          </a:p>
+        </p:txBody>
+      </p:sp>
+      <p:sp>
+        <p:nvSpPr>
+          <p:cNvPr id="2" name="Rectangle 1">
+            <a:extLst>
+              <a:ext uri="{FF2B5EF4-FFF2-40B4-BE49-F238E27FC236}">
+                <a16:creationId xmlns:a16="http://schemas.microsoft.com/office/drawing/2014/main" id="{E0DDF1E5-E4A1-47EE-ABD8-6E388EF255CE}"/>
+              </a:ext>
+            </a:extLst>
+          </p:cNvPr>
+          <p:cNvSpPr/>
+          <p:nvPr/>
+        </p:nvSpPr>
+        <p:spPr>
+          <a:xfrm>
+            <a:off x="562062" y="1276062"/>
+            <a:ext cx="10393960" cy="2862322"/>
+          </a:xfrm>
+          <a:prstGeom prst="rect">
+            <a:avLst/>
+          </a:prstGeom>
+        </p:spPr>
+        <p:txBody>
+          <a:bodyPr wrap="square">
+            <a:spAutoFit/>
+          </a:bodyPr>
+          <a:lstStyle/>
+          <a:p>
+            <a:r>
+              <a:rPr lang="en-IN" dirty="0">
+                <a:latin typeface="Georgia" panose="02040502050405020303" pitchFamily="18" charset="0"/>
+              </a:rPr>
+              <a:t>Spring Cloud provides the following tools:</a:t>
+            </a:r>
+          </a:p>
+          <a:p>
+            <a:pPr marL="742950" lvl="1" indent="-285750">
+              <a:buFont typeface="Arial" panose="020B0604020202020204" pitchFamily="34" charset="0"/>
+              <a:buChar char="•"/>
+            </a:pPr>
+            <a:r>
+              <a:rPr lang="en-IN" b="1" dirty="0">
+                <a:solidFill>
+                  <a:schemeClr val="accent1">
+                    <a:lumMod val="75000"/>
+                  </a:schemeClr>
+                </a:solidFill>
+                <a:latin typeface="Georgia" panose="02040502050405020303" pitchFamily="18" charset="0"/>
+              </a:rPr>
+              <a:t>Configuration Management</a:t>
+            </a:r>
+            <a:r>
+              <a:rPr lang="en-IN" dirty="0">
+                <a:latin typeface="Georgia" panose="02040502050405020303" pitchFamily="18" charset="0"/>
+              </a:rPr>
+              <a:t>: Spring Config Server (with GIT repository)</a:t>
+            </a:r>
+          </a:p>
+          <a:p>
+            <a:pPr marL="742950" lvl="1" indent="-285750">
+              <a:buFont typeface="Arial" panose="020B0604020202020204" pitchFamily="34" charset="0"/>
+              <a:buChar char="•"/>
+            </a:pPr>
+            <a:r>
+              <a:rPr lang="en-IN" b="1" dirty="0">
+                <a:solidFill>
+                  <a:schemeClr val="accent1">
+                    <a:lumMod val="75000"/>
+                  </a:schemeClr>
+                </a:solidFill>
+                <a:latin typeface="Georgia" panose="02040502050405020303" pitchFamily="18" charset="0"/>
+              </a:rPr>
+              <a:t>Service Registration and Discovery </a:t>
+            </a:r>
+            <a:r>
+              <a:rPr lang="en-IN" dirty="0">
+                <a:latin typeface="Georgia" panose="02040502050405020303" pitchFamily="18" charset="0"/>
+              </a:rPr>
+              <a:t>-Eureka Server (Netflix)</a:t>
+            </a:r>
+          </a:p>
+          <a:p>
+            <a:pPr marL="742950" lvl="1" indent="-285750">
+              <a:buFont typeface="Arial" panose="020B0604020202020204" pitchFamily="34" charset="0"/>
+              <a:buChar char="•"/>
+            </a:pPr>
+            <a:r>
+              <a:rPr lang="en-IN" b="1" dirty="0">
+                <a:solidFill>
+                  <a:schemeClr val="accent1">
+                    <a:lumMod val="75000"/>
+                  </a:schemeClr>
+                </a:solidFill>
+                <a:latin typeface="Georgia" panose="02040502050405020303" pitchFamily="18" charset="0"/>
+              </a:rPr>
+              <a:t>Gateway to client applications </a:t>
+            </a:r>
+            <a:r>
+              <a:rPr lang="en-IN" dirty="0">
+                <a:latin typeface="Georgia" panose="02040502050405020303" pitchFamily="18" charset="0"/>
+              </a:rPr>
+              <a:t>- </a:t>
+            </a:r>
+            <a:r>
+              <a:rPr lang="en-IN" dirty="0" err="1">
+                <a:latin typeface="Georgia" panose="02040502050405020303" pitchFamily="18" charset="0"/>
+              </a:rPr>
+              <a:t>Zuul</a:t>
+            </a:r>
+            <a:r>
+              <a:rPr lang="en-IN" dirty="0">
+                <a:latin typeface="Georgia" panose="02040502050405020303" pitchFamily="18" charset="0"/>
+              </a:rPr>
+              <a:t> Gateway (Netflix)</a:t>
+            </a:r>
+          </a:p>
+          <a:p>
+            <a:pPr marL="742950" lvl="1" indent="-285750">
+              <a:buFont typeface="Arial" panose="020B0604020202020204" pitchFamily="34" charset="0"/>
+              <a:buChar char="•"/>
+            </a:pPr>
+            <a:r>
+              <a:rPr lang="en-IN" b="1" dirty="0">
+                <a:solidFill>
+                  <a:schemeClr val="accent1">
+                    <a:lumMod val="75000"/>
+                  </a:schemeClr>
+                </a:solidFill>
+                <a:latin typeface="Georgia" panose="02040502050405020303" pitchFamily="18" charset="0"/>
+              </a:rPr>
+              <a:t>Authentication Service </a:t>
+            </a:r>
+            <a:r>
+              <a:rPr lang="en-IN" b="1" i="1" dirty="0">
+                <a:latin typeface="Georgia" panose="02040502050405020303" pitchFamily="18" charset="0"/>
+              </a:rPr>
+              <a:t>-</a:t>
+            </a:r>
+            <a:r>
+              <a:rPr lang="en-IN" i="1" dirty="0">
+                <a:latin typeface="Georgia" panose="02040502050405020303" pitchFamily="18" charset="0"/>
+              </a:rPr>
+              <a:t>Spring Cloud Security, JWT, Outh2 -</a:t>
+            </a:r>
+          </a:p>
+          <a:p>
+            <a:pPr marL="742950" lvl="1" indent="-285750">
+              <a:buFont typeface="Arial" panose="020B0604020202020204" pitchFamily="34" charset="0"/>
+              <a:buChar char="•"/>
+            </a:pPr>
+            <a:r>
+              <a:rPr lang="en-IN" b="1" dirty="0">
+                <a:solidFill>
+                  <a:schemeClr val="accent1">
+                    <a:lumMod val="75000"/>
+                  </a:schemeClr>
+                </a:solidFill>
+                <a:latin typeface="Georgia" panose="02040502050405020303" pitchFamily="18" charset="0"/>
+              </a:rPr>
+              <a:t>Rest Client </a:t>
+            </a:r>
+            <a:r>
+              <a:rPr lang="en-IN" dirty="0">
+                <a:latin typeface="Georgia" panose="02040502050405020303" pitchFamily="18" charset="0"/>
+              </a:rPr>
+              <a:t>- </a:t>
+            </a:r>
+            <a:r>
+              <a:rPr lang="en-IN" dirty="0" err="1">
+                <a:latin typeface="Georgia" panose="02040502050405020303" pitchFamily="18" charset="0"/>
+              </a:rPr>
+              <a:t>FeignClient</a:t>
+            </a:r>
+            <a:r>
+              <a:rPr lang="en-IN" dirty="0">
+                <a:latin typeface="Georgia" panose="02040502050405020303" pitchFamily="18" charset="0"/>
+              </a:rPr>
+              <a:t> and </a:t>
+            </a:r>
+            <a:r>
+              <a:rPr lang="en-IN" dirty="0" err="1">
+                <a:latin typeface="Georgia" panose="02040502050405020303" pitchFamily="18" charset="0"/>
+              </a:rPr>
+              <a:t>RestTemplate</a:t>
+            </a:r>
+            <a:endParaRPr lang="en-IN" i="1" dirty="0">
+              <a:latin typeface="Georgia" panose="02040502050405020303" pitchFamily="18" charset="0"/>
+            </a:endParaRPr>
+          </a:p>
+          <a:p>
+            <a:pPr marL="742950" lvl="1" indent="-285750">
+              <a:buFont typeface="Arial" panose="020B0604020202020204" pitchFamily="34" charset="0"/>
+              <a:buChar char="•"/>
+            </a:pPr>
+            <a:r>
+              <a:rPr lang="en-IN" b="1" dirty="0">
+                <a:solidFill>
+                  <a:schemeClr val="accent1">
+                    <a:lumMod val="75000"/>
+                  </a:schemeClr>
+                </a:solidFill>
+                <a:latin typeface="Georgia" panose="02040502050405020303" pitchFamily="18" charset="0"/>
+              </a:rPr>
+              <a:t>Load Balancer </a:t>
+            </a:r>
+            <a:r>
+              <a:rPr lang="en-IN" dirty="0">
+                <a:latin typeface="Georgia" panose="02040502050405020303" pitchFamily="18" charset="0"/>
+              </a:rPr>
+              <a:t>- Using Ribbon Approach</a:t>
+            </a:r>
+            <a:endParaRPr lang="en-IN" i="1" dirty="0">
+              <a:latin typeface="Georgia" panose="02040502050405020303" pitchFamily="18" charset="0"/>
+            </a:endParaRPr>
+          </a:p>
+          <a:p>
+            <a:pPr marL="742950" lvl="1" indent="-285750">
+              <a:buFont typeface="Arial" panose="020B0604020202020204" pitchFamily="34" charset="0"/>
+              <a:buChar char="•"/>
+            </a:pPr>
+            <a:r>
+              <a:rPr lang="en-IN" b="1" dirty="0">
+                <a:solidFill>
+                  <a:schemeClr val="accent1">
+                    <a:lumMod val="75000"/>
+                  </a:schemeClr>
+                </a:solidFill>
+                <a:latin typeface="Georgia" panose="02040502050405020303" pitchFamily="18" charset="0"/>
+              </a:rPr>
+              <a:t>Circuit Breaker Pattern </a:t>
+            </a:r>
+            <a:r>
+              <a:rPr lang="en-IN" dirty="0">
+                <a:latin typeface="Georgia" panose="02040502050405020303" pitchFamily="18" charset="0"/>
+              </a:rPr>
+              <a:t>- </a:t>
+            </a:r>
+            <a:r>
+              <a:rPr lang="en-IN" dirty="0" err="1">
+                <a:latin typeface="Georgia" panose="02040502050405020303" pitchFamily="18" charset="0"/>
+              </a:rPr>
+              <a:t>Hystrix</a:t>
+            </a:r>
+            <a:endParaRPr lang="en-IN" i="1" dirty="0">
+              <a:latin typeface="Georgia" panose="02040502050405020303" pitchFamily="18" charset="0"/>
+            </a:endParaRPr>
+          </a:p>
+          <a:p>
+            <a:pPr marL="742950" lvl="1" indent="-285750">
+              <a:buFont typeface="Arial" panose="020B0604020202020204" pitchFamily="34" charset="0"/>
+              <a:buChar char="•"/>
+            </a:pPr>
+            <a:r>
+              <a:rPr lang="en-IN" b="1" dirty="0">
+                <a:solidFill>
+                  <a:schemeClr val="accent1">
+                    <a:lumMod val="75000"/>
+                  </a:schemeClr>
+                </a:solidFill>
+                <a:latin typeface="Georgia" panose="02040502050405020303" pitchFamily="18" charset="0"/>
+              </a:rPr>
+              <a:t>Distributed log tracing </a:t>
+            </a:r>
+            <a:r>
+              <a:rPr lang="en-IN" dirty="0">
+                <a:latin typeface="Georgia" panose="02040502050405020303" pitchFamily="18" charset="0"/>
+              </a:rPr>
+              <a:t>- </a:t>
+            </a:r>
+            <a:r>
+              <a:rPr lang="en-IN" dirty="0" err="1">
+                <a:latin typeface="Georgia" panose="02040502050405020303" pitchFamily="18" charset="0"/>
+              </a:rPr>
+              <a:t>Zipkin</a:t>
+            </a:r>
+            <a:r>
+              <a:rPr lang="en-IN" dirty="0">
+                <a:latin typeface="Georgia" panose="02040502050405020303" pitchFamily="18" charset="0"/>
+              </a:rPr>
+              <a:t> and Sleuth</a:t>
+            </a:r>
+            <a:endParaRPr lang="en-IN" i="1" dirty="0">
+              <a:latin typeface="Georgia" panose="02040502050405020303" pitchFamily="18" charset="0"/>
+            </a:endParaRPr>
+          </a:p>
+          <a:p>
+            <a:pPr marL="742950" lvl="1" indent="-285750">
+              <a:buFont typeface="Arial" panose="020B0604020202020204" pitchFamily="34" charset="0"/>
+              <a:buChar char="•"/>
+            </a:pPr>
+            <a:r>
+              <a:rPr lang="en-IN" b="1" dirty="0">
+                <a:solidFill>
+                  <a:schemeClr val="accent1">
+                    <a:lumMod val="75000"/>
+                  </a:schemeClr>
+                </a:solidFill>
+                <a:latin typeface="Georgia" panose="02040502050405020303" pitchFamily="18" charset="0"/>
+              </a:rPr>
+              <a:t>Managing, Searching, and Visualizing Logs </a:t>
+            </a:r>
+            <a:r>
+              <a:rPr lang="en-IN" dirty="0">
+                <a:latin typeface="Georgia" panose="02040502050405020303" pitchFamily="18" charset="0"/>
+              </a:rPr>
+              <a:t>- ELK (Elasticsearch, Logstash, Kibana)</a:t>
+            </a:r>
+            <a:endParaRPr lang="en-IN" i="1" dirty="0">
+              <a:latin typeface="Georgia" panose="02040502050405020303" pitchFamily="18" charset="0"/>
+            </a:endParaRPr>
+          </a:p>
+        </p:txBody>
+      </p:sp>
+    </p:spTree>
+    <p:extLst>
+      <p:ext uri="{BB962C8B-B14F-4D97-AF65-F5344CB8AC3E}">
+        <p14:creationId xmlns:p14="http://schemas.microsoft.com/office/powerpoint/2010/main" val="3876517674"/>
+      </p:ext>
+    </p:extLst>
+  </p:cSld>
+  <p:clrMapOvr>
+    <a:masterClrMapping/>
+  </p:clrMapOvr>
+</p:sld>
+</file>
+
+<file path=ppt/slides/slide11.xml><?xml version="1.0" encoding="utf-8"?>
+<p:sld xmlns:a="http://schemas.openxmlformats.org/drawingml/2006/main" xmlns:r="http://schemas.openxmlformats.org/officeDocument/2006/relationships" xmlns:p="http://schemas.openxmlformats.org/presentationml/2006/main">
+  <p:cSld>
+    <p:spTree>
+      <p:nvGrpSpPr>
+        <p:cNvPr id="1" name=""/>
+        <p:cNvGrpSpPr/>
+        <p:nvPr/>
+      </p:nvGrpSpPr>
+      <p:grpSpPr>
+        <a:xfrm>
+          <a:off x="0" y="0"/>
+          <a:ext cx="0" cy="0"/>
+          <a:chOff x="0" y="0"/>
+          <a:chExt cx="0" cy="0"/>
+        </a:xfrm>
+      </p:grpSpPr>
+      <p:sp>
+        <p:nvSpPr>
+          <p:cNvPr id="4" name="Rectangle 3">
+            <a:extLst>
+              <a:ext uri="{FF2B5EF4-FFF2-40B4-BE49-F238E27FC236}">
+                <a16:creationId xmlns:a16="http://schemas.microsoft.com/office/drawing/2014/main" id="{B7FDAD40-0183-426E-8E7D-3DE7448A42D6}"/>
+              </a:ext>
+            </a:extLst>
+          </p:cNvPr>
+          <p:cNvSpPr/>
+          <p:nvPr/>
+        </p:nvSpPr>
+        <p:spPr>
+          <a:xfrm>
             <a:off x="123346" y="226330"/>
             <a:ext cx="10684080" cy="523220"/>
           </a:xfrm>
@@ -3699,7 +4164,7 @@
 </p:sld>
 </file>
 
-<file path=ppt/slides/slide11.xml><?xml version="1.0" encoding="utf-8"?>
+<file path=ppt/slides/slide12.xml><?xml version="1.0" encoding="utf-8"?>
 <p:sld xmlns:a="http://schemas.openxmlformats.org/drawingml/2006/main" xmlns:r="http://schemas.openxmlformats.org/officeDocument/2006/relationships" xmlns:p="http://schemas.openxmlformats.org/presentationml/2006/main">
   <p:cSld>
     <p:spTree>
@@ -4296,7 +4761,7 @@
 </p:sld>
 </file>
 
-<file path=ppt/slides/slide12.xml><?xml version="1.0" encoding="utf-8"?>
+<file path=ppt/slides/slide13.xml><?xml version="1.0" encoding="utf-8"?>
 <p:sld xmlns:a="http://schemas.openxmlformats.org/drawingml/2006/main" xmlns:r="http://schemas.openxmlformats.org/officeDocument/2006/relationships" xmlns:p="http://schemas.openxmlformats.org/presentationml/2006/main">
   <p:cSld>
     <p:spTree>
@@ -4547,7 +5012,7 @@
 </p:sld>
 </file>
 
-<file path=ppt/slides/slide13.xml><?xml version="1.0" encoding="utf-8"?>
+<file path=ppt/slides/slide14.xml><?xml version="1.0" encoding="utf-8"?>
 <p:sld xmlns:a="http://schemas.openxmlformats.org/drawingml/2006/main" xmlns:r="http://schemas.openxmlformats.org/officeDocument/2006/relationships" xmlns:p="http://schemas.openxmlformats.org/presentationml/2006/main">
   <p:cSld>
     <p:spTree>
@@ -4926,7 +5391,7 @@
 </p:sld>
 </file>
 
-<file path=ppt/slides/slide14.xml><?xml version="1.0" encoding="utf-8"?>
+<file path=ppt/slides/slide15.xml><?xml version="1.0" encoding="utf-8"?>
 <p:sld xmlns:a="http://schemas.openxmlformats.org/drawingml/2006/main" xmlns:r="http://schemas.openxmlformats.org/officeDocument/2006/relationships" xmlns:p="http://schemas.openxmlformats.org/presentationml/2006/main">
   <p:cSld>
     <p:spTree>
@@ -5459,7 +5924,7 @@
 </p:sld>
 </file>
 
-<file path=ppt/slides/slide15.xml><?xml version="1.0" encoding="utf-8"?>
+<file path=ppt/slides/slide16.xml><?xml version="1.0" encoding="utf-8"?>
 <p:sld xmlns:a="http://schemas.openxmlformats.org/drawingml/2006/main" xmlns:r="http://schemas.openxmlformats.org/officeDocument/2006/relationships" xmlns:p="http://schemas.openxmlformats.org/presentationml/2006/main">
   <p:cSld>
     <p:spTree>
@@ -9807,6 +10272,4269 @@
       </p:grpSpPr>
       <p:grpSp>
         <p:nvGrpSpPr>
+          <p:cNvPr id="4" name="Group 3">
+            <a:extLst>
+              <a:ext uri="{FF2B5EF4-FFF2-40B4-BE49-F238E27FC236}">
+                <a16:creationId xmlns:a16="http://schemas.microsoft.com/office/drawing/2014/main" id="{CCF565B6-8529-4A2B-A2F7-F87520EA1E6F}"/>
+              </a:ext>
+            </a:extLst>
+          </p:cNvPr>
+          <p:cNvGrpSpPr/>
+          <p:nvPr/>
+        </p:nvGrpSpPr>
+        <p:grpSpPr>
+          <a:xfrm>
+            <a:off x="48055" y="171982"/>
+            <a:ext cx="12095890" cy="6604124"/>
+            <a:chOff x="48055" y="171982"/>
+            <a:chExt cx="12095890" cy="6604124"/>
+          </a:xfrm>
+        </p:grpSpPr>
+        <p:sp>
+          <p:nvSpPr>
+            <p:cNvPr id="5" name="TextBox 4">
+              <a:extLst>
+                <a:ext uri="{FF2B5EF4-FFF2-40B4-BE49-F238E27FC236}">
+                  <a16:creationId xmlns:a16="http://schemas.microsoft.com/office/drawing/2014/main" id="{8DB5272B-8B10-4105-9BBF-298A2DC02178}"/>
+                </a:ext>
+              </a:extLst>
+            </p:cNvPr>
+            <p:cNvSpPr txBox="1"/>
+            <p:nvPr/>
+          </p:nvSpPr>
+          <p:spPr>
+            <a:xfrm>
+              <a:off x="2709644" y="6437552"/>
+              <a:ext cx="5554480" cy="338554"/>
+            </a:xfrm>
+            <a:prstGeom prst="rect">
+              <a:avLst/>
+            </a:prstGeom>
+            <a:noFill/>
+          </p:spPr>
+          <p:txBody>
+            <a:bodyPr wrap="square" rtlCol="0">
+              <a:spAutoFit/>
+            </a:bodyPr>
+            <a:lstStyle/>
+            <a:p>
+              <a:r>
+                <a:rPr lang="en-US" sz="1600" b="1" dirty="0">
+                  <a:solidFill>
+                    <a:srgbClr val="FF0000"/>
+                  </a:solidFill>
+                </a:rPr>
+                <a:t>Microservice Architecture in Dev Environment with Keycloak </a:t>
+              </a:r>
+              <a:endParaRPr lang="en-IN" sz="1600" b="1" dirty="0">
+                <a:solidFill>
+                  <a:srgbClr val="FF0000"/>
+                </a:solidFill>
+              </a:endParaRPr>
+            </a:p>
+          </p:txBody>
+        </p:sp>
+        <p:sp>
+          <p:nvSpPr>
+            <p:cNvPr id="3" name="Rectangle: Rounded Corners 2">
+              <a:extLst>
+                <a:ext uri="{FF2B5EF4-FFF2-40B4-BE49-F238E27FC236}">
+                  <a16:creationId xmlns:a16="http://schemas.microsoft.com/office/drawing/2014/main" id="{009AF733-A4CC-4032-B123-AF001DD08D09}"/>
+                </a:ext>
+              </a:extLst>
+            </p:cNvPr>
+            <p:cNvSpPr/>
+            <p:nvPr/>
+          </p:nvSpPr>
+          <p:spPr>
+            <a:xfrm>
+              <a:off x="4787767" y="3210870"/>
+              <a:ext cx="1557377" cy="680594"/>
+            </a:xfrm>
+            <a:prstGeom prst="roundRect">
+              <a:avLst/>
+            </a:prstGeom>
+            <a:solidFill>
+              <a:schemeClr val="accent1"/>
+            </a:solidFill>
+          </p:spPr>
+          <p:style>
+            <a:lnRef idx="2">
+              <a:schemeClr val="accent5">
+                <a:shade val="50000"/>
+              </a:schemeClr>
+            </a:lnRef>
+            <a:fillRef idx="1">
+              <a:schemeClr val="accent5"/>
+            </a:fillRef>
+            <a:effectRef idx="0">
+              <a:schemeClr val="accent5"/>
+            </a:effectRef>
+            <a:fontRef idx="minor">
+              <a:schemeClr val="lt1"/>
+            </a:fontRef>
+          </p:style>
+          <p:txBody>
+            <a:bodyPr rtlCol="0" anchor="ctr"/>
+            <a:lstStyle/>
+            <a:p>
+              <a:pPr algn="ctr"/>
+              <a:r>
+                <a:rPr lang="en-US" sz="1000" dirty="0">
+                  <a:ln w="0"/>
+                  <a:solidFill>
+                    <a:schemeClr val="bg1"/>
+                  </a:solidFill>
+                  <a:effectLst>
+                    <a:outerShdw blurRad="38100" dist="19050" dir="2700000" algn="tl" rotWithShape="0">
+                      <a:schemeClr val="dk1">
+                        <a:alpha val="40000"/>
+                      </a:schemeClr>
+                    </a:outerShdw>
+                  </a:effectLst>
+                </a:rPr>
+                <a:t>Spring Cloud Gateway App Service</a:t>
+              </a:r>
+            </a:p>
+          </p:txBody>
+        </p:sp>
+        <p:sp>
+          <p:nvSpPr>
+            <p:cNvPr id="11" name="Rectangle: Rounded Corners 10">
+              <a:extLst>
+                <a:ext uri="{FF2B5EF4-FFF2-40B4-BE49-F238E27FC236}">
+                  <a16:creationId xmlns:a16="http://schemas.microsoft.com/office/drawing/2014/main" id="{EC385245-F925-47A0-9D00-8B82B864AE39}"/>
+                </a:ext>
+              </a:extLst>
+            </p:cNvPr>
+            <p:cNvSpPr/>
+            <p:nvPr/>
+          </p:nvSpPr>
+          <p:spPr>
+            <a:xfrm>
+              <a:off x="6924826" y="3245983"/>
+              <a:ext cx="1421038" cy="596408"/>
+            </a:xfrm>
+            <a:prstGeom prst="roundRect">
+              <a:avLst/>
+            </a:prstGeom>
+            <a:solidFill>
+              <a:schemeClr val="accent1"/>
+            </a:solidFill>
+          </p:spPr>
+          <p:style>
+            <a:lnRef idx="2">
+              <a:schemeClr val="accent5">
+                <a:shade val="50000"/>
+              </a:schemeClr>
+            </a:lnRef>
+            <a:fillRef idx="1">
+              <a:schemeClr val="accent5"/>
+            </a:fillRef>
+            <a:effectRef idx="0">
+              <a:schemeClr val="accent5"/>
+            </a:effectRef>
+            <a:fontRef idx="minor">
+              <a:schemeClr val="lt1"/>
+            </a:fontRef>
+          </p:style>
+          <p:txBody>
+            <a:bodyPr rtlCol="0" anchor="ctr"/>
+            <a:lstStyle/>
+            <a:p>
+              <a:pPr algn="ctr"/>
+              <a:r>
+                <a:rPr lang="en-US" sz="1100" dirty="0">
+                  <a:ln w="0"/>
+                  <a:solidFill>
+                    <a:schemeClr val="bg1"/>
+                  </a:solidFill>
+                  <a:effectLst>
+                    <a:outerShdw blurRad="38100" dist="19050" dir="2700000" algn="tl" rotWithShape="0">
+                      <a:schemeClr val="dk1">
+                        <a:alpha val="40000"/>
+                      </a:schemeClr>
+                    </a:outerShdw>
+                  </a:effectLst>
+                </a:rPr>
+                <a:t>Discovery Eureka Server</a:t>
+              </a:r>
+            </a:p>
+            <a:p>
+              <a:pPr algn="ctr"/>
+              <a:r>
+                <a:rPr lang="en-US" sz="900" dirty="0"/>
+                <a:t>(Netflix Eureka)</a:t>
+              </a:r>
+              <a:endParaRPr lang="en-IN" sz="900" dirty="0"/>
+            </a:p>
+          </p:txBody>
+        </p:sp>
+        <p:sp>
+          <p:nvSpPr>
+            <p:cNvPr id="13" name="Rectangle: Rounded Corners 12">
+              <a:extLst>
+                <a:ext uri="{FF2B5EF4-FFF2-40B4-BE49-F238E27FC236}">
+                  <a16:creationId xmlns:a16="http://schemas.microsoft.com/office/drawing/2014/main" id="{1EDF2DD0-632B-4C84-BDB2-A66058062546}"/>
+                </a:ext>
+              </a:extLst>
+            </p:cNvPr>
+            <p:cNvSpPr/>
+            <p:nvPr/>
+          </p:nvSpPr>
+          <p:spPr>
+            <a:xfrm>
+              <a:off x="9918866" y="797179"/>
+              <a:ext cx="1678371" cy="5448300"/>
+            </a:xfrm>
+            <a:prstGeom prst="roundRect">
+              <a:avLst/>
+            </a:prstGeom>
+            <a:noFill/>
+          </p:spPr>
+          <p:style>
+            <a:lnRef idx="2">
+              <a:schemeClr val="accent1">
+                <a:shade val="50000"/>
+              </a:schemeClr>
+            </a:lnRef>
+            <a:fillRef idx="1">
+              <a:schemeClr val="accent1"/>
+            </a:fillRef>
+            <a:effectRef idx="0">
+              <a:schemeClr val="accent1"/>
+            </a:effectRef>
+            <a:fontRef idx="minor">
+              <a:schemeClr val="lt1"/>
+            </a:fontRef>
+          </p:style>
+          <p:txBody>
+            <a:bodyPr rtlCol="0" anchor="ctr"/>
+            <a:lstStyle/>
+            <a:p>
+              <a:pPr algn="ctr"/>
+              <a:endParaRPr lang="en-IN"/>
+            </a:p>
+          </p:txBody>
+        </p:sp>
+        <p:sp>
+          <p:nvSpPr>
+            <p:cNvPr id="15" name="Rectangle: Rounded Corners 14">
+              <a:extLst>
+                <a:ext uri="{FF2B5EF4-FFF2-40B4-BE49-F238E27FC236}">
+                  <a16:creationId xmlns:a16="http://schemas.microsoft.com/office/drawing/2014/main" id="{18855DD7-C045-454D-9B5A-2F7E9E67DF6A}"/>
+                </a:ext>
+              </a:extLst>
+            </p:cNvPr>
+            <p:cNvSpPr/>
+            <p:nvPr/>
+          </p:nvSpPr>
+          <p:spPr>
+            <a:xfrm>
+              <a:off x="10103550" y="1315242"/>
+              <a:ext cx="1327200" cy="400837"/>
+            </a:xfrm>
+            <a:prstGeom prst="roundRect">
+              <a:avLst/>
+            </a:prstGeom>
+          </p:spPr>
+          <p:style>
+            <a:lnRef idx="2">
+              <a:schemeClr val="accent4">
+                <a:shade val="50000"/>
+              </a:schemeClr>
+            </a:lnRef>
+            <a:fillRef idx="1">
+              <a:schemeClr val="accent4"/>
+            </a:fillRef>
+            <a:effectRef idx="0">
+              <a:schemeClr val="accent4"/>
+            </a:effectRef>
+            <a:fontRef idx="minor">
+              <a:schemeClr val="lt1"/>
+            </a:fontRef>
+          </p:style>
+          <p:txBody>
+            <a:bodyPr rtlCol="0" anchor="ctr"/>
+            <a:lstStyle/>
+            <a:p>
+              <a:pPr algn="ctr"/>
+              <a:r>
+                <a:rPr lang="en-US" sz="1400" dirty="0">
+                  <a:ln w="0"/>
+                  <a:solidFill>
+                    <a:schemeClr val="tx1"/>
+                  </a:solidFill>
+                  <a:effectLst>
+                    <a:outerShdw blurRad="38100" dist="19050" dir="2700000" algn="tl" rotWithShape="0">
+                      <a:schemeClr val="dk1">
+                        <a:alpha val="40000"/>
+                      </a:schemeClr>
+                    </a:outerShdw>
+                  </a:effectLst>
+                </a:rPr>
+                <a:t>User Service</a:t>
+              </a:r>
+              <a:endParaRPr lang="en-IN" sz="1050" dirty="0"/>
+            </a:p>
+          </p:txBody>
+        </p:sp>
+        <p:sp>
+          <p:nvSpPr>
+            <p:cNvPr id="16" name="Rectangle: Rounded Corners 15">
+              <a:extLst>
+                <a:ext uri="{FF2B5EF4-FFF2-40B4-BE49-F238E27FC236}">
+                  <a16:creationId xmlns:a16="http://schemas.microsoft.com/office/drawing/2014/main" id="{CC430AD3-C2B4-4A42-9C8D-DD37D3E039EF}"/>
+                </a:ext>
+              </a:extLst>
+            </p:cNvPr>
+            <p:cNvSpPr/>
+            <p:nvPr/>
+          </p:nvSpPr>
+          <p:spPr>
+            <a:xfrm>
+              <a:off x="10108733" y="1935202"/>
+              <a:ext cx="1322015" cy="400837"/>
+            </a:xfrm>
+            <a:prstGeom prst="roundRect">
+              <a:avLst/>
+            </a:prstGeom>
+            <a:solidFill>
+              <a:schemeClr val="accent2">
+                <a:lumMod val="60000"/>
+                <a:lumOff val="40000"/>
+              </a:schemeClr>
+            </a:solidFill>
+          </p:spPr>
+          <p:style>
+            <a:lnRef idx="2">
+              <a:schemeClr val="accent3">
+                <a:shade val="50000"/>
+              </a:schemeClr>
+            </a:lnRef>
+            <a:fillRef idx="1">
+              <a:schemeClr val="accent3"/>
+            </a:fillRef>
+            <a:effectRef idx="0">
+              <a:schemeClr val="accent3"/>
+            </a:effectRef>
+            <a:fontRef idx="minor">
+              <a:schemeClr val="lt1"/>
+            </a:fontRef>
+          </p:style>
+          <p:txBody>
+            <a:bodyPr rtlCol="0" anchor="ctr"/>
+            <a:lstStyle/>
+            <a:p>
+              <a:pPr algn="ctr"/>
+              <a:r>
+                <a:rPr lang="en-US" sz="1400" dirty="0">
+                  <a:ln w="0"/>
+                  <a:solidFill>
+                    <a:schemeClr val="tx1"/>
+                  </a:solidFill>
+                  <a:effectLst>
+                    <a:outerShdw blurRad="38100" dist="19050" dir="2700000" algn="tl" rotWithShape="0">
+                      <a:schemeClr val="dk1">
+                        <a:alpha val="40000"/>
+                      </a:schemeClr>
+                    </a:outerShdw>
+                  </a:effectLst>
+                </a:rPr>
+                <a:t>People Service</a:t>
+              </a:r>
+              <a:endParaRPr lang="en-IN" sz="1050" dirty="0"/>
+            </a:p>
+          </p:txBody>
+        </p:sp>
+        <p:sp>
+          <p:nvSpPr>
+            <p:cNvPr id="17" name="Rectangle: Rounded Corners 16">
+              <a:extLst>
+                <a:ext uri="{FF2B5EF4-FFF2-40B4-BE49-F238E27FC236}">
+                  <a16:creationId xmlns:a16="http://schemas.microsoft.com/office/drawing/2014/main" id="{EF6D3A87-3280-48B5-B755-B8CA82535E21}"/>
+                </a:ext>
+              </a:extLst>
+            </p:cNvPr>
+            <p:cNvSpPr/>
+            <p:nvPr/>
+          </p:nvSpPr>
+          <p:spPr>
+            <a:xfrm>
+              <a:off x="10103550" y="2641708"/>
+              <a:ext cx="1322016" cy="400837"/>
+            </a:xfrm>
+            <a:prstGeom prst="roundRect">
+              <a:avLst/>
+            </a:prstGeom>
+          </p:spPr>
+          <p:style>
+            <a:lnRef idx="2">
+              <a:schemeClr val="accent2">
+                <a:shade val="50000"/>
+              </a:schemeClr>
+            </a:lnRef>
+            <a:fillRef idx="1">
+              <a:schemeClr val="accent2"/>
+            </a:fillRef>
+            <a:effectRef idx="0">
+              <a:schemeClr val="accent2"/>
+            </a:effectRef>
+            <a:fontRef idx="minor">
+              <a:schemeClr val="lt1"/>
+            </a:fontRef>
+          </p:style>
+          <p:txBody>
+            <a:bodyPr rtlCol="0" anchor="ctr"/>
+            <a:lstStyle/>
+            <a:p>
+              <a:pPr algn="ctr"/>
+              <a:r>
+                <a:rPr lang="en-US" sz="1400" dirty="0">
+                  <a:ln w="0"/>
+                  <a:solidFill>
+                    <a:schemeClr val="tx1"/>
+                  </a:solidFill>
+                  <a:effectLst>
+                    <a:outerShdw blurRad="38100" dist="19050" dir="2700000" algn="tl" rotWithShape="0">
+                      <a:schemeClr val="dk1">
+                        <a:alpha val="40000"/>
+                      </a:schemeClr>
+                    </a:outerShdw>
+                  </a:effectLst>
+                </a:rPr>
+                <a:t>Project Service</a:t>
+              </a:r>
+              <a:endParaRPr lang="en-IN" sz="1050" dirty="0"/>
+            </a:p>
+          </p:txBody>
+        </p:sp>
+        <p:sp>
+          <p:nvSpPr>
+            <p:cNvPr id="18" name="Rectangle: Rounded Corners 17">
+              <a:extLst>
+                <a:ext uri="{FF2B5EF4-FFF2-40B4-BE49-F238E27FC236}">
+                  <a16:creationId xmlns:a16="http://schemas.microsoft.com/office/drawing/2014/main" id="{40A11A40-D504-4743-AEAC-5A844B3C1067}"/>
+                </a:ext>
+              </a:extLst>
+            </p:cNvPr>
+            <p:cNvSpPr/>
+            <p:nvPr/>
+          </p:nvSpPr>
+          <p:spPr>
+            <a:xfrm>
+              <a:off x="10089529" y="3331811"/>
+              <a:ext cx="1327200" cy="400837"/>
+            </a:xfrm>
+            <a:prstGeom prst="roundRect">
+              <a:avLst/>
+            </a:prstGeom>
+          </p:spPr>
+          <p:style>
+            <a:lnRef idx="2">
+              <a:schemeClr val="accent6">
+                <a:shade val="50000"/>
+              </a:schemeClr>
+            </a:lnRef>
+            <a:fillRef idx="1">
+              <a:schemeClr val="accent6"/>
+            </a:fillRef>
+            <a:effectRef idx="0">
+              <a:schemeClr val="accent6"/>
+            </a:effectRef>
+            <a:fontRef idx="minor">
+              <a:schemeClr val="lt1"/>
+            </a:fontRef>
+          </p:style>
+          <p:txBody>
+            <a:bodyPr rtlCol="0" anchor="ctr"/>
+            <a:lstStyle/>
+            <a:p>
+              <a:pPr algn="ctr"/>
+              <a:r>
+                <a:rPr lang="en-US" sz="1400" dirty="0">
+                  <a:ln w="0"/>
+                  <a:solidFill>
+                    <a:schemeClr val="tx1"/>
+                  </a:solidFill>
+                  <a:effectLst>
+                    <a:outerShdw blurRad="38100" dist="19050" dir="2700000" algn="tl" rotWithShape="0">
+                      <a:schemeClr val="dk1">
+                        <a:alpha val="40000"/>
+                      </a:schemeClr>
+                    </a:outerShdw>
+                  </a:effectLst>
+                </a:rPr>
+                <a:t>Account Service</a:t>
+              </a:r>
+              <a:endParaRPr lang="en-IN" sz="1050" dirty="0"/>
+            </a:p>
+          </p:txBody>
+        </p:sp>
+        <p:sp>
+          <p:nvSpPr>
+            <p:cNvPr id="19" name="Rectangle: Rounded Corners 18">
+              <a:extLst>
+                <a:ext uri="{FF2B5EF4-FFF2-40B4-BE49-F238E27FC236}">
+                  <a16:creationId xmlns:a16="http://schemas.microsoft.com/office/drawing/2014/main" id="{4C281DD0-373C-4075-B54B-49C0E27D3754}"/>
+                </a:ext>
+              </a:extLst>
+            </p:cNvPr>
+            <p:cNvSpPr/>
+            <p:nvPr/>
+          </p:nvSpPr>
+          <p:spPr>
+            <a:xfrm>
+              <a:off x="10122086" y="4121993"/>
+              <a:ext cx="1327201" cy="400837"/>
+            </a:xfrm>
+            <a:prstGeom prst="roundRect">
+              <a:avLst/>
+            </a:prstGeom>
+            <a:solidFill>
+              <a:schemeClr val="accent6">
+                <a:lumMod val="60000"/>
+                <a:lumOff val="40000"/>
+              </a:schemeClr>
+            </a:solidFill>
+          </p:spPr>
+          <p:style>
+            <a:lnRef idx="2">
+              <a:schemeClr val="accent5">
+                <a:shade val="50000"/>
+              </a:schemeClr>
+            </a:lnRef>
+            <a:fillRef idx="1">
+              <a:schemeClr val="accent5"/>
+            </a:fillRef>
+            <a:effectRef idx="0">
+              <a:schemeClr val="accent5"/>
+            </a:effectRef>
+            <a:fontRef idx="minor">
+              <a:schemeClr val="lt1"/>
+            </a:fontRef>
+          </p:style>
+          <p:txBody>
+            <a:bodyPr rtlCol="0" anchor="ctr"/>
+            <a:lstStyle/>
+            <a:p>
+              <a:pPr algn="ctr"/>
+              <a:r>
+                <a:rPr lang="en-US" sz="1400" dirty="0">
+                  <a:ln w="0"/>
+                  <a:solidFill>
+                    <a:schemeClr val="tx1"/>
+                  </a:solidFill>
+                  <a:effectLst>
+                    <a:outerShdw blurRad="38100" dist="19050" dir="2700000" algn="tl" rotWithShape="0">
+                      <a:schemeClr val="dk1">
+                        <a:alpha val="40000"/>
+                      </a:schemeClr>
+                    </a:outerShdw>
+                  </a:effectLst>
+                </a:rPr>
+                <a:t>Darshan Service</a:t>
+              </a:r>
+              <a:endParaRPr lang="en-IN" sz="1050" dirty="0"/>
+            </a:p>
+          </p:txBody>
+        </p:sp>
+        <p:sp>
+          <p:nvSpPr>
+            <p:cNvPr id="20" name="Rectangle: Rounded Corners 19">
+              <a:extLst>
+                <a:ext uri="{FF2B5EF4-FFF2-40B4-BE49-F238E27FC236}">
+                  <a16:creationId xmlns:a16="http://schemas.microsoft.com/office/drawing/2014/main" id="{79A01BD8-EDF0-424E-A7C1-35FA8AEF9566}"/>
+                </a:ext>
+              </a:extLst>
+            </p:cNvPr>
+            <p:cNvSpPr/>
+            <p:nvPr/>
+          </p:nvSpPr>
+          <p:spPr>
+            <a:xfrm>
+              <a:off x="10135665" y="4795693"/>
+              <a:ext cx="1327202" cy="400837"/>
+            </a:xfrm>
+            <a:prstGeom prst="roundRect">
+              <a:avLst/>
+            </a:prstGeom>
+            <a:solidFill>
+              <a:schemeClr val="accent2">
+                <a:lumMod val="75000"/>
+              </a:schemeClr>
+            </a:solidFill>
+          </p:spPr>
+          <p:style>
+            <a:lnRef idx="2">
+              <a:schemeClr val="accent5">
+                <a:shade val="50000"/>
+              </a:schemeClr>
+            </a:lnRef>
+            <a:fillRef idx="1">
+              <a:schemeClr val="accent5"/>
+            </a:fillRef>
+            <a:effectRef idx="0">
+              <a:schemeClr val="accent5"/>
+            </a:effectRef>
+            <a:fontRef idx="minor">
+              <a:schemeClr val="lt1"/>
+            </a:fontRef>
+          </p:style>
+          <p:txBody>
+            <a:bodyPr rtlCol="0" anchor="ctr"/>
+            <a:lstStyle/>
+            <a:p>
+              <a:pPr algn="ctr"/>
+              <a:r>
+                <a:rPr lang="en-US" sz="1400" dirty="0">
+                  <a:ln w="0"/>
+                  <a:solidFill>
+                    <a:schemeClr val="tx1"/>
+                  </a:solidFill>
+                  <a:effectLst>
+                    <a:outerShdw blurRad="38100" dist="19050" dir="2700000" algn="tl" rotWithShape="0">
+                      <a:schemeClr val="dk1">
+                        <a:alpha val="40000"/>
+                      </a:schemeClr>
+                    </a:outerShdw>
+                  </a:effectLst>
+                </a:rPr>
+                <a:t>Data Service</a:t>
+              </a:r>
+              <a:endParaRPr lang="en-IN" sz="1050" dirty="0"/>
+            </a:p>
+          </p:txBody>
+        </p:sp>
+        <p:sp>
+          <p:nvSpPr>
+            <p:cNvPr id="21" name="Rectangle: Rounded Corners 20">
+              <a:extLst>
+                <a:ext uri="{FF2B5EF4-FFF2-40B4-BE49-F238E27FC236}">
+                  <a16:creationId xmlns:a16="http://schemas.microsoft.com/office/drawing/2014/main" id="{07F5D8E1-BD6E-4260-A47A-19A70A784B80}"/>
+                </a:ext>
+              </a:extLst>
+            </p:cNvPr>
+            <p:cNvSpPr/>
+            <p:nvPr/>
+          </p:nvSpPr>
+          <p:spPr>
+            <a:xfrm>
+              <a:off x="10122086" y="5502199"/>
+              <a:ext cx="1327202" cy="400837"/>
+            </a:xfrm>
+            <a:prstGeom prst="roundRect">
+              <a:avLst/>
+            </a:prstGeom>
+            <a:solidFill>
+              <a:schemeClr val="accent4">
+                <a:lumMod val="40000"/>
+                <a:lumOff val="60000"/>
+              </a:schemeClr>
+            </a:solidFill>
+          </p:spPr>
+          <p:style>
+            <a:lnRef idx="2">
+              <a:schemeClr val="accent5">
+                <a:shade val="50000"/>
+              </a:schemeClr>
+            </a:lnRef>
+            <a:fillRef idx="1">
+              <a:schemeClr val="accent5"/>
+            </a:fillRef>
+            <a:effectRef idx="0">
+              <a:schemeClr val="accent5"/>
+            </a:effectRef>
+            <a:fontRef idx="minor">
+              <a:schemeClr val="lt1"/>
+            </a:fontRef>
+          </p:style>
+          <p:txBody>
+            <a:bodyPr rtlCol="0" anchor="ctr"/>
+            <a:lstStyle/>
+            <a:p>
+              <a:pPr algn="ctr"/>
+              <a:r>
+                <a:rPr lang="en-US" sz="1400" dirty="0">
+                  <a:ln w="0"/>
+                  <a:solidFill>
+                    <a:schemeClr val="tx1"/>
+                  </a:solidFill>
+                  <a:effectLst>
+                    <a:outerShdw blurRad="38100" dist="19050" dir="2700000" algn="tl" rotWithShape="0">
+                      <a:schemeClr val="dk1">
+                        <a:alpha val="40000"/>
+                      </a:schemeClr>
+                    </a:outerShdw>
+                  </a:effectLst>
+                </a:rPr>
+                <a:t>Messaging Service</a:t>
+              </a:r>
+              <a:endParaRPr lang="en-IN" sz="1050" dirty="0"/>
+            </a:p>
+          </p:txBody>
+        </p:sp>
+        <p:sp>
+          <p:nvSpPr>
+            <p:cNvPr id="14" name="Cylinder 13">
+              <a:extLst>
+                <a:ext uri="{FF2B5EF4-FFF2-40B4-BE49-F238E27FC236}">
+                  <a16:creationId xmlns:a16="http://schemas.microsoft.com/office/drawing/2014/main" id="{E3CAC70F-E352-4944-BBED-00B54248AE91}"/>
+                </a:ext>
+              </a:extLst>
+            </p:cNvPr>
+            <p:cNvSpPr/>
+            <p:nvPr/>
+          </p:nvSpPr>
+          <p:spPr>
+            <a:xfrm>
+              <a:off x="11744587" y="1180635"/>
+              <a:ext cx="399358" cy="569044"/>
+            </a:xfrm>
+            <a:prstGeom prst="can">
+              <a:avLst/>
+            </a:prstGeom>
+          </p:spPr>
+          <p:style>
+            <a:lnRef idx="2">
+              <a:schemeClr val="accent4">
+                <a:shade val="50000"/>
+              </a:schemeClr>
+            </a:lnRef>
+            <a:fillRef idx="1">
+              <a:schemeClr val="accent4"/>
+            </a:fillRef>
+            <a:effectRef idx="0">
+              <a:schemeClr val="accent4"/>
+            </a:effectRef>
+            <a:fontRef idx="minor">
+              <a:schemeClr val="lt1"/>
+            </a:fontRef>
+          </p:style>
+          <p:txBody>
+            <a:bodyPr rtlCol="0" anchor="ctr"/>
+            <a:lstStyle/>
+            <a:p>
+              <a:pPr algn="ctr"/>
+              <a:r>
+                <a:rPr lang="en-US" sz="1200" dirty="0"/>
+                <a:t>DB</a:t>
+              </a:r>
+              <a:endParaRPr lang="en-IN" sz="1200" dirty="0"/>
+            </a:p>
+          </p:txBody>
+        </p:sp>
+        <p:sp>
+          <p:nvSpPr>
+            <p:cNvPr id="23" name="Cylinder 22">
+              <a:extLst>
+                <a:ext uri="{FF2B5EF4-FFF2-40B4-BE49-F238E27FC236}">
+                  <a16:creationId xmlns:a16="http://schemas.microsoft.com/office/drawing/2014/main" id="{BD992211-7424-45CD-BA85-62B9E934A409}"/>
+                </a:ext>
+              </a:extLst>
+            </p:cNvPr>
+            <p:cNvSpPr/>
+            <p:nvPr/>
+          </p:nvSpPr>
+          <p:spPr>
+            <a:xfrm>
+              <a:off x="11744587" y="1857945"/>
+              <a:ext cx="399358" cy="596584"/>
+            </a:xfrm>
+            <a:prstGeom prst="can">
+              <a:avLst/>
+            </a:prstGeom>
+            <a:solidFill>
+              <a:schemeClr val="accent2">
+                <a:lumMod val="40000"/>
+                <a:lumOff val="60000"/>
+              </a:schemeClr>
+            </a:solidFill>
+          </p:spPr>
+          <p:style>
+            <a:lnRef idx="2">
+              <a:schemeClr val="accent1">
+                <a:shade val="50000"/>
+              </a:schemeClr>
+            </a:lnRef>
+            <a:fillRef idx="1">
+              <a:schemeClr val="accent1"/>
+            </a:fillRef>
+            <a:effectRef idx="0">
+              <a:schemeClr val="accent1"/>
+            </a:effectRef>
+            <a:fontRef idx="minor">
+              <a:schemeClr val="lt1"/>
+            </a:fontRef>
+          </p:style>
+          <p:txBody>
+            <a:bodyPr rtlCol="0" anchor="ctr"/>
+            <a:lstStyle/>
+            <a:p>
+              <a:pPr algn="ctr"/>
+              <a:r>
+                <a:rPr lang="en-US" sz="1400" dirty="0"/>
+                <a:t>DB</a:t>
+              </a:r>
+              <a:endParaRPr lang="en-IN" sz="1400" dirty="0"/>
+            </a:p>
+          </p:txBody>
+        </p:sp>
+        <p:sp>
+          <p:nvSpPr>
+            <p:cNvPr id="24" name="Cylinder 23">
+              <a:extLst>
+                <a:ext uri="{FF2B5EF4-FFF2-40B4-BE49-F238E27FC236}">
+                  <a16:creationId xmlns:a16="http://schemas.microsoft.com/office/drawing/2014/main" id="{DF974CB2-4306-410F-9F38-923CBB9E7001}"/>
+                </a:ext>
+              </a:extLst>
+            </p:cNvPr>
+            <p:cNvSpPr/>
+            <p:nvPr/>
+          </p:nvSpPr>
+          <p:spPr>
+            <a:xfrm>
+              <a:off x="11744587" y="2530730"/>
+              <a:ext cx="399358" cy="581024"/>
+            </a:xfrm>
+            <a:prstGeom prst="can">
+              <a:avLst/>
+            </a:prstGeom>
+          </p:spPr>
+          <p:style>
+            <a:lnRef idx="2">
+              <a:schemeClr val="accent2">
+                <a:shade val="50000"/>
+              </a:schemeClr>
+            </a:lnRef>
+            <a:fillRef idx="1">
+              <a:schemeClr val="accent2"/>
+            </a:fillRef>
+            <a:effectRef idx="0">
+              <a:schemeClr val="accent2"/>
+            </a:effectRef>
+            <a:fontRef idx="minor">
+              <a:schemeClr val="lt1"/>
+            </a:fontRef>
+          </p:style>
+          <p:txBody>
+            <a:bodyPr rtlCol="0" anchor="ctr"/>
+            <a:lstStyle/>
+            <a:p>
+              <a:pPr algn="ctr"/>
+              <a:r>
+                <a:rPr lang="en-US" sz="1400" dirty="0"/>
+                <a:t>DB</a:t>
+              </a:r>
+              <a:endParaRPr lang="en-IN" sz="1400" dirty="0"/>
+            </a:p>
+          </p:txBody>
+        </p:sp>
+        <p:sp>
+          <p:nvSpPr>
+            <p:cNvPr id="25" name="Cylinder 24">
+              <a:extLst>
+                <a:ext uri="{FF2B5EF4-FFF2-40B4-BE49-F238E27FC236}">
+                  <a16:creationId xmlns:a16="http://schemas.microsoft.com/office/drawing/2014/main" id="{AFA41F79-A2F9-4C19-9345-E12F03462F3D}"/>
+                </a:ext>
+              </a:extLst>
+            </p:cNvPr>
+            <p:cNvSpPr/>
+            <p:nvPr/>
+          </p:nvSpPr>
+          <p:spPr>
+            <a:xfrm>
+              <a:off x="11744587" y="3170214"/>
+              <a:ext cx="399358" cy="657225"/>
+            </a:xfrm>
+            <a:prstGeom prst="can">
+              <a:avLst/>
+            </a:prstGeom>
+          </p:spPr>
+          <p:style>
+            <a:lnRef idx="2">
+              <a:schemeClr val="accent6">
+                <a:shade val="50000"/>
+              </a:schemeClr>
+            </a:lnRef>
+            <a:fillRef idx="1">
+              <a:schemeClr val="accent6"/>
+            </a:fillRef>
+            <a:effectRef idx="0">
+              <a:schemeClr val="accent6"/>
+            </a:effectRef>
+            <a:fontRef idx="minor">
+              <a:schemeClr val="lt1"/>
+            </a:fontRef>
+          </p:style>
+          <p:txBody>
+            <a:bodyPr rtlCol="0" anchor="ctr"/>
+            <a:lstStyle/>
+            <a:p>
+              <a:pPr algn="ctr"/>
+              <a:r>
+                <a:rPr lang="en-US" sz="1400" dirty="0"/>
+                <a:t>DB</a:t>
+              </a:r>
+              <a:endParaRPr lang="en-IN" dirty="0"/>
+            </a:p>
+          </p:txBody>
+        </p:sp>
+        <p:sp>
+          <p:nvSpPr>
+            <p:cNvPr id="26" name="Cylinder 25">
+              <a:extLst>
+                <a:ext uri="{FF2B5EF4-FFF2-40B4-BE49-F238E27FC236}">
+                  <a16:creationId xmlns:a16="http://schemas.microsoft.com/office/drawing/2014/main" id="{7D4A09D0-A10D-471D-BF79-E45924D90B11}"/>
+                </a:ext>
+              </a:extLst>
+            </p:cNvPr>
+            <p:cNvSpPr/>
+            <p:nvPr/>
+          </p:nvSpPr>
+          <p:spPr>
+            <a:xfrm>
+              <a:off x="11803310" y="4011036"/>
+              <a:ext cx="340635" cy="574296"/>
+            </a:xfrm>
+            <a:prstGeom prst="can">
+              <a:avLst/>
+            </a:prstGeom>
+            <a:solidFill>
+              <a:schemeClr val="accent6">
+                <a:lumMod val="60000"/>
+                <a:lumOff val="40000"/>
+              </a:schemeClr>
+            </a:solidFill>
+          </p:spPr>
+          <p:style>
+            <a:lnRef idx="2">
+              <a:schemeClr val="accent1">
+                <a:shade val="50000"/>
+              </a:schemeClr>
+            </a:lnRef>
+            <a:fillRef idx="1">
+              <a:schemeClr val="accent1"/>
+            </a:fillRef>
+            <a:effectRef idx="0">
+              <a:schemeClr val="accent1"/>
+            </a:effectRef>
+            <a:fontRef idx="minor">
+              <a:schemeClr val="lt1"/>
+            </a:fontRef>
+          </p:style>
+          <p:txBody>
+            <a:bodyPr rtlCol="0" anchor="ctr"/>
+            <a:lstStyle/>
+            <a:p>
+              <a:pPr algn="ctr"/>
+              <a:r>
+                <a:rPr lang="en-US" sz="1050" dirty="0"/>
+                <a:t>DB</a:t>
+              </a:r>
+              <a:endParaRPr lang="en-IN" sz="1050" dirty="0"/>
+            </a:p>
+          </p:txBody>
+        </p:sp>
+        <p:sp>
+          <p:nvSpPr>
+            <p:cNvPr id="27" name="Cylinder 26">
+              <a:extLst>
+                <a:ext uri="{FF2B5EF4-FFF2-40B4-BE49-F238E27FC236}">
+                  <a16:creationId xmlns:a16="http://schemas.microsoft.com/office/drawing/2014/main" id="{4908E4D6-648F-4A9E-B324-A561242A31B7}"/>
+                </a:ext>
+              </a:extLst>
+            </p:cNvPr>
+            <p:cNvSpPr/>
+            <p:nvPr/>
+          </p:nvSpPr>
+          <p:spPr>
+            <a:xfrm>
+              <a:off x="11803309" y="4751189"/>
+              <a:ext cx="340635" cy="452581"/>
+            </a:xfrm>
+            <a:prstGeom prst="can">
+              <a:avLst/>
+            </a:prstGeom>
+            <a:solidFill>
+              <a:schemeClr val="accent2">
+                <a:lumMod val="75000"/>
+              </a:schemeClr>
+            </a:solidFill>
+          </p:spPr>
+          <p:style>
+            <a:lnRef idx="2">
+              <a:schemeClr val="accent1">
+                <a:shade val="50000"/>
+              </a:schemeClr>
+            </a:lnRef>
+            <a:fillRef idx="1">
+              <a:schemeClr val="accent1"/>
+            </a:fillRef>
+            <a:effectRef idx="0">
+              <a:schemeClr val="accent1"/>
+            </a:effectRef>
+            <a:fontRef idx="minor">
+              <a:schemeClr val="lt1"/>
+            </a:fontRef>
+          </p:style>
+          <p:txBody>
+            <a:bodyPr rtlCol="0" anchor="ctr"/>
+            <a:lstStyle/>
+            <a:p>
+              <a:pPr algn="ctr"/>
+              <a:r>
+                <a:rPr lang="en-US" sz="1050" dirty="0"/>
+                <a:t>DB</a:t>
+              </a:r>
+              <a:endParaRPr lang="en-IN" sz="1050" dirty="0"/>
+            </a:p>
+          </p:txBody>
+        </p:sp>
+        <p:sp>
+          <p:nvSpPr>
+            <p:cNvPr id="28" name="Cylinder 27">
+              <a:extLst>
+                <a:ext uri="{FF2B5EF4-FFF2-40B4-BE49-F238E27FC236}">
+                  <a16:creationId xmlns:a16="http://schemas.microsoft.com/office/drawing/2014/main" id="{9698F933-FE44-4828-8C79-24AC08ABA7B5}"/>
+                </a:ext>
+              </a:extLst>
+            </p:cNvPr>
+            <p:cNvSpPr/>
+            <p:nvPr/>
+          </p:nvSpPr>
+          <p:spPr>
+            <a:xfrm>
+              <a:off x="11803307" y="5433751"/>
+              <a:ext cx="340635" cy="469285"/>
+            </a:xfrm>
+            <a:prstGeom prst="can">
+              <a:avLst>
+                <a:gd name="adj" fmla="val 39473"/>
+              </a:avLst>
+            </a:prstGeom>
+            <a:solidFill>
+              <a:schemeClr val="accent4">
+                <a:lumMod val="40000"/>
+                <a:lumOff val="60000"/>
+              </a:schemeClr>
+            </a:solidFill>
+          </p:spPr>
+          <p:style>
+            <a:lnRef idx="2">
+              <a:schemeClr val="accent1">
+                <a:shade val="50000"/>
+              </a:schemeClr>
+            </a:lnRef>
+            <a:fillRef idx="1">
+              <a:schemeClr val="accent1"/>
+            </a:fillRef>
+            <a:effectRef idx="0">
+              <a:schemeClr val="accent1"/>
+            </a:effectRef>
+            <a:fontRef idx="minor">
+              <a:schemeClr val="lt1"/>
+            </a:fontRef>
+          </p:style>
+          <p:txBody>
+            <a:bodyPr rtlCol="0" anchor="ctr"/>
+            <a:lstStyle/>
+            <a:p>
+              <a:pPr algn="ctr"/>
+              <a:r>
+                <a:rPr lang="en-US" sz="1050" dirty="0"/>
+                <a:t>DB</a:t>
+              </a:r>
+              <a:endParaRPr lang="en-IN" sz="1050" dirty="0"/>
+            </a:p>
+          </p:txBody>
+        </p:sp>
+        <p:cxnSp>
+          <p:nvCxnSpPr>
+            <p:cNvPr id="29" name="Straight Arrow Connector 28">
+              <a:extLst>
+                <a:ext uri="{FF2B5EF4-FFF2-40B4-BE49-F238E27FC236}">
+                  <a16:creationId xmlns:a16="http://schemas.microsoft.com/office/drawing/2014/main" id="{38EBAB4B-BEF7-4573-96B8-92AD2D26EC69}"/>
+                </a:ext>
+              </a:extLst>
+            </p:cNvPr>
+            <p:cNvCxnSpPr>
+              <a:cxnSpLocks/>
+            </p:cNvCxnSpPr>
+            <p:nvPr/>
+          </p:nvCxnSpPr>
+          <p:spPr>
+            <a:xfrm flipV="1">
+              <a:off x="11430750" y="1449867"/>
+              <a:ext cx="333765" cy="12053"/>
+            </a:xfrm>
+            <a:prstGeom prst="straightConnector1">
+              <a:avLst/>
+            </a:prstGeom>
+            <a:ln>
+              <a:headEnd type="triangle"/>
+              <a:tailEnd type="triangle"/>
+            </a:ln>
+          </p:spPr>
+          <p:style>
+            <a:lnRef idx="1">
+              <a:schemeClr val="accent4"/>
+            </a:lnRef>
+            <a:fillRef idx="0">
+              <a:schemeClr val="accent4"/>
+            </a:fillRef>
+            <a:effectRef idx="0">
+              <a:schemeClr val="accent4"/>
+            </a:effectRef>
+            <a:fontRef idx="minor">
+              <a:schemeClr val="tx1"/>
+            </a:fontRef>
+          </p:style>
+        </p:cxnSp>
+        <p:sp>
+          <p:nvSpPr>
+            <p:cNvPr id="40" name="Rectangle: Rounded Corners 39">
+              <a:extLst>
+                <a:ext uri="{FF2B5EF4-FFF2-40B4-BE49-F238E27FC236}">
+                  <a16:creationId xmlns:a16="http://schemas.microsoft.com/office/drawing/2014/main" id="{E20D8885-A67A-4BF9-976A-AB8FB4482E00}"/>
+                </a:ext>
+              </a:extLst>
+            </p:cNvPr>
+            <p:cNvSpPr/>
+            <p:nvPr/>
+          </p:nvSpPr>
+          <p:spPr>
+            <a:xfrm>
+              <a:off x="4028828" y="3651309"/>
+              <a:ext cx="547089" cy="191082"/>
+            </a:xfrm>
+            <a:prstGeom prst="roundRect">
+              <a:avLst/>
+            </a:prstGeom>
+          </p:spPr>
+          <p:style>
+            <a:lnRef idx="2">
+              <a:schemeClr val="accent1">
+                <a:shade val="50000"/>
+              </a:schemeClr>
+            </a:lnRef>
+            <a:fillRef idx="1">
+              <a:schemeClr val="accent1"/>
+            </a:fillRef>
+            <a:effectRef idx="0">
+              <a:schemeClr val="accent1"/>
+            </a:effectRef>
+            <a:fontRef idx="minor">
+              <a:schemeClr val="lt1"/>
+            </a:fontRef>
+          </p:style>
+          <p:txBody>
+            <a:bodyPr rtlCol="0" anchor="ctr"/>
+            <a:lstStyle/>
+            <a:p>
+              <a:pPr algn="ctr"/>
+              <a:r>
+                <a:rPr lang="en-US" sz="700" dirty="0"/>
+                <a:t>Access + Id Token</a:t>
+              </a:r>
+              <a:endParaRPr lang="en-IN" dirty="0"/>
+            </a:p>
+          </p:txBody>
+        </p:sp>
+        <p:sp>
+          <p:nvSpPr>
+            <p:cNvPr id="41" name="Rectangle: Rounded Corners 40">
+              <a:extLst>
+                <a:ext uri="{FF2B5EF4-FFF2-40B4-BE49-F238E27FC236}">
+                  <a16:creationId xmlns:a16="http://schemas.microsoft.com/office/drawing/2014/main" id="{D6EF726F-4D51-4DEB-9FA8-3D30E19BF146}"/>
+                </a:ext>
+              </a:extLst>
+            </p:cNvPr>
+            <p:cNvSpPr/>
+            <p:nvPr/>
+          </p:nvSpPr>
+          <p:spPr>
+            <a:xfrm>
+              <a:off x="6322798" y="3013751"/>
+              <a:ext cx="664696" cy="244023"/>
+            </a:xfrm>
+            <a:prstGeom prst="roundRect">
+              <a:avLst/>
+            </a:prstGeom>
+          </p:spPr>
+          <p:style>
+            <a:lnRef idx="2">
+              <a:schemeClr val="accent1">
+                <a:shade val="50000"/>
+              </a:schemeClr>
+            </a:lnRef>
+            <a:fillRef idx="1">
+              <a:schemeClr val="accent1"/>
+            </a:fillRef>
+            <a:effectRef idx="0">
+              <a:schemeClr val="accent1"/>
+            </a:effectRef>
+            <a:fontRef idx="minor">
+              <a:schemeClr val="lt1"/>
+            </a:fontRef>
+          </p:style>
+          <p:txBody>
+            <a:bodyPr rtlCol="0" anchor="ctr"/>
+            <a:lstStyle/>
+            <a:p>
+              <a:pPr algn="ctr"/>
+              <a:r>
+                <a:rPr lang="en-US" sz="700" dirty="0"/>
+                <a:t>JWT Access Token</a:t>
+              </a:r>
+              <a:endParaRPr lang="en-IN" dirty="0"/>
+            </a:p>
+          </p:txBody>
+        </p:sp>
+        <p:sp>
+          <p:nvSpPr>
+            <p:cNvPr id="43" name="Rectangle: Rounded Corners 42">
+              <a:extLst>
+                <a:ext uri="{FF2B5EF4-FFF2-40B4-BE49-F238E27FC236}">
+                  <a16:creationId xmlns:a16="http://schemas.microsoft.com/office/drawing/2014/main" id="{804151B6-77FE-46B9-B440-587C798CB268}"/>
+                </a:ext>
+              </a:extLst>
+            </p:cNvPr>
+            <p:cNvSpPr/>
+            <p:nvPr/>
+          </p:nvSpPr>
+          <p:spPr>
+            <a:xfrm>
+              <a:off x="9532499" y="1433095"/>
+              <a:ext cx="571051" cy="214310"/>
+            </a:xfrm>
+            <a:prstGeom prst="roundRect">
+              <a:avLst>
+                <a:gd name="adj" fmla="val 50000"/>
+              </a:avLst>
+            </a:prstGeom>
+            <a:solidFill>
+              <a:schemeClr val="accent4">
+                <a:lumMod val="75000"/>
+              </a:schemeClr>
+            </a:solidFill>
+          </p:spPr>
+          <p:style>
+            <a:lnRef idx="2">
+              <a:schemeClr val="accent1">
+                <a:shade val="50000"/>
+              </a:schemeClr>
+            </a:lnRef>
+            <a:fillRef idx="1">
+              <a:schemeClr val="accent1"/>
+            </a:fillRef>
+            <a:effectRef idx="0">
+              <a:schemeClr val="accent1"/>
+            </a:effectRef>
+            <a:fontRef idx="minor">
+              <a:schemeClr val="lt1"/>
+            </a:fontRef>
+          </p:style>
+          <p:txBody>
+            <a:bodyPr rtlCol="0" anchor="ctr"/>
+            <a:lstStyle/>
+            <a:p>
+              <a:pPr algn="ctr"/>
+              <a:r>
+                <a:rPr lang="en-US" sz="700" dirty="0"/>
+                <a:t>Rest API</a:t>
+              </a:r>
+            </a:p>
+          </p:txBody>
+        </p:sp>
+        <p:sp>
+          <p:nvSpPr>
+            <p:cNvPr id="44" name="Rectangle: Rounded Corners 43">
+              <a:extLst>
+                <a:ext uri="{FF2B5EF4-FFF2-40B4-BE49-F238E27FC236}">
+                  <a16:creationId xmlns:a16="http://schemas.microsoft.com/office/drawing/2014/main" id="{F40950CC-8D13-4F4D-90F4-B335BEB8B9AC}"/>
+                </a:ext>
+              </a:extLst>
+            </p:cNvPr>
+            <p:cNvSpPr/>
+            <p:nvPr/>
+          </p:nvSpPr>
+          <p:spPr>
+            <a:xfrm>
+              <a:off x="9532499" y="2071738"/>
+              <a:ext cx="571051" cy="214310"/>
+            </a:xfrm>
+            <a:prstGeom prst="roundRect">
+              <a:avLst>
+                <a:gd name="adj" fmla="val 50000"/>
+              </a:avLst>
+            </a:prstGeom>
+            <a:solidFill>
+              <a:schemeClr val="accent4">
+                <a:lumMod val="75000"/>
+              </a:schemeClr>
+            </a:solidFill>
+          </p:spPr>
+          <p:style>
+            <a:lnRef idx="2">
+              <a:schemeClr val="accent1">
+                <a:shade val="50000"/>
+              </a:schemeClr>
+            </a:lnRef>
+            <a:fillRef idx="1">
+              <a:schemeClr val="accent1"/>
+            </a:fillRef>
+            <a:effectRef idx="0">
+              <a:schemeClr val="accent1"/>
+            </a:effectRef>
+            <a:fontRef idx="minor">
+              <a:schemeClr val="lt1"/>
+            </a:fontRef>
+          </p:style>
+          <p:txBody>
+            <a:bodyPr rtlCol="0" anchor="ctr"/>
+            <a:lstStyle/>
+            <a:p>
+              <a:pPr algn="ctr"/>
+              <a:r>
+                <a:rPr lang="en-US" sz="700" dirty="0"/>
+                <a:t>Rest API</a:t>
+              </a:r>
+            </a:p>
+          </p:txBody>
+        </p:sp>
+        <p:sp>
+          <p:nvSpPr>
+            <p:cNvPr id="45" name="Rectangle: Rounded Corners 44">
+              <a:extLst>
+                <a:ext uri="{FF2B5EF4-FFF2-40B4-BE49-F238E27FC236}">
+                  <a16:creationId xmlns:a16="http://schemas.microsoft.com/office/drawing/2014/main" id="{AD93EA81-F8F8-488D-A70F-34F059D12A1A}"/>
+                </a:ext>
+              </a:extLst>
+            </p:cNvPr>
+            <p:cNvSpPr/>
+            <p:nvPr/>
+          </p:nvSpPr>
+          <p:spPr>
+            <a:xfrm>
+              <a:off x="9532499" y="2792095"/>
+              <a:ext cx="571051" cy="214310"/>
+            </a:xfrm>
+            <a:prstGeom prst="roundRect">
+              <a:avLst>
+                <a:gd name="adj" fmla="val 50000"/>
+              </a:avLst>
+            </a:prstGeom>
+            <a:solidFill>
+              <a:schemeClr val="accent4">
+                <a:lumMod val="75000"/>
+              </a:schemeClr>
+            </a:solidFill>
+          </p:spPr>
+          <p:style>
+            <a:lnRef idx="2">
+              <a:schemeClr val="accent1">
+                <a:shade val="50000"/>
+              </a:schemeClr>
+            </a:lnRef>
+            <a:fillRef idx="1">
+              <a:schemeClr val="accent1"/>
+            </a:fillRef>
+            <a:effectRef idx="0">
+              <a:schemeClr val="accent1"/>
+            </a:effectRef>
+            <a:fontRef idx="minor">
+              <a:schemeClr val="lt1"/>
+            </a:fontRef>
+          </p:style>
+          <p:txBody>
+            <a:bodyPr rtlCol="0" anchor="ctr"/>
+            <a:lstStyle/>
+            <a:p>
+              <a:pPr algn="ctr"/>
+              <a:r>
+                <a:rPr lang="en-US" sz="700" dirty="0"/>
+                <a:t>Rest API</a:t>
+              </a:r>
+            </a:p>
+          </p:txBody>
+        </p:sp>
+        <p:sp>
+          <p:nvSpPr>
+            <p:cNvPr id="46" name="Rectangle: Rounded Corners 45">
+              <a:extLst>
+                <a:ext uri="{FF2B5EF4-FFF2-40B4-BE49-F238E27FC236}">
+                  <a16:creationId xmlns:a16="http://schemas.microsoft.com/office/drawing/2014/main" id="{EF7BB8F3-8B3D-4EC7-AE20-351DCECBEE13}"/>
+                </a:ext>
+              </a:extLst>
+            </p:cNvPr>
+            <p:cNvSpPr/>
+            <p:nvPr/>
+          </p:nvSpPr>
+          <p:spPr>
+            <a:xfrm>
+              <a:off x="9527737" y="3443965"/>
+              <a:ext cx="571051" cy="214310"/>
+            </a:xfrm>
+            <a:prstGeom prst="roundRect">
+              <a:avLst>
+                <a:gd name="adj" fmla="val 50000"/>
+              </a:avLst>
+            </a:prstGeom>
+            <a:solidFill>
+              <a:schemeClr val="accent4">
+                <a:lumMod val="75000"/>
+              </a:schemeClr>
+            </a:solidFill>
+          </p:spPr>
+          <p:style>
+            <a:lnRef idx="2">
+              <a:schemeClr val="accent1">
+                <a:shade val="50000"/>
+              </a:schemeClr>
+            </a:lnRef>
+            <a:fillRef idx="1">
+              <a:schemeClr val="accent1"/>
+            </a:fillRef>
+            <a:effectRef idx="0">
+              <a:schemeClr val="accent1"/>
+            </a:effectRef>
+            <a:fontRef idx="minor">
+              <a:schemeClr val="lt1"/>
+            </a:fontRef>
+          </p:style>
+          <p:txBody>
+            <a:bodyPr rtlCol="0" anchor="ctr"/>
+            <a:lstStyle/>
+            <a:p>
+              <a:pPr algn="ctr"/>
+              <a:r>
+                <a:rPr lang="en-US" sz="700" dirty="0"/>
+                <a:t>Rest API</a:t>
+              </a:r>
+            </a:p>
+          </p:txBody>
+        </p:sp>
+        <p:sp>
+          <p:nvSpPr>
+            <p:cNvPr id="47" name="Rectangle: Rounded Corners 46">
+              <a:extLst>
+                <a:ext uri="{FF2B5EF4-FFF2-40B4-BE49-F238E27FC236}">
+                  <a16:creationId xmlns:a16="http://schemas.microsoft.com/office/drawing/2014/main" id="{E9155DF2-615E-4109-8162-51014A9D8FB7}"/>
+                </a:ext>
+              </a:extLst>
+            </p:cNvPr>
+            <p:cNvSpPr/>
+            <p:nvPr/>
+          </p:nvSpPr>
+          <p:spPr>
+            <a:xfrm>
+              <a:off x="9551035" y="4213554"/>
+              <a:ext cx="571051" cy="214310"/>
+            </a:xfrm>
+            <a:prstGeom prst="roundRect">
+              <a:avLst>
+                <a:gd name="adj" fmla="val 50000"/>
+              </a:avLst>
+            </a:prstGeom>
+            <a:solidFill>
+              <a:schemeClr val="accent4">
+                <a:lumMod val="75000"/>
+              </a:schemeClr>
+            </a:solidFill>
+          </p:spPr>
+          <p:style>
+            <a:lnRef idx="2">
+              <a:schemeClr val="accent1">
+                <a:shade val="50000"/>
+              </a:schemeClr>
+            </a:lnRef>
+            <a:fillRef idx="1">
+              <a:schemeClr val="accent1"/>
+            </a:fillRef>
+            <a:effectRef idx="0">
+              <a:schemeClr val="accent1"/>
+            </a:effectRef>
+            <a:fontRef idx="minor">
+              <a:schemeClr val="lt1"/>
+            </a:fontRef>
+          </p:style>
+          <p:txBody>
+            <a:bodyPr rtlCol="0" anchor="ctr"/>
+            <a:lstStyle/>
+            <a:p>
+              <a:pPr algn="ctr"/>
+              <a:r>
+                <a:rPr lang="en-US" sz="700" dirty="0"/>
+                <a:t>Rest API</a:t>
+              </a:r>
+            </a:p>
+          </p:txBody>
+        </p:sp>
+        <p:sp>
+          <p:nvSpPr>
+            <p:cNvPr id="48" name="Rectangle: Rounded Corners 47">
+              <a:extLst>
+                <a:ext uri="{FF2B5EF4-FFF2-40B4-BE49-F238E27FC236}">
+                  <a16:creationId xmlns:a16="http://schemas.microsoft.com/office/drawing/2014/main" id="{0C34F4F4-3B75-4E2E-BC29-34FE98EDEAAA}"/>
+                </a:ext>
+              </a:extLst>
+            </p:cNvPr>
+            <p:cNvSpPr/>
+            <p:nvPr/>
+          </p:nvSpPr>
+          <p:spPr>
+            <a:xfrm>
+              <a:off x="9551034" y="4922981"/>
+              <a:ext cx="571051" cy="214310"/>
+            </a:xfrm>
+            <a:prstGeom prst="roundRect">
+              <a:avLst>
+                <a:gd name="adj" fmla="val 50000"/>
+              </a:avLst>
+            </a:prstGeom>
+            <a:solidFill>
+              <a:schemeClr val="accent4">
+                <a:lumMod val="75000"/>
+              </a:schemeClr>
+            </a:solidFill>
+          </p:spPr>
+          <p:style>
+            <a:lnRef idx="2">
+              <a:schemeClr val="accent1">
+                <a:shade val="50000"/>
+              </a:schemeClr>
+            </a:lnRef>
+            <a:fillRef idx="1">
+              <a:schemeClr val="accent1"/>
+            </a:fillRef>
+            <a:effectRef idx="0">
+              <a:schemeClr val="accent1"/>
+            </a:effectRef>
+            <a:fontRef idx="minor">
+              <a:schemeClr val="lt1"/>
+            </a:fontRef>
+          </p:style>
+          <p:txBody>
+            <a:bodyPr rtlCol="0" anchor="ctr"/>
+            <a:lstStyle/>
+            <a:p>
+              <a:pPr algn="ctr"/>
+              <a:r>
+                <a:rPr lang="en-US" sz="700" dirty="0"/>
+                <a:t>Rest API</a:t>
+              </a:r>
+            </a:p>
+          </p:txBody>
+        </p:sp>
+        <p:sp>
+          <p:nvSpPr>
+            <p:cNvPr id="49" name="Rectangle: Rounded Corners 48">
+              <a:extLst>
+                <a:ext uri="{FF2B5EF4-FFF2-40B4-BE49-F238E27FC236}">
+                  <a16:creationId xmlns:a16="http://schemas.microsoft.com/office/drawing/2014/main" id="{2181C3B6-A231-4557-A768-F16F4C4F2A76}"/>
+                </a:ext>
+              </a:extLst>
+            </p:cNvPr>
+            <p:cNvSpPr/>
+            <p:nvPr/>
+          </p:nvSpPr>
+          <p:spPr>
+            <a:xfrm>
+              <a:off x="9564614" y="5597843"/>
+              <a:ext cx="571051" cy="214310"/>
+            </a:xfrm>
+            <a:prstGeom prst="roundRect">
+              <a:avLst>
+                <a:gd name="adj" fmla="val 50000"/>
+              </a:avLst>
+            </a:prstGeom>
+            <a:solidFill>
+              <a:schemeClr val="accent4">
+                <a:lumMod val="75000"/>
+              </a:schemeClr>
+            </a:solidFill>
+          </p:spPr>
+          <p:style>
+            <a:lnRef idx="2">
+              <a:schemeClr val="accent1">
+                <a:shade val="50000"/>
+              </a:schemeClr>
+            </a:lnRef>
+            <a:fillRef idx="1">
+              <a:schemeClr val="accent1"/>
+            </a:fillRef>
+            <a:effectRef idx="0">
+              <a:schemeClr val="accent1"/>
+            </a:effectRef>
+            <a:fontRef idx="minor">
+              <a:schemeClr val="lt1"/>
+            </a:fontRef>
+          </p:style>
+          <p:txBody>
+            <a:bodyPr rtlCol="0" anchor="ctr"/>
+            <a:lstStyle/>
+            <a:p>
+              <a:pPr algn="ctr"/>
+              <a:r>
+                <a:rPr lang="en-US" sz="700" dirty="0"/>
+                <a:t>Rest API</a:t>
+              </a:r>
+            </a:p>
+          </p:txBody>
+        </p:sp>
+        <p:cxnSp>
+          <p:nvCxnSpPr>
+            <p:cNvPr id="51" name="Straight Arrow Connector 50">
+              <a:extLst>
+                <a:ext uri="{FF2B5EF4-FFF2-40B4-BE49-F238E27FC236}">
+                  <a16:creationId xmlns:a16="http://schemas.microsoft.com/office/drawing/2014/main" id="{6CEC8965-654E-4D72-9C15-CAACAE92B1BA}"/>
+                </a:ext>
+              </a:extLst>
+            </p:cNvPr>
+            <p:cNvCxnSpPr>
+              <a:cxnSpLocks/>
+              <a:stCxn id="11" idx="3"/>
+              <a:endCxn id="46" idx="1"/>
+            </p:cNvCxnSpPr>
+            <p:nvPr/>
+          </p:nvCxnSpPr>
+          <p:spPr>
+            <a:xfrm>
+              <a:off x="8345864" y="3544187"/>
+              <a:ext cx="1181873" cy="6933"/>
+            </a:xfrm>
+            <a:prstGeom prst="straightConnector1">
+              <a:avLst/>
+            </a:prstGeom>
+            <a:ln w="12700">
+              <a:solidFill>
+                <a:schemeClr val="accent1">
+                  <a:lumMod val="75000"/>
+                </a:schemeClr>
+              </a:solidFill>
+              <a:tailEnd type="triangle"/>
+            </a:ln>
+          </p:spPr>
+          <p:style>
+            <a:lnRef idx="1">
+              <a:schemeClr val="accent1"/>
+            </a:lnRef>
+            <a:fillRef idx="0">
+              <a:schemeClr val="accent1"/>
+            </a:fillRef>
+            <a:effectRef idx="0">
+              <a:schemeClr val="accent1"/>
+            </a:effectRef>
+            <a:fontRef idx="minor">
+              <a:schemeClr val="tx1"/>
+            </a:fontRef>
+          </p:style>
+        </p:cxnSp>
+        <p:cxnSp>
+          <p:nvCxnSpPr>
+            <p:cNvPr id="52" name="Straight Arrow Connector 51">
+              <a:extLst>
+                <a:ext uri="{FF2B5EF4-FFF2-40B4-BE49-F238E27FC236}">
+                  <a16:creationId xmlns:a16="http://schemas.microsoft.com/office/drawing/2014/main" id="{60B1F375-9F30-40CA-9398-71C7DE75CBA6}"/>
+                </a:ext>
+              </a:extLst>
+            </p:cNvPr>
+            <p:cNvCxnSpPr>
+              <a:cxnSpLocks/>
+              <a:stCxn id="11" idx="3"/>
+              <a:endCxn id="44" idx="1"/>
+            </p:cNvCxnSpPr>
+            <p:nvPr/>
+          </p:nvCxnSpPr>
+          <p:spPr>
+            <a:xfrm flipV="1">
+              <a:off x="8345864" y="2178893"/>
+              <a:ext cx="1186635" cy="1365294"/>
+            </a:xfrm>
+            <a:prstGeom prst="straightConnector1">
+              <a:avLst/>
+            </a:prstGeom>
+            <a:ln w="12700">
+              <a:solidFill>
+                <a:schemeClr val="accent1">
+                  <a:lumMod val="75000"/>
+                </a:schemeClr>
+              </a:solidFill>
+              <a:tailEnd type="triangle"/>
+            </a:ln>
+          </p:spPr>
+          <p:style>
+            <a:lnRef idx="1">
+              <a:schemeClr val="accent1"/>
+            </a:lnRef>
+            <a:fillRef idx="0">
+              <a:schemeClr val="accent1"/>
+            </a:fillRef>
+            <a:effectRef idx="0">
+              <a:schemeClr val="accent1"/>
+            </a:effectRef>
+            <a:fontRef idx="minor">
+              <a:schemeClr val="tx1"/>
+            </a:fontRef>
+          </p:style>
+        </p:cxnSp>
+        <p:cxnSp>
+          <p:nvCxnSpPr>
+            <p:cNvPr id="53" name="Straight Arrow Connector 52">
+              <a:extLst>
+                <a:ext uri="{FF2B5EF4-FFF2-40B4-BE49-F238E27FC236}">
+                  <a16:creationId xmlns:a16="http://schemas.microsoft.com/office/drawing/2014/main" id="{41490427-8408-4851-9D1B-DD6E84B32D1C}"/>
+                </a:ext>
+              </a:extLst>
+            </p:cNvPr>
+            <p:cNvCxnSpPr>
+              <a:cxnSpLocks/>
+              <a:stCxn id="11" idx="3"/>
+              <a:endCxn id="45" idx="1"/>
+            </p:cNvCxnSpPr>
+            <p:nvPr/>
+          </p:nvCxnSpPr>
+          <p:spPr>
+            <a:xfrm flipV="1">
+              <a:off x="8345864" y="2899250"/>
+              <a:ext cx="1186635" cy="644937"/>
+            </a:xfrm>
+            <a:prstGeom prst="straightConnector1">
+              <a:avLst/>
+            </a:prstGeom>
+            <a:ln w="12700">
+              <a:solidFill>
+                <a:schemeClr val="accent1">
+                  <a:lumMod val="75000"/>
+                </a:schemeClr>
+              </a:solidFill>
+              <a:tailEnd type="triangle"/>
+            </a:ln>
+          </p:spPr>
+          <p:style>
+            <a:lnRef idx="1">
+              <a:schemeClr val="accent1"/>
+            </a:lnRef>
+            <a:fillRef idx="0">
+              <a:schemeClr val="accent1"/>
+            </a:fillRef>
+            <a:effectRef idx="0">
+              <a:schemeClr val="accent1"/>
+            </a:effectRef>
+            <a:fontRef idx="minor">
+              <a:schemeClr val="tx1"/>
+            </a:fontRef>
+          </p:style>
+        </p:cxnSp>
+        <p:cxnSp>
+          <p:nvCxnSpPr>
+            <p:cNvPr id="57" name="Straight Arrow Connector 56">
+              <a:extLst>
+                <a:ext uri="{FF2B5EF4-FFF2-40B4-BE49-F238E27FC236}">
+                  <a16:creationId xmlns:a16="http://schemas.microsoft.com/office/drawing/2014/main" id="{AFDBC4F5-DF9B-4F80-B62F-C4934325CCE2}"/>
+                </a:ext>
+              </a:extLst>
+            </p:cNvPr>
+            <p:cNvCxnSpPr>
+              <a:cxnSpLocks/>
+              <a:stCxn id="11" idx="3"/>
+              <a:endCxn id="47" idx="1"/>
+            </p:cNvCxnSpPr>
+            <p:nvPr/>
+          </p:nvCxnSpPr>
+          <p:spPr>
+            <a:xfrm>
+              <a:off x="8345864" y="3544187"/>
+              <a:ext cx="1205171" cy="776522"/>
+            </a:xfrm>
+            <a:prstGeom prst="straightConnector1">
+              <a:avLst/>
+            </a:prstGeom>
+            <a:ln w="12700">
+              <a:solidFill>
+                <a:schemeClr val="accent1">
+                  <a:lumMod val="75000"/>
+                </a:schemeClr>
+              </a:solidFill>
+              <a:tailEnd type="triangle"/>
+            </a:ln>
+          </p:spPr>
+          <p:style>
+            <a:lnRef idx="1">
+              <a:schemeClr val="accent1"/>
+            </a:lnRef>
+            <a:fillRef idx="0">
+              <a:schemeClr val="accent1"/>
+            </a:fillRef>
+            <a:effectRef idx="0">
+              <a:schemeClr val="accent1"/>
+            </a:effectRef>
+            <a:fontRef idx="minor">
+              <a:schemeClr val="tx1"/>
+            </a:fontRef>
+          </p:style>
+        </p:cxnSp>
+        <p:cxnSp>
+          <p:nvCxnSpPr>
+            <p:cNvPr id="60" name="Straight Arrow Connector 59">
+              <a:extLst>
+                <a:ext uri="{FF2B5EF4-FFF2-40B4-BE49-F238E27FC236}">
+                  <a16:creationId xmlns:a16="http://schemas.microsoft.com/office/drawing/2014/main" id="{3EB9F3A3-ACA4-4FB5-B08D-4FFF7FFE6526}"/>
+                </a:ext>
+              </a:extLst>
+            </p:cNvPr>
+            <p:cNvCxnSpPr>
+              <a:cxnSpLocks/>
+              <a:stCxn id="11" idx="3"/>
+              <a:endCxn id="48" idx="1"/>
+            </p:cNvCxnSpPr>
+            <p:nvPr/>
+          </p:nvCxnSpPr>
+          <p:spPr>
+            <a:xfrm>
+              <a:off x="8345864" y="3544187"/>
+              <a:ext cx="1205170" cy="1485949"/>
+            </a:xfrm>
+            <a:prstGeom prst="straightConnector1">
+              <a:avLst/>
+            </a:prstGeom>
+            <a:ln w="12700">
+              <a:solidFill>
+                <a:schemeClr val="accent1">
+                  <a:lumMod val="75000"/>
+                </a:schemeClr>
+              </a:solidFill>
+              <a:tailEnd type="triangle"/>
+            </a:ln>
+          </p:spPr>
+          <p:style>
+            <a:lnRef idx="1">
+              <a:schemeClr val="accent1"/>
+            </a:lnRef>
+            <a:fillRef idx="0">
+              <a:schemeClr val="accent1"/>
+            </a:fillRef>
+            <a:effectRef idx="0">
+              <a:schemeClr val="accent1"/>
+            </a:effectRef>
+            <a:fontRef idx="minor">
+              <a:schemeClr val="tx1"/>
+            </a:fontRef>
+          </p:style>
+        </p:cxnSp>
+        <p:cxnSp>
+          <p:nvCxnSpPr>
+            <p:cNvPr id="66" name="Straight Arrow Connector 65">
+              <a:extLst>
+                <a:ext uri="{FF2B5EF4-FFF2-40B4-BE49-F238E27FC236}">
+                  <a16:creationId xmlns:a16="http://schemas.microsoft.com/office/drawing/2014/main" id="{31B44149-B591-43EF-9649-2235EDF5398D}"/>
+                </a:ext>
+              </a:extLst>
+            </p:cNvPr>
+            <p:cNvCxnSpPr>
+              <a:cxnSpLocks/>
+              <a:stCxn id="11" idx="3"/>
+              <a:endCxn id="43" idx="1"/>
+            </p:cNvCxnSpPr>
+            <p:nvPr/>
+          </p:nvCxnSpPr>
+          <p:spPr>
+            <a:xfrm flipV="1">
+              <a:off x="8345864" y="1540250"/>
+              <a:ext cx="1186635" cy="2003937"/>
+            </a:xfrm>
+            <a:prstGeom prst="straightConnector1">
+              <a:avLst/>
+            </a:prstGeom>
+            <a:ln w="12700">
+              <a:solidFill>
+                <a:schemeClr val="accent1">
+                  <a:lumMod val="75000"/>
+                </a:schemeClr>
+              </a:solidFill>
+              <a:tailEnd type="triangle"/>
+            </a:ln>
+          </p:spPr>
+          <p:style>
+            <a:lnRef idx="1">
+              <a:schemeClr val="accent1"/>
+            </a:lnRef>
+            <a:fillRef idx="0">
+              <a:schemeClr val="accent1"/>
+            </a:fillRef>
+            <a:effectRef idx="0">
+              <a:schemeClr val="accent1"/>
+            </a:effectRef>
+            <a:fontRef idx="minor">
+              <a:schemeClr val="tx1"/>
+            </a:fontRef>
+          </p:style>
+        </p:cxnSp>
+        <p:cxnSp>
+          <p:nvCxnSpPr>
+            <p:cNvPr id="69" name="Straight Arrow Connector 68">
+              <a:extLst>
+                <a:ext uri="{FF2B5EF4-FFF2-40B4-BE49-F238E27FC236}">
+                  <a16:creationId xmlns:a16="http://schemas.microsoft.com/office/drawing/2014/main" id="{18D130C5-26CF-470A-87F0-3F8B4BBC3808}"/>
+                </a:ext>
+              </a:extLst>
+            </p:cNvPr>
+            <p:cNvCxnSpPr>
+              <a:cxnSpLocks/>
+              <a:stCxn id="11" idx="3"/>
+              <a:endCxn id="49" idx="1"/>
+            </p:cNvCxnSpPr>
+            <p:nvPr/>
+          </p:nvCxnSpPr>
+          <p:spPr>
+            <a:xfrm>
+              <a:off x="8345864" y="3544187"/>
+              <a:ext cx="1218750" cy="2160811"/>
+            </a:xfrm>
+            <a:prstGeom prst="straightConnector1">
+              <a:avLst/>
+            </a:prstGeom>
+            <a:ln w="12700">
+              <a:solidFill>
+                <a:schemeClr val="accent1">
+                  <a:lumMod val="75000"/>
+                </a:schemeClr>
+              </a:solidFill>
+              <a:tailEnd type="triangle"/>
+            </a:ln>
+          </p:spPr>
+          <p:style>
+            <a:lnRef idx="1">
+              <a:schemeClr val="accent1"/>
+            </a:lnRef>
+            <a:fillRef idx="0">
+              <a:schemeClr val="accent1"/>
+            </a:fillRef>
+            <a:effectRef idx="0">
+              <a:schemeClr val="accent1"/>
+            </a:effectRef>
+            <a:fontRef idx="minor">
+              <a:schemeClr val="tx1"/>
+            </a:fontRef>
+          </p:style>
+        </p:cxnSp>
+        <p:sp>
+          <p:nvSpPr>
+            <p:cNvPr id="72" name="Rectangle: Rounded Corners 71">
+              <a:extLst>
+                <a:ext uri="{FF2B5EF4-FFF2-40B4-BE49-F238E27FC236}">
+                  <a16:creationId xmlns:a16="http://schemas.microsoft.com/office/drawing/2014/main" id="{4775F5EA-AAD6-4D8D-B815-3641C4E4537E}"/>
+                </a:ext>
+              </a:extLst>
+            </p:cNvPr>
+            <p:cNvSpPr/>
+            <p:nvPr/>
+          </p:nvSpPr>
+          <p:spPr>
+            <a:xfrm>
+              <a:off x="8759167" y="2273738"/>
+              <a:ext cx="571051" cy="214310"/>
+            </a:xfrm>
+            <a:prstGeom prst="roundRect">
+              <a:avLst/>
+            </a:prstGeom>
+          </p:spPr>
+          <p:style>
+            <a:lnRef idx="2">
+              <a:schemeClr val="accent1">
+                <a:shade val="50000"/>
+              </a:schemeClr>
+            </a:lnRef>
+            <a:fillRef idx="1">
+              <a:schemeClr val="accent1"/>
+            </a:fillRef>
+            <a:effectRef idx="0">
+              <a:schemeClr val="accent1"/>
+            </a:effectRef>
+            <a:fontRef idx="minor">
+              <a:schemeClr val="lt1"/>
+            </a:fontRef>
+          </p:style>
+          <p:txBody>
+            <a:bodyPr rtlCol="0" anchor="ctr"/>
+            <a:lstStyle/>
+            <a:p>
+              <a:pPr algn="ctr"/>
+              <a:r>
+                <a:rPr lang="en-US" sz="700" dirty="0"/>
+                <a:t>JWT</a:t>
+              </a:r>
+              <a:endParaRPr lang="en-IN" dirty="0"/>
+            </a:p>
+          </p:txBody>
+        </p:sp>
+        <p:sp>
+          <p:nvSpPr>
+            <p:cNvPr id="73" name="Rectangle: Rounded Corners 72">
+              <a:extLst>
+                <a:ext uri="{FF2B5EF4-FFF2-40B4-BE49-F238E27FC236}">
+                  <a16:creationId xmlns:a16="http://schemas.microsoft.com/office/drawing/2014/main" id="{F9DE0DA4-5C60-45D6-93A3-93A2EF6D587D}"/>
+                </a:ext>
+              </a:extLst>
+            </p:cNvPr>
+            <p:cNvSpPr/>
+            <p:nvPr/>
+          </p:nvSpPr>
+          <p:spPr>
+            <a:xfrm>
+              <a:off x="8758774" y="1928246"/>
+              <a:ext cx="571051" cy="214310"/>
+            </a:xfrm>
+            <a:prstGeom prst="roundRect">
+              <a:avLst/>
+            </a:prstGeom>
+          </p:spPr>
+          <p:style>
+            <a:lnRef idx="2">
+              <a:schemeClr val="accent1">
+                <a:shade val="50000"/>
+              </a:schemeClr>
+            </a:lnRef>
+            <a:fillRef idx="1">
+              <a:schemeClr val="accent1"/>
+            </a:fillRef>
+            <a:effectRef idx="0">
+              <a:schemeClr val="accent1"/>
+            </a:effectRef>
+            <a:fontRef idx="minor">
+              <a:schemeClr val="lt1"/>
+            </a:fontRef>
+          </p:style>
+          <p:txBody>
+            <a:bodyPr rtlCol="0" anchor="ctr"/>
+            <a:lstStyle/>
+            <a:p>
+              <a:pPr algn="ctr"/>
+              <a:r>
+                <a:rPr lang="en-US" sz="700" dirty="0"/>
+                <a:t>JWT</a:t>
+              </a:r>
+              <a:endParaRPr lang="en-IN" dirty="0"/>
+            </a:p>
+          </p:txBody>
+        </p:sp>
+        <p:sp>
+          <p:nvSpPr>
+            <p:cNvPr id="74" name="Rectangle: Rounded Corners 73">
+              <a:extLst>
+                <a:ext uri="{FF2B5EF4-FFF2-40B4-BE49-F238E27FC236}">
+                  <a16:creationId xmlns:a16="http://schemas.microsoft.com/office/drawing/2014/main" id="{CFFDA6DD-731E-4393-8E46-F33EDC0DCAF9}"/>
+                </a:ext>
+              </a:extLst>
+            </p:cNvPr>
+            <p:cNvSpPr/>
+            <p:nvPr/>
+          </p:nvSpPr>
+          <p:spPr>
+            <a:xfrm>
+              <a:off x="8784322" y="2934361"/>
+              <a:ext cx="571051" cy="214310"/>
+            </a:xfrm>
+            <a:prstGeom prst="roundRect">
+              <a:avLst/>
+            </a:prstGeom>
+          </p:spPr>
+          <p:style>
+            <a:lnRef idx="2">
+              <a:schemeClr val="accent1">
+                <a:shade val="50000"/>
+              </a:schemeClr>
+            </a:lnRef>
+            <a:fillRef idx="1">
+              <a:schemeClr val="accent1"/>
+            </a:fillRef>
+            <a:effectRef idx="0">
+              <a:schemeClr val="accent1"/>
+            </a:effectRef>
+            <a:fontRef idx="minor">
+              <a:schemeClr val="lt1"/>
+            </a:fontRef>
+          </p:style>
+          <p:txBody>
+            <a:bodyPr rtlCol="0" anchor="ctr"/>
+            <a:lstStyle/>
+            <a:p>
+              <a:pPr algn="ctr"/>
+              <a:r>
+                <a:rPr lang="en-US" sz="700" dirty="0"/>
+                <a:t>JWT</a:t>
+              </a:r>
+              <a:endParaRPr lang="en-IN" dirty="0"/>
+            </a:p>
+          </p:txBody>
+        </p:sp>
+        <p:sp>
+          <p:nvSpPr>
+            <p:cNvPr id="75" name="Rectangle: Rounded Corners 74">
+              <a:extLst>
+                <a:ext uri="{FF2B5EF4-FFF2-40B4-BE49-F238E27FC236}">
+                  <a16:creationId xmlns:a16="http://schemas.microsoft.com/office/drawing/2014/main" id="{968C19F6-43E0-40E3-B340-21A124760230}"/>
+                </a:ext>
+              </a:extLst>
+            </p:cNvPr>
+            <p:cNvSpPr/>
+            <p:nvPr/>
+          </p:nvSpPr>
+          <p:spPr>
+            <a:xfrm>
+              <a:off x="8768133" y="3467992"/>
+              <a:ext cx="571051" cy="214310"/>
+            </a:xfrm>
+            <a:prstGeom prst="roundRect">
+              <a:avLst/>
+            </a:prstGeom>
+          </p:spPr>
+          <p:style>
+            <a:lnRef idx="2">
+              <a:schemeClr val="accent1">
+                <a:shade val="50000"/>
+              </a:schemeClr>
+            </a:lnRef>
+            <a:fillRef idx="1">
+              <a:schemeClr val="accent1"/>
+            </a:fillRef>
+            <a:effectRef idx="0">
+              <a:schemeClr val="accent1"/>
+            </a:effectRef>
+            <a:fontRef idx="minor">
+              <a:schemeClr val="lt1"/>
+            </a:fontRef>
+          </p:style>
+          <p:txBody>
+            <a:bodyPr rtlCol="0" anchor="ctr"/>
+            <a:lstStyle/>
+            <a:p>
+              <a:pPr algn="ctr"/>
+              <a:r>
+                <a:rPr lang="en-US" sz="700" dirty="0"/>
+                <a:t>JWT</a:t>
+              </a:r>
+              <a:endParaRPr lang="en-IN" dirty="0"/>
+            </a:p>
+          </p:txBody>
+        </p:sp>
+        <p:sp>
+          <p:nvSpPr>
+            <p:cNvPr id="76" name="Rectangle: Rounded Corners 75">
+              <a:extLst>
+                <a:ext uri="{FF2B5EF4-FFF2-40B4-BE49-F238E27FC236}">
+                  <a16:creationId xmlns:a16="http://schemas.microsoft.com/office/drawing/2014/main" id="{B2FD4CE0-AA13-4753-A5D0-89AB63C8F372}"/>
+                </a:ext>
+              </a:extLst>
+            </p:cNvPr>
+            <p:cNvSpPr/>
+            <p:nvPr/>
+          </p:nvSpPr>
+          <p:spPr>
+            <a:xfrm>
+              <a:off x="8812574" y="4090162"/>
+              <a:ext cx="571051" cy="214310"/>
+            </a:xfrm>
+            <a:prstGeom prst="roundRect">
+              <a:avLst/>
+            </a:prstGeom>
+          </p:spPr>
+          <p:style>
+            <a:lnRef idx="2">
+              <a:schemeClr val="accent1">
+                <a:shade val="50000"/>
+              </a:schemeClr>
+            </a:lnRef>
+            <a:fillRef idx="1">
+              <a:schemeClr val="accent1"/>
+            </a:fillRef>
+            <a:effectRef idx="0">
+              <a:schemeClr val="accent1"/>
+            </a:effectRef>
+            <a:fontRef idx="minor">
+              <a:schemeClr val="lt1"/>
+            </a:fontRef>
+          </p:style>
+          <p:txBody>
+            <a:bodyPr rtlCol="0" anchor="ctr"/>
+            <a:lstStyle/>
+            <a:p>
+              <a:pPr algn="ctr"/>
+              <a:r>
+                <a:rPr lang="en-US" sz="700" dirty="0"/>
+                <a:t>JWT</a:t>
+              </a:r>
+              <a:endParaRPr lang="en-IN" dirty="0"/>
+            </a:p>
+          </p:txBody>
+        </p:sp>
+        <p:sp>
+          <p:nvSpPr>
+            <p:cNvPr id="77" name="Rectangle: Rounded Corners 76">
+              <a:extLst>
+                <a:ext uri="{FF2B5EF4-FFF2-40B4-BE49-F238E27FC236}">
+                  <a16:creationId xmlns:a16="http://schemas.microsoft.com/office/drawing/2014/main" id="{D745C5DE-6F0A-46E9-999C-9FE4F415C781}"/>
+                </a:ext>
+              </a:extLst>
+            </p:cNvPr>
+            <p:cNvSpPr/>
+            <p:nvPr/>
+          </p:nvSpPr>
+          <p:spPr>
+            <a:xfrm>
+              <a:off x="8807748" y="4688538"/>
+              <a:ext cx="571051" cy="214310"/>
+            </a:xfrm>
+            <a:prstGeom prst="roundRect">
+              <a:avLst/>
+            </a:prstGeom>
+          </p:spPr>
+          <p:style>
+            <a:lnRef idx="2">
+              <a:schemeClr val="accent1">
+                <a:shade val="50000"/>
+              </a:schemeClr>
+            </a:lnRef>
+            <a:fillRef idx="1">
+              <a:schemeClr val="accent1"/>
+            </a:fillRef>
+            <a:effectRef idx="0">
+              <a:schemeClr val="accent1"/>
+            </a:effectRef>
+            <a:fontRef idx="minor">
+              <a:schemeClr val="lt1"/>
+            </a:fontRef>
+          </p:style>
+          <p:txBody>
+            <a:bodyPr rtlCol="0" anchor="ctr"/>
+            <a:lstStyle/>
+            <a:p>
+              <a:pPr algn="ctr"/>
+              <a:r>
+                <a:rPr lang="en-US" sz="700" dirty="0"/>
+                <a:t>JWT</a:t>
+              </a:r>
+              <a:endParaRPr lang="en-IN" dirty="0"/>
+            </a:p>
+          </p:txBody>
+        </p:sp>
+        <p:sp>
+          <p:nvSpPr>
+            <p:cNvPr id="78" name="Rectangle: Rounded Corners 77">
+              <a:extLst>
+                <a:ext uri="{FF2B5EF4-FFF2-40B4-BE49-F238E27FC236}">
+                  <a16:creationId xmlns:a16="http://schemas.microsoft.com/office/drawing/2014/main" id="{F844E64D-31ED-4C65-8C99-425A48A2EBAC}"/>
+                </a:ext>
+              </a:extLst>
+            </p:cNvPr>
+            <p:cNvSpPr/>
+            <p:nvPr/>
+          </p:nvSpPr>
+          <p:spPr>
+            <a:xfrm>
+              <a:off x="9022847" y="5335711"/>
+              <a:ext cx="571051" cy="214310"/>
+            </a:xfrm>
+            <a:prstGeom prst="roundRect">
+              <a:avLst/>
+            </a:prstGeom>
+          </p:spPr>
+          <p:style>
+            <a:lnRef idx="2">
+              <a:schemeClr val="accent1">
+                <a:shade val="50000"/>
+              </a:schemeClr>
+            </a:lnRef>
+            <a:fillRef idx="1">
+              <a:schemeClr val="accent1"/>
+            </a:fillRef>
+            <a:effectRef idx="0">
+              <a:schemeClr val="accent1"/>
+            </a:effectRef>
+            <a:fontRef idx="minor">
+              <a:schemeClr val="lt1"/>
+            </a:fontRef>
+          </p:style>
+          <p:txBody>
+            <a:bodyPr rtlCol="0" anchor="ctr"/>
+            <a:lstStyle/>
+            <a:p>
+              <a:pPr algn="ctr"/>
+              <a:r>
+                <a:rPr lang="en-US" sz="700" dirty="0"/>
+                <a:t>JWT</a:t>
+              </a:r>
+              <a:endParaRPr lang="en-IN" dirty="0"/>
+            </a:p>
+          </p:txBody>
+        </p:sp>
+        <p:cxnSp>
+          <p:nvCxnSpPr>
+            <p:cNvPr id="92" name="Straight Arrow Connector 91">
+              <a:extLst>
+                <a:ext uri="{FF2B5EF4-FFF2-40B4-BE49-F238E27FC236}">
+                  <a16:creationId xmlns:a16="http://schemas.microsoft.com/office/drawing/2014/main" id="{EFF6382D-4083-47BF-BFF1-E19D1F909C51}"/>
+                </a:ext>
+              </a:extLst>
+            </p:cNvPr>
+            <p:cNvCxnSpPr>
+              <a:cxnSpLocks/>
+            </p:cNvCxnSpPr>
+            <p:nvPr/>
+          </p:nvCxnSpPr>
+          <p:spPr>
+            <a:xfrm>
+              <a:off x="1259867" y="3520831"/>
+              <a:ext cx="871073" cy="0"/>
+            </a:xfrm>
+            <a:prstGeom prst="straightConnector1">
+              <a:avLst/>
+            </a:prstGeom>
+            <a:ln w="38100">
+              <a:tailEnd type="triangle"/>
+            </a:ln>
+          </p:spPr>
+          <p:style>
+            <a:lnRef idx="1">
+              <a:schemeClr val="accent1"/>
+            </a:lnRef>
+            <a:fillRef idx="0">
+              <a:schemeClr val="accent1"/>
+            </a:fillRef>
+            <a:effectRef idx="0">
+              <a:schemeClr val="accent1"/>
+            </a:effectRef>
+            <a:fontRef idx="minor">
+              <a:schemeClr val="tx1"/>
+            </a:fontRef>
+          </p:style>
+        </p:cxnSp>
+        <p:sp>
+          <p:nvSpPr>
+            <p:cNvPr id="63" name="Rectangle: Rounded Corners 62">
+              <a:extLst>
+                <a:ext uri="{FF2B5EF4-FFF2-40B4-BE49-F238E27FC236}">
+                  <a16:creationId xmlns:a16="http://schemas.microsoft.com/office/drawing/2014/main" id="{0A2FE558-4C25-4186-9561-4E069ED72C64}"/>
+                </a:ext>
+              </a:extLst>
+            </p:cNvPr>
+            <p:cNvSpPr/>
+            <p:nvPr/>
+          </p:nvSpPr>
+          <p:spPr>
+            <a:xfrm>
+              <a:off x="5327009" y="821805"/>
+              <a:ext cx="1989901" cy="600075"/>
+            </a:xfrm>
+            <a:prstGeom prst="roundRect">
+              <a:avLst/>
+            </a:prstGeom>
+            <a:solidFill>
+              <a:schemeClr val="accent1"/>
+            </a:solidFill>
+          </p:spPr>
+          <p:style>
+            <a:lnRef idx="2">
+              <a:schemeClr val="accent5">
+                <a:shade val="50000"/>
+              </a:schemeClr>
+            </a:lnRef>
+            <a:fillRef idx="1">
+              <a:schemeClr val="accent5"/>
+            </a:fillRef>
+            <a:effectRef idx="0">
+              <a:schemeClr val="accent5"/>
+            </a:effectRef>
+            <a:fontRef idx="minor">
+              <a:schemeClr val="lt1"/>
+            </a:fontRef>
+          </p:style>
+          <p:txBody>
+            <a:bodyPr rtlCol="0" anchor="ctr"/>
+            <a:lstStyle/>
+            <a:p>
+              <a:pPr algn="ctr"/>
+              <a:r>
+                <a:rPr lang="en-US" sz="1400" dirty="0">
+                  <a:ln w="0"/>
+                  <a:solidFill>
+                    <a:schemeClr val="bg1"/>
+                  </a:solidFill>
+                  <a:effectLst>
+                    <a:outerShdw blurRad="38100" dist="19050" dir="2700000" algn="tl" rotWithShape="0">
+                      <a:schemeClr val="dk1">
+                        <a:alpha val="40000"/>
+                      </a:schemeClr>
+                    </a:outerShdw>
+                  </a:effectLst>
+                </a:rPr>
+                <a:t>Config Server</a:t>
+              </a:r>
+              <a:endParaRPr lang="en-IN" sz="1050" dirty="0">
+                <a:solidFill>
+                  <a:schemeClr val="bg1"/>
+                </a:solidFill>
+              </a:endParaRPr>
+            </a:p>
+          </p:txBody>
+        </p:sp>
+        <p:pic>
+          <p:nvPicPr>
+            <p:cNvPr id="9" name="Picture 8">
+              <a:extLst>
+                <a:ext uri="{FF2B5EF4-FFF2-40B4-BE49-F238E27FC236}">
+                  <a16:creationId xmlns:a16="http://schemas.microsoft.com/office/drawing/2014/main" id="{79CE65E2-D6FC-4BC0-A6BB-17320557F947}"/>
+                </a:ext>
+              </a:extLst>
+            </p:cNvPr>
+            <p:cNvPicPr>
+              <a:picLocks noChangeAspect="1"/>
+            </p:cNvPicPr>
+            <p:nvPr/>
+          </p:nvPicPr>
+          <p:blipFill>
+            <a:blip r:embed="rId2"/>
+            <a:stretch>
+              <a:fillRect/>
+            </a:stretch>
+          </p:blipFill>
+          <p:spPr>
+            <a:xfrm>
+              <a:off x="4701232" y="171982"/>
+              <a:ext cx="2603087" cy="590546"/>
+            </a:xfrm>
+            <a:prstGeom prst="rect">
+              <a:avLst/>
+            </a:prstGeom>
+          </p:spPr>
+        </p:pic>
+        <p:sp>
+          <p:nvSpPr>
+            <p:cNvPr id="59" name="TextBox 58">
+              <a:extLst>
+                <a:ext uri="{FF2B5EF4-FFF2-40B4-BE49-F238E27FC236}">
+                  <a16:creationId xmlns:a16="http://schemas.microsoft.com/office/drawing/2014/main" id="{B8A7C168-43B6-4957-B517-FFE7B334F1C9}"/>
+                </a:ext>
+              </a:extLst>
+            </p:cNvPr>
+            <p:cNvSpPr txBox="1"/>
+            <p:nvPr/>
+          </p:nvSpPr>
+          <p:spPr>
+            <a:xfrm>
+              <a:off x="7591544" y="1045702"/>
+              <a:ext cx="1787255" cy="276999"/>
+            </a:xfrm>
+            <a:prstGeom prst="rect">
+              <a:avLst/>
+            </a:prstGeom>
+            <a:solidFill>
+              <a:schemeClr val="accent1">
+                <a:lumMod val="20000"/>
+                <a:lumOff val="80000"/>
+              </a:schemeClr>
+            </a:solidFill>
+          </p:spPr>
+          <p:style>
+            <a:lnRef idx="2">
+              <a:schemeClr val="accent6"/>
+            </a:lnRef>
+            <a:fillRef idx="1">
+              <a:schemeClr val="lt1"/>
+            </a:fillRef>
+            <a:effectRef idx="0">
+              <a:schemeClr val="accent6"/>
+            </a:effectRef>
+            <a:fontRef idx="minor">
+              <a:schemeClr val="dk1"/>
+            </a:fontRef>
+          </p:style>
+          <p:txBody>
+            <a:bodyPr wrap="square" rtlCol="0">
+              <a:spAutoFit/>
+            </a:bodyPr>
+            <a:lstStyle/>
+            <a:p>
+              <a:pPr algn="ctr"/>
+              <a:r>
+                <a:rPr lang="en-US" sz="1200" dirty="0"/>
+                <a:t>All Microservices</a:t>
+              </a:r>
+              <a:endParaRPr lang="en-IN" sz="1200" dirty="0"/>
+            </a:p>
+          </p:txBody>
+        </p:sp>
+        <p:cxnSp>
+          <p:nvCxnSpPr>
+            <p:cNvPr id="62" name="Straight Arrow Connector 61">
+              <a:extLst>
+                <a:ext uri="{FF2B5EF4-FFF2-40B4-BE49-F238E27FC236}">
+                  <a16:creationId xmlns:a16="http://schemas.microsoft.com/office/drawing/2014/main" id="{90F39696-5C3E-4039-AA99-4E3F2F6F6C66}"/>
+                </a:ext>
+              </a:extLst>
+            </p:cNvPr>
+            <p:cNvCxnSpPr>
+              <a:cxnSpLocks/>
+              <a:endCxn id="59" idx="3"/>
+            </p:cNvCxnSpPr>
+            <p:nvPr/>
+          </p:nvCxnSpPr>
+          <p:spPr>
+            <a:xfrm flipH="1">
+              <a:off x="9378799" y="1184202"/>
+              <a:ext cx="540067" cy="0"/>
+            </a:xfrm>
+            <a:prstGeom prst="straightConnector1">
+              <a:avLst/>
+            </a:prstGeom>
+            <a:ln>
+              <a:tailEnd type="triangle"/>
+            </a:ln>
+          </p:spPr>
+          <p:style>
+            <a:lnRef idx="1">
+              <a:schemeClr val="accent1"/>
+            </a:lnRef>
+            <a:fillRef idx="0">
+              <a:schemeClr val="accent1"/>
+            </a:fillRef>
+            <a:effectRef idx="0">
+              <a:schemeClr val="accent1"/>
+            </a:effectRef>
+            <a:fontRef idx="minor">
+              <a:schemeClr val="tx1"/>
+            </a:fontRef>
+          </p:style>
+        </p:cxnSp>
+        <p:cxnSp>
+          <p:nvCxnSpPr>
+            <p:cNvPr id="67" name="Straight Arrow Connector 66">
+              <a:extLst>
+                <a:ext uri="{FF2B5EF4-FFF2-40B4-BE49-F238E27FC236}">
+                  <a16:creationId xmlns:a16="http://schemas.microsoft.com/office/drawing/2014/main" id="{84DBE4F2-BAA8-4DF7-A994-2AEDCC27D5C4}"/>
+                </a:ext>
+              </a:extLst>
+            </p:cNvPr>
+            <p:cNvCxnSpPr>
+              <a:cxnSpLocks/>
+              <a:stCxn id="59" idx="1"/>
+            </p:cNvCxnSpPr>
+            <p:nvPr/>
+          </p:nvCxnSpPr>
+          <p:spPr>
+            <a:xfrm flipH="1">
+              <a:off x="7304319" y="1184202"/>
+              <a:ext cx="287225" cy="0"/>
+            </a:xfrm>
+            <a:prstGeom prst="straightConnector1">
+              <a:avLst/>
+            </a:prstGeom>
+            <a:ln>
+              <a:tailEnd type="triangle"/>
+            </a:ln>
+          </p:spPr>
+          <p:style>
+            <a:lnRef idx="1">
+              <a:schemeClr val="accent1"/>
+            </a:lnRef>
+            <a:fillRef idx="0">
+              <a:schemeClr val="accent1"/>
+            </a:fillRef>
+            <a:effectRef idx="0">
+              <a:schemeClr val="accent1"/>
+            </a:effectRef>
+            <a:fontRef idx="minor">
+              <a:schemeClr val="tx1"/>
+            </a:fontRef>
+          </p:style>
+        </p:cxnSp>
+        <p:pic>
+          <p:nvPicPr>
+            <p:cNvPr id="54" name="Picture 53">
+              <a:extLst>
+                <a:ext uri="{FF2B5EF4-FFF2-40B4-BE49-F238E27FC236}">
+                  <a16:creationId xmlns:a16="http://schemas.microsoft.com/office/drawing/2014/main" id="{9090D4E5-E730-4AB7-AA4D-A17DF39D2A53}"/>
+                </a:ext>
+              </a:extLst>
+            </p:cNvPr>
+            <p:cNvPicPr>
+              <a:picLocks noChangeAspect="1"/>
+            </p:cNvPicPr>
+            <p:nvPr/>
+          </p:nvPicPr>
+          <p:blipFill>
+            <a:blip r:embed="rId3"/>
+            <a:stretch>
+              <a:fillRect/>
+            </a:stretch>
+          </p:blipFill>
+          <p:spPr>
+            <a:xfrm>
+              <a:off x="5044165" y="5457030"/>
+              <a:ext cx="1333500" cy="933450"/>
+            </a:xfrm>
+            <a:prstGeom prst="rect">
+              <a:avLst/>
+            </a:prstGeom>
+          </p:spPr>
+        </p:pic>
+        <p:pic>
+          <p:nvPicPr>
+            <p:cNvPr id="55" name="Picture 54">
+              <a:extLst>
+                <a:ext uri="{FF2B5EF4-FFF2-40B4-BE49-F238E27FC236}">
+                  <a16:creationId xmlns:a16="http://schemas.microsoft.com/office/drawing/2014/main" id="{8CE2B365-A988-4414-886D-1A2BE8F52A2A}"/>
+                </a:ext>
+              </a:extLst>
+            </p:cNvPr>
+            <p:cNvPicPr>
+              <a:picLocks noChangeAspect="1"/>
+            </p:cNvPicPr>
+            <p:nvPr/>
+          </p:nvPicPr>
+          <p:blipFill>
+            <a:blip r:embed="rId4"/>
+            <a:stretch>
+              <a:fillRect/>
+            </a:stretch>
+          </p:blipFill>
+          <p:spPr>
+            <a:xfrm>
+              <a:off x="222757" y="3093293"/>
+              <a:ext cx="1076325" cy="1028700"/>
+            </a:xfrm>
+            <a:prstGeom prst="rect">
+              <a:avLst/>
+            </a:prstGeom>
+          </p:spPr>
+        </p:pic>
+        <p:sp>
+          <p:nvSpPr>
+            <p:cNvPr id="96" name="Rectangle: Rounded Corners 95">
+              <a:extLst>
+                <a:ext uri="{FF2B5EF4-FFF2-40B4-BE49-F238E27FC236}">
+                  <a16:creationId xmlns:a16="http://schemas.microsoft.com/office/drawing/2014/main" id="{330A8D6E-8D0E-4C3C-8F0F-3316A8FC3A27}"/>
+                </a:ext>
+              </a:extLst>
+            </p:cNvPr>
+            <p:cNvSpPr/>
+            <p:nvPr/>
+          </p:nvSpPr>
+          <p:spPr>
+            <a:xfrm>
+              <a:off x="2130940" y="3220061"/>
+              <a:ext cx="1687175" cy="788011"/>
+            </a:xfrm>
+            <a:prstGeom prst="roundRect">
+              <a:avLst/>
+            </a:prstGeom>
+          </p:spPr>
+          <p:style>
+            <a:lnRef idx="2">
+              <a:schemeClr val="accent1">
+                <a:shade val="50000"/>
+              </a:schemeClr>
+            </a:lnRef>
+            <a:fillRef idx="1">
+              <a:schemeClr val="accent1"/>
+            </a:fillRef>
+            <a:effectRef idx="0">
+              <a:schemeClr val="accent1"/>
+            </a:effectRef>
+            <a:fontRef idx="minor">
+              <a:schemeClr val="lt1"/>
+            </a:fontRef>
+          </p:style>
+          <p:txBody>
+            <a:bodyPr rtlCol="0" anchor="ctr"/>
+            <a:lstStyle/>
+            <a:p>
+              <a:pPr algn="ctr"/>
+              <a:r>
+                <a:rPr lang="en-US" sz="1050" dirty="0"/>
+                <a:t>Client Application </a:t>
+              </a:r>
+            </a:p>
+            <a:p>
+              <a:pPr algn="ctr"/>
+              <a:r>
+                <a:rPr lang="en-US" sz="1050" dirty="0">
+                  <a:solidFill>
+                    <a:schemeClr val="bg1"/>
+                  </a:solidFill>
+                </a:rPr>
+                <a:t>(can be Spring MVC)</a:t>
+              </a:r>
+              <a:endParaRPr lang="en-IN" sz="1050" dirty="0">
+                <a:solidFill>
+                  <a:schemeClr val="bg1"/>
+                </a:solidFill>
+              </a:endParaRPr>
+            </a:p>
+          </p:txBody>
+        </p:sp>
+        <p:pic>
+          <p:nvPicPr>
+            <p:cNvPr id="108" name="Picture 107">
+              <a:extLst>
+                <a:ext uri="{FF2B5EF4-FFF2-40B4-BE49-F238E27FC236}">
+                  <a16:creationId xmlns:a16="http://schemas.microsoft.com/office/drawing/2014/main" id="{77A54D0B-0835-4628-AE13-A70ACE40CB80}"/>
+                </a:ext>
+              </a:extLst>
+            </p:cNvPr>
+            <p:cNvPicPr>
+              <a:picLocks noChangeAspect="1"/>
+            </p:cNvPicPr>
+            <p:nvPr/>
+          </p:nvPicPr>
+          <p:blipFill>
+            <a:blip r:embed="rId5"/>
+            <a:stretch>
+              <a:fillRect/>
+            </a:stretch>
+          </p:blipFill>
+          <p:spPr>
+            <a:xfrm>
+              <a:off x="2127276" y="1821267"/>
+              <a:ext cx="1814272" cy="1175841"/>
+            </a:xfrm>
+            <a:prstGeom prst="rect">
+              <a:avLst/>
+            </a:prstGeom>
+          </p:spPr>
+        </p:pic>
+        <p:sp>
+          <p:nvSpPr>
+            <p:cNvPr id="109" name="TextBox 108">
+              <a:extLst>
+                <a:ext uri="{FF2B5EF4-FFF2-40B4-BE49-F238E27FC236}">
+                  <a16:creationId xmlns:a16="http://schemas.microsoft.com/office/drawing/2014/main" id="{3370C2E8-C38E-41CE-9642-1DC80AA0197C}"/>
+                </a:ext>
+              </a:extLst>
+            </p:cNvPr>
+            <p:cNvSpPr txBox="1"/>
+            <p:nvPr/>
+          </p:nvSpPr>
+          <p:spPr>
+            <a:xfrm>
+              <a:off x="48055" y="4205293"/>
+              <a:ext cx="1656180" cy="230832"/>
+            </a:xfrm>
+            <a:prstGeom prst="rect">
+              <a:avLst/>
+            </a:prstGeom>
+            <a:noFill/>
+          </p:spPr>
+          <p:txBody>
+            <a:bodyPr wrap="square" rtlCol="0">
+              <a:spAutoFit/>
+            </a:bodyPr>
+            <a:lstStyle/>
+            <a:p>
+              <a:r>
+                <a:rPr lang="en-US" sz="900" b="1" dirty="0">
+                  <a:solidFill>
+                    <a:schemeClr val="accent6"/>
+                  </a:solidFill>
+                </a:rPr>
+                <a:t>USER OR RESOURCE OWNER</a:t>
+              </a:r>
+              <a:endParaRPr lang="en-IN" sz="900" b="1" dirty="0">
+                <a:solidFill>
+                  <a:schemeClr val="accent6"/>
+                </a:solidFill>
+              </a:endParaRPr>
+            </a:p>
+          </p:txBody>
+        </p:sp>
+        <p:cxnSp>
+          <p:nvCxnSpPr>
+            <p:cNvPr id="113" name="Straight Arrow Connector 112">
+              <a:extLst>
+                <a:ext uri="{FF2B5EF4-FFF2-40B4-BE49-F238E27FC236}">
+                  <a16:creationId xmlns:a16="http://schemas.microsoft.com/office/drawing/2014/main" id="{6EA0FE23-CBCD-4FA1-A5C7-533319824A05}"/>
+                </a:ext>
+              </a:extLst>
+            </p:cNvPr>
+            <p:cNvCxnSpPr>
+              <a:cxnSpLocks/>
+            </p:cNvCxnSpPr>
+            <p:nvPr/>
+          </p:nvCxnSpPr>
+          <p:spPr>
+            <a:xfrm flipV="1">
+              <a:off x="11416729" y="2139970"/>
+              <a:ext cx="333765" cy="12053"/>
+            </a:xfrm>
+            <a:prstGeom prst="straightConnector1">
+              <a:avLst/>
+            </a:prstGeom>
+            <a:ln>
+              <a:headEnd type="triangle"/>
+              <a:tailEnd type="triangle"/>
+            </a:ln>
+          </p:spPr>
+          <p:style>
+            <a:lnRef idx="1">
+              <a:schemeClr val="accent4"/>
+            </a:lnRef>
+            <a:fillRef idx="0">
+              <a:schemeClr val="accent4"/>
+            </a:fillRef>
+            <a:effectRef idx="0">
+              <a:schemeClr val="accent4"/>
+            </a:effectRef>
+            <a:fontRef idx="minor">
+              <a:schemeClr val="tx1"/>
+            </a:fontRef>
+          </p:style>
+        </p:cxnSp>
+        <p:cxnSp>
+          <p:nvCxnSpPr>
+            <p:cNvPr id="114" name="Straight Arrow Connector 113">
+              <a:extLst>
+                <a:ext uri="{FF2B5EF4-FFF2-40B4-BE49-F238E27FC236}">
+                  <a16:creationId xmlns:a16="http://schemas.microsoft.com/office/drawing/2014/main" id="{B28F6333-2A4E-4AA4-934E-7283890EB883}"/>
+                </a:ext>
+              </a:extLst>
+            </p:cNvPr>
+            <p:cNvCxnSpPr>
+              <a:cxnSpLocks/>
+            </p:cNvCxnSpPr>
+            <p:nvPr/>
+          </p:nvCxnSpPr>
+          <p:spPr>
+            <a:xfrm flipV="1">
+              <a:off x="11410822" y="2837847"/>
+              <a:ext cx="333765" cy="12053"/>
+            </a:xfrm>
+            <a:prstGeom prst="straightConnector1">
+              <a:avLst/>
+            </a:prstGeom>
+            <a:ln>
+              <a:headEnd type="triangle"/>
+              <a:tailEnd type="triangle"/>
+            </a:ln>
+          </p:spPr>
+          <p:style>
+            <a:lnRef idx="1">
+              <a:schemeClr val="accent4"/>
+            </a:lnRef>
+            <a:fillRef idx="0">
+              <a:schemeClr val="accent4"/>
+            </a:fillRef>
+            <a:effectRef idx="0">
+              <a:schemeClr val="accent4"/>
+            </a:effectRef>
+            <a:fontRef idx="minor">
+              <a:schemeClr val="tx1"/>
+            </a:fontRef>
+          </p:style>
+        </p:cxnSp>
+        <p:cxnSp>
+          <p:nvCxnSpPr>
+            <p:cNvPr id="115" name="Straight Arrow Connector 114">
+              <a:extLst>
+                <a:ext uri="{FF2B5EF4-FFF2-40B4-BE49-F238E27FC236}">
+                  <a16:creationId xmlns:a16="http://schemas.microsoft.com/office/drawing/2014/main" id="{8C9B7424-F058-41F2-B901-A05E2FD6BC18}"/>
+                </a:ext>
+              </a:extLst>
+            </p:cNvPr>
+            <p:cNvCxnSpPr>
+              <a:cxnSpLocks/>
+            </p:cNvCxnSpPr>
+            <p:nvPr/>
+          </p:nvCxnSpPr>
+          <p:spPr>
+            <a:xfrm flipV="1">
+              <a:off x="11410822" y="3508778"/>
+              <a:ext cx="333765" cy="12053"/>
+            </a:xfrm>
+            <a:prstGeom prst="straightConnector1">
+              <a:avLst/>
+            </a:prstGeom>
+            <a:ln>
+              <a:headEnd type="triangle"/>
+              <a:tailEnd type="triangle"/>
+            </a:ln>
+          </p:spPr>
+          <p:style>
+            <a:lnRef idx="1">
+              <a:schemeClr val="accent4"/>
+            </a:lnRef>
+            <a:fillRef idx="0">
+              <a:schemeClr val="accent4"/>
+            </a:fillRef>
+            <a:effectRef idx="0">
+              <a:schemeClr val="accent4"/>
+            </a:effectRef>
+            <a:fontRef idx="minor">
+              <a:schemeClr val="tx1"/>
+            </a:fontRef>
+          </p:style>
+        </p:cxnSp>
+        <p:cxnSp>
+          <p:nvCxnSpPr>
+            <p:cNvPr id="116" name="Straight Arrow Connector 115">
+              <a:extLst>
+                <a:ext uri="{FF2B5EF4-FFF2-40B4-BE49-F238E27FC236}">
+                  <a16:creationId xmlns:a16="http://schemas.microsoft.com/office/drawing/2014/main" id="{3C6E9B54-A62A-42A1-AF3A-FFBA9266CB46}"/>
+                </a:ext>
+              </a:extLst>
+            </p:cNvPr>
+            <p:cNvCxnSpPr>
+              <a:cxnSpLocks/>
+            </p:cNvCxnSpPr>
+            <p:nvPr/>
+          </p:nvCxnSpPr>
+          <p:spPr>
+            <a:xfrm flipV="1">
+              <a:off x="11456542" y="4349808"/>
+              <a:ext cx="333765" cy="12053"/>
+            </a:xfrm>
+            <a:prstGeom prst="straightConnector1">
+              <a:avLst/>
+            </a:prstGeom>
+            <a:ln>
+              <a:headEnd type="triangle"/>
+              <a:tailEnd type="triangle"/>
+            </a:ln>
+          </p:spPr>
+          <p:style>
+            <a:lnRef idx="1">
+              <a:schemeClr val="accent4"/>
+            </a:lnRef>
+            <a:fillRef idx="0">
+              <a:schemeClr val="accent4"/>
+            </a:fillRef>
+            <a:effectRef idx="0">
+              <a:schemeClr val="accent4"/>
+            </a:effectRef>
+            <a:fontRef idx="minor">
+              <a:schemeClr val="tx1"/>
+            </a:fontRef>
+          </p:style>
+        </p:cxnSp>
+        <p:cxnSp>
+          <p:nvCxnSpPr>
+            <p:cNvPr id="117" name="Straight Arrow Connector 116">
+              <a:extLst>
+                <a:ext uri="{FF2B5EF4-FFF2-40B4-BE49-F238E27FC236}">
+                  <a16:creationId xmlns:a16="http://schemas.microsoft.com/office/drawing/2014/main" id="{DF8F3C25-8650-4E9F-99CA-183188048495}"/>
+                </a:ext>
+              </a:extLst>
+            </p:cNvPr>
+            <p:cNvCxnSpPr>
+              <a:cxnSpLocks/>
+            </p:cNvCxnSpPr>
+            <p:nvPr/>
+          </p:nvCxnSpPr>
+          <p:spPr>
+            <a:xfrm flipV="1">
+              <a:off x="11449287" y="5067879"/>
+              <a:ext cx="333765" cy="12053"/>
+            </a:xfrm>
+            <a:prstGeom prst="straightConnector1">
+              <a:avLst/>
+            </a:prstGeom>
+            <a:ln>
+              <a:headEnd type="triangle"/>
+              <a:tailEnd type="triangle"/>
+            </a:ln>
+          </p:spPr>
+          <p:style>
+            <a:lnRef idx="1">
+              <a:schemeClr val="accent4"/>
+            </a:lnRef>
+            <a:fillRef idx="0">
+              <a:schemeClr val="accent4"/>
+            </a:fillRef>
+            <a:effectRef idx="0">
+              <a:schemeClr val="accent4"/>
+            </a:effectRef>
+            <a:fontRef idx="minor">
+              <a:schemeClr val="tx1"/>
+            </a:fontRef>
+          </p:style>
+        </p:cxnSp>
+        <p:cxnSp>
+          <p:nvCxnSpPr>
+            <p:cNvPr id="118" name="Straight Arrow Connector 117">
+              <a:extLst>
+                <a:ext uri="{FF2B5EF4-FFF2-40B4-BE49-F238E27FC236}">
+                  <a16:creationId xmlns:a16="http://schemas.microsoft.com/office/drawing/2014/main" id="{9A9A84A5-82D3-4F88-88FC-AB43F3B1F99D}"/>
+                </a:ext>
+              </a:extLst>
+            </p:cNvPr>
+            <p:cNvCxnSpPr>
+              <a:cxnSpLocks/>
+            </p:cNvCxnSpPr>
+            <p:nvPr/>
+          </p:nvCxnSpPr>
+          <p:spPr>
+            <a:xfrm flipV="1">
+              <a:off x="11458303" y="5646953"/>
+              <a:ext cx="333765" cy="12053"/>
+            </a:xfrm>
+            <a:prstGeom prst="straightConnector1">
+              <a:avLst/>
+            </a:prstGeom>
+            <a:ln>
+              <a:headEnd type="triangle"/>
+              <a:tailEnd type="triangle"/>
+            </a:ln>
+          </p:spPr>
+          <p:style>
+            <a:lnRef idx="1">
+              <a:schemeClr val="accent4"/>
+            </a:lnRef>
+            <a:fillRef idx="0">
+              <a:schemeClr val="accent4"/>
+            </a:fillRef>
+            <a:effectRef idx="0">
+              <a:schemeClr val="accent4"/>
+            </a:effectRef>
+            <a:fontRef idx="minor">
+              <a:schemeClr val="tx1"/>
+            </a:fontRef>
+          </p:style>
+        </p:cxnSp>
+        <p:sp>
+          <p:nvSpPr>
+            <p:cNvPr id="143" name="TextBox 142">
+              <a:extLst>
+                <a:ext uri="{FF2B5EF4-FFF2-40B4-BE49-F238E27FC236}">
+                  <a16:creationId xmlns:a16="http://schemas.microsoft.com/office/drawing/2014/main" id="{99303DD2-C273-49A5-9178-A1BAB4094DD5}"/>
+                </a:ext>
+              </a:extLst>
+            </p:cNvPr>
+            <p:cNvSpPr txBox="1"/>
+            <p:nvPr/>
+          </p:nvSpPr>
+          <p:spPr>
+            <a:xfrm>
+              <a:off x="5165840" y="3835838"/>
+              <a:ext cx="745824" cy="400110"/>
+            </a:xfrm>
+            <a:prstGeom prst="rect">
+              <a:avLst/>
+            </a:prstGeom>
+            <a:noFill/>
+          </p:spPr>
+          <p:txBody>
+            <a:bodyPr wrap="square" rtlCol="0">
+              <a:spAutoFit/>
+            </a:bodyPr>
+            <a:lstStyle/>
+            <a:p>
+              <a:pPr algn="ctr"/>
+              <a:r>
+                <a:rPr lang="en-US" sz="1000" b="1" dirty="0">
+                  <a:solidFill>
+                    <a:schemeClr val="accent6"/>
+                  </a:solidFill>
+                </a:rPr>
+                <a:t>RESOURCE SERVER</a:t>
+              </a:r>
+              <a:endParaRPr lang="en-IN" sz="1000" b="1" dirty="0">
+                <a:solidFill>
+                  <a:schemeClr val="accent6"/>
+                </a:solidFill>
+              </a:endParaRPr>
+            </a:p>
+          </p:txBody>
+        </p:sp>
+        <p:cxnSp>
+          <p:nvCxnSpPr>
+            <p:cNvPr id="151" name="Straight Arrow Connector 150">
+              <a:extLst>
+                <a:ext uri="{FF2B5EF4-FFF2-40B4-BE49-F238E27FC236}">
+                  <a16:creationId xmlns:a16="http://schemas.microsoft.com/office/drawing/2014/main" id="{14CDDA4C-9A1D-437E-A31D-855235B285D2}"/>
+                </a:ext>
+              </a:extLst>
+            </p:cNvPr>
+            <p:cNvCxnSpPr>
+              <a:cxnSpLocks/>
+            </p:cNvCxnSpPr>
+            <p:nvPr/>
+          </p:nvCxnSpPr>
+          <p:spPr>
+            <a:xfrm>
+              <a:off x="3863776" y="3325694"/>
+              <a:ext cx="871073" cy="0"/>
+            </a:xfrm>
+            <a:prstGeom prst="straightConnector1">
+              <a:avLst/>
+            </a:prstGeom>
+            <a:ln w="38100">
+              <a:tailEnd type="triangle"/>
+            </a:ln>
+          </p:spPr>
+          <p:style>
+            <a:lnRef idx="1">
+              <a:schemeClr val="accent1"/>
+            </a:lnRef>
+            <a:fillRef idx="0">
+              <a:schemeClr val="accent1"/>
+            </a:fillRef>
+            <a:effectRef idx="0">
+              <a:schemeClr val="accent1"/>
+            </a:effectRef>
+            <a:fontRef idx="minor">
+              <a:schemeClr val="tx1"/>
+            </a:fontRef>
+          </p:style>
+        </p:cxnSp>
+        <p:cxnSp>
+          <p:nvCxnSpPr>
+            <p:cNvPr id="155" name="Straight Arrow Connector 154">
+              <a:extLst>
+                <a:ext uri="{FF2B5EF4-FFF2-40B4-BE49-F238E27FC236}">
+                  <a16:creationId xmlns:a16="http://schemas.microsoft.com/office/drawing/2014/main" id="{A3F4C138-0EB7-40AB-B554-252BBB4765B0}"/>
+                </a:ext>
+              </a:extLst>
+            </p:cNvPr>
+            <p:cNvCxnSpPr>
+              <a:cxnSpLocks/>
+            </p:cNvCxnSpPr>
+            <p:nvPr/>
+          </p:nvCxnSpPr>
+          <p:spPr>
+            <a:xfrm flipH="1">
+              <a:off x="3837468" y="3589969"/>
+              <a:ext cx="876624" cy="2963"/>
+            </a:xfrm>
+            <a:prstGeom prst="straightConnector1">
+              <a:avLst/>
+            </a:prstGeom>
+            <a:ln w="38100">
+              <a:tailEnd type="triangle"/>
+            </a:ln>
+          </p:spPr>
+          <p:style>
+            <a:lnRef idx="1">
+              <a:schemeClr val="accent1"/>
+            </a:lnRef>
+            <a:fillRef idx="0">
+              <a:schemeClr val="accent1"/>
+            </a:fillRef>
+            <a:effectRef idx="0">
+              <a:schemeClr val="accent1"/>
+            </a:effectRef>
+            <a:fontRef idx="minor">
+              <a:schemeClr val="tx1"/>
+            </a:fontRef>
+          </p:style>
+        </p:cxnSp>
+        <p:cxnSp>
+          <p:nvCxnSpPr>
+            <p:cNvPr id="161" name="Straight Arrow Connector 160">
+              <a:extLst>
+                <a:ext uri="{FF2B5EF4-FFF2-40B4-BE49-F238E27FC236}">
+                  <a16:creationId xmlns:a16="http://schemas.microsoft.com/office/drawing/2014/main" id="{CF4FD44A-1811-4597-90E3-684C81953444}"/>
+                </a:ext>
+              </a:extLst>
+            </p:cNvPr>
+            <p:cNvCxnSpPr>
+              <a:cxnSpLocks/>
+            </p:cNvCxnSpPr>
+            <p:nvPr/>
+          </p:nvCxnSpPr>
+          <p:spPr>
+            <a:xfrm flipH="1">
+              <a:off x="5917053" y="3914743"/>
+              <a:ext cx="1866" cy="1587456"/>
+            </a:xfrm>
+            <a:prstGeom prst="straightConnector1">
+              <a:avLst/>
+            </a:prstGeom>
+            <a:ln w="38100">
+              <a:tailEnd type="triangle"/>
+            </a:ln>
+          </p:spPr>
+          <p:style>
+            <a:lnRef idx="1">
+              <a:schemeClr val="accent1"/>
+            </a:lnRef>
+            <a:fillRef idx="0">
+              <a:schemeClr val="accent1"/>
+            </a:fillRef>
+            <a:effectRef idx="0">
+              <a:schemeClr val="accent1"/>
+            </a:effectRef>
+            <a:fontRef idx="minor">
+              <a:schemeClr val="tx1"/>
+            </a:fontRef>
+          </p:style>
+        </p:cxnSp>
+        <p:cxnSp>
+          <p:nvCxnSpPr>
+            <p:cNvPr id="165" name="Straight Arrow Connector 164">
+              <a:extLst>
+                <a:ext uri="{FF2B5EF4-FFF2-40B4-BE49-F238E27FC236}">
+                  <a16:creationId xmlns:a16="http://schemas.microsoft.com/office/drawing/2014/main" id="{F8E0E071-24EA-4A17-8CEC-B4CFBD506E19}"/>
+                </a:ext>
+              </a:extLst>
+            </p:cNvPr>
+            <p:cNvCxnSpPr>
+              <a:cxnSpLocks/>
+            </p:cNvCxnSpPr>
+            <p:nvPr/>
+          </p:nvCxnSpPr>
+          <p:spPr>
+            <a:xfrm flipV="1">
+              <a:off x="5165840" y="3914744"/>
+              <a:ext cx="1" cy="1519007"/>
+            </a:xfrm>
+            <a:prstGeom prst="straightConnector1">
+              <a:avLst/>
+            </a:prstGeom>
+            <a:ln w="38100">
+              <a:tailEnd type="triangle"/>
+            </a:ln>
+          </p:spPr>
+          <p:style>
+            <a:lnRef idx="1">
+              <a:schemeClr val="accent1"/>
+            </a:lnRef>
+            <a:fillRef idx="0">
+              <a:schemeClr val="accent1"/>
+            </a:fillRef>
+            <a:effectRef idx="0">
+              <a:schemeClr val="accent1"/>
+            </a:effectRef>
+            <a:fontRef idx="minor">
+              <a:schemeClr val="tx1"/>
+            </a:fontRef>
+          </p:style>
+        </p:cxnSp>
+        <p:sp>
+          <p:nvSpPr>
+            <p:cNvPr id="177" name="TextBox 176">
+              <a:extLst>
+                <a:ext uri="{FF2B5EF4-FFF2-40B4-BE49-F238E27FC236}">
+                  <a16:creationId xmlns:a16="http://schemas.microsoft.com/office/drawing/2014/main" id="{FD19520E-DC8E-4784-BC8C-0376BA4D3A1F}"/>
+                </a:ext>
+              </a:extLst>
+            </p:cNvPr>
+            <p:cNvSpPr txBox="1"/>
+            <p:nvPr/>
+          </p:nvSpPr>
+          <p:spPr>
+            <a:xfrm>
+              <a:off x="4894136" y="6283722"/>
+              <a:ext cx="1600970" cy="246221"/>
+            </a:xfrm>
+            <a:prstGeom prst="rect">
+              <a:avLst/>
+            </a:prstGeom>
+            <a:noFill/>
+          </p:spPr>
+          <p:txBody>
+            <a:bodyPr wrap="square" rtlCol="0">
+              <a:spAutoFit/>
+            </a:bodyPr>
+            <a:lstStyle/>
+            <a:p>
+              <a:pPr algn="ctr"/>
+              <a:r>
+                <a:rPr lang="en-US" sz="1000" b="1" dirty="0">
+                  <a:solidFill>
+                    <a:schemeClr val="accent6"/>
+                  </a:solidFill>
+                </a:rPr>
+                <a:t>AUTHORIZATION  SERVER</a:t>
+              </a:r>
+              <a:endParaRPr lang="en-IN" sz="1000" b="1" dirty="0">
+                <a:solidFill>
+                  <a:schemeClr val="accent6"/>
+                </a:solidFill>
+              </a:endParaRPr>
+            </a:p>
+          </p:txBody>
+        </p:sp>
+        <p:sp>
+          <p:nvSpPr>
+            <p:cNvPr id="198" name="TextBox 197">
+              <a:extLst>
+                <a:ext uri="{FF2B5EF4-FFF2-40B4-BE49-F238E27FC236}">
+                  <a16:creationId xmlns:a16="http://schemas.microsoft.com/office/drawing/2014/main" id="{1E08F647-B4C1-492E-9213-E7421510B748}"/>
+                </a:ext>
+              </a:extLst>
+            </p:cNvPr>
+            <p:cNvSpPr txBox="1"/>
+            <p:nvPr/>
+          </p:nvSpPr>
+          <p:spPr>
+            <a:xfrm>
+              <a:off x="9551035" y="225846"/>
+              <a:ext cx="2126440" cy="553998"/>
+            </a:xfrm>
+            <a:prstGeom prst="rect">
+              <a:avLst/>
+            </a:prstGeom>
+            <a:noFill/>
+          </p:spPr>
+          <p:txBody>
+            <a:bodyPr wrap="square" rtlCol="0">
+              <a:spAutoFit/>
+            </a:bodyPr>
+            <a:lstStyle/>
+            <a:p>
+              <a:pPr algn="ctr"/>
+              <a:r>
+                <a:rPr lang="en-US" sz="1000" b="1" dirty="0">
+                  <a:solidFill>
+                    <a:schemeClr val="accent6"/>
+                  </a:solidFill>
+                </a:rPr>
+                <a:t>Microservices as Resource server containing the REST API as  protected resources </a:t>
+              </a:r>
+              <a:endParaRPr lang="en-IN" sz="1000" b="1" dirty="0">
+                <a:solidFill>
+                  <a:schemeClr val="accent6"/>
+                </a:solidFill>
+              </a:endParaRPr>
+            </a:p>
+          </p:txBody>
+        </p:sp>
+        <p:pic>
+          <p:nvPicPr>
+            <p:cNvPr id="199" name="Picture 198">
+              <a:extLst>
+                <a:ext uri="{FF2B5EF4-FFF2-40B4-BE49-F238E27FC236}">
+                  <a16:creationId xmlns:a16="http://schemas.microsoft.com/office/drawing/2014/main" id="{2059175E-6E56-4FFD-8B40-9131CE7F205D}"/>
+                </a:ext>
+              </a:extLst>
+            </p:cNvPr>
+            <p:cNvPicPr>
+              <a:picLocks noChangeAspect="1"/>
+            </p:cNvPicPr>
+            <p:nvPr/>
+          </p:nvPicPr>
+          <p:blipFill>
+            <a:blip r:embed="rId6"/>
+            <a:stretch>
+              <a:fillRect/>
+            </a:stretch>
+          </p:blipFill>
+          <p:spPr>
+            <a:xfrm>
+              <a:off x="6401382" y="5356750"/>
+              <a:ext cx="1153305" cy="825936"/>
+            </a:xfrm>
+            <a:prstGeom prst="rect">
+              <a:avLst/>
+            </a:prstGeom>
+          </p:spPr>
+        </p:pic>
+        <p:sp>
+          <p:nvSpPr>
+            <p:cNvPr id="202" name="TextBox 201">
+              <a:extLst>
+                <a:ext uri="{FF2B5EF4-FFF2-40B4-BE49-F238E27FC236}">
+                  <a16:creationId xmlns:a16="http://schemas.microsoft.com/office/drawing/2014/main" id="{241A9C5B-2574-423E-93B4-9D87B21C79EC}"/>
+                </a:ext>
+              </a:extLst>
+            </p:cNvPr>
+            <p:cNvSpPr txBox="1"/>
+            <p:nvPr/>
+          </p:nvSpPr>
+          <p:spPr>
+            <a:xfrm>
+              <a:off x="1350426" y="2683562"/>
+              <a:ext cx="684508" cy="846386"/>
+            </a:xfrm>
+            <a:prstGeom prst="rect">
+              <a:avLst/>
+            </a:prstGeom>
+            <a:noFill/>
+          </p:spPr>
+          <p:txBody>
+            <a:bodyPr wrap="square" rtlCol="0">
+              <a:spAutoFit/>
+            </a:bodyPr>
+            <a:lstStyle/>
+            <a:p>
+              <a:pPr algn="ctr"/>
+              <a:r>
+                <a:rPr lang="en-US" sz="700" dirty="0">
+                  <a:solidFill>
+                    <a:schemeClr val="tx2"/>
+                  </a:solidFill>
+                </a:rPr>
+                <a:t>Access  the service using client application by providing their credentials</a:t>
+              </a:r>
+              <a:endParaRPr lang="en-IN" sz="700" dirty="0">
+                <a:solidFill>
+                  <a:schemeClr val="tx2"/>
+                </a:solidFill>
+              </a:endParaRPr>
+            </a:p>
+          </p:txBody>
+        </p:sp>
+        <p:sp>
+          <p:nvSpPr>
+            <p:cNvPr id="203" name="TextBox 202">
+              <a:extLst>
+                <a:ext uri="{FF2B5EF4-FFF2-40B4-BE49-F238E27FC236}">
+                  <a16:creationId xmlns:a16="http://schemas.microsoft.com/office/drawing/2014/main" id="{ADA0ADFB-B0AD-4E55-89EE-F03E253A5977}"/>
+                </a:ext>
+              </a:extLst>
+            </p:cNvPr>
+            <p:cNvSpPr txBox="1"/>
+            <p:nvPr/>
+          </p:nvSpPr>
+          <p:spPr>
+            <a:xfrm>
+              <a:off x="3997928" y="3077530"/>
+              <a:ext cx="684508" cy="215444"/>
+            </a:xfrm>
+            <a:prstGeom prst="rect">
+              <a:avLst/>
+            </a:prstGeom>
+            <a:noFill/>
+          </p:spPr>
+          <p:txBody>
+            <a:bodyPr wrap="square" rtlCol="0">
+              <a:spAutoFit/>
+            </a:bodyPr>
+            <a:lstStyle/>
+            <a:p>
+              <a:r>
+                <a:rPr lang="en-US" sz="800" dirty="0">
+                  <a:solidFill>
+                    <a:schemeClr val="tx2"/>
+                  </a:solidFill>
+                </a:rPr>
+                <a:t>POST /login</a:t>
+              </a:r>
+              <a:endParaRPr lang="en-IN" sz="1100" dirty="0">
+                <a:solidFill>
+                  <a:schemeClr val="tx2"/>
+                </a:solidFill>
+              </a:endParaRPr>
+            </a:p>
+          </p:txBody>
+        </p:sp>
+        <p:cxnSp>
+          <p:nvCxnSpPr>
+            <p:cNvPr id="220" name="Straight Arrow Connector 219">
+              <a:extLst>
+                <a:ext uri="{FF2B5EF4-FFF2-40B4-BE49-F238E27FC236}">
+                  <a16:creationId xmlns:a16="http://schemas.microsoft.com/office/drawing/2014/main" id="{E7B99DF0-5EE9-4B6A-A2A5-18BB10750B12}"/>
+                </a:ext>
+              </a:extLst>
+            </p:cNvPr>
+            <p:cNvCxnSpPr>
+              <a:cxnSpLocks/>
+            </p:cNvCxnSpPr>
+            <p:nvPr/>
+          </p:nvCxnSpPr>
+          <p:spPr>
+            <a:xfrm flipH="1" flipV="1">
+              <a:off x="7044731" y="1439799"/>
+              <a:ext cx="20527" cy="1817975"/>
+            </a:xfrm>
+            <a:prstGeom prst="straightConnector1">
+              <a:avLst/>
+            </a:prstGeom>
+            <a:ln w="38100">
+              <a:tailEnd type="triangle"/>
+            </a:ln>
+          </p:spPr>
+          <p:style>
+            <a:lnRef idx="1">
+              <a:schemeClr val="accent1"/>
+            </a:lnRef>
+            <a:fillRef idx="0">
+              <a:schemeClr val="accent1"/>
+            </a:fillRef>
+            <a:effectRef idx="0">
+              <a:schemeClr val="accent1"/>
+            </a:effectRef>
+            <a:fontRef idx="minor">
+              <a:schemeClr val="tx1"/>
+            </a:fontRef>
+          </p:style>
+        </p:cxnSp>
+        <p:sp>
+          <p:nvSpPr>
+            <p:cNvPr id="223" name="TextBox 222">
+              <a:extLst>
+                <a:ext uri="{FF2B5EF4-FFF2-40B4-BE49-F238E27FC236}">
+                  <a16:creationId xmlns:a16="http://schemas.microsoft.com/office/drawing/2014/main" id="{5B5D252F-F33F-4FE1-B4EA-179685F42EF9}"/>
+                </a:ext>
+              </a:extLst>
+            </p:cNvPr>
+            <p:cNvSpPr txBox="1"/>
+            <p:nvPr/>
+          </p:nvSpPr>
+          <p:spPr>
+            <a:xfrm>
+              <a:off x="5907388" y="4585332"/>
+              <a:ext cx="1172103" cy="584775"/>
+            </a:xfrm>
+            <a:prstGeom prst="rect">
+              <a:avLst/>
+            </a:prstGeom>
+            <a:noFill/>
+          </p:spPr>
+          <p:txBody>
+            <a:bodyPr wrap="square" rtlCol="0">
+              <a:spAutoFit/>
+            </a:bodyPr>
+            <a:lstStyle/>
+            <a:p>
+              <a:r>
+                <a:rPr lang="en-US" sz="800" b="1" dirty="0">
+                  <a:solidFill>
+                    <a:schemeClr val="tx2"/>
+                  </a:solidFill>
+                </a:rPr>
+                <a:t>Token Request</a:t>
+              </a:r>
+            </a:p>
+            <a:p>
+              <a:r>
+                <a:rPr lang="en-US" sz="800" dirty="0">
+                  <a:solidFill>
+                    <a:schemeClr val="tx2"/>
+                  </a:solidFill>
+                </a:rPr>
+                <a:t>(client  + user details to authenticate and authorize)</a:t>
+              </a:r>
+              <a:endParaRPr lang="en-IN" sz="1100" dirty="0">
+                <a:solidFill>
+                  <a:schemeClr val="tx2"/>
+                </a:solidFill>
+              </a:endParaRPr>
+            </a:p>
+          </p:txBody>
+        </p:sp>
+        <p:sp>
+          <p:nvSpPr>
+            <p:cNvPr id="224" name="TextBox 223">
+              <a:extLst>
+                <a:ext uri="{FF2B5EF4-FFF2-40B4-BE49-F238E27FC236}">
+                  <a16:creationId xmlns:a16="http://schemas.microsoft.com/office/drawing/2014/main" id="{4B48650C-D376-4D42-AA8B-8F892B27C63E}"/>
+                </a:ext>
+              </a:extLst>
+            </p:cNvPr>
+            <p:cNvSpPr txBox="1"/>
+            <p:nvPr/>
+          </p:nvSpPr>
+          <p:spPr>
+            <a:xfrm>
+              <a:off x="3824608" y="4571944"/>
+              <a:ext cx="1409030" cy="338554"/>
+            </a:xfrm>
+            <a:prstGeom prst="rect">
+              <a:avLst/>
+            </a:prstGeom>
+            <a:noFill/>
+          </p:spPr>
+          <p:txBody>
+            <a:bodyPr wrap="square" rtlCol="0">
+              <a:spAutoFit/>
+            </a:bodyPr>
+            <a:lstStyle/>
+            <a:p>
+              <a:pPr algn="ctr"/>
+              <a:r>
+                <a:rPr lang="en-US" sz="800" b="1" dirty="0">
+                  <a:solidFill>
+                    <a:schemeClr val="tx2"/>
+                  </a:solidFill>
+                </a:rPr>
+                <a:t>Token Response</a:t>
+              </a:r>
+            </a:p>
+            <a:p>
+              <a:r>
+                <a:rPr lang="en-US" sz="800" dirty="0">
+                  <a:solidFill>
+                    <a:schemeClr val="tx2"/>
+                  </a:solidFill>
+                </a:rPr>
+                <a:t>(Access Token + Id Token)</a:t>
+              </a:r>
+              <a:endParaRPr lang="en-IN" sz="1100" dirty="0">
+                <a:solidFill>
+                  <a:schemeClr val="tx2"/>
+                </a:solidFill>
+              </a:endParaRPr>
+            </a:p>
+          </p:txBody>
+        </p:sp>
+        <p:cxnSp>
+          <p:nvCxnSpPr>
+            <p:cNvPr id="225" name="Straight Arrow Connector 224">
+              <a:extLst>
+                <a:ext uri="{FF2B5EF4-FFF2-40B4-BE49-F238E27FC236}">
+                  <a16:creationId xmlns:a16="http://schemas.microsoft.com/office/drawing/2014/main" id="{5A2F0194-0253-4A1C-AC50-0555C96410D2}"/>
+                </a:ext>
+              </a:extLst>
+            </p:cNvPr>
+            <p:cNvCxnSpPr>
+              <a:cxnSpLocks/>
+            </p:cNvCxnSpPr>
+            <p:nvPr/>
+          </p:nvCxnSpPr>
+          <p:spPr>
+            <a:xfrm>
+              <a:off x="3843019" y="3914743"/>
+              <a:ext cx="871073" cy="0"/>
+            </a:xfrm>
+            <a:prstGeom prst="straightConnector1">
+              <a:avLst/>
+            </a:prstGeom>
+            <a:ln w="38100">
+              <a:tailEnd type="triangle"/>
+            </a:ln>
+          </p:spPr>
+          <p:style>
+            <a:lnRef idx="1">
+              <a:schemeClr val="accent1"/>
+            </a:lnRef>
+            <a:fillRef idx="0">
+              <a:schemeClr val="accent1"/>
+            </a:fillRef>
+            <a:effectRef idx="0">
+              <a:schemeClr val="accent1"/>
+            </a:effectRef>
+            <a:fontRef idx="minor">
+              <a:schemeClr val="tx1"/>
+            </a:fontRef>
+          </p:style>
+        </p:cxnSp>
+        <p:cxnSp>
+          <p:nvCxnSpPr>
+            <p:cNvPr id="228" name="Straight Arrow Connector 227">
+              <a:extLst>
+                <a:ext uri="{FF2B5EF4-FFF2-40B4-BE49-F238E27FC236}">
+                  <a16:creationId xmlns:a16="http://schemas.microsoft.com/office/drawing/2014/main" id="{6E1166F0-81E4-47C9-BCD7-82DF3B44D697}"/>
+                </a:ext>
+              </a:extLst>
+            </p:cNvPr>
+            <p:cNvCxnSpPr>
+              <a:cxnSpLocks/>
+            </p:cNvCxnSpPr>
+            <p:nvPr/>
+          </p:nvCxnSpPr>
+          <p:spPr>
+            <a:xfrm flipH="1" flipV="1">
+              <a:off x="5705240" y="1377060"/>
+              <a:ext cx="20527" cy="1817975"/>
+            </a:xfrm>
+            <a:prstGeom prst="straightConnector1">
+              <a:avLst/>
+            </a:prstGeom>
+            <a:ln w="38100">
+              <a:tailEnd type="triangle"/>
+            </a:ln>
+          </p:spPr>
+          <p:style>
+            <a:lnRef idx="1">
+              <a:schemeClr val="accent1"/>
+            </a:lnRef>
+            <a:fillRef idx="0">
+              <a:schemeClr val="accent1"/>
+            </a:fillRef>
+            <a:effectRef idx="0">
+              <a:schemeClr val="accent1"/>
+            </a:effectRef>
+            <a:fontRef idx="minor">
+              <a:schemeClr val="tx1"/>
+            </a:fontRef>
+          </p:style>
+        </p:cxnSp>
+        <p:sp>
+          <p:nvSpPr>
+            <p:cNvPr id="239" name="Oval 238">
+              <a:extLst>
+                <a:ext uri="{FF2B5EF4-FFF2-40B4-BE49-F238E27FC236}">
+                  <a16:creationId xmlns:a16="http://schemas.microsoft.com/office/drawing/2014/main" id="{D0AC8E65-B577-4260-AD7B-3989391B8674}"/>
+                </a:ext>
+              </a:extLst>
+            </p:cNvPr>
+            <p:cNvSpPr/>
+            <p:nvPr/>
+          </p:nvSpPr>
+          <p:spPr>
+            <a:xfrm>
+              <a:off x="4190038" y="2849900"/>
+              <a:ext cx="229988" cy="217515"/>
+            </a:xfrm>
+            <a:prstGeom prst="ellipse">
+              <a:avLst/>
+            </a:prstGeom>
+            <a:solidFill>
+              <a:schemeClr val="accent2">
+                <a:lumMod val="75000"/>
+              </a:schemeClr>
+            </a:solidFill>
+          </p:spPr>
+          <p:style>
+            <a:lnRef idx="2">
+              <a:schemeClr val="accent1">
+                <a:shade val="50000"/>
+              </a:schemeClr>
+            </a:lnRef>
+            <a:fillRef idx="1">
+              <a:schemeClr val="accent1"/>
+            </a:fillRef>
+            <a:effectRef idx="0">
+              <a:schemeClr val="accent1"/>
+            </a:effectRef>
+            <a:fontRef idx="minor">
+              <a:schemeClr val="lt1"/>
+            </a:fontRef>
+          </p:style>
+          <p:txBody>
+            <a:bodyPr rtlCol="0" anchor="ctr"/>
+            <a:lstStyle/>
+            <a:p>
+              <a:pPr algn="ctr"/>
+              <a:r>
+                <a:rPr lang="en-US" sz="1100" dirty="0"/>
+                <a:t>1</a:t>
+              </a:r>
+              <a:endParaRPr lang="en-IN" dirty="0"/>
+            </a:p>
+          </p:txBody>
+        </p:sp>
+        <p:sp>
+          <p:nvSpPr>
+            <p:cNvPr id="240" name="Oval 239">
+              <a:extLst>
+                <a:ext uri="{FF2B5EF4-FFF2-40B4-BE49-F238E27FC236}">
+                  <a16:creationId xmlns:a16="http://schemas.microsoft.com/office/drawing/2014/main" id="{EA31F742-470F-4994-8358-802824409B6D}"/>
+                </a:ext>
+              </a:extLst>
+            </p:cNvPr>
+            <p:cNvSpPr/>
+            <p:nvPr/>
+          </p:nvSpPr>
+          <p:spPr>
+            <a:xfrm>
+              <a:off x="6021989" y="4389372"/>
+              <a:ext cx="229988" cy="217515"/>
+            </a:xfrm>
+            <a:prstGeom prst="ellipse">
+              <a:avLst/>
+            </a:prstGeom>
+            <a:solidFill>
+              <a:schemeClr val="accent2">
+                <a:lumMod val="75000"/>
+              </a:schemeClr>
+            </a:solidFill>
+          </p:spPr>
+          <p:style>
+            <a:lnRef idx="2">
+              <a:schemeClr val="accent1">
+                <a:shade val="50000"/>
+              </a:schemeClr>
+            </a:lnRef>
+            <a:fillRef idx="1">
+              <a:schemeClr val="accent1"/>
+            </a:fillRef>
+            <a:effectRef idx="0">
+              <a:schemeClr val="accent1"/>
+            </a:effectRef>
+            <a:fontRef idx="minor">
+              <a:schemeClr val="lt1"/>
+            </a:fontRef>
+          </p:style>
+          <p:txBody>
+            <a:bodyPr rtlCol="0" anchor="ctr"/>
+            <a:lstStyle/>
+            <a:p>
+              <a:pPr algn="ctr"/>
+              <a:r>
+                <a:rPr lang="en-US" sz="1100" dirty="0"/>
+                <a:t>2</a:t>
+              </a:r>
+              <a:endParaRPr lang="en-IN" dirty="0"/>
+            </a:p>
+          </p:txBody>
+        </p:sp>
+        <p:sp>
+          <p:nvSpPr>
+            <p:cNvPr id="241" name="Oval 240">
+              <a:extLst>
+                <a:ext uri="{FF2B5EF4-FFF2-40B4-BE49-F238E27FC236}">
+                  <a16:creationId xmlns:a16="http://schemas.microsoft.com/office/drawing/2014/main" id="{B30D77C2-333E-443D-9C96-674D9B42A11B}"/>
+                </a:ext>
+              </a:extLst>
+            </p:cNvPr>
+            <p:cNvSpPr/>
+            <p:nvPr/>
+          </p:nvSpPr>
+          <p:spPr>
+            <a:xfrm>
+              <a:off x="4865705" y="4430551"/>
+              <a:ext cx="229988" cy="236457"/>
+            </a:xfrm>
+            <a:prstGeom prst="ellipse">
+              <a:avLst/>
+            </a:prstGeom>
+            <a:solidFill>
+              <a:schemeClr val="accent2">
+                <a:lumMod val="75000"/>
+              </a:schemeClr>
+            </a:solidFill>
+          </p:spPr>
+          <p:style>
+            <a:lnRef idx="2">
+              <a:schemeClr val="accent1">
+                <a:shade val="50000"/>
+              </a:schemeClr>
+            </a:lnRef>
+            <a:fillRef idx="1">
+              <a:schemeClr val="accent1"/>
+            </a:fillRef>
+            <a:effectRef idx="0">
+              <a:schemeClr val="accent1"/>
+            </a:effectRef>
+            <a:fontRef idx="minor">
+              <a:schemeClr val="lt1"/>
+            </a:fontRef>
+          </p:style>
+          <p:txBody>
+            <a:bodyPr rtlCol="0" anchor="ctr"/>
+            <a:lstStyle/>
+            <a:p>
+              <a:pPr algn="ctr"/>
+              <a:r>
+                <a:rPr lang="en-US" sz="1400" dirty="0"/>
+                <a:t>3</a:t>
+              </a:r>
+              <a:endParaRPr lang="en-IN" dirty="0"/>
+            </a:p>
+          </p:txBody>
+        </p:sp>
+        <p:sp>
+          <p:nvSpPr>
+            <p:cNvPr id="242" name="Oval 241">
+              <a:extLst>
+                <a:ext uri="{FF2B5EF4-FFF2-40B4-BE49-F238E27FC236}">
+                  <a16:creationId xmlns:a16="http://schemas.microsoft.com/office/drawing/2014/main" id="{CB431B01-6CFC-46DE-A437-B96D70AF816A}"/>
+                </a:ext>
+              </a:extLst>
+            </p:cNvPr>
+            <p:cNvSpPr/>
+            <p:nvPr/>
+          </p:nvSpPr>
+          <p:spPr>
+            <a:xfrm>
+              <a:off x="4211363" y="3350534"/>
+              <a:ext cx="229988" cy="217515"/>
+            </a:xfrm>
+            <a:prstGeom prst="ellipse">
+              <a:avLst/>
+            </a:prstGeom>
+            <a:solidFill>
+              <a:schemeClr val="accent2">
+                <a:lumMod val="75000"/>
+              </a:schemeClr>
+            </a:solidFill>
+          </p:spPr>
+          <p:style>
+            <a:lnRef idx="2">
+              <a:schemeClr val="accent1">
+                <a:shade val="50000"/>
+              </a:schemeClr>
+            </a:lnRef>
+            <a:fillRef idx="1">
+              <a:schemeClr val="accent1"/>
+            </a:fillRef>
+            <a:effectRef idx="0">
+              <a:schemeClr val="accent1"/>
+            </a:effectRef>
+            <a:fontRef idx="minor">
+              <a:schemeClr val="lt1"/>
+            </a:fontRef>
+          </p:style>
+          <p:txBody>
+            <a:bodyPr rtlCol="0" anchor="ctr"/>
+            <a:lstStyle/>
+            <a:p>
+              <a:pPr algn="ctr"/>
+              <a:r>
+                <a:rPr lang="en-US" sz="1100" dirty="0"/>
+                <a:t>4</a:t>
+              </a:r>
+              <a:endParaRPr lang="en-IN" dirty="0"/>
+            </a:p>
+          </p:txBody>
+        </p:sp>
+        <p:sp>
+          <p:nvSpPr>
+            <p:cNvPr id="243" name="Oval 242">
+              <a:extLst>
+                <a:ext uri="{FF2B5EF4-FFF2-40B4-BE49-F238E27FC236}">
+                  <a16:creationId xmlns:a16="http://schemas.microsoft.com/office/drawing/2014/main" id="{9DB387E8-D47E-4492-A033-C909E0397FF3}"/>
+                </a:ext>
+              </a:extLst>
+            </p:cNvPr>
+            <p:cNvSpPr/>
+            <p:nvPr/>
+          </p:nvSpPr>
+          <p:spPr>
+            <a:xfrm>
+              <a:off x="4204372" y="3981107"/>
+              <a:ext cx="229988" cy="217515"/>
+            </a:xfrm>
+            <a:prstGeom prst="ellipse">
+              <a:avLst/>
+            </a:prstGeom>
+            <a:solidFill>
+              <a:schemeClr val="accent2">
+                <a:lumMod val="75000"/>
+              </a:schemeClr>
+            </a:solidFill>
+          </p:spPr>
+          <p:style>
+            <a:lnRef idx="2">
+              <a:schemeClr val="accent1">
+                <a:shade val="50000"/>
+              </a:schemeClr>
+            </a:lnRef>
+            <a:fillRef idx="1">
+              <a:schemeClr val="accent1"/>
+            </a:fillRef>
+            <a:effectRef idx="0">
+              <a:schemeClr val="accent1"/>
+            </a:effectRef>
+            <a:fontRef idx="minor">
+              <a:schemeClr val="lt1"/>
+            </a:fontRef>
+          </p:style>
+          <p:txBody>
+            <a:bodyPr rtlCol="0" anchor="ctr"/>
+            <a:lstStyle/>
+            <a:p>
+              <a:pPr algn="ctr"/>
+              <a:r>
+                <a:rPr lang="en-US" sz="1100" dirty="0"/>
+                <a:t>5</a:t>
+              </a:r>
+              <a:endParaRPr lang="en-IN" dirty="0"/>
+            </a:p>
+          </p:txBody>
+        </p:sp>
+        <p:sp>
+          <p:nvSpPr>
+            <p:cNvPr id="252" name="Oval 251">
+              <a:extLst>
+                <a:ext uri="{FF2B5EF4-FFF2-40B4-BE49-F238E27FC236}">
+                  <a16:creationId xmlns:a16="http://schemas.microsoft.com/office/drawing/2014/main" id="{0C882C09-F78E-4A21-B1F1-073CE244EA92}"/>
+                </a:ext>
+              </a:extLst>
+            </p:cNvPr>
+            <p:cNvSpPr/>
+            <p:nvPr/>
+          </p:nvSpPr>
+          <p:spPr>
+            <a:xfrm>
+              <a:off x="6510922" y="3514355"/>
+              <a:ext cx="229988" cy="217515"/>
+            </a:xfrm>
+            <a:prstGeom prst="ellipse">
+              <a:avLst/>
+            </a:prstGeom>
+            <a:solidFill>
+              <a:schemeClr val="accent2">
+                <a:lumMod val="75000"/>
+              </a:schemeClr>
+            </a:solidFill>
+          </p:spPr>
+          <p:style>
+            <a:lnRef idx="2">
+              <a:schemeClr val="accent1">
+                <a:shade val="50000"/>
+              </a:schemeClr>
+            </a:lnRef>
+            <a:fillRef idx="1">
+              <a:schemeClr val="accent1"/>
+            </a:fillRef>
+            <a:effectRef idx="0">
+              <a:schemeClr val="accent1"/>
+            </a:effectRef>
+            <a:fontRef idx="minor">
+              <a:schemeClr val="lt1"/>
+            </a:fontRef>
+          </p:style>
+          <p:txBody>
+            <a:bodyPr rtlCol="0" anchor="ctr"/>
+            <a:lstStyle/>
+            <a:p>
+              <a:pPr algn="ctr"/>
+              <a:r>
+                <a:rPr lang="en-US" sz="1100" dirty="0"/>
+                <a:t>8</a:t>
+              </a:r>
+              <a:endParaRPr lang="en-IN" dirty="0"/>
+            </a:p>
+          </p:txBody>
+        </p:sp>
+        <p:cxnSp>
+          <p:nvCxnSpPr>
+            <p:cNvPr id="255" name="Straight Arrow Connector 254">
+              <a:extLst>
+                <a:ext uri="{FF2B5EF4-FFF2-40B4-BE49-F238E27FC236}">
+                  <a16:creationId xmlns:a16="http://schemas.microsoft.com/office/drawing/2014/main" id="{4DE81BB4-3CB8-4738-8424-4DC7319476BF}"/>
+                </a:ext>
+              </a:extLst>
+            </p:cNvPr>
+            <p:cNvCxnSpPr>
+              <a:cxnSpLocks/>
+            </p:cNvCxnSpPr>
+            <p:nvPr/>
+          </p:nvCxnSpPr>
+          <p:spPr>
+            <a:xfrm>
+              <a:off x="6377665" y="3442447"/>
+              <a:ext cx="547161" cy="0"/>
+            </a:xfrm>
+            <a:prstGeom prst="straightConnector1">
+              <a:avLst/>
+            </a:prstGeom>
+            <a:ln w="38100">
+              <a:tailEnd type="triangle"/>
+            </a:ln>
+          </p:spPr>
+          <p:style>
+            <a:lnRef idx="1">
+              <a:schemeClr val="accent1"/>
+            </a:lnRef>
+            <a:fillRef idx="0">
+              <a:schemeClr val="accent1"/>
+            </a:fillRef>
+            <a:effectRef idx="0">
+              <a:schemeClr val="accent1"/>
+            </a:effectRef>
+            <a:fontRef idx="minor">
+              <a:schemeClr val="tx1"/>
+            </a:fontRef>
+          </p:style>
+        </p:cxnSp>
+        <p:sp>
+          <p:nvSpPr>
+            <p:cNvPr id="258" name="Rectangle 257">
+              <a:extLst>
+                <a:ext uri="{FF2B5EF4-FFF2-40B4-BE49-F238E27FC236}">
+                  <a16:creationId xmlns:a16="http://schemas.microsoft.com/office/drawing/2014/main" id="{23EBA327-3464-4CB0-8956-2C09569633DB}"/>
+                </a:ext>
+              </a:extLst>
+            </p:cNvPr>
+            <p:cNvSpPr/>
+            <p:nvPr/>
+          </p:nvSpPr>
+          <p:spPr>
+            <a:xfrm>
+              <a:off x="988450" y="5650218"/>
+              <a:ext cx="4601770" cy="369332"/>
+            </a:xfrm>
+            <a:prstGeom prst="rect">
+              <a:avLst/>
+            </a:prstGeom>
+          </p:spPr>
+          <p:txBody>
+            <a:bodyPr wrap="square">
+              <a:spAutoFit/>
+            </a:bodyPr>
+            <a:lstStyle/>
+            <a:p>
+              <a:r>
+                <a:rPr lang="en-IN" sz="900" spc="-5" dirty="0">
+                  <a:solidFill>
+                    <a:schemeClr val="accent6">
+                      <a:lumMod val="75000"/>
+                    </a:schemeClr>
+                  </a:solidFill>
+                  <a:latin typeface="Calibri" panose="020F0502020204030204" pitchFamily="34" charset="0"/>
+                </a:rPr>
+                <a:t>Keycloak is Identity and Access Management Server, which is a OAuth2 and OpenID Connect(OIDC) protocol complaint</a:t>
+              </a:r>
+            </a:p>
+          </p:txBody>
+        </p:sp>
+        <p:cxnSp>
+          <p:nvCxnSpPr>
+            <p:cNvPr id="85" name="Straight Arrow Connector 84">
+              <a:extLst>
+                <a:ext uri="{FF2B5EF4-FFF2-40B4-BE49-F238E27FC236}">
+                  <a16:creationId xmlns:a16="http://schemas.microsoft.com/office/drawing/2014/main" id="{162884EA-344A-437F-A695-F150847CB76C}"/>
+                </a:ext>
+              </a:extLst>
+            </p:cNvPr>
+            <p:cNvCxnSpPr>
+              <a:cxnSpLocks/>
+            </p:cNvCxnSpPr>
+            <p:nvPr/>
+          </p:nvCxnSpPr>
+          <p:spPr>
+            <a:xfrm flipH="1">
+              <a:off x="5508517" y="4178387"/>
+              <a:ext cx="933" cy="1157324"/>
+            </a:xfrm>
+            <a:prstGeom prst="straightConnector1">
+              <a:avLst/>
+            </a:prstGeom>
+            <a:ln w="38100">
+              <a:tailEnd type="triangle"/>
+            </a:ln>
+          </p:spPr>
+          <p:style>
+            <a:lnRef idx="1">
+              <a:schemeClr val="accent1"/>
+            </a:lnRef>
+            <a:fillRef idx="0">
+              <a:schemeClr val="accent1"/>
+            </a:fillRef>
+            <a:effectRef idx="0">
+              <a:schemeClr val="accent1"/>
+            </a:effectRef>
+            <a:fontRef idx="minor">
+              <a:schemeClr val="tx1"/>
+            </a:fontRef>
+          </p:style>
+        </p:cxnSp>
+        <p:sp>
+          <p:nvSpPr>
+            <p:cNvPr id="87" name="Oval 86">
+              <a:extLst>
+                <a:ext uri="{FF2B5EF4-FFF2-40B4-BE49-F238E27FC236}">
+                  <a16:creationId xmlns:a16="http://schemas.microsoft.com/office/drawing/2014/main" id="{F884A513-9A3E-472D-884A-35E012D15C26}"/>
+                </a:ext>
+              </a:extLst>
+            </p:cNvPr>
+            <p:cNvSpPr/>
+            <p:nvPr/>
+          </p:nvSpPr>
+          <p:spPr>
+            <a:xfrm>
+              <a:off x="5588693" y="4540368"/>
+              <a:ext cx="229988" cy="217515"/>
+            </a:xfrm>
+            <a:prstGeom prst="ellipse">
+              <a:avLst/>
+            </a:prstGeom>
+            <a:solidFill>
+              <a:schemeClr val="accent2">
+                <a:lumMod val="75000"/>
+              </a:schemeClr>
+            </a:solidFill>
+          </p:spPr>
+          <p:style>
+            <a:lnRef idx="2">
+              <a:schemeClr val="accent1">
+                <a:shade val="50000"/>
+              </a:schemeClr>
+            </a:lnRef>
+            <a:fillRef idx="1">
+              <a:schemeClr val="accent1"/>
+            </a:fillRef>
+            <a:effectRef idx="0">
+              <a:schemeClr val="accent1"/>
+            </a:effectRef>
+            <a:fontRef idx="minor">
+              <a:schemeClr val="lt1"/>
+            </a:fontRef>
+          </p:style>
+          <p:txBody>
+            <a:bodyPr rtlCol="0" anchor="ctr"/>
+            <a:lstStyle/>
+            <a:p>
+              <a:pPr algn="ctr"/>
+              <a:r>
+                <a:rPr lang="en-US" sz="1100" dirty="0"/>
+                <a:t>7</a:t>
+              </a:r>
+              <a:endParaRPr lang="en-IN" dirty="0"/>
+            </a:p>
+          </p:txBody>
+        </p:sp>
+        <p:sp>
+          <p:nvSpPr>
+            <p:cNvPr id="88" name="TextBox 87">
+              <a:extLst>
+                <a:ext uri="{FF2B5EF4-FFF2-40B4-BE49-F238E27FC236}">
+                  <a16:creationId xmlns:a16="http://schemas.microsoft.com/office/drawing/2014/main" id="{D0397D26-E165-4B48-AD9C-9B36C9ED21DE}"/>
+                </a:ext>
+              </a:extLst>
+            </p:cNvPr>
+            <p:cNvSpPr txBox="1"/>
+            <p:nvPr/>
+          </p:nvSpPr>
+          <p:spPr>
+            <a:xfrm>
+              <a:off x="5493859" y="4781162"/>
+              <a:ext cx="482587" cy="415498"/>
+            </a:xfrm>
+            <a:prstGeom prst="rect">
+              <a:avLst/>
+            </a:prstGeom>
+            <a:noFill/>
+          </p:spPr>
+          <p:txBody>
+            <a:bodyPr wrap="square" rtlCol="0">
+              <a:spAutoFit/>
+            </a:bodyPr>
+            <a:lstStyle/>
+            <a:p>
+              <a:r>
+                <a:rPr lang="en-US" sz="700" dirty="0">
+                  <a:solidFill>
+                    <a:schemeClr val="tx2"/>
+                  </a:solidFill>
+                </a:rPr>
+                <a:t>Verify Access Token</a:t>
+              </a:r>
+              <a:endParaRPr lang="en-IN" sz="1050" dirty="0">
+                <a:solidFill>
+                  <a:schemeClr val="tx2"/>
+                </a:solidFill>
+              </a:endParaRPr>
+            </a:p>
+          </p:txBody>
+        </p:sp>
+      </p:grpSp>
+    </p:spTree>
+    <p:extLst>
+      <p:ext uri="{BB962C8B-B14F-4D97-AF65-F5344CB8AC3E}">
+        <p14:creationId xmlns:p14="http://schemas.microsoft.com/office/powerpoint/2010/main" val="3062733829"/>
+      </p:ext>
+    </p:extLst>
+  </p:cSld>
+  <p:clrMapOvr>
+    <a:masterClrMapping/>
+  </p:clrMapOvr>
+</p:sld>
+</file>
+
+<file path=ppt/slides/slide7.xml><?xml version="1.0" encoding="utf-8"?>
+<p:sld xmlns:a="http://schemas.openxmlformats.org/drawingml/2006/main" xmlns:r="http://schemas.openxmlformats.org/officeDocument/2006/relationships" xmlns:p="http://schemas.openxmlformats.org/presentationml/2006/main">
+  <p:cSld>
+    <p:spTree>
+      <p:nvGrpSpPr>
+        <p:cNvPr id="1" name=""/>
+        <p:cNvGrpSpPr/>
+        <p:nvPr/>
+      </p:nvGrpSpPr>
+      <p:grpSpPr>
+        <a:xfrm>
+          <a:off x="0" y="0"/>
+          <a:ext cx="0" cy="0"/>
+          <a:chOff x="0" y="0"/>
+          <a:chExt cx="0" cy="0"/>
+        </a:xfrm>
+      </p:grpSpPr>
+      <p:grpSp>
+        <p:nvGrpSpPr>
           <p:cNvPr id="81" name="Group 80">
             <a:extLst>
               <a:ext uri="{FF2B5EF4-FFF2-40B4-BE49-F238E27FC236}">
@@ -13048,7 +17776,7 @@
 </p:sld>
 </file>
 
-<file path=ppt/slides/slide7.xml><?xml version="1.0" encoding="utf-8"?>
+<file path=ppt/slides/slide8.xml><?xml version="1.0" encoding="utf-8"?>
 <p:sld xmlns:a="http://schemas.openxmlformats.org/drawingml/2006/main" xmlns:r="http://schemas.openxmlformats.org/officeDocument/2006/relationships" xmlns:p="http://schemas.openxmlformats.org/presentationml/2006/main">
   <p:cSld>
     <p:spTree>
@@ -13648,7 +18376,7 @@
 </p:sld>
 </file>
 
-<file path=ppt/slides/slide8.xml><?xml version="1.0" encoding="utf-8"?>
+<file path=ppt/slides/slide9.xml><?xml version="1.0" encoding="utf-8"?>
 <p:sld xmlns:a="http://schemas.openxmlformats.org/drawingml/2006/main" xmlns:r="http://schemas.openxmlformats.org/officeDocument/2006/relationships" xmlns:p="http://schemas.openxmlformats.org/presentationml/2006/main">
   <p:cSld>
     <p:spTree>
@@ -13950,470 +18678,6 @@
     <p:extLst>
       <p:ext uri="{BB962C8B-B14F-4D97-AF65-F5344CB8AC3E}">
         <p14:creationId xmlns:p14="http://schemas.microsoft.com/office/powerpoint/2010/main" val="1958089608"/>
-      </p:ext>
-    </p:extLst>
-  </p:cSld>
-  <p:clrMapOvr>
-    <a:masterClrMapping/>
-  </p:clrMapOvr>
-</p:sld>
-</file>
-
-<file path=ppt/slides/slide9.xml><?xml version="1.0" encoding="utf-8"?>
-<p:sld xmlns:a="http://schemas.openxmlformats.org/drawingml/2006/main" xmlns:r="http://schemas.openxmlformats.org/officeDocument/2006/relationships" xmlns:p="http://schemas.openxmlformats.org/presentationml/2006/main">
-  <p:cSld>
-    <p:spTree>
-      <p:nvGrpSpPr>
-        <p:cNvPr id="1" name=""/>
-        <p:cNvGrpSpPr/>
-        <p:nvPr/>
-      </p:nvGrpSpPr>
-      <p:grpSpPr>
-        <a:xfrm>
-          <a:off x="0" y="0"/>
-          <a:ext cx="0" cy="0"/>
-          <a:chOff x="0" y="0"/>
-          <a:chExt cx="0" cy="0"/>
-        </a:xfrm>
-      </p:grpSpPr>
-      <p:sp>
-        <p:nvSpPr>
-          <p:cNvPr id="4" name="Rectangle 3">
-            <a:extLst>
-              <a:ext uri="{FF2B5EF4-FFF2-40B4-BE49-F238E27FC236}">
-                <a16:creationId xmlns:a16="http://schemas.microsoft.com/office/drawing/2014/main" id="{B7FDAD40-0183-426E-8E7D-3DE7448A42D6}"/>
-              </a:ext>
-            </a:extLst>
-          </p:cNvPr>
-          <p:cNvSpPr/>
-          <p:nvPr/>
-        </p:nvSpPr>
-        <p:spPr>
-          <a:xfrm>
-            <a:off x="3224795" y="106689"/>
-            <a:ext cx="5440400" cy="923330"/>
-          </a:xfrm>
-          <a:prstGeom prst="rect">
-            <a:avLst/>
-          </a:prstGeom>
-          <a:noFill/>
-        </p:spPr>
-        <p:txBody>
-          <a:bodyPr wrap="none" lIns="91440" tIns="45720" rIns="91440" bIns="45720">
-            <a:spAutoFit/>
-          </a:bodyPr>
-          <a:lstStyle/>
-          <a:p>
-            <a:pPr algn="ctr"/>
-            <a:r>
-              <a:rPr lang="en-US" sz="5400" b="1" cap="none" spc="0" dirty="0">
-                <a:ln w="6600">
-                  <a:solidFill>
-                    <a:schemeClr val="accent2"/>
-                  </a:solidFill>
-                  <a:prstDash val="solid"/>
-                </a:ln>
-                <a:solidFill>
-                  <a:schemeClr val="accent2">
-                    <a:lumMod val="40000"/>
-                    <a:lumOff val="60000"/>
-                  </a:schemeClr>
-                </a:solidFill>
-                <a:effectLst>
-                  <a:outerShdw dist="38100" dir="2700000" algn="tl" rotWithShape="0">
-                    <a:schemeClr val="accent2"/>
-                  </a:outerShdw>
-                </a:effectLst>
-              </a:rPr>
-              <a:t>Spring Cloud Tools</a:t>
-            </a:r>
-            <a:endParaRPr lang="en-IN" sz="5400" b="1" cap="none" spc="0" dirty="0">
-              <a:ln w="6600">
-                <a:solidFill>
-                  <a:schemeClr val="accent2"/>
-                </a:solidFill>
-                <a:prstDash val="solid"/>
-              </a:ln>
-              <a:solidFill>
-                <a:schemeClr val="accent2">
-                  <a:lumMod val="40000"/>
-                  <a:lumOff val="60000"/>
-                </a:schemeClr>
-              </a:solidFill>
-              <a:effectLst>
-                <a:outerShdw dist="38100" dir="2700000" algn="tl" rotWithShape="0">
-                  <a:schemeClr val="accent2"/>
-                </a:outerShdw>
-              </a:effectLst>
-            </a:endParaRPr>
-          </a:p>
-        </p:txBody>
-      </p:sp>
-      <p:sp>
-        <p:nvSpPr>
-          <p:cNvPr id="5" name="TextBox 4">
-            <a:extLst>
-              <a:ext uri="{FF2B5EF4-FFF2-40B4-BE49-F238E27FC236}">
-                <a16:creationId xmlns:a16="http://schemas.microsoft.com/office/drawing/2014/main" id="{15DC33B4-06A1-41FB-B98E-8C51A1DC0EAC}"/>
-              </a:ext>
-            </a:extLst>
-          </p:cNvPr>
-          <p:cNvSpPr txBox="1"/>
-          <p:nvPr/>
-        </p:nvSpPr>
-        <p:spPr>
-          <a:xfrm>
-            <a:off x="276837" y="5914239"/>
-            <a:ext cx="11660697" cy="523220"/>
-          </a:xfrm>
-          <a:prstGeom prst="rect">
-            <a:avLst/>
-          </a:prstGeom>
-          <a:noFill/>
-          <a:ln>
-            <a:solidFill>
-              <a:schemeClr val="accent2">
-                <a:lumMod val="60000"/>
-                <a:lumOff val="40000"/>
-              </a:schemeClr>
-            </a:solidFill>
-          </a:ln>
-        </p:spPr>
-        <p:txBody>
-          <a:bodyPr wrap="square" rtlCol="0">
-            <a:spAutoFit/>
-          </a:bodyPr>
-          <a:lstStyle/>
-          <a:p>
-            <a:r>
-              <a:rPr lang="en-IN" sz="1400" i="1" dirty="0">
-                <a:solidFill>
-                  <a:schemeClr val="accent1">
-                    <a:lumMod val="75000"/>
-                  </a:schemeClr>
-                </a:solidFill>
-              </a:rPr>
-              <a:t>*Spring Boot is an efficient framework for creating a Spring-based application. Anyone with basic Java programming skills can quickly create and run a Spring Boot microservice.</a:t>
-            </a:r>
-          </a:p>
-        </p:txBody>
-      </p:sp>
-      <p:sp>
-        <p:nvSpPr>
-          <p:cNvPr id="2" name="Rectangle 1">
-            <a:extLst>
-              <a:ext uri="{FF2B5EF4-FFF2-40B4-BE49-F238E27FC236}">
-                <a16:creationId xmlns:a16="http://schemas.microsoft.com/office/drawing/2014/main" id="{E0DDF1E5-E4A1-47EE-ABD8-6E388EF255CE}"/>
-              </a:ext>
-            </a:extLst>
-          </p:cNvPr>
-          <p:cNvSpPr/>
-          <p:nvPr/>
-        </p:nvSpPr>
-        <p:spPr>
-          <a:xfrm>
-            <a:off x="562062" y="1276062"/>
-            <a:ext cx="10393960" cy="2862322"/>
-          </a:xfrm>
-          <a:prstGeom prst="rect">
-            <a:avLst/>
-          </a:prstGeom>
-        </p:spPr>
-        <p:txBody>
-          <a:bodyPr wrap="square">
-            <a:spAutoFit/>
-          </a:bodyPr>
-          <a:lstStyle/>
-          <a:p>
-            <a:r>
-              <a:rPr lang="en-IN" dirty="0">
-                <a:latin typeface="Georgia" panose="02040502050405020303" pitchFamily="18" charset="0"/>
-              </a:rPr>
-              <a:t>Spring Cloud provides the following tools:</a:t>
-            </a:r>
-          </a:p>
-          <a:p>
-            <a:pPr marL="742950" lvl="1" indent="-285750">
-              <a:buFont typeface="Arial" panose="020B0604020202020204" pitchFamily="34" charset="0"/>
-              <a:buChar char="•"/>
-            </a:pPr>
-            <a:r>
-              <a:rPr lang="en-IN" b="1" dirty="0">
-                <a:solidFill>
-                  <a:schemeClr val="accent1">
-                    <a:lumMod val="75000"/>
-                  </a:schemeClr>
-                </a:solidFill>
-                <a:latin typeface="Georgia" panose="02040502050405020303" pitchFamily="18" charset="0"/>
-              </a:rPr>
-              <a:t>Configuration Management</a:t>
-            </a:r>
-            <a:r>
-              <a:rPr lang="en-IN" dirty="0">
-                <a:latin typeface="Georgia" panose="02040502050405020303" pitchFamily="18" charset="0"/>
-              </a:rPr>
-              <a:t>: Spring Config Server (with GIT repository)</a:t>
-            </a:r>
-          </a:p>
-          <a:p>
-            <a:pPr marL="742950" lvl="1" indent="-285750">
-              <a:buFont typeface="Arial" panose="020B0604020202020204" pitchFamily="34" charset="0"/>
-              <a:buChar char="•"/>
-            </a:pPr>
-            <a:r>
-              <a:rPr lang="en-IN" b="1" dirty="0">
-                <a:solidFill>
-                  <a:schemeClr val="accent1">
-                    <a:lumMod val="75000"/>
-                  </a:schemeClr>
-                </a:solidFill>
-                <a:latin typeface="Georgia" panose="02040502050405020303" pitchFamily="18" charset="0"/>
-              </a:rPr>
-              <a:t>Service Registration and Discovery </a:t>
-            </a:r>
-            <a:r>
-              <a:rPr lang="en-IN" dirty="0">
-                <a:latin typeface="Georgia" panose="02040502050405020303" pitchFamily="18" charset="0"/>
-              </a:rPr>
-              <a:t>-Eureka Server (Netflix)</a:t>
-            </a:r>
-          </a:p>
-          <a:p>
-            <a:pPr marL="742950" lvl="1" indent="-285750">
-              <a:buFont typeface="Arial" panose="020B0604020202020204" pitchFamily="34" charset="0"/>
-              <a:buChar char="•"/>
-            </a:pPr>
-            <a:r>
-              <a:rPr lang="en-IN" b="1" dirty="0">
-                <a:solidFill>
-                  <a:schemeClr val="accent1">
-                    <a:lumMod val="75000"/>
-                  </a:schemeClr>
-                </a:solidFill>
-                <a:latin typeface="Georgia" panose="02040502050405020303" pitchFamily="18" charset="0"/>
-              </a:rPr>
-              <a:t>Gateway to client applications </a:t>
-            </a:r>
-            <a:r>
-              <a:rPr lang="en-IN" dirty="0">
-                <a:latin typeface="Georgia" panose="02040502050405020303" pitchFamily="18" charset="0"/>
-              </a:rPr>
-              <a:t>- </a:t>
-            </a:r>
-            <a:r>
-              <a:rPr lang="en-IN" dirty="0" err="1">
-                <a:latin typeface="Georgia" panose="02040502050405020303" pitchFamily="18" charset="0"/>
-              </a:rPr>
-              <a:t>Zuul</a:t>
-            </a:r>
-            <a:r>
-              <a:rPr lang="en-IN" dirty="0">
-                <a:latin typeface="Georgia" panose="02040502050405020303" pitchFamily="18" charset="0"/>
-              </a:rPr>
-              <a:t> Gateway (Netflix)</a:t>
-            </a:r>
-          </a:p>
-          <a:p>
-            <a:pPr marL="742950" lvl="1" indent="-285750">
-              <a:buFont typeface="Arial" panose="020B0604020202020204" pitchFamily="34" charset="0"/>
-              <a:buChar char="•"/>
-            </a:pPr>
-            <a:r>
-              <a:rPr lang="en-IN" b="1" dirty="0">
-                <a:solidFill>
-                  <a:schemeClr val="accent1">
-                    <a:lumMod val="75000"/>
-                  </a:schemeClr>
-                </a:solidFill>
-                <a:latin typeface="Georgia" panose="02040502050405020303" pitchFamily="18" charset="0"/>
-              </a:rPr>
-              <a:t>Authentication Service </a:t>
-            </a:r>
-            <a:r>
-              <a:rPr lang="en-IN" b="1" i="1" dirty="0">
-                <a:latin typeface="Georgia" panose="02040502050405020303" pitchFamily="18" charset="0"/>
-              </a:rPr>
-              <a:t>-</a:t>
-            </a:r>
-            <a:r>
-              <a:rPr lang="en-IN" i="1" dirty="0">
-                <a:latin typeface="Georgia" panose="02040502050405020303" pitchFamily="18" charset="0"/>
-              </a:rPr>
-              <a:t>Spring Cloud Security, JWT, Outh2 -</a:t>
-            </a:r>
-          </a:p>
-          <a:p>
-            <a:pPr marL="742950" lvl="1" indent="-285750">
-              <a:buFont typeface="Arial" panose="020B0604020202020204" pitchFamily="34" charset="0"/>
-              <a:buChar char="•"/>
-            </a:pPr>
-            <a:r>
-              <a:rPr lang="en-IN" b="1" dirty="0">
-                <a:solidFill>
-                  <a:schemeClr val="accent1">
-                    <a:lumMod val="75000"/>
-                  </a:schemeClr>
-                </a:solidFill>
-                <a:latin typeface="Georgia" panose="02040502050405020303" pitchFamily="18" charset="0"/>
-              </a:rPr>
-              <a:t>Rest Client </a:t>
-            </a:r>
-            <a:r>
-              <a:rPr lang="en-IN" dirty="0">
-                <a:latin typeface="Georgia" panose="02040502050405020303" pitchFamily="18" charset="0"/>
-              </a:rPr>
-              <a:t>- </a:t>
-            </a:r>
-            <a:r>
-              <a:rPr lang="en-IN" dirty="0" err="1">
-                <a:latin typeface="Georgia" panose="02040502050405020303" pitchFamily="18" charset="0"/>
-              </a:rPr>
-              <a:t>FeignClient</a:t>
-            </a:r>
-            <a:r>
-              <a:rPr lang="en-IN" dirty="0">
-                <a:latin typeface="Georgia" panose="02040502050405020303" pitchFamily="18" charset="0"/>
-              </a:rPr>
-              <a:t> and </a:t>
-            </a:r>
-            <a:r>
-              <a:rPr lang="en-IN" dirty="0" err="1">
-                <a:latin typeface="Georgia" panose="02040502050405020303" pitchFamily="18" charset="0"/>
-              </a:rPr>
-              <a:t>RestTemplate</a:t>
-            </a:r>
-            <a:endParaRPr lang="en-IN" i="1" dirty="0">
-              <a:latin typeface="Georgia" panose="02040502050405020303" pitchFamily="18" charset="0"/>
-            </a:endParaRPr>
-          </a:p>
-          <a:p>
-            <a:pPr marL="742950" lvl="1" indent="-285750">
-              <a:buFont typeface="Arial" panose="020B0604020202020204" pitchFamily="34" charset="0"/>
-              <a:buChar char="•"/>
-            </a:pPr>
-            <a:r>
-              <a:rPr lang="en-IN" b="1" dirty="0">
-                <a:solidFill>
-                  <a:schemeClr val="accent1">
-                    <a:lumMod val="75000"/>
-                  </a:schemeClr>
-                </a:solidFill>
-                <a:latin typeface="Georgia" panose="02040502050405020303" pitchFamily="18" charset="0"/>
-              </a:rPr>
-              <a:t>Load Balancer </a:t>
-            </a:r>
-            <a:r>
-              <a:rPr lang="en-IN" dirty="0">
-                <a:latin typeface="Georgia" panose="02040502050405020303" pitchFamily="18" charset="0"/>
-              </a:rPr>
-              <a:t>- Using Ribbon Approach</a:t>
-            </a:r>
-            <a:endParaRPr lang="en-IN" i="1" dirty="0">
-              <a:latin typeface="Georgia" panose="02040502050405020303" pitchFamily="18" charset="0"/>
-            </a:endParaRPr>
-          </a:p>
-          <a:p>
-            <a:pPr marL="742950" lvl="1" indent="-285750">
-              <a:buFont typeface="Arial" panose="020B0604020202020204" pitchFamily="34" charset="0"/>
-              <a:buChar char="•"/>
-            </a:pPr>
-            <a:r>
-              <a:rPr lang="en-IN" b="1" dirty="0">
-                <a:solidFill>
-                  <a:schemeClr val="accent1">
-                    <a:lumMod val="75000"/>
-                  </a:schemeClr>
-                </a:solidFill>
-                <a:latin typeface="Georgia" panose="02040502050405020303" pitchFamily="18" charset="0"/>
-              </a:rPr>
-              <a:t>Circuit Breaker Pattern </a:t>
-            </a:r>
-            <a:r>
-              <a:rPr lang="en-IN" dirty="0">
-                <a:latin typeface="Georgia" panose="02040502050405020303" pitchFamily="18" charset="0"/>
-              </a:rPr>
-              <a:t>- </a:t>
-            </a:r>
-            <a:r>
-              <a:rPr lang="en-IN" dirty="0" err="1">
-                <a:latin typeface="Georgia" panose="02040502050405020303" pitchFamily="18" charset="0"/>
-              </a:rPr>
-              <a:t>Hystrix</a:t>
-            </a:r>
-            <a:endParaRPr lang="en-IN" i="1" dirty="0">
-              <a:latin typeface="Georgia" panose="02040502050405020303" pitchFamily="18" charset="0"/>
-            </a:endParaRPr>
-          </a:p>
-          <a:p>
-            <a:pPr marL="742950" lvl="1" indent="-285750">
-              <a:buFont typeface="Arial" panose="020B0604020202020204" pitchFamily="34" charset="0"/>
-              <a:buChar char="•"/>
-            </a:pPr>
-            <a:r>
-              <a:rPr lang="en-IN" b="1" dirty="0">
-                <a:solidFill>
-                  <a:schemeClr val="accent1">
-                    <a:lumMod val="75000"/>
-                  </a:schemeClr>
-                </a:solidFill>
-                <a:latin typeface="Georgia" panose="02040502050405020303" pitchFamily="18" charset="0"/>
-              </a:rPr>
-              <a:t>Distributed log tracing </a:t>
-            </a:r>
-            <a:r>
-              <a:rPr lang="en-IN" dirty="0">
-                <a:latin typeface="Georgia" panose="02040502050405020303" pitchFamily="18" charset="0"/>
-              </a:rPr>
-              <a:t>- </a:t>
-            </a:r>
-            <a:r>
-              <a:rPr lang="en-IN" dirty="0" err="1">
-                <a:latin typeface="Georgia" panose="02040502050405020303" pitchFamily="18" charset="0"/>
-              </a:rPr>
-              <a:t>Zipkin</a:t>
-            </a:r>
-            <a:r>
-              <a:rPr lang="en-IN" dirty="0">
-                <a:latin typeface="Georgia" panose="02040502050405020303" pitchFamily="18" charset="0"/>
-              </a:rPr>
-              <a:t> and Sleuth</a:t>
-            </a:r>
-            <a:endParaRPr lang="en-IN" i="1" dirty="0">
-              <a:latin typeface="Georgia" panose="02040502050405020303" pitchFamily="18" charset="0"/>
-            </a:endParaRPr>
-          </a:p>
-          <a:p>
-            <a:pPr marL="742950" lvl="1" indent="-285750">
-              <a:buFont typeface="Arial" panose="020B0604020202020204" pitchFamily="34" charset="0"/>
-              <a:buChar char="•"/>
-            </a:pPr>
-            <a:r>
-              <a:rPr lang="en-IN" b="1" dirty="0">
-                <a:solidFill>
-                  <a:schemeClr val="accent1">
-                    <a:lumMod val="75000"/>
-                  </a:schemeClr>
-                </a:solidFill>
-                <a:latin typeface="Georgia" panose="02040502050405020303" pitchFamily="18" charset="0"/>
-              </a:rPr>
-              <a:t>Managing, Searching, and Visualizing Logs </a:t>
-            </a:r>
-            <a:r>
-              <a:rPr lang="en-IN" dirty="0">
-                <a:latin typeface="Georgia" panose="02040502050405020303" pitchFamily="18" charset="0"/>
-              </a:rPr>
-              <a:t>- ELK (Elasticsearch, Logstash, Kibana)</a:t>
-            </a:r>
-            <a:endParaRPr lang="en-IN" i="1" dirty="0">
-              <a:latin typeface="Georgia" panose="02040502050405020303" pitchFamily="18" charset="0"/>
-            </a:endParaRPr>
-          </a:p>
-        </p:txBody>
-      </p:sp>
-    </p:spTree>
-    <p:extLst>
-      <p:ext uri="{BB962C8B-B14F-4D97-AF65-F5344CB8AC3E}">
-        <p14:creationId xmlns:p14="http://schemas.microsoft.com/office/powerpoint/2010/main" val="3876517674"/>
       </p:ext>
     </p:extLst>
   </p:cSld>
